--- a/Defensa proyecto intermodular.pptx
+++ b/Defensa proyecto intermodular.pptx
@@ -6,19 +6,20 @@
   </p:sldMasterIdLst>
   <p:sldIdLst>
     <p:sldId id="256" r:id="rId2"/>
-    <p:sldId id="259" r:id="rId3"/>
+    <p:sldId id="274" r:id="rId3"/>
     <p:sldId id="260" r:id="rId4"/>
     <p:sldId id="261" r:id="rId5"/>
     <p:sldId id="262" r:id="rId6"/>
     <p:sldId id="263" r:id="rId7"/>
     <p:sldId id="265" r:id="rId8"/>
-    <p:sldId id="264" r:id="rId9"/>
-    <p:sldId id="266" r:id="rId10"/>
-    <p:sldId id="267" r:id="rId11"/>
-    <p:sldId id="268" r:id="rId12"/>
-    <p:sldId id="269" r:id="rId13"/>
-    <p:sldId id="270" r:id="rId14"/>
-    <p:sldId id="271" r:id="rId15"/>
+    <p:sldId id="272" r:id="rId9"/>
+    <p:sldId id="264" r:id="rId10"/>
+    <p:sldId id="275" r:id="rId11"/>
+    <p:sldId id="267" r:id="rId12"/>
+    <p:sldId id="268" r:id="rId13"/>
+    <p:sldId id="269" r:id="rId14"/>
+    <p:sldId id="270" r:id="rId15"/>
+    <p:sldId id="271" r:id="rId16"/>
   </p:sldIdLst>
   <p:sldSz cx="12192000" cy="6858000"/>
   <p:notesSz cx="6858000" cy="9144000"/>
@@ -272,7 +273,7 @@
           <a:p>
             <a:fld id="{42FED0DD-E224-46FA-8164-CFFAE7FFC6E7}" type="datetimeFigureOut">
               <a:rPr lang="es-ES" smtClean="0"/>
-              <a:t>19/05/2023</a:t>
+              <a:t>20/05/2023</a:t>
             </a:fld>
             <a:endParaRPr lang="es-ES"/>
           </a:p>
@@ -470,7 +471,7 @@
           <a:p>
             <a:fld id="{42FED0DD-E224-46FA-8164-CFFAE7FFC6E7}" type="datetimeFigureOut">
               <a:rPr lang="es-ES" smtClean="0"/>
-              <a:t>19/05/2023</a:t>
+              <a:t>20/05/2023</a:t>
             </a:fld>
             <a:endParaRPr lang="es-ES"/>
           </a:p>
@@ -678,7 +679,7 @@
           <a:p>
             <a:fld id="{42FED0DD-E224-46FA-8164-CFFAE7FFC6E7}" type="datetimeFigureOut">
               <a:rPr lang="es-ES" smtClean="0"/>
-              <a:t>19/05/2023</a:t>
+              <a:t>20/05/2023</a:t>
             </a:fld>
             <a:endParaRPr lang="es-ES"/>
           </a:p>
@@ -876,7 +877,7 @@
           <a:p>
             <a:fld id="{42FED0DD-E224-46FA-8164-CFFAE7FFC6E7}" type="datetimeFigureOut">
               <a:rPr lang="es-ES" smtClean="0"/>
-              <a:t>19/05/2023</a:t>
+              <a:t>20/05/2023</a:t>
             </a:fld>
             <a:endParaRPr lang="es-ES"/>
           </a:p>
@@ -1151,7 +1152,7 @@
           <a:p>
             <a:fld id="{42FED0DD-E224-46FA-8164-CFFAE7FFC6E7}" type="datetimeFigureOut">
               <a:rPr lang="es-ES" smtClean="0"/>
-              <a:t>19/05/2023</a:t>
+              <a:t>20/05/2023</a:t>
             </a:fld>
             <a:endParaRPr lang="es-ES"/>
           </a:p>
@@ -1416,7 +1417,7 @@
           <a:p>
             <a:fld id="{42FED0DD-E224-46FA-8164-CFFAE7FFC6E7}" type="datetimeFigureOut">
               <a:rPr lang="es-ES" smtClean="0"/>
-              <a:t>19/05/2023</a:t>
+              <a:t>20/05/2023</a:t>
             </a:fld>
             <a:endParaRPr lang="es-ES"/>
           </a:p>
@@ -1828,7 +1829,7 @@
           <a:p>
             <a:fld id="{42FED0DD-E224-46FA-8164-CFFAE7FFC6E7}" type="datetimeFigureOut">
               <a:rPr lang="es-ES" smtClean="0"/>
-              <a:t>19/05/2023</a:t>
+              <a:t>20/05/2023</a:t>
             </a:fld>
             <a:endParaRPr lang="es-ES"/>
           </a:p>
@@ -1969,7 +1970,7 @@
           <a:p>
             <a:fld id="{42FED0DD-E224-46FA-8164-CFFAE7FFC6E7}" type="datetimeFigureOut">
               <a:rPr lang="es-ES" smtClean="0"/>
-              <a:t>19/05/2023</a:t>
+              <a:t>20/05/2023</a:t>
             </a:fld>
             <a:endParaRPr lang="es-ES"/>
           </a:p>
@@ -2082,7 +2083,7 @@
           <a:p>
             <a:fld id="{42FED0DD-E224-46FA-8164-CFFAE7FFC6E7}" type="datetimeFigureOut">
               <a:rPr lang="es-ES" smtClean="0"/>
-              <a:t>19/05/2023</a:t>
+              <a:t>20/05/2023</a:t>
             </a:fld>
             <a:endParaRPr lang="es-ES"/>
           </a:p>
@@ -2393,7 +2394,7 @@
           <a:p>
             <a:fld id="{42FED0DD-E224-46FA-8164-CFFAE7FFC6E7}" type="datetimeFigureOut">
               <a:rPr lang="es-ES" smtClean="0"/>
-              <a:t>19/05/2023</a:t>
+              <a:t>20/05/2023</a:t>
             </a:fld>
             <a:endParaRPr lang="es-ES"/>
           </a:p>
@@ -2681,7 +2682,7 @@
           <a:p>
             <a:fld id="{42FED0DD-E224-46FA-8164-CFFAE7FFC6E7}" type="datetimeFigureOut">
               <a:rPr lang="es-ES" smtClean="0"/>
-              <a:t>19/05/2023</a:t>
+              <a:t>20/05/2023</a:t>
             </a:fld>
             <a:endParaRPr lang="es-ES"/>
           </a:p>
@@ -2922,7 +2923,7 @@
           <a:p>
             <a:fld id="{42FED0DD-E224-46FA-8164-CFFAE7FFC6E7}" type="datetimeFigureOut">
               <a:rPr lang="es-ES" smtClean="0"/>
-              <a:t>19/05/2023</a:t>
+              <a:t>20/05/2023</a:t>
             </a:fld>
             <a:endParaRPr lang="es-ES"/>
           </a:p>
@@ -3328,7 +3329,7 @@
     <p:bg>
       <p:bgPr>
         <a:solidFill>
-          <a:srgbClr val="000000"/>
+          <a:schemeClr val="bg1"/>
         </a:solidFill>
         <a:effectLst/>
       </p:bgPr>
@@ -3347,42 +3348,82 @@
           <a:chExt cx="0" cy="0"/>
         </a:xfrm>
       </p:grpSpPr>
-      <p:pic>
-        <p:nvPicPr>
-          <p:cNvPr id="5" name="Imagen 4">
+      <p:sp useBgFill="1">
+        <p:nvSpPr>
+          <p:cNvPr id="10" name="Rectangle 9">
             <a:extLst>
               <a:ext uri="{FF2B5EF4-FFF2-40B4-BE49-F238E27FC236}">
-                <a16:creationId xmlns:a16="http://schemas.microsoft.com/office/drawing/2014/main" id="{D302579A-20E3-4C09-95D2-4C839DDBED76}"/>
+                <a16:creationId xmlns:a16="http://schemas.microsoft.com/office/drawing/2014/main" id="{A8384FB5-9ADC-4DDC-881B-597D56F5B15D}"/>
+              </a:ext>
+              <a:ext uri="{C183D7F6-B498-43B3-948B-1728B52AA6E4}">
+                <adec:decorative xmlns:adec="http://schemas.microsoft.com/office/drawing/2017/decorative" val="1"/>
               </a:ext>
             </a:extLst>
           </p:cNvPr>
-          <p:cNvPicPr>
-            <a:picLocks noChangeAspect="1"/>
-          </p:cNvPicPr>
-          <p:nvPr/>
-        </p:nvPicPr>
-        <p:blipFill rotWithShape="1">
-          <a:blip r:embed="rId2">
-            <a:alphaModFix amt="50000"/>
-            <a:extLst>
-              <a:ext uri="{28A0092B-C50C-407E-A947-70E740481C1C}">
-                <a14:useLocalDpi xmlns:a14="http://schemas.microsoft.com/office/drawing/2010/main" val="0"/>
-              </a:ext>
-            </a:extLst>
-          </a:blip>
-          <a:srcRect r="7110" b="-1"/>
-          <a:stretch/>
-        </p:blipFill>
+          <p:cNvSpPr>
+            <a:spLocks noGrp="1" noRot="1" noChangeAspect="1" noMove="1" noResize="1" noEditPoints="1" noAdjustHandles="1" noChangeArrowheads="1" noChangeShapeType="1" noTextEdit="1"/>
+          </p:cNvSpPr>
+          <p:nvPr>
+            <p:extLst>
+              <p:ext uri="{386F3935-93C4-4BCD-93E2-E3B085C9AB24}">
+                <p16:designElem xmlns:p16="http://schemas.microsoft.com/office/powerpoint/2015/main" val="1"/>
+              </p:ext>
+            </p:extLst>
+          </p:nvPr>
+        </p:nvSpPr>
         <p:spPr>
           <a:xfrm>
-            <a:off x="20" y="1"/>
-            <a:ext cx="12191980" cy="6857999"/>
+            <a:off x="0" y="0"/>
+            <a:ext cx="12192000" cy="6858000"/>
           </a:xfrm>
           <a:prstGeom prst="rect">
             <a:avLst/>
           </a:prstGeom>
+          <a:ln w="12700" cap="flat" cmpd="sng" algn="ctr">
+            <a:noFill/>
+            <a:prstDash val="solid"/>
+            <a:miter lim="800000"/>
+          </a:ln>
+          <a:effectLst/>
+          <a:extLst>
+            <a:ext uri="{91240B29-F687-4F45-9708-019B960494DF}">
+              <a14:hiddenLine xmlns:a14="http://schemas.microsoft.com/office/drawing/2010/main" w="12700" cap="flat" cmpd="sng" algn="ctr">
+                <a:solidFill>
+                  <a:schemeClr val="accent1">
+                    <a:shade val="50000"/>
+                  </a:schemeClr>
+                </a:solidFill>
+                <a:prstDash val="solid"/>
+                <a:miter lim="800000"/>
+              </a14:hiddenLine>
+            </a:ext>
+          </a:extLst>
         </p:spPr>
-      </p:pic>
+        <p:style>
+          <a:lnRef idx="2">
+            <a:schemeClr val="accent1">
+              <a:shade val="50000"/>
+            </a:schemeClr>
+          </a:lnRef>
+          <a:fillRef idx="1">
+            <a:schemeClr val="accent1"/>
+          </a:fillRef>
+          <a:effectRef idx="0">
+            <a:schemeClr val="accent1"/>
+          </a:effectRef>
+          <a:fontRef idx="minor">
+            <a:schemeClr val="lt1"/>
+          </a:fontRef>
+        </p:style>
+        <p:txBody>
+          <a:bodyPr rtlCol="0" anchor="ctr"/>
+          <a:lstStyle/>
+          <a:p>
+            <a:pPr algn="ctr"/>
+            <a:endParaRPr lang="en-US"/>
+          </a:p>
+        </p:txBody>
+      </p:sp>
       <p:sp>
         <p:nvSpPr>
           <p:cNvPr id="2" name="Título 1">
@@ -3401,24 +3442,244 @@
         </p:nvSpPr>
         <p:spPr>
           <a:xfrm>
-            <a:off x="1524000" y="1122362"/>
-            <a:ext cx="9144000" cy="2900518"/>
+            <a:off x="823442" y="921715"/>
+            <a:ext cx="5163022" cy="2635993"/>
           </a:xfrm>
         </p:spPr>
         <p:txBody>
-          <a:bodyPr>
+          <a:bodyPr anchor="b">
             <a:normAutofit/>
           </a:bodyPr>
           <a:lstStyle/>
           <a:p>
-            <a:r>
-              <a:rPr lang="es-ES" dirty="0">
-                <a:solidFill>
-                  <a:srgbClr val="FFFFFF"/>
-                </a:solidFill>
-              </a:rPr>
+            <a:pPr algn="l"/>
+            <a:r>
+              <a:rPr lang="es-ES" sz="4400"/>
               <a:t>DEFENSA DEL PROYECTO INTERMODULAR DE BASES DE DATOS</a:t>
             </a:r>
+            <a:endParaRPr lang="es-ES" sz="4400" dirty="0"/>
+          </a:p>
+        </p:txBody>
+      </p:sp>
+      <p:sp>
+        <p:nvSpPr>
+          <p:cNvPr id="12" name="Rectangle 11">
+            <a:extLst>
+              <a:ext uri="{FF2B5EF4-FFF2-40B4-BE49-F238E27FC236}">
+                <a16:creationId xmlns:a16="http://schemas.microsoft.com/office/drawing/2014/main" id="{BC05CA36-AD6A-4ABF-9A05-52E5A143D2BB}"/>
+              </a:ext>
+              <a:ext uri="{C183D7F6-B498-43B3-948B-1728B52AA6E4}">
+                <adec:decorative xmlns:adec="http://schemas.microsoft.com/office/drawing/2017/decorative" val="1"/>
+              </a:ext>
+            </a:extLst>
+          </p:cNvPr>
+          <p:cNvSpPr>
+            <a:spLocks noGrp="1" noRot="1" noChangeAspect="1" noMove="1" noResize="1" noEditPoints="1" noAdjustHandles="1" noChangeArrowheads="1" noChangeShapeType="1" noTextEdit="1"/>
+          </p:cNvSpPr>
+          <p:nvPr>
+            <p:extLst>
+              <p:ext uri="{386F3935-93C4-4BCD-93E2-E3B085C9AB24}">
+                <p16:designElem xmlns:p16="http://schemas.microsoft.com/office/powerpoint/2015/main" val="1"/>
+              </p:ext>
+            </p:extLst>
+          </p:nvPr>
+        </p:nvSpPr>
+        <p:spPr>
+          <a:xfrm rot="10800000" flipH="1">
+            <a:off x="0" y="4022214"/>
+            <a:ext cx="12192000" cy="2835786"/>
+          </a:xfrm>
+          <a:prstGeom prst="rect">
+            <a:avLst/>
+          </a:prstGeom>
+          <a:gradFill>
+            <a:gsLst>
+              <a:gs pos="0">
+                <a:schemeClr val="accent1"/>
+              </a:gs>
+              <a:gs pos="78000">
+                <a:srgbClr val="000000"/>
+              </a:gs>
+            </a:gsLst>
+            <a:lin ang="2400000" scaled="0"/>
+          </a:gradFill>
+          <a:ln>
+            <a:noFill/>
+          </a:ln>
+        </p:spPr>
+        <p:style>
+          <a:lnRef idx="2">
+            <a:schemeClr val="accent1">
+              <a:shade val="50000"/>
+            </a:schemeClr>
+          </a:lnRef>
+          <a:fillRef idx="1">
+            <a:schemeClr val="accent1"/>
+          </a:fillRef>
+          <a:effectRef idx="0">
+            <a:schemeClr val="accent1"/>
+          </a:effectRef>
+          <a:fontRef idx="minor">
+            <a:schemeClr val="lt1"/>
+          </a:fontRef>
+        </p:style>
+        <p:txBody>
+          <a:bodyPr rtlCol="0" anchor="ctr"/>
+          <a:lstStyle/>
+          <a:p>
+            <a:pPr algn="ctr"/>
+            <a:endParaRPr lang="en-US"/>
+          </a:p>
+        </p:txBody>
+      </p:sp>
+      <p:sp>
+        <p:nvSpPr>
+          <p:cNvPr id="14" name="Rectangle 13">
+            <a:extLst>
+              <a:ext uri="{FF2B5EF4-FFF2-40B4-BE49-F238E27FC236}">
+                <a16:creationId xmlns:a16="http://schemas.microsoft.com/office/drawing/2014/main" id="{D4331EE8-85A4-4588-8D9E-70E534D477DB}"/>
+              </a:ext>
+              <a:ext uri="{C183D7F6-B498-43B3-948B-1728B52AA6E4}">
+                <adec:decorative xmlns:adec="http://schemas.microsoft.com/office/drawing/2017/decorative" val="1"/>
+              </a:ext>
+            </a:extLst>
+          </p:cNvPr>
+          <p:cNvSpPr>
+            <a:spLocks noGrp="1" noRot="1" noChangeAspect="1" noMove="1" noResize="1" noEditPoints="1" noAdjustHandles="1" noChangeArrowheads="1" noChangeShapeType="1" noTextEdit="1"/>
+          </p:cNvSpPr>
+          <p:nvPr>
+            <p:extLst>
+              <p:ext uri="{386F3935-93C4-4BCD-93E2-E3B085C9AB24}">
+                <p16:designElem xmlns:p16="http://schemas.microsoft.com/office/powerpoint/2015/main" val="1"/>
+              </p:ext>
+            </p:extLst>
+          </p:nvPr>
+        </p:nvSpPr>
+        <p:spPr>
+          <a:xfrm flipH="1">
+            <a:off x="4038600" y="4022220"/>
+            <a:ext cx="8153398" cy="2835780"/>
+          </a:xfrm>
+          <a:prstGeom prst="rect">
+            <a:avLst/>
+          </a:prstGeom>
+          <a:gradFill>
+            <a:gsLst>
+              <a:gs pos="0">
+                <a:srgbClr val="000000">
+                  <a:alpha val="63000"/>
+                </a:srgbClr>
+              </a:gs>
+              <a:gs pos="100000">
+                <a:schemeClr val="accent1">
+                  <a:lumMod val="75000"/>
+                </a:schemeClr>
+              </a:gs>
+            </a:gsLst>
+            <a:lin ang="6600000" scaled="0"/>
+          </a:gradFill>
+          <a:ln>
+            <a:noFill/>
+          </a:ln>
+        </p:spPr>
+        <p:style>
+          <a:lnRef idx="2">
+            <a:schemeClr val="accent1">
+              <a:shade val="50000"/>
+            </a:schemeClr>
+          </a:lnRef>
+          <a:fillRef idx="1">
+            <a:schemeClr val="accent1"/>
+          </a:fillRef>
+          <a:effectRef idx="0">
+            <a:schemeClr val="accent1"/>
+          </a:effectRef>
+          <a:fontRef idx="minor">
+            <a:schemeClr val="lt1"/>
+          </a:fontRef>
+        </p:style>
+        <p:txBody>
+          <a:bodyPr rtlCol="0" anchor="ctr"/>
+          <a:lstStyle/>
+          <a:p>
+            <a:pPr algn="ctr"/>
+            <a:endParaRPr lang="en-US"/>
+          </a:p>
+        </p:txBody>
+      </p:sp>
+      <p:sp>
+        <p:nvSpPr>
+          <p:cNvPr id="16" name="Rectangle 15">
+            <a:extLst>
+              <a:ext uri="{FF2B5EF4-FFF2-40B4-BE49-F238E27FC236}">
+                <a16:creationId xmlns:a16="http://schemas.microsoft.com/office/drawing/2014/main" id="{49D6C862-61CC-4B46-8080-96583D653BAB}"/>
+              </a:ext>
+              <a:ext uri="{C183D7F6-B498-43B3-948B-1728B52AA6E4}">
+                <adec:decorative xmlns:adec="http://schemas.microsoft.com/office/drawing/2017/decorative" val="1"/>
+              </a:ext>
+            </a:extLst>
+          </p:cNvPr>
+          <p:cNvSpPr>
+            <a:spLocks noGrp="1" noRot="1" noChangeAspect="1" noMove="1" noResize="1" noEditPoints="1" noAdjustHandles="1" noChangeArrowheads="1" noChangeShapeType="1" noTextEdit="1"/>
+          </p:cNvSpPr>
+          <p:nvPr>
+            <p:extLst>
+              <p:ext uri="{386F3935-93C4-4BCD-93E2-E3B085C9AB24}">
+                <p16:designElem xmlns:p16="http://schemas.microsoft.com/office/powerpoint/2015/main" val="1"/>
+              </p:ext>
+            </p:extLst>
+          </p:nvPr>
+        </p:nvSpPr>
+        <p:spPr>
+          <a:xfrm flipH="1">
+            <a:off x="0" y="4022219"/>
+            <a:ext cx="12253472" cy="2835781"/>
+          </a:xfrm>
+          <a:prstGeom prst="rect">
+            <a:avLst/>
+          </a:prstGeom>
+          <a:gradFill>
+            <a:gsLst>
+              <a:gs pos="39000">
+                <a:schemeClr val="accent1">
+                  <a:lumMod val="50000"/>
+                  <a:alpha val="0"/>
+                </a:schemeClr>
+              </a:gs>
+              <a:gs pos="100000">
+                <a:srgbClr val="000000">
+                  <a:alpha val="72000"/>
+                </a:srgbClr>
+              </a:gs>
+            </a:gsLst>
+            <a:lin ang="17400000" scaled="0"/>
+          </a:gradFill>
+          <a:ln>
+            <a:noFill/>
+          </a:ln>
+        </p:spPr>
+        <p:style>
+          <a:lnRef idx="2">
+            <a:schemeClr val="accent1">
+              <a:shade val="50000"/>
+            </a:schemeClr>
+          </a:lnRef>
+          <a:fillRef idx="1">
+            <a:schemeClr val="accent1"/>
+          </a:fillRef>
+          <a:effectRef idx="0">
+            <a:schemeClr val="accent1"/>
+          </a:effectRef>
+          <a:fontRef idx="minor">
+            <a:schemeClr val="lt1"/>
+          </a:fontRef>
+        </p:style>
+        <p:txBody>
+          <a:bodyPr rtlCol="0" anchor="ctr"/>
+          <a:lstStyle/>
+          <a:p>
+            <a:pPr algn="ctr"/>
+            <a:endParaRPr lang="en-US" dirty="0"/>
           </a:p>
         </p:txBody>
       </p:sp>
@@ -3440,18 +3701,19 @@
         </p:nvSpPr>
         <p:spPr>
           <a:xfrm>
-            <a:off x="8854750" y="5735638"/>
-            <a:ext cx="3337229" cy="1098395"/>
+            <a:off x="823442" y="4541263"/>
+            <a:ext cx="4662957" cy="1395022"/>
           </a:xfrm>
         </p:spPr>
         <p:txBody>
-          <a:bodyPr>
+          <a:bodyPr anchor="t">
             <a:normAutofit/>
           </a:bodyPr>
           <a:lstStyle/>
           <a:p>
-            <a:r>
-              <a:rPr lang="es-ES" sz="1100" dirty="0">
+            <a:pPr algn="l"/>
+            <a:r>
+              <a:rPr lang="es-ES" sz="1500">
                 <a:solidFill>
                   <a:srgbClr val="FFFFFF"/>
                 </a:solidFill>
@@ -3460,8 +3722,9 @@
             </a:r>
           </a:p>
           <a:p>
-            <a:r>
-              <a:rPr lang="es-ES" sz="1100" dirty="0">
+            <a:pPr algn="l"/>
+            <a:r>
+              <a:rPr lang="es-ES" sz="1500">
                 <a:solidFill>
                   <a:srgbClr val="FFFFFF"/>
                 </a:solidFill>
@@ -3470,8 +3733,9 @@
             </a:r>
           </a:p>
           <a:p>
-            <a:r>
-              <a:rPr lang="es-ES" sz="1100" dirty="0">
+            <a:pPr algn="l"/>
+            <a:r>
+              <a:rPr lang="es-ES" sz="1500">
                 <a:solidFill>
                   <a:srgbClr val="FFFFFF"/>
                 </a:solidFill>
@@ -3480,14 +3744,126 @@
             </a:r>
           </a:p>
           <a:p>
-            <a:r>
-              <a:rPr lang="es-ES" sz="1100" b="1" dirty="0">
+            <a:pPr algn="l"/>
+            <a:r>
+              <a:rPr lang="es-ES" sz="1500" b="1">
                 <a:solidFill>
                   <a:srgbClr val="FFFFFF"/>
                 </a:solidFill>
               </a:rPr>
               <a:t>1º Desarrollo de Aplicaciones Multiplataforma</a:t>
             </a:r>
+          </a:p>
+        </p:txBody>
+      </p:sp>
+      <p:pic>
+        <p:nvPicPr>
+          <p:cNvPr id="5" name="Imagen 4">
+            <a:extLst>
+              <a:ext uri="{FF2B5EF4-FFF2-40B4-BE49-F238E27FC236}">
+                <a16:creationId xmlns:a16="http://schemas.microsoft.com/office/drawing/2014/main" id="{D302579A-20E3-4C09-95D2-4C839DDBED76}"/>
+              </a:ext>
+            </a:extLst>
+          </p:cNvPr>
+          <p:cNvPicPr>
+            <a:picLocks noChangeAspect="1"/>
+          </p:cNvPicPr>
+          <p:nvPr/>
+        </p:nvPicPr>
+        <p:blipFill rotWithShape="1">
+          <a:blip r:embed="rId2">
+            <a:extLst>
+              <a:ext uri="{28A0092B-C50C-407E-A947-70E740481C1C}">
+                <a14:useLocalDpi xmlns:a14="http://schemas.microsoft.com/office/drawing/2010/main" val="0"/>
+              </a:ext>
+            </a:extLst>
+          </a:blip>
+          <a:srcRect r="7110" b="-1"/>
+          <a:stretch/>
+        </p:blipFill>
+        <p:spPr>
+          <a:xfrm>
+            <a:off x="6573907" y="1787904"/>
+            <a:ext cx="5163022" cy="2904192"/>
+          </a:xfrm>
+          <a:prstGeom prst="rect">
+            <a:avLst/>
+          </a:prstGeom>
+        </p:spPr>
+      </p:pic>
+      <p:sp>
+        <p:nvSpPr>
+          <p:cNvPr id="18" name="Rectangle 17">
+            <a:extLst>
+              <a:ext uri="{FF2B5EF4-FFF2-40B4-BE49-F238E27FC236}">
+                <a16:creationId xmlns:a16="http://schemas.microsoft.com/office/drawing/2014/main" id="{E37EECFC-A684-4391-AE85-4CDAF5565F61}"/>
+              </a:ext>
+              <a:ext uri="{C183D7F6-B498-43B3-948B-1728B52AA6E4}">
+                <adec:decorative xmlns:adec="http://schemas.microsoft.com/office/drawing/2017/decorative" val="1"/>
+              </a:ext>
+            </a:extLst>
+          </p:cNvPr>
+          <p:cNvSpPr>
+            <a:spLocks noGrp="1" noRot="1" noChangeAspect="1" noMove="1" noResize="1" noEditPoints="1" noAdjustHandles="1" noChangeArrowheads="1" noChangeShapeType="1" noTextEdit="1"/>
+          </p:cNvSpPr>
+          <p:nvPr>
+            <p:extLst>
+              <p:ext uri="{386F3935-93C4-4BCD-93E2-E3B085C9AB24}">
+                <p16:designElem xmlns:p16="http://schemas.microsoft.com/office/powerpoint/2015/main" val="1"/>
+              </p:ext>
+            </p:extLst>
+          </p:nvPr>
+        </p:nvSpPr>
+        <p:spPr>
+          <a:xfrm flipH="1">
+            <a:off x="0" y="6400797"/>
+            <a:ext cx="12191998" cy="457203"/>
+          </a:xfrm>
+          <a:prstGeom prst="rect">
+            <a:avLst/>
+          </a:prstGeom>
+          <a:gradFill>
+            <a:gsLst>
+              <a:gs pos="0">
+                <a:srgbClr val="000000">
+                  <a:alpha val="43000"/>
+                </a:srgbClr>
+              </a:gs>
+              <a:gs pos="79000">
+                <a:schemeClr val="accent1">
+                  <a:lumMod val="75000"/>
+                  <a:alpha val="22000"/>
+                </a:schemeClr>
+              </a:gs>
+            </a:gsLst>
+            <a:lin ang="21594000" scaled="0"/>
+          </a:gradFill>
+          <a:ln>
+            <a:noFill/>
+          </a:ln>
+        </p:spPr>
+        <p:style>
+          <a:lnRef idx="2">
+            <a:schemeClr val="accent1">
+              <a:shade val="50000"/>
+            </a:schemeClr>
+          </a:lnRef>
+          <a:fillRef idx="1">
+            <a:schemeClr val="accent1"/>
+          </a:fillRef>
+          <a:effectRef idx="0">
+            <a:schemeClr val="accent1"/>
+          </a:effectRef>
+          <a:fontRef idx="minor">
+            <a:schemeClr val="lt1"/>
+          </a:fontRef>
+        </p:style>
+        <p:txBody>
+          <a:bodyPr rtlCol="0" anchor="ctr"/>
+          <a:lstStyle/>
+          <a:p>
+            <a:pPr algn="ctr"/>
+            <a:endParaRPr lang="en-US"/>
           </a:p>
         </p:txBody>
       </p:sp>
@@ -3499,7 +3875,7 @@
     </p:extLst>
   </p:cSld>
   <p:clrMapOvr>
-    <a:overrideClrMapping bg1="dk1" tx1="lt1" bg2="dk2" tx2="lt2" accent1="accent1" accent2="accent2" accent3="accent3" accent4="accent4" accent5="accent5" accent6="accent6" hlink="hlink" folHlink="folHlink"/>
+    <a:masterClrMapping/>
   </p:clrMapOvr>
   <p:timing>
     <p:tnLst>
@@ -3815,6 +4191,14 @@
 <file path=ppt/slides/slide10.xml><?xml version="1.0" encoding="utf-8"?>
 <p:sld xmlns:a="http://schemas.openxmlformats.org/drawingml/2006/main" xmlns:r="http://schemas.openxmlformats.org/officeDocument/2006/relationships" xmlns:p="http://schemas.openxmlformats.org/presentationml/2006/main">
   <p:cSld>
+    <p:bg>
+      <p:bgPr>
+        <a:solidFill>
+          <a:schemeClr val="bg1"/>
+        </a:solidFill>
+        <a:effectLst/>
+      </p:bgPr>
+    </p:bg>
     <p:spTree>
       <p:nvGrpSpPr>
         <p:cNvPr id="1" name=""/>
@@ -3829,12 +4213,634 @@
           <a:chExt cx="0" cy="0"/>
         </a:xfrm>
       </p:grpSpPr>
+      <p:sp useBgFill="1">
+        <p:nvSpPr>
+          <p:cNvPr id="9" name="Rectangle 8">
+            <a:extLst>
+              <a:ext uri="{FF2B5EF4-FFF2-40B4-BE49-F238E27FC236}">
+                <a16:creationId xmlns:a16="http://schemas.microsoft.com/office/drawing/2014/main" id="{09588DA8-065E-4F6F-8EFD-43104AB2E0CF}"/>
+              </a:ext>
+              <a:ext uri="{C183D7F6-B498-43B3-948B-1728B52AA6E4}">
+                <adec:decorative xmlns:adec="http://schemas.microsoft.com/office/drawing/2017/decorative" val="1"/>
+              </a:ext>
+            </a:extLst>
+          </p:cNvPr>
+          <p:cNvSpPr>
+            <a:spLocks noGrp="1" noRot="1" noChangeAspect="1" noMove="1" noResize="1" noEditPoints="1" noAdjustHandles="1" noChangeArrowheads="1" noChangeShapeType="1" noTextEdit="1"/>
+          </p:cNvSpPr>
+          <p:nvPr>
+            <p:extLst>
+              <p:ext uri="{386F3935-93C4-4BCD-93E2-E3B085C9AB24}">
+                <p16:designElem xmlns:p16="http://schemas.microsoft.com/office/powerpoint/2015/main" val="1"/>
+              </p:ext>
+            </p:extLst>
+          </p:nvPr>
+        </p:nvSpPr>
+        <p:spPr>
+          <a:xfrm>
+            <a:off x="0" y="0"/>
+            <a:ext cx="12192000" cy="6858000"/>
+          </a:xfrm>
+          <a:prstGeom prst="rect">
+            <a:avLst/>
+          </a:prstGeom>
+          <a:ln w="12700" cap="flat" cmpd="sng" algn="ctr">
+            <a:noFill/>
+            <a:prstDash val="solid"/>
+            <a:miter lim="800000"/>
+          </a:ln>
+          <a:effectLst/>
+          <a:extLst>
+            <a:ext uri="{91240B29-F687-4F45-9708-019B960494DF}">
+              <a14:hiddenLine xmlns:a14="http://schemas.microsoft.com/office/drawing/2010/main" w="12700" cap="flat" cmpd="sng" algn="ctr">
+                <a:solidFill>
+                  <a:schemeClr val="accent1">
+                    <a:shade val="50000"/>
+                  </a:schemeClr>
+                </a:solidFill>
+                <a:prstDash val="solid"/>
+                <a:miter lim="800000"/>
+              </a14:hiddenLine>
+            </a:ext>
+          </a:extLst>
+        </p:spPr>
+        <p:style>
+          <a:lnRef idx="2">
+            <a:schemeClr val="accent1">
+              <a:shade val="50000"/>
+            </a:schemeClr>
+          </a:lnRef>
+          <a:fillRef idx="1">
+            <a:schemeClr val="accent1"/>
+          </a:fillRef>
+          <a:effectRef idx="0">
+            <a:schemeClr val="accent1"/>
+          </a:effectRef>
+          <a:fontRef idx="minor">
+            <a:schemeClr val="lt1"/>
+          </a:fontRef>
+        </p:style>
+        <p:txBody>
+          <a:bodyPr rtlCol="0" anchor="ctr"/>
+          <a:lstStyle/>
+          <a:p>
+            <a:pPr algn="ctr"/>
+            <a:endParaRPr lang="en-US"/>
+          </a:p>
+        </p:txBody>
+      </p:sp>
+      <p:sp useBgFill="1">
+        <p:nvSpPr>
+          <p:cNvPr id="11" name="Rectangle 10">
+            <a:extLst>
+              <a:ext uri="{FF2B5EF4-FFF2-40B4-BE49-F238E27FC236}">
+                <a16:creationId xmlns:a16="http://schemas.microsoft.com/office/drawing/2014/main" id="{C4285719-470E-454C-AF62-8323075F1F5B}"/>
+              </a:ext>
+              <a:ext uri="{C183D7F6-B498-43B3-948B-1728B52AA6E4}">
+                <adec:decorative xmlns:adec="http://schemas.microsoft.com/office/drawing/2017/decorative" val="1"/>
+              </a:ext>
+            </a:extLst>
+          </p:cNvPr>
+          <p:cNvSpPr>
+            <a:spLocks noGrp="1" noRot="1" noChangeAspect="1" noMove="1" noResize="1" noEditPoints="1" noAdjustHandles="1" noChangeArrowheads="1" noChangeShapeType="1" noTextEdit="1"/>
+          </p:cNvSpPr>
+          <p:nvPr>
+            <p:extLst>
+              <p:ext uri="{386F3935-93C4-4BCD-93E2-E3B085C9AB24}">
+                <p16:designElem xmlns:p16="http://schemas.microsoft.com/office/powerpoint/2015/main" val="1"/>
+              </p:ext>
+            </p:extLst>
+          </p:nvPr>
+        </p:nvSpPr>
+        <p:spPr>
+          <a:xfrm>
+            <a:off x="0" y="0"/>
+            <a:ext cx="12188952" cy="6858000"/>
+          </a:xfrm>
+          <a:prstGeom prst="rect">
+            <a:avLst/>
+          </a:prstGeom>
+          <a:ln w="12700" cap="flat" cmpd="sng" algn="ctr">
+            <a:noFill/>
+            <a:prstDash val="solid"/>
+            <a:miter lim="800000"/>
+          </a:ln>
+          <a:effectLst/>
+          <a:extLst>
+            <a:ext uri="{91240B29-F687-4F45-9708-019B960494DF}">
+              <a14:hiddenLine xmlns:a14="http://schemas.microsoft.com/office/drawing/2010/main" w="12700" cap="flat" cmpd="sng" algn="ctr">
+                <a:solidFill>
+                  <a:schemeClr val="accent1">
+                    <a:shade val="50000"/>
+                  </a:schemeClr>
+                </a:solidFill>
+                <a:prstDash val="solid"/>
+                <a:miter lim="800000"/>
+              </a14:hiddenLine>
+            </a:ext>
+          </a:extLst>
+        </p:spPr>
+        <p:style>
+          <a:lnRef idx="2">
+            <a:schemeClr val="accent1">
+              <a:shade val="50000"/>
+            </a:schemeClr>
+          </a:lnRef>
+          <a:fillRef idx="1">
+            <a:schemeClr val="accent1"/>
+          </a:fillRef>
+          <a:effectRef idx="0">
+            <a:schemeClr val="accent1"/>
+          </a:effectRef>
+          <a:fontRef idx="minor">
+            <a:schemeClr val="lt1"/>
+          </a:fontRef>
+        </p:style>
+        <p:txBody>
+          <a:bodyPr rtlCol="0" anchor="ctr"/>
+          <a:lstStyle/>
+          <a:p>
+            <a:pPr algn="ctr"/>
+            <a:endParaRPr lang="en-US"/>
+          </a:p>
+        </p:txBody>
+      </p:sp>
+      <p:sp>
+        <p:nvSpPr>
+          <p:cNvPr id="13" name="Rectangle 12">
+            <a:extLst>
+              <a:ext uri="{FF2B5EF4-FFF2-40B4-BE49-F238E27FC236}">
+                <a16:creationId xmlns:a16="http://schemas.microsoft.com/office/drawing/2014/main" id="{CD9FE4EF-C4D8-49A0-B2FF-81D8DB7D8A24}"/>
+              </a:ext>
+              <a:ext uri="{C183D7F6-B498-43B3-948B-1728B52AA6E4}">
+                <adec:decorative xmlns:adec="http://schemas.microsoft.com/office/drawing/2017/decorative" val="1"/>
+              </a:ext>
+            </a:extLst>
+          </p:cNvPr>
+          <p:cNvSpPr>
+            <a:spLocks noGrp="1" noRot="1" noChangeAspect="1" noMove="1" noResize="1" noEditPoints="1" noAdjustHandles="1" noChangeArrowheads="1" noChangeShapeType="1" noTextEdit="1"/>
+          </p:cNvSpPr>
+          <p:nvPr>
+            <p:extLst>
+              <p:ext uri="{386F3935-93C4-4BCD-93E2-E3B085C9AB24}">
+                <p16:designElem xmlns:p16="http://schemas.microsoft.com/office/powerpoint/2015/main" val="1"/>
+              </p:ext>
+            </p:extLst>
+          </p:nvPr>
+        </p:nvSpPr>
+        <p:spPr>
+          <a:xfrm rot="5400000" flipH="1">
+            <a:off x="-1410084" y="1410082"/>
+            <a:ext cx="6858000" cy="4037836"/>
+          </a:xfrm>
+          <a:prstGeom prst="rect">
+            <a:avLst/>
+          </a:prstGeom>
+          <a:gradFill>
+            <a:gsLst>
+              <a:gs pos="8000">
+                <a:srgbClr val="000000"/>
+              </a:gs>
+              <a:gs pos="100000">
+                <a:schemeClr val="accent1">
+                  <a:lumMod val="75000"/>
+                </a:schemeClr>
+              </a:gs>
+            </a:gsLst>
+            <a:lin ang="3000000" scaled="0"/>
+          </a:gradFill>
+          <a:ln>
+            <a:noFill/>
+          </a:ln>
+        </p:spPr>
+        <p:style>
+          <a:lnRef idx="2">
+            <a:schemeClr val="accent1">
+              <a:shade val="50000"/>
+            </a:schemeClr>
+          </a:lnRef>
+          <a:fillRef idx="1">
+            <a:schemeClr val="accent1"/>
+          </a:fillRef>
+          <a:effectRef idx="0">
+            <a:schemeClr val="accent1"/>
+          </a:effectRef>
+          <a:fontRef idx="minor">
+            <a:schemeClr val="lt1"/>
+          </a:fontRef>
+        </p:style>
+        <p:txBody>
+          <a:bodyPr rtlCol="0" anchor="ctr"/>
+          <a:lstStyle/>
+          <a:p>
+            <a:pPr algn="ctr"/>
+            <a:endParaRPr lang="en-US"/>
+          </a:p>
+        </p:txBody>
+      </p:sp>
+      <p:sp>
+        <p:nvSpPr>
+          <p:cNvPr id="15" name="Rectangle 14">
+            <a:extLst>
+              <a:ext uri="{FF2B5EF4-FFF2-40B4-BE49-F238E27FC236}">
+                <a16:creationId xmlns:a16="http://schemas.microsoft.com/office/drawing/2014/main" id="{4300840D-0A0B-4512-BACA-B439D5B9C57C}"/>
+              </a:ext>
+              <a:ext uri="{C183D7F6-B498-43B3-948B-1728B52AA6E4}">
+                <adec:decorative xmlns:adec="http://schemas.microsoft.com/office/drawing/2017/decorative" val="1"/>
+              </a:ext>
+            </a:extLst>
+          </p:cNvPr>
+          <p:cNvSpPr>
+            <a:spLocks noGrp="1" noRot="1" noChangeAspect="1" noMove="1" noResize="1" noEditPoints="1" noAdjustHandles="1" noChangeArrowheads="1" noChangeShapeType="1" noTextEdit="1"/>
+          </p:cNvSpPr>
+          <p:nvPr>
+            <p:extLst>
+              <p:ext uri="{386F3935-93C4-4BCD-93E2-E3B085C9AB24}">
+                <p16:designElem xmlns:p16="http://schemas.microsoft.com/office/powerpoint/2015/main" val="1"/>
+              </p:ext>
+            </p:extLst>
+          </p:nvPr>
+        </p:nvSpPr>
+        <p:spPr>
+          <a:xfrm rot="5400000" flipH="1">
+            <a:off x="-1410085" y="1420219"/>
+            <a:ext cx="6857999" cy="4037839"/>
+          </a:xfrm>
+          <a:prstGeom prst="rect">
+            <a:avLst/>
+          </a:prstGeom>
+          <a:gradFill>
+            <a:gsLst>
+              <a:gs pos="0">
+                <a:srgbClr val="000000">
+                  <a:alpha val="0"/>
+                </a:srgbClr>
+              </a:gs>
+              <a:gs pos="99000">
+                <a:schemeClr val="accent1">
+                  <a:alpha val="46000"/>
+                </a:schemeClr>
+              </a:gs>
+            </a:gsLst>
+            <a:lin ang="1800000" scaled="0"/>
+          </a:gradFill>
+          <a:ln>
+            <a:noFill/>
+          </a:ln>
+        </p:spPr>
+        <p:style>
+          <a:lnRef idx="2">
+            <a:schemeClr val="accent1">
+              <a:shade val="50000"/>
+            </a:schemeClr>
+          </a:lnRef>
+          <a:fillRef idx="1">
+            <a:schemeClr val="accent1"/>
+          </a:fillRef>
+          <a:effectRef idx="0">
+            <a:schemeClr val="accent1"/>
+          </a:effectRef>
+          <a:fontRef idx="minor">
+            <a:schemeClr val="lt1"/>
+          </a:fontRef>
+        </p:style>
+        <p:txBody>
+          <a:bodyPr rtlCol="0" anchor="ctr"/>
+          <a:lstStyle/>
+          <a:p>
+            <a:pPr algn="ctr"/>
+            <a:endParaRPr lang="en-US"/>
+          </a:p>
+        </p:txBody>
+      </p:sp>
+      <p:sp>
+        <p:nvSpPr>
+          <p:cNvPr id="17" name="Rectangle 16">
+            <a:extLst>
+              <a:ext uri="{FF2B5EF4-FFF2-40B4-BE49-F238E27FC236}">
+                <a16:creationId xmlns:a16="http://schemas.microsoft.com/office/drawing/2014/main" id="{D2B78728-A580-49A7-84F9-6EF6F583ADE0}"/>
+              </a:ext>
+              <a:ext uri="{C183D7F6-B498-43B3-948B-1728B52AA6E4}">
+                <adec:decorative xmlns:adec="http://schemas.microsoft.com/office/drawing/2017/decorative" val="1"/>
+              </a:ext>
+            </a:extLst>
+          </p:cNvPr>
+          <p:cNvSpPr>
+            <a:spLocks noGrp="1" noRot="1" noChangeAspect="1" noMove="1" noResize="1" noEditPoints="1" noAdjustHandles="1" noChangeArrowheads="1" noChangeShapeType="1" noTextEdit="1"/>
+          </p:cNvSpPr>
+          <p:nvPr>
+            <p:extLst>
+              <p:ext uri="{386F3935-93C4-4BCD-93E2-E3B085C9AB24}">
+                <p16:designElem xmlns:p16="http://schemas.microsoft.com/office/powerpoint/2015/main" val="1"/>
+              </p:ext>
+            </p:extLst>
+          </p:nvPr>
+        </p:nvSpPr>
+        <p:spPr>
+          <a:xfrm rot="5400000" flipH="1">
+            <a:off x="767923" y="3588085"/>
+            <a:ext cx="2501979" cy="4037841"/>
+          </a:xfrm>
+          <a:prstGeom prst="rect">
+            <a:avLst/>
+          </a:prstGeom>
+          <a:gradFill>
+            <a:gsLst>
+              <a:gs pos="2000">
+                <a:schemeClr val="accent1">
+                  <a:alpha val="29000"/>
+                </a:schemeClr>
+              </a:gs>
+              <a:gs pos="100000">
+                <a:srgbClr val="000000">
+                  <a:alpha val="30000"/>
+                </a:srgbClr>
+              </a:gs>
+            </a:gsLst>
+            <a:lin ang="7800000" scaled="0"/>
+          </a:gradFill>
+          <a:ln>
+            <a:noFill/>
+          </a:ln>
+        </p:spPr>
+        <p:style>
+          <a:lnRef idx="2">
+            <a:schemeClr val="accent1">
+              <a:shade val="50000"/>
+            </a:schemeClr>
+          </a:lnRef>
+          <a:fillRef idx="1">
+            <a:schemeClr val="accent1"/>
+          </a:fillRef>
+          <a:effectRef idx="0">
+            <a:schemeClr val="accent1"/>
+          </a:effectRef>
+          <a:fontRef idx="minor">
+            <a:schemeClr val="lt1"/>
+          </a:fontRef>
+        </p:style>
+        <p:txBody>
+          <a:bodyPr rtlCol="0" anchor="ctr"/>
+          <a:lstStyle/>
+          <a:p>
+            <a:pPr algn="ctr"/>
+            <a:endParaRPr lang="en-US" dirty="0"/>
+          </a:p>
+        </p:txBody>
+      </p:sp>
+      <p:sp>
+        <p:nvSpPr>
+          <p:cNvPr id="19" name="Freeform: Shape 18">
+            <a:extLst>
+              <a:ext uri="{FF2B5EF4-FFF2-40B4-BE49-F238E27FC236}">
+                <a16:creationId xmlns:a16="http://schemas.microsoft.com/office/drawing/2014/main" id="{38FAA1A1-D861-433F-88FA-1E9D6FD31D11}"/>
+              </a:ext>
+              <a:ext uri="{C183D7F6-B498-43B3-948B-1728B52AA6E4}">
+                <adec:decorative xmlns:adec="http://schemas.microsoft.com/office/drawing/2017/decorative" val="1"/>
+              </a:ext>
+            </a:extLst>
+          </p:cNvPr>
+          <p:cNvSpPr>
+            <a:spLocks noGrp="1" noRot="1" noChangeAspect="1" noMove="1" noResize="1" noEditPoints="1" noAdjustHandles="1" noChangeArrowheads="1" noChangeShapeType="1" noTextEdit="1"/>
+          </p:cNvSpPr>
+          <p:nvPr>
+            <p:extLst>
+              <p:ext uri="{386F3935-93C4-4BCD-93E2-E3B085C9AB24}">
+                <p16:designElem xmlns:p16="http://schemas.microsoft.com/office/powerpoint/2015/main" val="1"/>
+              </p:ext>
+            </p:extLst>
+          </p:nvPr>
+        </p:nvSpPr>
+        <p:spPr>
+          <a:xfrm rot="20635413">
+            <a:off x="-501737" y="969718"/>
+            <a:ext cx="3900357" cy="4178958"/>
+          </a:xfrm>
+          <a:custGeom>
+            <a:avLst/>
+            <a:gdLst>
+              <a:gd name="connsiteX0" fmla="*/ 2432225 w 3900357"/>
+              <a:gd name="connsiteY0" fmla="*/ 93939 h 4178958"/>
+              <a:gd name="connsiteX1" fmla="*/ 3900357 w 3900357"/>
+              <a:gd name="connsiteY1" fmla="*/ 2089479 h 4178958"/>
+              <a:gd name="connsiteX2" fmla="*/ 1810878 w 3900357"/>
+              <a:gd name="connsiteY2" fmla="*/ 4178958 h 4178958"/>
+              <a:gd name="connsiteX3" fmla="*/ 78249 w 3900357"/>
+              <a:gd name="connsiteY3" fmla="*/ 3257727 h 4178958"/>
+              <a:gd name="connsiteX4" fmla="*/ 0 w 3900357"/>
+              <a:gd name="connsiteY4" fmla="*/ 3128923 h 4178958"/>
+              <a:gd name="connsiteX5" fmla="*/ 831324 w 3900357"/>
+              <a:gd name="connsiteY5" fmla="*/ 244281 h 4178958"/>
+              <a:gd name="connsiteX6" fmla="*/ 997559 w 3900357"/>
+              <a:gd name="connsiteY6" fmla="*/ 164202 h 4178958"/>
+              <a:gd name="connsiteX7" fmla="*/ 1810878 w 3900357"/>
+              <a:gd name="connsiteY7" fmla="*/ 0 h 4178958"/>
+              <a:gd name="connsiteX8" fmla="*/ 2432225 w 3900357"/>
+              <a:gd name="connsiteY8" fmla="*/ 93939 h 4178958"/>
+            </a:gdLst>
+            <a:ahLst/>
+            <a:cxnLst>
+              <a:cxn ang="0">
+                <a:pos x="connsiteX0" y="connsiteY0"/>
+              </a:cxn>
+              <a:cxn ang="0">
+                <a:pos x="connsiteX1" y="connsiteY1"/>
+              </a:cxn>
+              <a:cxn ang="0">
+                <a:pos x="connsiteX2" y="connsiteY2"/>
+              </a:cxn>
+              <a:cxn ang="0">
+                <a:pos x="connsiteX3" y="connsiteY3"/>
+              </a:cxn>
+              <a:cxn ang="0">
+                <a:pos x="connsiteX4" y="connsiteY4"/>
+              </a:cxn>
+              <a:cxn ang="0">
+                <a:pos x="connsiteX5" y="connsiteY5"/>
+              </a:cxn>
+              <a:cxn ang="0">
+                <a:pos x="connsiteX6" y="connsiteY6"/>
+              </a:cxn>
+              <a:cxn ang="0">
+                <a:pos x="connsiteX7" y="connsiteY7"/>
+              </a:cxn>
+              <a:cxn ang="0">
+                <a:pos x="connsiteX8" y="connsiteY8"/>
+              </a:cxn>
+            </a:cxnLst>
+            <a:rect l="l" t="t" r="r" b="b"/>
+            <a:pathLst>
+              <a:path w="3900357" h="4178958">
+                <a:moveTo>
+                  <a:pt x="2432225" y="93939"/>
+                </a:moveTo>
+                <a:cubicBezTo>
+                  <a:pt x="3282786" y="358491"/>
+                  <a:pt x="3900357" y="1151865"/>
+                  <a:pt x="3900357" y="2089479"/>
+                </a:cubicBezTo>
+                <a:cubicBezTo>
+                  <a:pt x="3900357" y="3243466"/>
+                  <a:pt x="2964865" y="4178958"/>
+                  <a:pt x="1810878" y="4178958"/>
+                </a:cubicBezTo>
+                <a:cubicBezTo>
+                  <a:pt x="1089636" y="4178958"/>
+                  <a:pt x="453744" y="3813531"/>
+                  <a:pt x="78249" y="3257727"/>
+                </a:cubicBezTo>
+                <a:lnTo>
+                  <a:pt x="0" y="3128923"/>
+                </a:lnTo>
+                <a:lnTo>
+                  <a:pt x="831324" y="244281"/>
+                </a:lnTo>
+                <a:lnTo>
+                  <a:pt x="997559" y="164202"/>
+                </a:lnTo>
+                <a:cubicBezTo>
+                  <a:pt x="1247540" y="58468"/>
+                  <a:pt x="1522381" y="0"/>
+                  <a:pt x="1810878" y="0"/>
+                </a:cubicBezTo>
+                <a:cubicBezTo>
+                  <a:pt x="2027251" y="0"/>
+                  <a:pt x="2235942" y="32888"/>
+                  <a:pt x="2432225" y="93939"/>
+                </a:cubicBezTo>
+                <a:close/>
+              </a:path>
+            </a:pathLst>
+          </a:custGeom>
+          <a:gradFill>
+            <a:gsLst>
+              <a:gs pos="29000">
+                <a:srgbClr val="000000">
+                  <a:alpha val="0"/>
+                </a:srgbClr>
+              </a:gs>
+              <a:gs pos="100000">
+                <a:schemeClr val="accent1">
+                  <a:alpha val="43000"/>
+                </a:schemeClr>
+              </a:gs>
+            </a:gsLst>
+            <a:lin ang="1800000" scaled="0"/>
+          </a:gradFill>
+          <a:ln>
+            <a:noFill/>
+          </a:ln>
+        </p:spPr>
+        <p:style>
+          <a:lnRef idx="2">
+            <a:schemeClr val="accent1">
+              <a:shade val="50000"/>
+            </a:schemeClr>
+          </a:lnRef>
+          <a:fillRef idx="1">
+            <a:schemeClr val="accent1"/>
+          </a:fillRef>
+          <a:effectRef idx="0">
+            <a:schemeClr val="accent1"/>
+          </a:effectRef>
+          <a:fontRef idx="minor">
+            <a:schemeClr val="lt1"/>
+          </a:fontRef>
+        </p:style>
+        <p:txBody>
+          <a:bodyPr wrap="square" rtlCol="0" anchor="ctr">
+            <a:noAutofit/>
+          </a:bodyPr>
+          <a:lstStyle/>
+          <a:p>
+            <a:pPr algn="ctr"/>
+            <a:endParaRPr lang="en-US" dirty="0"/>
+          </a:p>
+        </p:txBody>
+      </p:sp>
+      <p:sp>
+        <p:nvSpPr>
+          <p:cNvPr id="21" name="Rectangle 20">
+            <a:extLst>
+              <a:ext uri="{FF2B5EF4-FFF2-40B4-BE49-F238E27FC236}">
+                <a16:creationId xmlns:a16="http://schemas.microsoft.com/office/drawing/2014/main" id="{8D71EDA1-87BF-4D5D-AB79-F346FD19278A}"/>
+              </a:ext>
+              <a:ext uri="{C183D7F6-B498-43B3-948B-1728B52AA6E4}">
+                <adec:decorative xmlns:adec="http://schemas.microsoft.com/office/drawing/2017/decorative" val="1"/>
+              </a:ext>
+            </a:extLst>
+          </p:cNvPr>
+          <p:cNvSpPr>
+            <a:spLocks noGrp="1" noRot="1" noChangeAspect="1" noMove="1" noResize="1" noEditPoints="1" noAdjustHandles="1" noChangeArrowheads="1" noChangeShapeType="1" noTextEdit="1"/>
+          </p:cNvSpPr>
+          <p:nvPr>
+            <p:extLst>
+              <p:ext uri="{386F3935-93C4-4BCD-93E2-E3B085C9AB24}">
+                <p16:designElem xmlns:p16="http://schemas.microsoft.com/office/powerpoint/2015/main" val="1"/>
+              </p:ext>
+            </p:extLst>
+          </p:nvPr>
+        </p:nvSpPr>
+        <p:spPr>
+          <a:xfrm rot="5400000" flipH="1">
+            <a:off x="-1410093" y="1399943"/>
+            <a:ext cx="6858003" cy="4037835"/>
+          </a:xfrm>
+          <a:prstGeom prst="rect">
+            <a:avLst/>
+          </a:prstGeom>
+          <a:gradFill>
+            <a:gsLst>
+              <a:gs pos="0">
+                <a:srgbClr val="000000">
+                  <a:alpha val="0"/>
+                </a:srgbClr>
+              </a:gs>
+              <a:gs pos="99000">
+                <a:schemeClr val="accent1">
+                  <a:lumMod val="60000"/>
+                  <a:lumOff val="40000"/>
+                  <a:alpha val="11000"/>
+                </a:schemeClr>
+              </a:gs>
+            </a:gsLst>
+            <a:lin ang="7200000" scaled="0"/>
+          </a:gradFill>
+          <a:ln>
+            <a:noFill/>
+          </a:ln>
+        </p:spPr>
+        <p:style>
+          <a:lnRef idx="2">
+            <a:schemeClr val="accent1">
+              <a:shade val="50000"/>
+            </a:schemeClr>
+          </a:lnRef>
+          <a:fillRef idx="1">
+            <a:schemeClr val="accent1"/>
+          </a:fillRef>
+          <a:effectRef idx="0">
+            <a:schemeClr val="accent1"/>
+          </a:effectRef>
+          <a:fontRef idx="minor">
+            <a:schemeClr val="lt1"/>
+          </a:fontRef>
+        </p:style>
+        <p:txBody>
+          <a:bodyPr rtlCol="0" anchor="ctr"/>
+          <a:lstStyle/>
+          <a:p>
+            <a:pPr algn="ctr"/>
+            <a:endParaRPr lang="en-US"/>
+          </a:p>
+        </p:txBody>
+      </p:sp>
       <p:sp>
         <p:nvSpPr>
           <p:cNvPr id="2" name="Título 1">
             <a:extLst>
               <a:ext uri="{FF2B5EF4-FFF2-40B4-BE49-F238E27FC236}">
-                <a16:creationId xmlns:a16="http://schemas.microsoft.com/office/drawing/2014/main" id="{02EFAA9E-8A5A-79C1-53E8-BD1B2A9367F6}"/>
+                <a16:creationId xmlns:a16="http://schemas.microsoft.com/office/drawing/2014/main" id="{ECF526D8-A3B2-534B-9E4B-B5631E098742}"/>
               </a:ext>
             </a:extLst>
           </p:cNvPr>
@@ -3845,73 +4851,61 @@
             <p:ph type="title"/>
           </p:nvPr>
         </p:nvSpPr>
-        <p:spPr/>
+        <p:spPr>
+          <a:xfrm>
+            <a:off x="466722" y="586855"/>
+            <a:ext cx="3201366" cy="3387497"/>
+          </a:xfrm>
+        </p:spPr>
         <p:txBody>
-          <a:bodyPr/>
+          <a:bodyPr vert="horz" lIns="91440" tIns="45720" rIns="91440" bIns="45720" rtlCol="0" anchor="b">
+            <a:normAutofit/>
+          </a:bodyPr>
           <a:lstStyle/>
           <a:p>
-            <a:pPr algn="ctr"/>
-            <a:r>
-              <a:rPr lang="es-ES" dirty="0"/>
-              <a:t>DICCIONARIO DE DATOS</a:t>
+            <a:pPr algn="r"/>
+            <a:r>
+              <a:rPr lang="en-US" sz="4000" kern="1200">
+                <a:solidFill>
+                  <a:srgbClr val="FFFFFF"/>
+                </a:solidFill>
+                <a:latin typeface="+mj-lt"/>
+                <a:ea typeface="+mj-ea"/>
+                <a:cs typeface="+mj-cs"/>
+              </a:rPr>
+              <a:t>SCRIPT DE CREACIÓN</a:t>
             </a:r>
           </a:p>
         </p:txBody>
       </p:sp>
       <p:sp>
         <p:nvSpPr>
-          <p:cNvPr id="3" name="Marcador de contenido 2">
+          <p:cNvPr id="4" name="CuadroTexto 3">
             <a:extLst>
               <a:ext uri="{FF2B5EF4-FFF2-40B4-BE49-F238E27FC236}">
-                <a16:creationId xmlns:a16="http://schemas.microsoft.com/office/drawing/2014/main" id="{5A93B9C0-D4A8-770D-4B4B-EFE23F2B3763}"/>
+                <a16:creationId xmlns:a16="http://schemas.microsoft.com/office/drawing/2014/main" id="{42D2B0DC-3AA0-5D0D-4B35-8B3C26419091}"/>
               </a:ext>
             </a:extLst>
           </p:cNvPr>
-          <p:cNvSpPr>
-            <a:spLocks noGrp="1"/>
-          </p:cNvSpPr>
-          <p:nvPr>
-            <p:ph idx="1"/>
-          </p:nvPr>
-        </p:nvSpPr>
-        <p:spPr/>
-        <p:txBody>
-          <a:bodyPr/>
-          <a:lstStyle/>
-          <a:p>
-            <a:endParaRPr lang="es-ES"/>
-          </a:p>
-        </p:txBody>
-      </p:sp>
-      <p:sp>
-        <p:nvSpPr>
-          <p:cNvPr id="5" name="Subtítulo 2">
-            <a:extLst>
-              <a:ext uri="{FF2B5EF4-FFF2-40B4-BE49-F238E27FC236}">
-                <a16:creationId xmlns:a16="http://schemas.microsoft.com/office/drawing/2014/main" id="{7C26FFA8-F1EF-A476-F050-1A92341668E6}"/>
-              </a:ext>
-            </a:extLst>
-          </p:cNvPr>
-          <p:cNvSpPr txBox="1">
-            <a:spLocks/>
-          </p:cNvSpPr>
+          <p:cNvSpPr txBox="1"/>
           <p:nvPr/>
         </p:nvSpPr>
         <p:spPr>
           <a:xfrm>
-            <a:off x="9254067" y="5791200"/>
-            <a:ext cx="2937912" cy="1042833"/>
+            <a:off x="4810259" y="649480"/>
+            <a:ext cx="6555347" cy="5546047"/>
           </a:xfrm>
           <a:prstGeom prst="rect">
             <a:avLst/>
           </a:prstGeom>
         </p:spPr>
         <p:txBody>
-          <a:bodyPr vert="horz" lIns="91440" tIns="45720" rIns="91440" bIns="45720" rtlCol="0">
-            <a:normAutofit lnSpcReduction="10000"/>
+          <a:bodyPr vert="horz" lIns="91440" tIns="45720" rIns="91440" bIns="45720" rtlCol="0" anchor="ctr">
+            <a:normAutofit/>
           </a:bodyPr>
-          <a:lstStyle>
-            <a:lvl1pPr marL="228600" indent="-228600" algn="l" defTabSz="914400" rtl="0" eaLnBrk="1" latinLnBrk="0" hangingPunct="1">
+          <a:lstStyle/>
+          <a:p>
+            <a:pPr indent="-228600">
               <a:lnSpc>
                 <a:spcPct val="90000"/>
               </a:lnSpc>
@@ -3920,202 +4914,83 @@
               </a:spcBef>
               <a:buFont typeface="Arial" panose="020B0604020202020204" pitchFamily="34" charset="0"/>
               <a:buChar char="•"/>
-              <a:defRPr sz="2800" kern="1200">
-                <a:solidFill>
-                  <a:schemeClr val="tx1"/>
-                </a:solidFill>
-                <a:latin typeface="+mn-lt"/>
-                <a:ea typeface="+mn-ea"/>
-                <a:cs typeface="+mn-cs"/>
-              </a:defRPr>
-            </a:lvl1pPr>
-            <a:lvl2pPr marL="685800" indent="-228600" algn="l" defTabSz="914400" rtl="0" eaLnBrk="1" latinLnBrk="0" hangingPunct="1">
-              <a:lnSpc>
-                <a:spcPct val="90000"/>
-              </a:lnSpc>
-              <a:spcBef>
-                <a:spcPts val="500"/>
-              </a:spcBef>
-              <a:buFont typeface="Arial" panose="020B0604020202020204" pitchFamily="34" charset="0"/>
-              <a:buChar char="•"/>
-              <a:defRPr sz="2400" kern="1200">
-                <a:solidFill>
-                  <a:schemeClr val="tx1"/>
-                </a:solidFill>
-                <a:latin typeface="+mn-lt"/>
-                <a:ea typeface="+mn-ea"/>
-                <a:cs typeface="+mn-cs"/>
-              </a:defRPr>
-            </a:lvl2pPr>
-            <a:lvl3pPr marL="1143000" indent="-228600" algn="l" defTabSz="914400" rtl="0" eaLnBrk="1" latinLnBrk="0" hangingPunct="1">
-              <a:lnSpc>
-                <a:spcPct val="90000"/>
-              </a:lnSpc>
-              <a:spcBef>
-                <a:spcPts val="500"/>
-              </a:spcBef>
-              <a:buFont typeface="Arial" panose="020B0604020202020204" pitchFamily="34" charset="0"/>
-              <a:buChar char="•"/>
-              <a:defRPr sz="2000" kern="1200">
-                <a:solidFill>
-                  <a:schemeClr val="tx1"/>
-                </a:solidFill>
-                <a:latin typeface="+mn-lt"/>
-                <a:ea typeface="+mn-ea"/>
-                <a:cs typeface="+mn-cs"/>
-              </a:defRPr>
-            </a:lvl3pPr>
-            <a:lvl4pPr marL="1600200" indent="-228600" algn="l" defTabSz="914400" rtl="0" eaLnBrk="1" latinLnBrk="0" hangingPunct="1">
-              <a:lnSpc>
-                <a:spcPct val="90000"/>
-              </a:lnSpc>
-              <a:spcBef>
-                <a:spcPts val="500"/>
-              </a:spcBef>
-              <a:buFont typeface="Arial" panose="020B0604020202020204" pitchFamily="34" charset="0"/>
-              <a:buChar char="•"/>
-              <a:defRPr sz="1800" kern="1200">
-                <a:solidFill>
-                  <a:schemeClr val="tx1"/>
-                </a:solidFill>
-                <a:latin typeface="+mn-lt"/>
-                <a:ea typeface="+mn-ea"/>
-                <a:cs typeface="+mn-cs"/>
-              </a:defRPr>
-            </a:lvl4pPr>
-            <a:lvl5pPr marL="2057400" indent="-228600" algn="l" defTabSz="914400" rtl="0" eaLnBrk="1" latinLnBrk="0" hangingPunct="1">
-              <a:lnSpc>
-                <a:spcPct val="90000"/>
-              </a:lnSpc>
-              <a:spcBef>
-                <a:spcPts val="500"/>
-              </a:spcBef>
-              <a:buFont typeface="Arial" panose="020B0604020202020204" pitchFamily="34" charset="0"/>
-              <a:buChar char="•"/>
-              <a:defRPr sz="1800" kern="1200">
-                <a:solidFill>
-                  <a:schemeClr val="tx1"/>
-                </a:solidFill>
-                <a:latin typeface="+mn-lt"/>
-                <a:ea typeface="+mn-ea"/>
-                <a:cs typeface="+mn-cs"/>
-              </a:defRPr>
-            </a:lvl5pPr>
-            <a:lvl6pPr marL="2514600" indent="-228600" algn="l" defTabSz="914400" rtl="0" eaLnBrk="1" latinLnBrk="0" hangingPunct="1">
-              <a:lnSpc>
-                <a:spcPct val="90000"/>
-              </a:lnSpc>
-              <a:spcBef>
-                <a:spcPts val="500"/>
-              </a:spcBef>
-              <a:buFont typeface="Arial" panose="020B0604020202020204" pitchFamily="34" charset="0"/>
-              <a:buChar char="•"/>
-              <a:defRPr sz="1800" kern="1200">
-                <a:solidFill>
-                  <a:schemeClr val="tx1"/>
-                </a:solidFill>
-                <a:latin typeface="+mn-lt"/>
-                <a:ea typeface="+mn-ea"/>
-                <a:cs typeface="+mn-cs"/>
-              </a:defRPr>
-            </a:lvl6pPr>
-            <a:lvl7pPr marL="2971800" indent="-228600" algn="l" defTabSz="914400" rtl="0" eaLnBrk="1" latinLnBrk="0" hangingPunct="1">
-              <a:lnSpc>
-                <a:spcPct val="90000"/>
-              </a:lnSpc>
-              <a:spcBef>
-                <a:spcPts val="500"/>
-              </a:spcBef>
-              <a:buFont typeface="Arial" panose="020B0604020202020204" pitchFamily="34" charset="0"/>
-              <a:buChar char="•"/>
-              <a:defRPr sz="1800" kern="1200">
-                <a:solidFill>
-                  <a:schemeClr val="tx1"/>
-                </a:solidFill>
-                <a:latin typeface="+mn-lt"/>
-                <a:ea typeface="+mn-ea"/>
-                <a:cs typeface="+mn-cs"/>
-              </a:defRPr>
-            </a:lvl7pPr>
-            <a:lvl8pPr marL="3429000" indent="-228600" algn="l" defTabSz="914400" rtl="0" eaLnBrk="1" latinLnBrk="0" hangingPunct="1">
-              <a:lnSpc>
-                <a:spcPct val="90000"/>
-              </a:lnSpc>
-              <a:spcBef>
-                <a:spcPts val="500"/>
-              </a:spcBef>
-              <a:buFont typeface="Arial" panose="020B0604020202020204" pitchFamily="34" charset="0"/>
-              <a:buChar char="•"/>
-              <a:defRPr sz="1800" kern="1200">
-                <a:solidFill>
-                  <a:schemeClr val="tx1"/>
-                </a:solidFill>
-                <a:latin typeface="+mn-lt"/>
-                <a:ea typeface="+mn-ea"/>
-                <a:cs typeface="+mn-cs"/>
-              </a:defRPr>
-            </a:lvl8pPr>
-            <a:lvl9pPr marL="3886200" indent="-228600" algn="l" defTabSz="914400" rtl="0" eaLnBrk="1" latinLnBrk="0" hangingPunct="1">
-              <a:lnSpc>
-                <a:spcPct val="90000"/>
-              </a:lnSpc>
-              <a:spcBef>
-                <a:spcPts val="500"/>
-              </a:spcBef>
-              <a:buFont typeface="Arial" panose="020B0604020202020204" pitchFamily="34" charset="0"/>
-              <a:buChar char="•"/>
-              <a:defRPr sz="1800" kern="1200">
-                <a:solidFill>
-                  <a:schemeClr val="tx1"/>
-                </a:solidFill>
-                <a:latin typeface="+mn-lt"/>
-                <a:ea typeface="+mn-ea"/>
-                <a:cs typeface="+mn-cs"/>
-              </a:defRPr>
-            </a:lvl9pPr>
-          </a:lstStyle>
-          <a:p>
-            <a:pPr marL="0" indent="0" algn="ctr">
-              <a:buNone/>
             </a:pPr>
             <a:r>
-              <a:rPr lang="es-ES" sz="1100" dirty="0"/>
-              <a:t>Eduardo Martín-Sonseca Alonso</a:t>
-            </a:r>
-          </a:p>
-          <a:p>
-            <a:pPr marL="0" indent="0" algn="ctr">
-              <a:buNone/>
-            </a:pPr>
-            <a:r>
-              <a:rPr lang="es-ES" sz="1100" dirty="0"/>
-              <a:t>Noel Prieto Pardo</a:t>
-            </a:r>
-          </a:p>
-          <a:p>
-            <a:pPr marL="0" indent="0" algn="ctr">
-              <a:buNone/>
-            </a:pPr>
-            <a:r>
-              <a:rPr lang="es-ES" sz="1100" dirty="0"/>
-              <a:t>Mario Ortuñez Sanz</a:t>
-            </a:r>
-          </a:p>
-          <a:p>
-            <a:pPr marL="0" indent="0" algn="ctr">
-              <a:buNone/>
-            </a:pPr>
-            <a:r>
-              <a:rPr lang="es-ES" sz="1100" b="1" dirty="0"/>
-              <a:t>1º Desarrollo de Aplicaciones Multiplataforma</a:t>
-            </a:r>
+              <a:rPr lang="en-US" sz="2000" dirty="0"/>
+              <a:t>El Script </a:t>
+            </a:r>
+            <a:r>
+              <a:rPr lang="en-US" sz="2000" dirty="0" err="1"/>
+              <a:t>realizado</a:t>
+            </a:r>
+            <a:r>
+              <a:rPr lang="en-US" sz="2000" dirty="0"/>
+              <a:t> </a:t>
+            </a:r>
+            <a:r>
+              <a:rPr lang="en-US" sz="2000" dirty="0" err="1"/>
+              <a:t>esta</a:t>
+            </a:r>
+            <a:r>
+              <a:rPr lang="en-US" sz="2000" dirty="0"/>
+              <a:t> </a:t>
+            </a:r>
+            <a:r>
+              <a:rPr lang="en-US" sz="2000" dirty="0" err="1"/>
+              <a:t>localizado</a:t>
+            </a:r>
+            <a:r>
+              <a:rPr lang="en-US" sz="2000" dirty="0"/>
+              <a:t> en la </a:t>
+            </a:r>
+            <a:r>
+              <a:rPr lang="en-US" sz="2000" dirty="0" err="1"/>
+              <a:t>capeta</a:t>
+            </a:r>
+            <a:r>
+              <a:rPr lang="en-US" sz="2000" dirty="0"/>
+              <a:t> </a:t>
+            </a:r>
+            <a:r>
+              <a:rPr lang="en-US" sz="2000" dirty="0" err="1"/>
+              <a:t>denominada</a:t>
+            </a:r>
+            <a:r>
+              <a:rPr lang="en-US" sz="2000" dirty="0"/>
+              <a:t> </a:t>
+            </a:r>
+            <a:r>
+              <a:rPr lang="en-US" sz="2000" b="1" u="sng" dirty="0" err="1">
+                <a:hlinkClick r:id="rId2" action="ppaction://hlinkfile">
+                  <a:extLst>
+                    <a:ext uri="{A12FA001-AC4F-418D-AE19-62706E023703}">
+                      <ahyp:hlinkClr xmlns:ahyp="http://schemas.microsoft.com/office/drawing/2018/hyperlinkcolor" val="tx"/>
+                    </a:ext>
+                  </a:extLst>
+                </a:hlinkClick>
+              </a:rPr>
+              <a:t>Modelos</a:t>
+            </a:r>
+            <a:r>
+              <a:rPr lang="en-US" sz="2000" b="1" u="sng" dirty="0">
+                <a:hlinkClick r:id="rId2" action="ppaction://hlinkfile">
+                  <a:extLst>
+                    <a:ext uri="{A12FA001-AC4F-418D-AE19-62706E023703}">
+                      <ahyp:hlinkClr xmlns:ahyp="http://schemas.microsoft.com/office/drawing/2018/hyperlinkcolor" val="tx"/>
+                    </a:ext>
+                  </a:extLst>
+                </a:hlinkClick>
+              </a:rPr>
+              <a:t> y script&gt;Scripts</a:t>
+            </a:r>
+            <a:endParaRPr lang="en-US" sz="2000" dirty="0"/>
           </a:p>
         </p:txBody>
       </p:sp>
     </p:spTree>
     <p:extLst>
       <p:ext uri="{BB962C8B-B14F-4D97-AF65-F5344CB8AC3E}">
-        <p14:creationId xmlns:p14="http://schemas.microsoft.com/office/powerpoint/2010/main" val="171171677"/>
+        <p14:creationId xmlns:p14="http://schemas.microsoft.com/office/powerpoint/2010/main" val="2907218188"/>
       </p:ext>
     </p:extLst>
   </p:cSld>
@@ -4148,8 +5023,11 @@
                               <p:par>
                                 <p:cTn id="5" presetID="10" presetClass="entr" presetSubtype="0" fill="hold" grpId="0" nodeType="withEffect">
                                   <p:stCondLst>
-                                    <p:cond delay="0"/>
+                                    <p:cond delay="500"/>
                                   </p:stCondLst>
+                                  <p:iterate type="wd">
+                                    <p:tmPct val="15000"/>
+                                  </p:iterate>
                                   <p:childTnLst>
                                     <p:set>
                                       <p:cBhvr>
@@ -4159,7 +5037,7 @@
                                           </p:stCondLst>
                                         </p:cTn>
                                         <p:tgtEl>
-                                          <p:spTgt spid="5"/>
+                                          <p:spTgt spid="2"/>
                                         </p:tgtEl>
                                         <p:attrNameLst>
                                           <p:attrName>style.visibility</p:attrName>
@@ -4171,9 +5049,9 @@
                                     </p:set>
                                     <p:animEffect transition="in" filter="fade">
                                       <p:cBhvr>
-                                        <p:cTn id="7" dur="500"/>
+                                        <p:cTn id="7" dur="1000"/>
                                         <p:tgtEl>
-                                          <p:spTgt spid="5"/>
+                                          <p:spTgt spid="2"/>
                                         </p:tgtEl>
                                       </p:cBhvr>
                                     </p:animEffect>
@@ -4208,7 +5086,7 @@
       </p:par>
     </p:tnLst>
     <p:bldLst>
-      <p:bldP spid="5" grpId="0"/>
+      <p:bldP spid="2" grpId="0"/>
     </p:bldLst>
   </p:timing>
 </p:sld>
@@ -4236,7 +5114,7 @@
           <p:cNvPr id="2" name="Título 1">
             <a:extLst>
               <a:ext uri="{FF2B5EF4-FFF2-40B4-BE49-F238E27FC236}">
-                <a16:creationId xmlns:a16="http://schemas.microsoft.com/office/drawing/2014/main" id="{43E1CEF8-2BF0-C80E-1185-7C8325F5160F}"/>
+                <a16:creationId xmlns:a16="http://schemas.microsoft.com/office/drawing/2014/main" id="{02EFAA9E-8A5A-79C1-53E8-BD1B2A9367F6}"/>
               </a:ext>
             </a:extLst>
           </p:cNvPr>
@@ -4255,7 +5133,7 @@
             <a:pPr algn="ctr"/>
             <a:r>
               <a:rPr lang="es-ES" dirty="0"/>
-              <a:t>CONSULTAS SQL</a:t>
+              <a:t>DICCIONARIO DE DATOS</a:t>
             </a:r>
           </a:p>
         </p:txBody>
@@ -4265,7 +5143,7 @@
           <p:cNvPr id="3" name="Marcador de contenido 2">
             <a:extLst>
               <a:ext uri="{FF2B5EF4-FFF2-40B4-BE49-F238E27FC236}">
-                <a16:creationId xmlns:a16="http://schemas.microsoft.com/office/drawing/2014/main" id="{7A7AE2FA-8E19-45EE-3C4E-261D859B9DED}"/>
+                <a16:creationId xmlns:a16="http://schemas.microsoft.com/office/drawing/2014/main" id="{5A93B9C0-D4A8-770D-4B4B-EFE23F2B3763}"/>
               </a:ext>
             </a:extLst>
           </p:cNvPr>
@@ -4287,243 +5165,10 @@
       </p:sp>
       <p:sp>
         <p:nvSpPr>
-          <p:cNvPr id="4" name="Subtítulo 2">
-            <a:extLst>
-              <a:ext uri="{FF2B5EF4-FFF2-40B4-BE49-F238E27FC236}">
-                <a16:creationId xmlns:a16="http://schemas.microsoft.com/office/drawing/2014/main" id="{00CEC237-FF37-343F-EA8D-6F875C492506}"/>
-              </a:ext>
-            </a:extLst>
-          </p:cNvPr>
-          <p:cNvSpPr txBox="1">
-            <a:spLocks/>
-          </p:cNvSpPr>
-          <p:nvPr/>
-        </p:nvSpPr>
-        <p:spPr>
-          <a:xfrm>
-            <a:off x="8854750" y="5735638"/>
-            <a:ext cx="3337229" cy="1098395"/>
-          </a:xfrm>
-          <a:prstGeom prst="rect">
-            <a:avLst/>
-          </a:prstGeom>
-        </p:spPr>
-        <p:txBody>
-          <a:bodyPr vert="horz" lIns="91440" tIns="45720" rIns="91440" bIns="45720" rtlCol="0">
-            <a:normAutofit/>
-          </a:bodyPr>
-          <a:lstStyle>
-            <a:lvl1pPr marL="228600" indent="-228600" algn="l" defTabSz="914400" rtl="0" eaLnBrk="1" latinLnBrk="0" hangingPunct="1">
-              <a:lnSpc>
-                <a:spcPct val="90000"/>
-              </a:lnSpc>
-              <a:spcBef>
-                <a:spcPts val="1000"/>
-              </a:spcBef>
-              <a:buFont typeface="Arial" panose="020B0604020202020204" pitchFamily="34" charset="0"/>
-              <a:buChar char="•"/>
-              <a:defRPr sz="2800" kern="1200">
-                <a:solidFill>
-                  <a:schemeClr val="tx1"/>
-                </a:solidFill>
-                <a:latin typeface="+mn-lt"/>
-                <a:ea typeface="+mn-ea"/>
-                <a:cs typeface="+mn-cs"/>
-              </a:defRPr>
-            </a:lvl1pPr>
-            <a:lvl2pPr marL="685800" indent="-228600" algn="l" defTabSz="914400" rtl="0" eaLnBrk="1" latinLnBrk="0" hangingPunct="1">
-              <a:lnSpc>
-                <a:spcPct val="90000"/>
-              </a:lnSpc>
-              <a:spcBef>
-                <a:spcPts val="500"/>
-              </a:spcBef>
-              <a:buFont typeface="Arial" panose="020B0604020202020204" pitchFamily="34" charset="0"/>
-              <a:buChar char="•"/>
-              <a:defRPr sz="2400" kern="1200">
-                <a:solidFill>
-                  <a:schemeClr val="tx1"/>
-                </a:solidFill>
-                <a:latin typeface="+mn-lt"/>
-                <a:ea typeface="+mn-ea"/>
-                <a:cs typeface="+mn-cs"/>
-              </a:defRPr>
-            </a:lvl2pPr>
-            <a:lvl3pPr marL="1143000" indent="-228600" algn="l" defTabSz="914400" rtl="0" eaLnBrk="1" latinLnBrk="0" hangingPunct="1">
-              <a:lnSpc>
-                <a:spcPct val="90000"/>
-              </a:lnSpc>
-              <a:spcBef>
-                <a:spcPts val="500"/>
-              </a:spcBef>
-              <a:buFont typeface="Arial" panose="020B0604020202020204" pitchFamily="34" charset="0"/>
-              <a:buChar char="•"/>
-              <a:defRPr sz="2000" kern="1200">
-                <a:solidFill>
-                  <a:schemeClr val="tx1"/>
-                </a:solidFill>
-                <a:latin typeface="+mn-lt"/>
-                <a:ea typeface="+mn-ea"/>
-                <a:cs typeface="+mn-cs"/>
-              </a:defRPr>
-            </a:lvl3pPr>
-            <a:lvl4pPr marL="1600200" indent="-228600" algn="l" defTabSz="914400" rtl="0" eaLnBrk="1" latinLnBrk="0" hangingPunct="1">
-              <a:lnSpc>
-                <a:spcPct val="90000"/>
-              </a:lnSpc>
-              <a:spcBef>
-                <a:spcPts val="500"/>
-              </a:spcBef>
-              <a:buFont typeface="Arial" panose="020B0604020202020204" pitchFamily="34" charset="0"/>
-              <a:buChar char="•"/>
-              <a:defRPr sz="1800" kern="1200">
-                <a:solidFill>
-                  <a:schemeClr val="tx1"/>
-                </a:solidFill>
-                <a:latin typeface="+mn-lt"/>
-                <a:ea typeface="+mn-ea"/>
-                <a:cs typeface="+mn-cs"/>
-              </a:defRPr>
-            </a:lvl4pPr>
-            <a:lvl5pPr marL="2057400" indent="-228600" algn="l" defTabSz="914400" rtl="0" eaLnBrk="1" latinLnBrk="0" hangingPunct="1">
-              <a:lnSpc>
-                <a:spcPct val="90000"/>
-              </a:lnSpc>
-              <a:spcBef>
-                <a:spcPts val="500"/>
-              </a:spcBef>
-              <a:buFont typeface="Arial" panose="020B0604020202020204" pitchFamily="34" charset="0"/>
-              <a:buChar char="•"/>
-              <a:defRPr sz="1800" kern="1200">
-                <a:solidFill>
-                  <a:schemeClr val="tx1"/>
-                </a:solidFill>
-                <a:latin typeface="+mn-lt"/>
-                <a:ea typeface="+mn-ea"/>
-                <a:cs typeface="+mn-cs"/>
-              </a:defRPr>
-            </a:lvl5pPr>
-            <a:lvl6pPr marL="2514600" indent="-228600" algn="l" defTabSz="914400" rtl="0" eaLnBrk="1" latinLnBrk="0" hangingPunct="1">
-              <a:lnSpc>
-                <a:spcPct val="90000"/>
-              </a:lnSpc>
-              <a:spcBef>
-                <a:spcPts val="500"/>
-              </a:spcBef>
-              <a:buFont typeface="Arial" panose="020B0604020202020204" pitchFamily="34" charset="0"/>
-              <a:buChar char="•"/>
-              <a:defRPr sz="1800" kern="1200">
-                <a:solidFill>
-                  <a:schemeClr val="tx1"/>
-                </a:solidFill>
-                <a:latin typeface="+mn-lt"/>
-                <a:ea typeface="+mn-ea"/>
-                <a:cs typeface="+mn-cs"/>
-              </a:defRPr>
-            </a:lvl6pPr>
-            <a:lvl7pPr marL="2971800" indent="-228600" algn="l" defTabSz="914400" rtl="0" eaLnBrk="1" latinLnBrk="0" hangingPunct="1">
-              <a:lnSpc>
-                <a:spcPct val="90000"/>
-              </a:lnSpc>
-              <a:spcBef>
-                <a:spcPts val="500"/>
-              </a:spcBef>
-              <a:buFont typeface="Arial" panose="020B0604020202020204" pitchFamily="34" charset="0"/>
-              <a:buChar char="•"/>
-              <a:defRPr sz="1800" kern="1200">
-                <a:solidFill>
-                  <a:schemeClr val="tx1"/>
-                </a:solidFill>
-                <a:latin typeface="+mn-lt"/>
-                <a:ea typeface="+mn-ea"/>
-                <a:cs typeface="+mn-cs"/>
-              </a:defRPr>
-            </a:lvl7pPr>
-            <a:lvl8pPr marL="3429000" indent="-228600" algn="l" defTabSz="914400" rtl="0" eaLnBrk="1" latinLnBrk="0" hangingPunct="1">
-              <a:lnSpc>
-                <a:spcPct val="90000"/>
-              </a:lnSpc>
-              <a:spcBef>
-                <a:spcPts val="500"/>
-              </a:spcBef>
-              <a:buFont typeface="Arial" panose="020B0604020202020204" pitchFamily="34" charset="0"/>
-              <a:buChar char="•"/>
-              <a:defRPr sz="1800" kern="1200">
-                <a:solidFill>
-                  <a:schemeClr val="tx1"/>
-                </a:solidFill>
-                <a:latin typeface="+mn-lt"/>
-                <a:ea typeface="+mn-ea"/>
-                <a:cs typeface="+mn-cs"/>
-              </a:defRPr>
-            </a:lvl8pPr>
-            <a:lvl9pPr marL="3886200" indent="-228600" algn="l" defTabSz="914400" rtl="0" eaLnBrk="1" latinLnBrk="0" hangingPunct="1">
-              <a:lnSpc>
-                <a:spcPct val="90000"/>
-              </a:lnSpc>
-              <a:spcBef>
-                <a:spcPts val="500"/>
-              </a:spcBef>
-              <a:buFont typeface="Arial" panose="020B0604020202020204" pitchFamily="34" charset="0"/>
-              <a:buChar char="•"/>
-              <a:defRPr sz="1800" kern="1200">
-                <a:solidFill>
-                  <a:schemeClr val="tx1"/>
-                </a:solidFill>
-                <a:latin typeface="+mn-lt"/>
-                <a:ea typeface="+mn-ea"/>
-                <a:cs typeface="+mn-cs"/>
-              </a:defRPr>
-            </a:lvl9pPr>
-          </a:lstStyle>
-          <a:p>
-            <a:r>
-              <a:rPr lang="es-ES" sz="1100" dirty="0">
-                <a:solidFill>
-                  <a:srgbClr val="FFFFFF"/>
-                </a:solidFill>
-              </a:rPr>
-              <a:t>Eduardo Martín-Sonseca Alonso</a:t>
-            </a:r>
-          </a:p>
-          <a:p>
-            <a:r>
-              <a:rPr lang="es-ES" sz="1100" dirty="0">
-                <a:solidFill>
-                  <a:srgbClr val="FFFFFF"/>
-                </a:solidFill>
-              </a:rPr>
-              <a:t>Noel Prieto Pardo</a:t>
-            </a:r>
-          </a:p>
-          <a:p>
-            <a:r>
-              <a:rPr lang="es-ES" sz="1100" dirty="0">
-                <a:solidFill>
-                  <a:srgbClr val="FFFFFF"/>
-                </a:solidFill>
-              </a:rPr>
-              <a:t>Mario Ortuñez Sanz</a:t>
-            </a:r>
-          </a:p>
-          <a:p>
-            <a:r>
-              <a:rPr lang="es-ES" sz="1100" b="1" dirty="0">
-                <a:solidFill>
-                  <a:srgbClr val="FFFFFF"/>
-                </a:solidFill>
-              </a:rPr>
-              <a:t>1º Desarrollo de Aplicaciones Multiplataforma</a:t>
-            </a:r>
-          </a:p>
-        </p:txBody>
-      </p:sp>
-      <p:sp>
-        <p:nvSpPr>
           <p:cNvPr id="5" name="Subtítulo 2">
             <a:extLst>
               <a:ext uri="{FF2B5EF4-FFF2-40B4-BE49-F238E27FC236}">
-                <a16:creationId xmlns:a16="http://schemas.microsoft.com/office/drawing/2014/main" id="{5564423E-A582-20EA-ED12-EB9B77A28CF9}"/>
+                <a16:creationId xmlns:a16="http://schemas.microsoft.com/office/drawing/2014/main" id="{7C26FFA8-F1EF-A476-F050-1A92341668E6}"/>
               </a:ext>
             </a:extLst>
           </p:cNvPr>
@@ -4750,7 +5395,7 @@
     </p:spTree>
     <p:extLst>
       <p:ext uri="{BB962C8B-B14F-4D97-AF65-F5344CB8AC3E}">
-        <p14:creationId xmlns:p14="http://schemas.microsoft.com/office/powerpoint/2010/main" val="761676696"/>
+        <p14:creationId xmlns:p14="http://schemas.microsoft.com/office/powerpoint/2010/main" val="171171677"/>
       </p:ext>
     </p:extLst>
   </p:cSld>
@@ -4871,7 +5516,7 @@
           <p:cNvPr id="2" name="Título 1">
             <a:extLst>
               <a:ext uri="{FF2B5EF4-FFF2-40B4-BE49-F238E27FC236}">
-                <a16:creationId xmlns:a16="http://schemas.microsoft.com/office/drawing/2014/main" id="{DC2FAD18-B45A-4F9C-1A84-8FFF7FF1F2B0}"/>
+                <a16:creationId xmlns:a16="http://schemas.microsoft.com/office/drawing/2014/main" id="{43E1CEF8-2BF0-C80E-1185-7C8325F5160F}"/>
               </a:ext>
             </a:extLst>
           </p:cNvPr>
@@ -4890,7 +5535,7 @@
             <a:pPr algn="ctr"/>
             <a:r>
               <a:rPr lang="es-ES" dirty="0"/>
-              <a:t>SUBPROGRAMAS PL/SQL</a:t>
+              <a:t>CONSULTAS SQL</a:t>
             </a:r>
           </a:p>
         </p:txBody>
@@ -4900,7 +5545,7 @@
           <p:cNvPr id="3" name="Marcador de contenido 2">
             <a:extLst>
               <a:ext uri="{FF2B5EF4-FFF2-40B4-BE49-F238E27FC236}">
-                <a16:creationId xmlns:a16="http://schemas.microsoft.com/office/drawing/2014/main" id="{9061B1B6-CFE2-5FDB-FBBA-F62B27174E81}"/>
+                <a16:creationId xmlns:a16="http://schemas.microsoft.com/office/drawing/2014/main" id="{7A7AE2FA-8E19-45EE-3C4E-261D859B9DED}"/>
               </a:ext>
             </a:extLst>
           </p:cNvPr>
@@ -4916,7 +5561,7 @@
           <a:bodyPr/>
           <a:lstStyle/>
           <a:p>
-            <a:endParaRPr lang="es-ES"/>
+            <a:endParaRPr lang="es-ES" dirty="0"/>
           </a:p>
         </p:txBody>
       </p:sp>
@@ -4925,7 +5570,7 @@
           <p:cNvPr id="4" name="Subtítulo 2">
             <a:extLst>
               <a:ext uri="{FF2B5EF4-FFF2-40B4-BE49-F238E27FC236}">
-                <a16:creationId xmlns:a16="http://schemas.microsoft.com/office/drawing/2014/main" id="{432F4078-35D2-4212-B4D0-1AF875308361}"/>
+                <a16:creationId xmlns:a16="http://schemas.microsoft.com/office/drawing/2014/main" id="{00CEC237-FF37-343F-EA8D-6F875C492506}"/>
               </a:ext>
             </a:extLst>
           </p:cNvPr>
@@ -5113,7 +5758,7 @@
           </a:lstStyle>
           <a:p>
             <a:r>
-              <a:rPr lang="es-ES" sz="1100">
+              <a:rPr lang="es-ES" sz="1100" dirty="0">
                 <a:solidFill>
                   <a:srgbClr val="FFFFFF"/>
                 </a:solidFill>
@@ -5123,7 +5768,7 @@
           </a:p>
           <a:p>
             <a:r>
-              <a:rPr lang="es-ES" sz="1100">
+              <a:rPr lang="es-ES" sz="1100" dirty="0">
                 <a:solidFill>
                   <a:srgbClr val="FFFFFF"/>
                 </a:solidFill>
@@ -5133,7 +5778,7 @@
           </a:p>
           <a:p>
             <a:r>
-              <a:rPr lang="es-ES" sz="1100">
+              <a:rPr lang="es-ES" sz="1100" dirty="0">
                 <a:solidFill>
                   <a:srgbClr val="FFFFFF"/>
                 </a:solidFill>
@@ -5143,18 +5788,13 @@
           </a:p>
           <a:p>
             <a:r>
-              <a:rPr lang="es-ES" sz="1100" b="1">
+              <a:rPr lang="es-ES" sz="1100" b="1" dirty="0">
                 <a:solidFill>
                   <a:srgbClr val="FFFFFF"/>
                 </a:solidFill>
               </a:rPr>
               <a:t>1º Desarrollo de Aplicaciones Multiplataforma</a:t>
             </a:r>
-            <a:endParaRPr lang="es-ES" sz="1100" b="1" dirty="0">
-              <a:solidFill>
-                <a:srgbClr val="FFFFFF"/>
-              </a:solidFill>
-            </a:endParaRPr>
           </a:p>
         </p:txBody>
       </p:sp>
@@ -5163,7 +5803,7 @@
           <p:cNvPr id="5" name="Subtítulo 2">
             <a:extLst>
               <a:ext uri="{FF2B5EF4-FFF2-40B4-BE49-F238E27FC236}">
-                <a16:creationId xmlns:a16="http://schemas.microsoft.com/office/drawing/2014/main" id="{3001F694-DCDE-37CC-FBCF-CA2ACF93AE9E}"/>
+                <a16:creationId xmlns:a16="http://schemas.microsoft.com/office/drawing/2014/main" id="{5564423E-A582-20EA-ED12-EB9B77A28CF9}"/>
               </a:ext>
             </a:extLst>
           </p:cNvPr>
@@ -5390,7 +6030,7 @@
     </p:spTree>
     <p:extLst>
       <p:ext uri="{BB962C8B-B14F-4D97-AF65-F5344CB8AC3E}">
-        <p14:creationId xmlns:p14="http://schemas.microsoft.com/office/powerpoint/2010/main" val="499266165"/>
+        <p14:creationId xmlns:p14="http://schemas.microsoft.com/office/powerpoint/2010/main" val="761676696"/>
       </p:ext>
     </p:extLst>
   </p:cSld>
@@ -5511,6 +6151,646 @@
           <p:cNvPr id="2" name="Título 1">
             <a:extLst>
               <a:ext uri="{FF2B5EF4-FFF2-40B4-BE49-F238E27FC236}">
+                <a16:creationId xmlns:a16="http://schemas.microsoft.com/office/drawing/2014/main" id="{DC2FAD18-B45A-4F9C-1A84-8FFF7FF1F2B0}"/>
+              </a:ext>
+            </a:extLst>
+          </p:cNvPr>
+          <p:cNvSpPr>
+            <a:spLocks noGrp="1"/>
+          </p:cNvSpPr>
+          <p:nvPr>
+            <p:ph type="title"/>
+          </p:nvPr>
+        </p:nvSpPr>
+        <p:spPr/>
+        <p:txBody>
+          <a:bodyPr/>
+          <a:lstStyle/>
+          <a:p>
+            <a:pPr algn="ctr"/>
+            <a:r>
+              <a:rPr lang="es-ES" dirty="0"/>
+              <a:t>SUBPROGRAMAS PL/SQL</a:t>
+            </a:r>
+          </a:p>
+        </p:txBody>
+      </p:sp>
+      <p:sp>
+        <p:nvSpPr>
+          <p:cNvPr id="3" name="Marcador de contenido 2">
+            <a:extLst>
+              <a:ext uri="{FF2B5EF4-FFF2-40B4-BE49-F238E27FC236}">
+                <a16:creationId xmlns:a16="http://schemas.microsoft.com/office/drawing/2014/main" id="{9061B1B6-CFE2-5FDB-FBBA-F62B27174E81}"/>
+              </a:ext>
+            </a:extLst>
+          </p:cNvPr>
+          <p:cNvSpPr>
+            <a:spLocks noGrp="1"/>
+          </p:cNvSpPr>
+          <p:nvPr>
+            <p:ph idx="1"/>
+          </p:nvPr>
+        </p:nvSpPr>
+        <p:spPr/>
+        <p:txBody>
+          <a:bodyPr/>
+          <a:lstStyle/>
+          <a:p>
+            <a:endParaRPr lang="es-ES"/>
+          </a:p>
+        </p:txBody>
+      </p:sp>
+      <p:sp>
+        <p:nvSpPr>
+          <p:cNvPr id="4" name="Subtítulo 2">
+            <a:extLst>
+              <a:ext uri="{FF2B5EF4-FFF2-40B4-BE49-F238E27FC236}">
+                <a16:creationId xmlns:a16="http://schemas.microsoft.com/office/drawing/2014/main" id="{432F4078-35D2-4212-B4D0-1AF875308361}"/>
+              </a:ext>
+            </a:extLst>
+          </p:cNvPr>
+          <p:cNvSpPr txBox="1">
+            <a:spLocks/>
+          </p:cNvSpPr>
+          <p:nvPr/>
+        </p:nvSpPr>
+        <p:spPr>
+          <a:xfrm>
+            <a:off x="8854750" y="5735638"/>
+            <a:ext cx="3337229" cy="1098395"/>
+          </a:xfrm>
+          <a:prstGeom prst="rect">
+            <a:avLst/>
+          </a:prstGeom>
+        </p:spPr>
+        <p:txBody>
+          <a:bodyPr vert="horz" lIns="91440" tIns="45720" rIns="91440" bIns="45720" rtlCol="0">
+            <a:normAutofit/>
+          </a:bodyPr>
+          <a:lstStyle>
+            <a:lvl1pPr marL="228600" indent="-228600" algn="l" defTabSz="914400" rtl="0" eaLnBrk="1" latinLnBrk="0" hangingPunct="1">
+              <a:lnSpc>
+                <a:spcPct val="90000"/>
+              </a:lnSpc>
+              <a:spcBef>
+                <a:spcPts val="1000"/>
+              </a:spcBef>
+              <a:buFont typeface="Arial" panose="020B0604020202020204" pitchFamily="34" charset="0"/>
+              <a:buChar char="•"/>
+              <a:defRPr sz="2800" kern="1200">
+                <a:solidFill>
+                  <a:schemeClr val="tx1"/>
+                </a:solidFill>
+                <a:latin typeface="+mn-lt"/>
+                <a:ea typeface="+mn-ea"/>
+                <a:cs typeface="+mn-cs"/>
+              </a:defRPr>
+            </a:lvl1pPr>
+            <a:lvl2pPr marL="685800" indent="-228600" algn="l" defTabSz="914400" rtl="0" eaLnBrk="1" latinLnBrk="0" hangingPunct="1">
+              <a:lnSpc>
+                <a:spcPct val="90000"/>
+              </a:lnSpc>
+              <a:spcBef>
+                <a:spcPts val="500"/>
+              </a:spcBef>
+              <a:buFont typeface="Arial" panose="020B0604020202020204" pitchFamily="34" charset="0"/>
+              <a:buChar char="•"/>
+              <a:defRPr sz="2400" kern="1200">
+                <a:solidFill>
+                  <a:schemeClr val="tx1"/>
+                </a:solidFill>
+                <a:latin typeface="+mn-lt"/>
+                <a:ea typeface="+mn-ea"/>
+                <a:cs typeface="+mn-cs"/>
+              </a:defRPr>
+            </a:lvl2pPr>
+            <a:lvl3pPr marL="1143000" indent="-228600" algn="l" defTabSz="914400" rtl="0" eaLnBrk="1" latinLnBrk="0" hangingPunct="1">
+              <a:lnSpc>
+                <a:spcPct val="90000"/>
+              </a:lnSpc>
+              <a:spcBef>
+                <a:spcPts val="500"/>
+              </a:spcBef>
+              <a:buFont typeface="Arial" panose="020B0604020202020204" pitchFamily="34" charset="0"/>
+              <a:buChar char="•"/>
+              <a:defRPr sz="2000" kern="1200">
+                <a:solidFill>
+                  <a:schemeClr val="tx1"/>
+                </a:solidFill>
+                <a:latin typeface="+mn-lt"/>
+                <a:ea typeface="+mn-ea"/>
+                <a:cs typeface="+mn-cs"/>
+              </a:defRPr>
+            </a:lvl3pPr>
+            <a:lvl4pPr marL="1600200" indent="-228600" algn="l" defTabSz="914400" rtl="0" eaLnBrk="1" latinLnBrk="0" hangingPunct="1">
+              <a:lnSpc>
+                <a:spcPct val="90000"/>
+              </a:lnSpc>
+              <a:spcBef>
+                <a:spcPts val="500"/>
+              </a:spcBef>
+              <a:buFont typeface="Arial" panose="020B0604020202020204" pitchFamily="34" charset="0"/>
+              <a:buChar char="•"/>
+              <a:defRPr sz="1800" kern="1200">
+                <a:solidFill>
+                  <a:schemeClr val="tx1"/>
+                </a:solidFill>
+                <a:latin typeface="+mn-lt"/>
+                <a:ea typeface="+mn-ea"/>
+                <a:cs typeface="+mn-cs"/>
+              </a:defRPr>
+            </a:lvl4pPr>
+            <a:lvl5pPr marL="2057400" indent="-228600" algn="l" defTabSz="914400" rtl="0" eaLnBrk="1" latinLnBrk="0" hangingPunct="1">
+              <a:lnSpc>
+                <a:spcPct val="90000"/>
+              </a:lnSpc>
+              <a:spcBef>
+                <a:spcPts val="500"/>
+              </a:spcBef>
+              <a:buFont typeface="Arial" panose="020B0604020202020204" pitchFamily="34" charset="0"/>
+              <a:buChar char="•"/>
+              <a:defRPr sz="1800" kern="1200">
+                <a:solidFill>
+                  <a:schemeClr val="tx1"/>
+                </a:solidFill>
+                <a:latin typeface="+mn-lt"/>
+                <a:ea typeface="+mn-ea"/>
+                <a:cs typeface="+mn-cs"/>
+              </a:defRPr>
+            </a:lvl5pPr>
+            <a:lvl6pPr marL="2514600" indent="-228600" algn="l" defTabSz="914400" rtl="0" eaLnBrk="1" latinLnBrk="0" hangingPunct="1">
+              <a:lnSpc>
+                <a:spcPct val="90000"/>
+              </a:lnSpc>
+              <a:spcBef>
+                <a:spcPts val="500"/>
+              </a:spcBef>
+              <a:buFont typeface="Arial" panose="020B0604020202020204" pitchFamily="34" charset="0"/>
+              <a:buChar char="•"/>
+              <a:defRPr sz="1800" kern="1200">
+                <a:solidFill>
+                  <a:schemeClr val="tx1"/>
+                </a:solidFill>
+                <a:latin typeface="+mn-lt"/>
+                <a:ea typeface="+mn-ea"/>
+                <a:cs typeface="+mn-cs"/>
+              </a:defRPr>
+            </a:lvl6pPr>
+            <a:lvl7pPr marL="2971800" indent="-228600" algn="l" defTabSz="914400" rtl="0" eaLnBrk="1" latinLnBrk="0" hangingPunct="1">
+              <a:lnSpc>
+                <a:spcPct val="90000"/>
+              </a:lnSpc>
+              <a:spcBef>
+                <a:spcPts val="500"/>
+              </a:spcBef>
+              <a:buFont typeface="Arial" panose="020B0604020202020204" pitchFamily="34" charset="0"/>
+              <a:buChar char="•"/>
+              <a:defRPr sz="1800" kern="1200">
+                <a:solidFill>
+                  <a:schemeClr val="tx1"/>
+                </a:solidFill>
+                <a:latin typeface="+mn-lt"/>
+                <a:ea typeface="+mn-ea"/>
+                <a:cs typeface="+mn-cs"/>
+              </a:defRPr>
+            </a:lvl7pPr>
+            <a:lvl8pPr marL="3429000" indent="-228600" algn="l" defTabSz="914400" rtl="0" eaLnBrk="1" latinLnBrk="0" hangingPunct="1">
+              <a:lnSpc>
+                <a:spcPct val="90000"/>
+              </a:lnSpc>
+              <a:spcBef>
+                <a:spcPts val="500"/>
+              </a:spcBef>
+              <a:buFont typeface="Arial" panose="020B0604020202020204" pitchFamily="34" charset="0"/>
+              <a:buChar char="•"/>
+              <a:defRPr sz="1800" kern="1200">
+                <a:solidFill>
+                  <a:schemeClr val="tx1"/>
+                </a:solidFill>
+                <a:latin typeface="+mn-lt"/>
+                <a:ea typeface="+mn-ea"/>
+                <a:cs typeface="+mn-cs"/>
+              </a:defRPr>
+            </a:lvl8pPr>
+            <a:lvl9pPr marL="3886200" indent="-228600" algn="l" defTabSz="914400" rtl="0" eaLnBrk="1" latinLnBrk="0" hangingPunct="1">
+              <a:lnSpc>
+                <a:spcPct val="90000"/>
+              </a:lnSpc>
+              <a:spcBef>
+                <a:spcPts val="500"/>
+              </a:spcBef>
+              <a:buFont typeface="Arial" panose="020B0604020202020204" pitchFamily="34" charset="0"/>
+              <a:buChar char="•"/>
+              <a:defRPr sz="1800" kern="1200">
+                <a:solidFill>
+                  <a:schemeClr val="tx1"/>
+                </a:solidFill>
+                <a:latin typeface="+mn-lt"/>
+                <a:ea typeface="+mn-ea"/>
+                <a:cs typeface="+mn-cs"/>
+              </a:defRPr>
+            </a:lvl9pPr>
+          </a:lstStyle>
+          <a:p>
+            <a:r>
+              <a:rPr lang="es-ES" sz="1100">
+                <a:solidFill>
+                  <a:srgbClr val="FFFFFF"/>
+                </a:solidFill>
+              </a:rPr>
+              <a:t>Eduardo Martín-Sonseca Alonso</a:t>
+            </a:r>
+          </a:p>
+          <a:p>
+            <a:r>
+              <a:rPr lang="es-ES" sz="1100">
+                <a:solidFill>
+                  <a:srgbClr val="FFFFFF"/>
+                </a:solidFill>
+              </a:rPr>
+              <a:t>Noel Prieto Pardo</a:t>
+            </a:r>
+          </a:p>
+          <a:p>
+            <a:r>
+              <a:rPr lang="es-ES" sz="1100">
+                <a:solidFill>
+                  <a:srgbClr val="FFFFFF"/>
+                </a:solidFill>
+              </a:rPr>
+              <a:t>Mario Ortuñez Sanz</a:t>
+            </a:r>
+          </a:p>
+          <a:p>
+            <a:r>
+              <a:rPr lang="es-ES" sz="1100" b="1">
+                <a:solidFill>
+                  <a:srgbClr val="FFFFFF"/>
+                </a:solidFill>
+              </a:rPr>
+              <a:t>1º Desarrollo de Aplicaciones Multiplataforma</a:t>
+            </a:r>
+            <a:endParaRPr lang="es-ES" sz="1100" b="1" dirty="0">
+              <a:solidFill>
+                <a:srgbClr val="FFFFFF"/>
+              </a:solidFill>
+            </a:endParaRPr>
+          </a:p>
+        </p:txBody>
+      </p:sp>
+      <p:sp>
+        <p:nvSpPr>
+          <p:cNvPr id="5" name="Subtítulo 2">
+            <a:extLst>
+              <a:ext uri="{FF2B5EF4-FFF2-40B4-BE49-F238E27FC236}">
+                <a16:creationId xmlns:a16="http://schemas.microsoft.com/office/drawing/2014/main" id="{3001F694-DCDE-37CC-FBCF-CA2ACF93AE9E}"/>
+              </a:ext>
+            </a:extLst>
+          </p:cNvPr>
+          <p:cNvSpPr txBox="1">
+            <a:spLocks/>
+          </p:cNvSpPr>
+          <p:nvPr/>
+        </p:nvSpPr>
+        <p:spPr>
+          <a:xfrm>
+            <a:off x="9254067" y="5791200"/>
+            <a:ext cx="2937912" cy="1042833"/>
+          </a:xfrm>
+          <a:prstGeom prst="rect">
+            <a:avLst/>
+          </a:prstGeom>
+        </p:spPr>
+        <p:txBody>
+          <a:bodyPr vert="horz" lIns="91440" tIns="45720" rIns="91440" bIns="45720" rtlCol="0">
+            <a:normAutofit lnSpcReduction="10000"/>
+          </a:bodyPr>
+          <a:lstStyle>
+            <a:lvl1pPr marL="228600" indent="-228600" algn="l" defTabSz="914400" rtl="0" eaLnBrk="1" latinLnBrk="0" hangingPunct="1">
+              <a:lnSpc>
+                <a:spcPct val="90000"/>
+              </a:lnSpc>
+              <a:spcBef>
+                <a:spcPts val="1000"/>
+              </a:spcBef>
+              <a:buFont typeface="Arial" panose="020B0604020202020204" pitchFamily="34" charset="0"/>
+              <a:buChar char="•"/>
+              <a:defRPr sz="2800" kern="1200">
+                <a:solidFill>
+                  <a:schemeClr val="tx1"/>
+                </a:solidFill>
+                <a:latin typeface="+mn-lt"/>
+                <a:ea typeface="+mn-ea"/>
+                <a:cs typeface="+mn-cs"/>
+              </a:defRPr>
+            </a:lvl1pPr>
+            <a:lvl2pPr marL="685800" indent="-228600" algn="l" defTabSz="914400" rtl="0" eaLnBrk="1" latinLnBrk="0" hangingPunct="1">
+              <a:lnSpc>
+                <a:spcPct val="90000"/>
+              </a:lnSpc>
+              <a:spcBef>
+                <a:spcPts val="500"/>
+              </a:spcBef>
+              <a:buFont typeface="Arial" panose="020B0604020202020204" pitchFamily="34" charset="0"/>
+              <a:buChar char="•"/>
+              <a:defRPr sz="2400" kern="1200">
+                <a:solidFill>
+                  <a:schemeClr val="tx1"/>
+                </a:solidFill>
+                <a:latin typeface="+mn-lt"/>
+                <a:ea typeface="+mn-ea"/>
+                <a:cs typeface="+mn-cs"/>
+              </a:defRPr>
+            </a:lvl2pPr>
+            <a:lvl3pPr marL="1143000" indent="-228600" algn="l" defTabSz="914400" rtl="0" eaLnBrk="1" latinLnBrk="0" hangingPunct="1">
+              <a:lnSpc>
+                <a:spcPct val="90000"/>
+              </a:lnSpc>
+              <a:spcBef>
+                <a:spcPts val="500"/>
+              </a:spcBef>
+              <a:buFont typeface="Arial" panose="020B0604020202020204" pitchFamily="34" charset="0"/>
+              <a:buChar char="•"/>
+              <a:defRPr sz="2000" kern="1200">
+                <a:solidFill>
+                  <a:schemeClr val="tx1"/>
+                </a:solidFill>
+                <a:latin typeface="+mn-lt"/>
+                <a:ea typeface="+mn-ea"/>
+                <a:cs typeface="+mn-cs"/>
+              </a:defRPr>
+            </a:lvl3pPr>
+            <a:lvl4pPr marL="1600200" indent="-228600" algn="l" defTabSz="914400" rtl="0" eaLnBrk="1" latinLnBrk="0" hangingPunct="1">
+              <a:lnSpc>
+                <a:spcPct val="90000"/>
+              </a:lnSpc>
+              <a:spcBef>
+                <a:spcPts val="500"/>
+              </a:spcBef>
+              <a:buFont typeface="Arial" panose="020B0604020202020204" pitchFamily="34" charset="0"/>
+              <a:buChar char="•"/>
+              <a:defRPr sz="1800" kern="1200">
+                <a:solidFill>
+                  <a:schemeClr val="tx1"/>
+                </a:solidFill>
+                <a:latin typeface="+mn-lt"/>
+                <a:ea typeface="+mn-ea"/>
+                <a:cs typeface="+mn-cs"/>
+              </a:defRPr>
+            </a:lvl4pPr>
+            <a:lvl5pPr marL="2057400" indent="-228600" algn="l" defTabSz="914400" rtl="0" eaLnBrk="1" latinLnBrk="0" hangingPunct="1">
+              <a:lnSpc>
+                <a:spcPct val="90000"/>
+              </a:lnSpc>
+              <a:spcBef>
+                <a:spcPts val="500"/>
+              </a:spcBef>
+              <a:buFont typeface="Arial" panose="020B0604020202020204" pitchFamily="34" charset="0"/>
+              <a:buChar char="•"/>
+              <a:defRPr sz="1800" kern="1200">
+                <a:solidFill>
+                  <a:schemeClr val="tx1"/>
+                </a:solidFill>
+                <a:latin typeface="+mn-lt"/>
+                <a:ea typeface="+mn-ea"/>
+                <a:cs typeface="+mn-cs"/>
+              </a:defRPr>
+            </a:lvl5pPr>
+            <a:lvl6pPr marL="2514600" indent="-228600" algn="l" defTabSz="914400" rtl="0" eaLnBrk="1" latinLnBrk="0" hangingPunct="1">
+              <a:lnSpc>
+                <a:spcPct val="90000"/>
+              </a:lnSpc>
+              <a:spcBef>
+                <a:spcPts val="500"/>
+              </a:spcBef>
+              <a:buFont typeface="Arial" panose="020B0604020202020204" pitchFamily="34" charset="0"/>
+              <a:buChar char="•"/>
+              <a:defRPr sz="1800" kern="1200">
+                <a:solidFill>
+                  <a:schemeClr val="tx1"/>
+                </a:solidFill>
+                <a:latin typeface="+mn-lt"/>
+                <a:ea typeface="+mn-ea"/>
+                <a:cs typeface="+mn-cs"/>
+              </a:defRPr>
+            </a:lvl6pPr>
+            <a:lvl7pPr marL="2971800" indent="-228600" algn="l" defTabSz="914400" rtl="0" eaLnBrk="1" latinLnBrk="0" hangingPunct="1">
+              <a:lnSpc>
+                <a:spcPct val="90000"/>
+              </a:lnSpc>
+              <a:spcBef>
+                <a:spcPts val="500"/>
+              </a:spcBef>
+              <a:buFont typeface="Arial" panose="020B0604020202020204" pitchFamily="34" charset="0"/>
+              <a:buChar char="•"/>
+              <a:defRPr sz="1800" kern="1200">
+                <a:solidFill>
+                  <a:schemeClr val="tx1"/>
+                </a:solidFill>
+                <a:latin typeface="+mn-lt"/>
+                <a:ea typeface="+mn-ea"/>
+                <a:cs typeface="+mn-cs"/>
+              </a:defRPr>
+            </a:lvl7pPr>
+            <a:lvl8pPr marL="3429000" indent="-228600" algn="l" defTabSz="914400" rtl="0" eaLnBrk="1" latinLnBrk="0" hangingPunct="1">
+              <a:lnSpc>
+                <a:spcPct val="90000"/>
+              </a:lnSpc>
+              <a:spcBef>
+                <a:spcPts val="500"/>
+              </a:spcBef>
+              <a:buFont typeface="Arial" panose="020B0604020202020204" pitchFamily="34" charset="0"/>
+              <a:buChar char="•"/>
+              <a:defRPr sz="1800" kern="1200">
+                <a:solidFill>
+                  <a:schemeClr val="tx1"/>
+                </a:solidFill>
+                <a:latin typeface="+mn-lt"/>
+                <a:ea typeface="+mn-ea"/>
+                <a:cs typeface="+mn-cs"/>
+              </a:defRPr>
+            </a:lvl8pPr>
+            <a:lvl9pPr marL="3886200" indent="-228600" algn="l" defTabSz="914400" rtl="0" eaLnBrk="1" latinLnBrk="0" hangingPunct="1">
+              <a:lnSpc>
+                <a:spcPct val="90000"/>
+              </a:lnSpc>
+              <a:spcBef>
+                <a:spcPts val="500"/>
+              </a:spcBef>
+              <a:buFont typeface="Arial" panose="020B0604020202020204" pitchFamily="34" charset="0"/>
+              <a:buChar char="•"/>
+              <a:defRPr sz="1800" kern="1200">
+                <a:solidFill>
+                  <a:schemeClr val="tx1"/>
+                </a:solidFill>
+                <a:latin typeface="+mn-lt"/>
+                <a:ea typeface="+mn-ea"/>
+                <a:cs typeface="+mn-cs"/>
+              </a:defRPr>
+            </a:lvl9pPr>
+          </a:lstStyle>
+          <a:p>
+            <a:pPr marL="0" indent="0" algn="ctr">
+              <a:buNone/>
+            </a:pPr>
+            <a:r>
+              <a:rPr lang="es-ES" sz="1100" dirty="0"/>
+              <a:t>Eduardo Martín-Sonseca Alonso</a:t>
+            </a:r>
+          </a:p>
+          <a:p>
+            <a:pPr marL="0" indent="0" algn="ctr">
+              <a:buNone/>
+            </a:pPr>
+            <a:r>
+              <a:rPr lang="es-ES" sz="1100" dirty="0"/>
+              <a:t>Noel Prieto Pardo</a:t>
+            </a:r>
+          </a:p>
+          <a:p>
+            <a:pPr marL="0" indent="0" algn="ctr">
+              <a:buNone/>
+            </a:pPr>
+            <a:r>
+              <a:rPr lang="es-ES" sz="1100" dirty="0"/>
+              <a:t>Mario Ortuñez Sanz</a:t>
+            </a:r>
+          </a:p>
+          <a:p>
+            <a:pPr marL="0" indent="0" algn="ctr">
+              <a:buNone/>
+            </a:pPr>
+            <a:r>
+              <a:rPr lang="es-ES" sz="1100" b="1" dirty="0"/>
+              <a:t>1º Desarrollo de Aplicaciones Multiplataforma</a:t>
+            </a:r>
+          </a:p>
+        </p:txBody>
+      </p:sp>
+    </p:spTree>
+    <p:extLst>
+      <p:ext uri="{BB962C8B-B14F-4D97-AF65-F5344CB8AC3E}">
+        <p14:creationId xmlns:p14="http://schemas.microsoft.com/office/powerpoint/2010/main" val="499266165"/>
+      </p:ext>
+    </p:extLst>
+  </p:cSld>
+  <p:clrMapOvr>
+    <a:masterClrMapping/>
+  </p:clrMapOvr>
+  <p:timing>
+    <p:tnLst>
+      <p:par>
+        <p:cTn id="1" dur="indefinite" restart="never" nodeType="tmRoot">
+          <p:childTnLst>
+            <p:seq concurrent="1" nextAc="seek">
+              <p:cTn id="2" dur="indefinite" nodeType="mainSeq">
+                <p:childTnLst>
+                  <p:par>
+                    <p:cTn id="3" fill="hold">
+                      <p:stCondLst>
+                        <p:cond delay="indefinite"/>
+                        <p:cond evt="onBegin" delay="0">
+                          <p:tn val="2"/>
+                        </p:cond>
+                      </p:stCondLst>
+                      <p:childTnLst>
+                        <p:par>
+                          <p:cTn id="4" fill="hold">
+                            <p:stCondLst>
+                              <p:cond delay="0"/>
+                            </p:stCondLst>
+                            <p:childTnLst>
+                              <p:par>
+                                <p:cTn id="5" presetID="10" presetClass="entr" presetSubtype="0" fill="hold" grpId="0" nodeType="withEffect">
+                                  <p:stCondLst>
+                                    <p:cond delay="0"/>
+                                  </p:stCondLst>
+                                  <p:childTnLst>
+                                    <p:set>
+                                      <p:cBhvr>
+                                        <p:cTn id="6" dur="1" fill="hold">
+                                          <p:stCondLst>
+                                            <p:cond delay="0"/>
+                                          </p:stCondLst>
+                                        </p:cTn>
+                                        <p:tgtEl>
+                                          <p:spTgt spid="5"/>
+                                        </p:tgtEl>
+                                        <p:attrNameLst>
+                                          <p:attrName>style.visibility</p:attrName>
+                                        </p:attrNameLst>
+                                      </p:cBhvr>
+                                      <p:to>
+                                        <p:strVal val="visible"/>
+                                      </p:to>
+                                    </p:set>
+                                    <p:animEffect transition="in" filter="fade">
+                                      <p:cBhvr>
+                                        <p:cTn id="7" dur="500"/>
+                                        <p:tgtEl>
+                                          <p:spTgt spid="5"/>
+                                        </p:tgtEl>
+                                      </p:cBhvr>
+                                    </p:animEffect>
+                                  </p:childTnLst>
+                                </p:cTn>
+                              </p:par>
+                            </p:childTnLst>
+                          </p:cTn>
+                        </p:par>
+                      </p:childTnLst>
+                    </p:cTn>
+                  </p:par>
+                </p:childTnLst>
+              </p:cTn>
+              <p:prevCondLst>
+                <p:cond evt="onPrev" delay="0">
+                  <p:tgtEl>
+                    <p:sldTgt/>
+                  </p:tgtEl>
+                </p:cond>
+              </p:prevCondLst>
+              <p:nextCondLst>
+                <p:cond evt="onNext" delay="0">
+                  <p:tgtEl>
+                    <p:sldTgt/>
+                  </p:tgtEl>
+                </p:cond>
+              </p:nextCondLst>
+            </p:seq>
+          </p:childTnLst>
+        </p:cTn>
+      </p:par>
+    </p:tnLst>
+    <p:bldLst>
+      <p:bldP spid="5" grpId="0"/>
+    </p:bldLst>
+  </p:timing>
+</p:sld>
+</file>
+
+<file path=ppt/slides/slide14.xml><?xml version="1.0" encoding="utf-8"?>
+<p:sld xmlns:a="http://schemas.openxmlformats.org/drawingml/2006/main" xmlns:r="http://schemas.openxmlformats.org/officeDocument/2006/relationships" xmlns:p="http://schemas.openxmlformats.org/presentationml/2006/main">
+  <p:cSld>
+    <p:spTree>
+      <p:nvGrpSpPr>
+        <p:cNvPr id="1" name=""/>
+        <p:cNvGrpSpPr/>
+        <p:nvPr/>
+      </p:nvGrpSpPr>
+      <p:grpSpPr>
+        <a:xfrm>
+          <a:off x="0" y="0"/>
+          <a:ext cx="0" cy="0"/>
+          <a:chOff x="0" y="0"/>
+          <a:chExt cx="0" cy="0"/>
+        </a:xfrm>
+      </p:grpSpPr>
+      <p:sp>
+        <p:nvSpPr>
+          <p:cNvPr id="2" name="Título 1">
+            <a:extLst>
+              <a:ext uri="{FF2B5EF4-FFF2-40B4-BE49-F238E27FC236}">
                 <a16:creationId xmlns:a16="http://schemas.microsoft.com/office/drawing/2014/main" id="{1BD3D87C-EC37-A28E-91B9-30D45EFD07FD}"/>
               </a:ext>
             </a:extLst>
@@ -6129,7 +7409,7 @@
 </p:sld>
 </file>
 
-<file path=ppt/slides/slide14.xml><?xml version="1.0" encoding="utf-8"?>
+<file path=ppt/slides/slide15.xml><?xml version="1.0" encoding="utf-8"?>
 <p:sld xmlns:a="http://schemas.openxmlformats.org/drawingml/2006/main" xmlns:r="http://schemas.openxmlformats.org/officeDocument/2006/relationships" xmlns:p="http://schemas.openxmlformats.org/presentationml/2006/main">
   <p:cSld>
     <p:spTree>
@@ -6794,12 +8074,12 @@
           <a:chExt cx="0" cy="0"/>
         </a:xfrm>
       </p:grpSpPr>
-      <p:sp>
+      <p:sp useBgFill="1">
         <p:nvSpPr>
-          <p:cNvPr id="41" name="Rectangle 40">
+          <p:cNvPr id="65" name="Rectangle 49">
             <a:extLst>
               <a:ext uri="{FF2B5EF4-FFF2-40B4-BE49-F238E27FC236}">
-                <a16:creationId xmlns:a16="http://schemas.microsoft.com/office/drawing/2014/main" id="{9228552E-C8B1-4A80-8448-0787CE0FC704}"/>
+                <a16:creationId xmlns:a16="http://schemas.microsoft.com/office/drawing/2014/main" id="{A4E37431-20F0-4DD6-84A9-ED2B644943A2}"/>
               </a:ext>
               <a:ext uri="{C183D7F6-B498-43B3-948B-1728B52AA6E4}">
                 <adec:decorative xmlns:adec="http://schemas.microsoft.com/office/drawing/2017/decorative" val="1"/>
@@ -6825,9 +8105,95 @@
           <a:prstGeom prst="rect">
             <a:avLst/>
           </a:prstGeom>
-          <a:solidFill>
-            <a:srgbClr val="000000"/>
-          </a:solidFill>
+          <a:ln w="12700" cap="flat" cmpd="sng" algn="ctr">
+            <a:noFill/>
+            <a:prstDash val="solid"/>
+            <a:miter lim="800000"/>
+          </a:ln>
+          <a:effectLst/>
+          <a:extLst>
+            <a:ext uri="{91240B29-F687-4F45-9708-019B960494DF}">
+              <a14:hiddenLine xmlns:a14="http://schemas.microsoft.com/office/drawing/2010/main" w="12700" cap="flat" cmpd="sng" algn="ctr">
+                <a:solidFill>
+                  <a:schemeClr val="accent1">
+                    <a:shade val="50000"/>
+                  </a:schemeClr>
+                </a:solidFill>
+                <a:prstDash val="solid"/>
+                <a:miter lim="800000"/>
+              </a14:hiddenLine>
+            </a:ext>
+          </a:extLst>
+        </p:spPr>
+        <p:style>
+          <a:lnRef idx="2">
+            <a:schemeClr val="accent1">
+              <a:shade val="50000"/>
+            </a:schemeClr>
+          </a:lnRef>
+          <a:fillRef idx="1">
+            <a:schemeClr val="accent1"/>
+          </a:fillRef>
+          <a:effectRef idx="0">
+            <a:schemeClr val="accent1"/>
+          </a:effectRef>
+          <a:fontRef idx="minor">
+            <a:schemeClr val="lt1"/>
+          </a:fontRef>
+        </p:style>
+        <p:txBody>
+          <a:bodyPr rtlCol="0" anchor="ctr"/>
+          <a:lstStyle/>
+          <a:p>
+            <a:pPr algn="ctr"/>
+            <a:endParaRPr lang="en-US"/>
+          </a:p>
+        </p:txBody>
+      </p:sp>
+      <p:sp>
+        <p:nvSpPr>
+          <p:cNvPr id="66" name="Rectangle 51">
+            <a:extLst>
+              <a:ext uri="{FF2B5EF4-FFF2-40B4-BE49-F238E27FC236}">
+                <a16:creationId xmlns:a16="http://schemas.microsoft.com/office/drawing/2014/main" id="{0AE98B72-66C6-4AB4-AF0D-BA830DE86393}"/>
+              </a:ext>
+              <a:ext uri="{C183D7F6-B498-43B3-948B-1728B52AA6E4}">
+                <adec:decorative xmlns:adec="http://schemas.microsoft.com/office/drawing/2017/decorative" val="1"/>
+              </a:ext>
+            </a:extLst>
+          </p:cNvPr>
+          <p:cNvSpPr>
+            <a:spLocks noGrp="1" noRot="1" noChangeAspect="1" noMove="1" noResize="1" noEditPoints="1" noAdjustHandles="1" noChangeArrowheads="1" noChangeShapeType="1" noTextEdit="1"/>
+          </p:cNvSpPr>
+          <p:nvPr>
+            <p:extLst>
+              <p:ext uri="{386F3935-93C4-4BCD-93E2-E3B085C9AB24}">
+                <p16:designElem xmlns:p16="http://schemas.microsoft.com/office/powerpoint/2015/main" val="1"/>
+              </p:ext>
+            </p:extLst>
+          </p:nvPr>
+        </p:nvSpPr>
+        <p:spPr>
+          <a:xfrm rot="5400000" flipH="1">
+            <a:off x="-638515" y="639280"/>
+            <a:ext cx="6858000" cy="5579440"/>
+          </a:xfrm>
+          <a:prstGeom prst="rect">
+            <a:avLst/>
+          </a:prstGeom>
+          <a:gradFill>
+            <a:gsLst>
+              <a:gs pos="8000">
+                <a:srgbClr val="000000"/>
+              </a:gs>
+              <a:gs pos="100000">
+                <a:schemeClr val="accent1">
+                  <a:lumMod val="75000"/>
+                </a:schemeClr>
+              </a:gs>
+            </a:gsLst>
+            <a:lin ang="3000000" scaled="0"/>
+          </a:gradFill>
           <a:ln>
             <a:noFill/>
           </a:ln>
@@ -6857,48 +8223,314 @@
           </a:p>
         </p:txBody>
       </p:sp>
-      <p:pic>
-        <p:nvPicPr>
-          <p:cNvPr id="36" name="Imagen 35">
+      <p:sp>
+        <p:nvSpPr>
+          <p:cNvPr id="67" name="Rectangle 53">
             <a:extLst>
               <a:ext uri="{FF2B5EF4-FFF2-40B4-BE49-F238E27FC236}">
-                <a16:creationId xmlns:a16="http://schemas.microsoft.com/office/drawing/2014/main" id="{5F4B553C-967B-8C41-EE80-68EBEFE73B2F}"/>
+                <a16:creationId xmlns:a16="http://schemas.microsoft.com/office/drawing/2014/main" id="{407EAFC6-733F-403D-BB4D-05A3A28742F1}"/>
+              </a:ext>
+              <a:ext uri="{C183D7F6-B498-43B3-948B-1728B52AA6E4}">
+                <adec:decorative xmlns:adec="http://schemas.microsoft.com/office/drawing/2017/decorative" val="1"/>
               </a:ext>
             </a:extLst>
           </p:cNvPr>
-          <p:cNvPicPr>
-            <a:picLocks noChangeAspect="1"/>
-          </p:cNvPicPr>
-          <p:nvPr/>
-        </p:nvPicPr>
-        <p:blipFill rotWithShape="1">
-          <a:blip r:embed="rId2">
-            <a:alphaModFix amt="35000"/>
-            <a:extLst>
-              <a:ext uri="{28A0092B-C50C-407E-A947-70E740481C1C}">
-                <a14:useLocalDpi xmlns:a14="http://schemas.microsoft.com/office/drawing/2010/main" val="0"/>
-              </a:ext>
-            </a:extLst>
-          </a:blip>
-          <a:srcRect r="11111"/>
-          <a:stretch/>
-        </p:blipFill>
+          <p:cNvSpPr>
+            <a:spLocks noGrp="1" noRot="1" noChangeAspect="1" noMove="1" noResize="1" noEditPoints="1" noAdjustHandles="1" noChangeArrowheads="1" noChangeShapeType="1" noTextEdit="1"/>
+          </p:cNvSpPr>
+          <p:nvPr>
+            <p:extLst>
+              <p:ext uri="{386F3935-93C4-4BCD-93E2-E3B085C9AB24}">
+                <p16:designElem xmlns:p16="http://schemas.microsoft.com/office/powerpoint/2015/main" val="1"/>
+              </p:ext>
+            </p:extLst>
+          </p:nvPr>
+        </p:nvSpPr>
         <p:spPr>
-          <a:xfrm>
-            <a:off x="20" y="23967"/>
-            <a:ext cx="12191980" cy="6857990"/>
+          <a:xfrm rot="5400000" flipH="1">
+            <a:off x="-393206" y="395206"/>
+            <a:ext cx="6346209" cy="5576080"/>
           </a:xfrm>
           <a:prstGeom prst="rect">
             <a:avLst/>
           </a:prstGeom>
+          <a:gradFill>
+            <a:gsLst>
+              <a:gs pos="0">
+                <a:srgbClr val="000000">
+                  <a:alpha val="0"/>
+                </a:srgbClr>
+              </a:gs>
+              <a:gs pos="99000">
+                <a:schemeClr val="accent1">
+                  <a:alpha val="0"/>
+                </a:schemeClr>
+              </a:gs>
+            </a:gsLst>
+            <a:lin ang="1800000" scaled="0"/>
+          </a:gradFill>
+          <a:ln>
+            <a:noFill/>
+          </a:ln>
         </p:spPr>
-      </p:pic>
+        <p:style>
+          <a:lnRef idx="2">
+            <a:schemeClr val="accent1">
+              <a:shade val="50000"/>
+            </a:schemeClr>
+          </a:lnRef>
+          <a:fillRef idx="1">
+            <a:schemeClr val="accent1"/>
+          </a:fillRef>
+          <a:effectRef idx="0">
+            <a:schemeClr val="accent1"/>
+          </a:effectRef>
+          <a:fontRef idx="minor">
+            <a:schemeClr val="lt1"/>
+          </a:fontRef>
+        </p:style>
+        <p:txBody>
+          <a:bodyPr rtlCol="0" anchor="ctr"/>
+          <a:lstStyle/>
+          <a:p>
+            <a:pPr algn="ctr"/>
+            <a:endParaRPr lang="en-US"/>
+          </a:p>
+        </p:txBody>
+      </p:sp>
+      <p:sp>
+        <p:nvSpPr>
+          <p:cNvPr id="68" name="Rectangle 55">
+            <a:extLst>
+              <a:ext uri="{FF2B5EF4-FFF2-40B4-BE49-F238E27FC236}">
+                <a16:creationId xmlns:a16="http://schemas.microsoft.com/office/drawing/2014/main" id="{17A36730-4CB0-4F61-AD11-A44C9765833F}"/>
+              </a:ext>
+              <a:ext uri="{C183D7F6-B498-43B3-948B-1728B52AA6E4}">
+                <adec:decorative xmlns:adec="http://schemas.microsoft.com/office/drawing/2017/decorative" val="1"/>
+              </a:ext>
+            </a:extLst>
+          </p:cNvPr>
+          <p:cNvSpPr>
+            <a:spLocks noGrp="1" noRot="1" noChangeAspect="1" noMove="1" noResize="1" noEditPoints="1" noAdjustHandles="1" noChangeArrowheads="1" noChangeShapeType="1" noTextEdit="1"/>
+          </p:cNvSpPr>
+          <p:nvPr>
+            <p:extLst>
+              <p:ext uri="{386F3935-93C4-4BCD-93E2-E3B085C9AB24}">
+                <p16:designElem xmlns:p16="http://schemas.microsoft.com/office/powerpoint/2015/main" val="1"/>
+              </p:ext>
+            </p:extLst>
+          </p:nvPr>
+        </p:nvSpPr>
+        <p:spPr>
+          <a:xfrm rot="5400000" flipH="1">
+            <a:off x="1528907" y="2818967"/>
+            <a:ext cx="2501979" cy="5576080"/>
+          </a:xfrm>
+          <a:prstGeom prst="rect">
+            <a:avLst/>
+          </a:prstGeom>
+          <a:gradFill>
+            <a:gsLst>
+              <a:gs pos="2000">
+                <a:schemeClr val="accent1">
+                  <a:alpha val="29000"/>
+                </a:schemeClr>
+              </a:gs>
+              <a:gs pos="100000">
+                <a:srgbClr val="000000">
+                  <a:alpha val="30000"/>
+                </a:srgbClr>
+              </a:gs>
+            </a:gsLst>
+            <a:lin ang="7800000" scaled="0"/>
+          </a:gradFill>
+          <a:ln>
+            <a:noFill/>
+          </a:ln>
+        </p:spPr>
+        <p:style>
+          <a:lnRef idx="2">
+            <a:schemeClr val="accent1">
+              <a:shade val="50000"/>
+            </a:schemeClr>
+          </a:lnRef>
+          <a:fillRef idx="1">
+            <a:schemeClr val="accent1"/>
+          </a:fillRef>
+          <a:effectRef idx="0">
+            <a:schemeClr val="accent1"/>
+          </a:effectRef>
+          <a:fontRef idx="minor">
+            <a:schemeClr val="lt1"/>
+          </a:fontRef>
+        </p:style>
+        <p:txBody>
+          <a:bodyPr rtlCol="0" anchor="ctr"/>
+          <a:lstStyle/>
+          <a:p>
+            <a:pPr algn="ctr"/>
+            <a:endParaRPr lang="en-US" dirty="0"/>
+          </a:p>
+        </p:txBody>
+      </p:sp>
+      <p:sp>
+        <p:nvSpPr>
+          <p:cNvPr id="69" name="Rectangle 57">
+            <a:extLst>
+              <a:ext uri="{FF2B5EF4-FFF2-40B4-BE49-F238E27FC236}">
+                <a16:creationId xmlns:a16="http://schemas.microsoft.com/office/drawing/2014/main" id="{C69C79E1-F916-4929-A4F3-DE763D4BFA57}"/>
+              </a:ext>
+              <a:ext uri="{C183D7F6-B498-43B3-948B-1728B52AA6E4}">
+                <adec:decorative xmlns:adec="http://schemas.microsoft.com/office/drawing/2017/decorative" val="1"/>
+              </a:ext>
+            </a:extLst>
+          </p:cNvPr>
+          <p:cNvSpPr>
+            <a:spLocks noGrp="1" noRot="1" noChangeAspect="1" noMove="1" noResize="1" noEditPoints="1" noAdjustHandles="1" noChangeArrowheads="1" noChangeShapeType="1" noTextEdit="1"/>
+          </p:cNvSpPr>
+          <p:nvPr>
+            <p:extLst>
+              <p:ext uri="{386F3935-93C4-4BCD-93E2-E3B085C9AB24}">
+                <p16:designElem xmlns:p16="http://schemas.microsoft.com/office/powerpoint/2015/main" val="1"/>
+              </p:ext>
+            </p:extLst>
+          </p:nvPr>
+        </p:nvSpPr>
+        <p:spPr>
+          <a:xfrm rot="5400000" flipH="1">
+            <a:off x="-425002" y="852793"/>
+            <a:ext cx="6858001" cy="5152412"/>
+          </a:xfrm>
+          <a:prstGeom prst="rect">
+            <a:avLst/>
+          </a:prstGeom>
+          <a:gradFill>
+            <a:gsLst>
+              <a:gs pos="0">
+                <a:srgbClr val="000000">
+                  <a:alpha val="0"/>
+                </a:srgbClr>
+              </a:gs>
+              <a:gs pos="99000">
+                <a:schemeClr val="accent1">
+                  <a:alpha val="11000"/>
+                </a:schemeClr>
+              </a:gs>
+            </a:gsLst>
+            <a:lin ang="7800000" scaled="0"/>
+          </a:gradFill>
+          <a:ln>
+            <a:noFill/>
+          </a:ln>
+        </p:spPr>
+        <p:style>
+          <a:lnRef idx="2">
+            <a:schemeClr val="accent1">
+              <a:shade val="50000"/>
+            </a:schemeClr>
+          </a:lnRef>
+          <a:fillRef idx="1">
+            <a:schemeClr val="accent1"/>
+          </a:fillRef>
+          <a:effectRef idx="0">
+            <a:schemeClr val="accent1"/>
+          </a:effectRef>
+          <a:fontRef idx="minor">
+            <a:schemeClr val="lt1"/>
+          </a:fontRef>
+        </p:style>
+        <p:txBody>
+          <a:bodyPr rtlCol="0" anchor="ctr"/>
+          <a:lstStyle/>
+          <a:p>
+            <a:pPr algn="ctr"/>
+            <a:endParaRPr lang="en-US"/>
+          </a:p>
+        </p:txBody>
+      </p:sp>
+      <p:sp>
+        <p:nvSpPr>
+          <p:cNvPr id="70" name="Oval 59">
+            <a:extLst>
+              <a:ext uri="{FF2B5EF4-FFF2-40B4-BE49-F238E27FC236}">
+                <a16:creationId xmlns:a16="http://schemas.microsoft.com/office/drawing/2014/main" id="{767334AB-16BD-4EC7-8C6B-4B5171600933}"/>
+              </a:ext>
+              <a:ext uri="{C183D7F6-B498-43B3-948B-1728B52AA6E4}">
+                <adec:decorative xmlns:adec="http://schemas.microsoft.com/office/drawing/2017/decorative" val="1"/>
+              </a:ext>
+            </a:extLst>
+          </p:cNvPr>
+          <p:cNvSpPr>
+            <a:spLocks noGrp="1" noRot="1" noChangeAspect="1" noMove="1" noResize="1" noEditPoints="1" noAdjustHandles="1" noChangeArrowheads="1" noChangeShapeType="1" noTextEdit="1"/>
+          </p:cNvSpPr>
+          <p:nvPr>
+            <p:extLst>
+              <p:ext uri="{386F3935-93C4-4BCD-93E2-E3B085C9AB24}">
+                <p16:designElem xmlns:p16="http://schemas.microsoft.com/office/powerpoint/2015/main" val="1"/>
+              </p:ext>
+            </p:extLst>
+          </p:nvPr>
+        </p:nvSpPr>
+        <p:spPr>
+          <a:xfrm rot="6097846">
+            <a:off x="818753" y="1128497"/>
+            <a:ext cx="4318303" cy="4318303"/>
+          </a:xfrm>
+          <a:prstGeom prst="ellipse">
+            <a:avLst/>
+          </a:prstGeom>
+          <a:gradFill>
+            <a:gsLst>
+              <a:gs pos="39000">
+                <a:schemeClr val="accent1">
+                  <a:alpha val="0"/>
+                </a:schemeClr>
+              </a:gs>
+              <a:gs pos="100000">
+                <a:schemeClr val="accent1">
+                  <a:lumMod val="60000"/>
+                  <a:lumOff val="40000"/>
+                  <a:alpha val="15000"/>
+                </a:schemeClr>
+              </a:gs>
+            </a:gsLst>
+            <a:lin ang="17400000" scaled="0"/>
+          </a:gradFill>
+          <a:ln>
+            <a:noFill/>
+          </a:ln>
+        </p:spPr>
+        <p:style>
+          <a:lnRef idx="2">
+            <a:schemeClr val="accent1">
+              <a:shade val="50000"/>
+            </a:schemeClr>
+          </a:lnRef>
+          <a:fillRef idx="1">
+            <a:schemeClr val="accent1"/>
+          </a:fillRef>
+          <a:effectRef idx="0">
+            <a:schemeClr val="accent1"/>
+          </a:effectRef>
+          <a:fontRef idx="minor">
+            <a:schemeClr val="lt1"/>
+          </a:fontRef>
+        </p:style>
+        <p:txBody>
+          <a:bodyPr rtlCol="0" anchor="ctr"/>
+          <a:lstStyle/>
+          <a:p>
+            <a:pPr algn="ctr"/>
+            <a:endParaRPr lang="en-US" dirty="0"/>
+          </a:p>
+        </p:txBody>
+      </p:sp>
       <p:sp>
         <p:nvSpPr>
           <p:cNvPr id="2" name="Título 1">
             <a:extLst>
               <a:ext uri="{FF2B5EF4-FFF2-40B4-BE49-F238E27FC236}">
-                <a16:creationId xmlns:a16="http://schemas.microsoft.com/office/drawing/2014/main" id="{D6670C24-5731-9404-DAB3-250F29CBE3AF}"/>
+                <a16:creationId xmlns:a16="http://schemas.microsoft.com/office/drawing/2014/main" id="{D712112A-20DD-C3D4-2D48-49E3B0C88F1B}"/>
               </a:ext>
             </a:extLst>
           </p:cNvPr>
@@ -6911,33 +8543,71 @@
         </p:nvSpPr>
         <p:spPr>
           <a:xfrm>
-            <a:off x="838200" y="365125"/>
-            <a:ext cx="10515600" cy="1325563"/>
+            <a:off x="660043" y="891652"/>
+            <a:ext cx="1617490" cy="623881"/>
           </a:xfrm>
         </p:spPr>
         <p:txBody>
-          <a:bodyPr>
-            <a:normAutofit/>
+          <a:bodyPr vert="horz" lIns="91440" tIns="45720" rIns="91440" bIns="45720" rtlCol="0" anchor="b">
+            <a:normAutofit fontScale="90000"/>
           </a:bodyPr>
           <a:lstStyle/>
           <a:p>
             <a:r>
-              <a:rPr lang="es-ES" dirty="0">
+              <a:rPr lang="en-US" sz="4000" kern="1200" dirty="0">
                 <a:solidFill>
                   <a:srgbClr val="FFFFFF"/>
                 </a:solidFill>
+                <a:latin typeface="+mj-lt"/>
+                <a:ea typeface="+mj-ea"/>
+                <a:cs typeface="+mj-cs"/>
               </a:rPr>
               <a:t>INDICE</a:t>
             </a:r>
           </a:p>
         </p:txBody>
       </p:sp>
+      <p:pic>
+        <p:nvPicPr>
+          <p:cNvPr id="4" name="Marcador de contenido 3" descr="Imagen que contiene cuarto, tabla, dibujo&#10;&#10;Descripción generada automáticamente">
+            <a:extLst>
+              <a:ext uri="{FF2B5EF4-FFF2-40B4-BE49-F238E27FC236}">
+                <a16:creationId xmlns:a16="http://schemas.microsoft.com/office/drawing/2014/main" id="{A521ED60-CBA9-3B35-DA03-9C884D3FC52E}"/>
+              </a:ext>
+            </a:extLst>
+          </p:cNvPr>
+          <p:cNvPicPr>
+            <a:picLocks noChangeAspect="1"/>
+          </p:cNvPicPr>
+          <p:nvPr/>
+        </p:nvPicPr>
+        <p:blipFill rotWithShape="1">
+          <a:blip r:embed="rId2">
+            <a:extLst>
+              <a:ext uri="{28A0092B-C50C-407E-A947-70E740481C1C}">
+                <a14:useLocalDpi xmlns:a14="http://schemas.microsoft.com/office/drawing/2010/main" val="0"/>
+              </a:ext>
+            </a:extLst>
+          </a:blip>
+          <a:srcRect l="28016" r="33218"/>
+          <a:stretch/>
+        </p:blipFill>
+        <p:spPr>
+          <a:xfrm>
+            <a:off x="6752869" y="457199"/>
+            <a:ext cx="4294582" cy="5899152"/>
+          </a:xfrm>
+          <a:prstGeom prst="rect">
+            <a:avLst/>
+          </a:prstGeom>
+        </p:spPr>
+      </p:pic>
       <p:sp>
         <p:nvSpPr>
-          <p:cNvPr id="39" name="CuadroTexto 38">
+          <p:cNvPr id="64" name="CuadroTexto 63">
             <a:extLst>
               <a:ext uri="{FF2B5EF4-FFF2-40B4-BE49-F238E27FC236}">
-                <a16:creationId xmlns:a16="http://schemas.microsoft.com/office/drawing/2014/main" id="{A54A7DF9-ABBE-04C2-D7EB-362653A3E257}"/>
+                <a16:creationId xmlns:a16="http://schemas.microsoft.com/office/drawing/2014/main" id="{0519630B-573D-C2B4-AFE5-0A46C914C245}"/>
               </a:ext>
             </a:extLst>
           </p:cNvPr>
@@ -6965,7 +8635,14 @@
               <a:buChar char="•"/>
             </a:pPr>
             <a:r>
-              <a:rPr lang="es-ES" sz="1600" dirty="0"/>
+              <a:rPr lang="es-ES" sz="1600" dirty="0">
+                <a:solidFill>
+                  <a:schemeClr val="accent5">
+                    <a:lumMod val="60000"/>
+                    <a:lumOff val="40000"/>
+                  </a:schemeClr>
+                </a:solidFill>
+              </a:rPr>
               <a:t>Diseño de la Base de datos</a:t>
             </a:r>
           </a:p>
@@ -6973,10 +8650,10 @@
       </p:sp>
       <p:sp>
         <p:nvSpPr>
-          <p:cNvPr id="40" name="CuadroTexto 39">
+          <p:cNvPr id="71" name="CuadroTexto 70">
             <a:extLst>
               <a:ext uri="{FF2B5EF4-FFF2-40B4-BE49-F238E27FC236}">
-                <a16:creationId xmlns:a16="http://schemas.microsoft.com/office/drawing/2014/main" id="{98A0781E-D58F-669D-5F3D-1A2C4EA3D732}"/>
+                <a16:creationId xmlns:a16="http://schemas.microsoft.com/office/drawing/2014/main" id="{1C45F0B1-9266-69D9-68DF-7AAA348DC714}"/>
               </a:ext>
             </a:extLst>
           </p:cNvPr>
@@ -7004,7 +8681,14 @@
               <a:buChar char="•"/>
             </a:pPr>
             <a:r>
-              <a:rPr lang="es-ES" sz="1400" dirty="0"/>
+              <a:rPr lang="es-ES" sz="1400" dirty="0">
+                <a:solidFill>
+                  <a:schemeClr val="accent5">
+                    <a:lumMod val="60000"/>
+                    <a:lumOff val="40000"/>
+                  </a:schemeClr>
+                </a:solidFill>
+              </a:rPr>
               <a:t>Diseño Conceptual</a:t>
             </a:r>
           </a:p>
@@ -7012,10 +8696,10 @@
       </p:sp>
       <p:sp>
         <p:nvSpPr>
-          <p:cNvPr id="42" name="CuadroTexto 41">
+          <p:cNvPr id="72" name="CuadroTexto 71">
             <a:extLst>
               <a:ext uri="{FF2B5EF4-FFF2-40B4-BE49-F238E27FC236}">
-                <a16:creationId xmlns:a16="http://schemas.microsoft.com/office/drawing/2014/main" id="{25D472D3-DC76-4F02-4D99-8694D1CD582C}"/>
+                <a16:creationId xmlns:a16="http://schemas.microsoft.com/office/drawing/2014/main" id="{AFE1F56D-C926-3E57-E42D-A7DB24E63D9E}"/>
               </a:ext>
             </a:extLst>
           </p:cNvPr>
@@ -7043,7 +8727,14 @@
               <a:buChar char="•"/>
             </a:pPr>
             <a:r>
-              <a:rPr lang="es-ES" sz="1600" dirty="0"/>
+              <a:rPr lang="es-ES" sz="1600" dirty="0">
+                <a:solidFill>
+                  <a:schemeClr val="accent5">
+                    <a:lumMod val="60000"/>
+                    <a:lumOff val="40000"/>
+                  </a:schemeClr>
+                </a:solidFill>
+              </a:rPr>
               <a:t>Introducción</a:t>
             </a:r>
           </a:p>
@@ -7051,10 +8742,10 @@
       </p:sp>
       <p:sp>
         <p:nvSpPr>
-          <p:cNvPr id="49" name="CuadroTexto 48">
+          <p:cNvPr id="73" name="CuadroTexto 72">
             <a:extLst>
               <a:ext uri="{FF2B5EF4-FFF2-40B4-BE49-F238E27FC236}">
-                <a16:creationId xmlns:a16="http://schemas.microsoft.com/office/drawing/2014/main" id="{D4D7DCD1-8BE8-D3F0-8A86-B1183B8D3018}"/>
+                <a16:creationId xmlns:a16="http://schemas.microsoft.com/office/drawing/2014/main" id="{509F1FD4-0767-16BE-CA5E-B1E824E6A881}"/>
               </a:ext>
             </a:extLst>
           </p:cNvPr>
@@ -7082,7 +8773,14 @@
               <a:buChar char="•"/>
             </a:pPr>
             <a:r>
-              <a:rPr lang="es-ES" sz="1100" dirty="0"/>
+              <a:rPr lang="es-ES" sz="1100" dirty="0">
+                <a:solidFill>
+                  <a:schemeClr val="accent5">
+                    <a:lumMod val="60000"/>
+                    <a:lumOff val="40000"/>
+                  </a:schemeClr>
+                </a:solidFill>
+              </a:rPr>
               <a:t>Especificación de requisitos</a:t>
             </a:r>
           </a:p>
@@ -7090,10 +8788,10 @@
       </p:sp>
       <p:sp>
         <p:nvSpPr>
-          <p:cNvPr id="50" name="CuadroTexto 49">
+          <p:cNvPr id="74" name="CuadroTexto 73">
             <a:extLst>
               <a:ext uri="{FF2B5EF4-FFF2-40B4-BE49-F238E27FC236}">
-                <a16:creationId xmlns:a16="http://schemas.microsoft.com/office/drawing/2014/main" id="{FCBC71E1-E5FB-B900-683F-40D8C6A678B7}"/>
+                <a16:creationId xmlns:a16="http://schemas.microsoft.com/office/drawing/2014/main" id="{F760AC95-AB76-F81D-FB03-AFC25FE7A438}"/>
               </a:ext>
             </a:extLst>
           </p:cNvPr>
@@ -7121,7 +8819,14 @@
               <a:buChar char="•"/>
             </a:pPr>
             <a:r>
-              <a:rPr lang="es-ES" sz="1100" dirty="0"/>
+              <a:rPr lang="es-ES" sz="1100" dirty="0">
+                <a:solidFill>
+                  <a:schemeClr val="accent5">
+                    <a:lumMod val="60000"/>
+                    <a:lumOff val="40000"/>
+                  </a:schemeClr>
+                </a:solidFill>
+              </a:rPr>
               <a:t>Modelo Entidad-Relación</a:t>
             </a:r>
           </a:p>
@@ -7129,10 +8834,10 @@
       </p:sp>
       <p:sp>
         <p:nvSpPr>
-          <p:cNvPr id="51" name="CuadroTexto 50">
+          <p:cNvPr id="75" name="CuadroTexto 74">
             <a:extLst>
               <a:ext uri="{FF2B5EF4-FFF2-40B4-BE49-F238E27FC236}">
-                <a16:creationId xmlns:a16="http://schemas.microsoft.com/office/drawing/2014/main" id="{93D54561-9024-D37D-EE76-CE2DFD744652}"/>
+                <a16:creationId xmlns:a16="http://schemas.microsoft.com/office/drawing/2014/main" id="{A7302937-677A-F10E-B388-E9EB30D8F3D1}"/>
               </a:ext>
             </a:extLst>
           </p:cNvPr>
@@ -7160,7 +8865,14 @@
               <a:buChar char="•"/>
             </a:pPr>
             <a:r>
-              <a:rPr lang="es-ES" sz="1400" dirty="0"/>
+              <a:rPr lang="es-ES" sz="1400" dirty="0">
+                <a:solidFill>
+                  <a:schemeClr val="accent5">
+                    <a:lumMod val="60000"/>
+                    <a:lumOff val="40000"/>
+                  </a:schemeClr>
+                </a:solidFill>
+              </a:rPr>
               <a:t>Diseño Lógico</a:t>
             </a:r>
           </a:p>
@@ -7168,10 +8880,10 @@
       </p:sp>
       <p:sp>
         <p:nvSpPr>
-          <p:cNvPr id="52" name="CuadroTexto 51">
+          <p:cNvPr id="76" name="CuadroTexto 75">
             <a:extLst>
               <a:ext uri="{FF2B5EF4-FFF2-40B4-BE49-F238E27FC236}">
-                <a16:creationId xmlns:a16="http://schemas.microsoft.com/office/drawing/2014/main" id="{57BE2D77-8692-4723-5C21-EC1C591461BD}"/>
+                <a16:creationId xmlns:a16="http://schemas.microsoft.com/office/drawing/2014/main" id="{42202053-3DF1-0BD8-93E5-B9F583EE37DD}"/>
               </a:ext>
             </a:extLst>
           </p:cNvPr>
@@ -7199,7 +8911,14 @@
               <a:buChar char="•"/>
             </a:pPr>
             <a:r>
-              <a:rPr lang="es-ES" sz="1100" dirty="0"/>
+              <a:rPr lang="es-ES" sz="1100" dirty="0">
+                <a:solidFill>
+                  <a:schemeClr val="accent5">
+                    <a:lumMod val="60000"/>
+                    <a:lumOff val="40000"/>
+                  </a:schemeClr>
+                </a:solidFill>
+              </a:rPr>
               <a:t>Modelo Relacional</a:t>
             </a:r>
           </a:p>
@@ -7207,10 +8926,10 @@
       </p:sp>
       <p:sp>
         <p:nvSpPr>
-          <p:cNvPr id="53" name="CuadroTexto 52">
+          <p:cNvPr id="77" name="CuadroTexto 76">
             <a:extLst>
               <a:ext uri="{FF2B5EF4-FFF2-40B4-BE49-F238E27FC236}">
-                <a16:creationId xmlns:a16="http://schemas.microsoft.com/office/drawing/2014/main" id="{EE464460-A6F6-E0DA-9445-4BDF9C64B543}"/>
+                <a16:creationId xmlns:a16="http://schemas.microsoft.com/office/drawing/2014/main" id="{D6F0FAE6-006C-9B74-15F2-4871B487B37E}"/>
               </a:ext>
             </a:extLst>
           </p:cNvPr>
@@ -7238,7 +8957,14 @@
               <a:buChar char="•"/>
             </a:pPr>
             <a:r>
-              <a:rPr lang="es-ES" sz="1100" dirty="0"/>
+              <a:rPr lang="es-ES" sz="1100" dirty="0">
+                <a:solidFill>
+                  <a:schemeClr val="accent5">
+                    <a:lumMod val="60000"/>
+                    <a:lumOff val="40000"/>
+                  </a:schemeClr>
+                </a:solidFill>
+              </a:rPr>
               <a:t>Normalización</a:t>
             </a:r>
           </a:p>
@@ -7246,10 +8972,10 @@
       </p:sp>
       <p:sp>
         <p:nvSpPr>
-          <p:cNvPr id="54" name="CuadroTexto 53">
+          <p:cNvPr id="78" name="CuadroTexto 77">
             <a:extLst>
               <a:ext uri="{FF2B5EF4-FFF2-40B4-BE49-F238E27FC236}">
-                <a16:creationId xmlns:a16="http://schemas.microsoft.com/office/drawing/2014/main" id="{7E36EAA3-A557-B380-DAC7-84F2F754E737}"/>
+                <a16:creationId xmlns:a16="http://schemas.microsoft.com/office/drawing/2014/main" id="{E23B39D2-A1EF-8849-A8CE-743013EF147C}"/>
               </a:ext>
             </a:extLst>
           </p:cNvPr>
@@ -7277,7 +9003,14 @@
               <a:buChar char="•"/>
             </a:pPr>
             <a:r>
-              <a:rPr lang="es-ES" sz="1400" dirty="0"/>
+              <a:rPr lang="es-ES" sz="1400" dirty="0">
+                <a:solidFill>
+                  <a:schemeClr val="accent5">
+                    <a:lumMod val="60000"/>
+                    <a:lumOff val="40000"/>
+                  </a:schemeClr>
+                </a:solidFill>
+              </a:rPr>
               <a:t>Diseño Físico</a:t>
             </a:r>
           </a:p>
@@ -7285,10 +9018,10 @@
       </p:sp>
       <p:sp>
         <p:nvSpPr>
-          <p:cNvPr id="55" name="CuadroTexto 54">
+          <p:cNvPr id="79" name="CuadroTexto 78">
             <a:extLst>
               <a:ext uri="{FF2B5EF4-FFF2-40B4-BE49-F238E27FC236}">
-                <a16:creationId xmlns:a16="http://schemas.microsoft.com/office/drawing/2014/main" id="{499877A7-9179-313D-AF77-B1B2958E43E8}"/>
+                <a16:creationId xmlns:a16="http://schemas.microsoft.com/office/drawing/2014/main" id="{93A67A9E-90D6-6775-B454-CE1FA36894BA}"/>
               </a:ext>
             </a:extLst>
           </p:cNvPr>
@@ -7316,7 +9049,14 @@
               <a:buChar char="•"/>
             </a:pPr>
             <a:r>
-              <a:rPr lang="es-ES" sz="1100" dirty="0"/>
+              <a:rPr lang="es-ES" sz="1100" dirty="0">
+                <a:solidFill>
+                  <a:schemeClr val="accent5">
+                    <a:lumMod val="60000"/>
+                    <a:lumOff val="40000"/>
+                  </a:schemeClr>
+                </a:solidFill>
+              </a:rPr>
               <a:t>Modelo Físico</a:t>
             </a:r>
           </a:p>
@@ -7324,10 +9064,10 @@
       </p:sp>
       <p:sp>
         <p:nvSpPr>
-          <p:cNvPr id="56" name="CuadroTexto 55">
+          <p:cNvPr id="80" name="CuadroTexto 79">
             <a:extLst>
               <a:ext uri="{FF2B5EF4-FFF2-40B4-BE49-F238E27FC236}">
-                <a16:creationId xmlns:a16="http://schemas.microsoft.com/office/drawing/2014/main" id="{AAB1E0FB-10DC-3C86-56F6-6AC138DEF727}"/>
+                <a16:creationId xmlns:a16="http://schemas.microsoft.com/office/drawing/2014/main" id="{2839FDEA-6311-1D02-8799-A82254564993}"/>
               </a:ext>
             </a:extLst>
           </p:cNvPr>
@@ -7355,7 +9095,14 @@
               <a:buChar char="•"/>
             </a:pPr>
             <a:r>
-              <a:rPr lang="es-ES" sz="1100" dirty="0"/>
+              <a:rPr lang="es-ES" sz="1100" dirty="0">
+                <a:solidFill>
+                  <a:schemeClr val="accent5">
+                    <a:lumMod val="60000"/>
+                    <a:lumOff val="40000"/>
+                  </a:schemeClr>
+                </a:solidFill>
+              </a:rPr>
               <a:t>Script de creación de Base de Datos</a:t>
             </a:r>
           </a:p>
@@ -7363,10 +9110,10 @@
       </p:sp>
       <p:sp>
         <p:nvSpPr>
-          <p:cNvPr id="57" name="CuadroTexto 56">
+          <p:cNvPr id="81" name="CuadroTexto 80">
             <a:extLst>
               <a:ext uri="{FF2B5EF4-FFF2-40B4-BE49-F238E27FC236}">
-                <a16:creationId xmlns:a16="http://schemas.microsoft.com/office/drawing/2014/main" id="{C19B530D-1D6C-5B37-5954-DF69C493AF58}"/>
+                <a16:creationId xmlns:a16="http://schemas.microsoft.com/office/drawing/2014/main" id="{C75721D8-2E1E-3B1C-BACE-456EF31DDFD2}"/>
               </a:ext>
             </a:extLst>
           </p:cNvPr>
@@ -7394,7 +9141,14 @@
               <a:buChar char="•"/>
             </a:pPr>
             <a:r>
-              <a:rPr lang="es-ES" sz="1100" dirty="0"/>
+              <a:rPr lang="es-ES" sz="1100" dirty="0">
+                <a:solidFill>
+                  <a:schemeClr val="accent5">
+                    <a:lumMod val="60000"/>
+                    <a:lumOff val="40000"/>
+                  </a:schemeClr>
+                </a:solidFill>
+              </a:rPr>
               <a:t>Diccionario de Datos</a:t>
             </a:r>
           </a:p>
@@ -7402,10 +9156,10 @@
       </p:sp>
       <p:sp>
         <p:nvSpPr>
-          <p:cNvPr id="58" name="CuadroTexto 57">
+          <p:cNvPr id="82" name="CuadroTexto 81">
             <a:extLst>
               <a:ext uri="{FF2B5EF4-FFF2-40B4-BE49-F238E27FC236}">
-                <a16:creationId xmlns:a16="http://schemas.microsoft.com/office/drawing/2014/main" id="{6194EC92-CB3B-4E0B-969F-0578D318266C}"/>
+                <a16:creationId xmlns:a16="http://schemas.microsoft.com/office/drawing/2014/main" id="{74F4BA79-0082-8C78-8CC3-AFEE578218DB}"/>
               </a:ext>
             </a:extLst>
           </p:cNvPr>
@@ -7433,7 +9187,14 @@
               <a:buChar char="•"/>
             </a:pPr>
             <a:r>
-              <a:rPr lang="es-ES" sz="1600" dirty="0"/>
+              <a:rPr lang="es-ES" sz="1600" dirty="0">
+                <a:solidFill>
+                  <a:schemeClr val="accent5">
+                    <a:lumMod val="60000"/>
+                    <a:lumOff val="40000"/>
+                  </a:schemeClr>
+                </a:solidFill>
+              </a:rPr>
               <a:t>Consultas SQL</a:t>
             </a:r>
           </a:p>
@@ -7441,10 +9202,10 @@
       </p:sp>
       <p:sp>
         <p:nvSpPr>
-          <p:cNvPr id="59" name="CuadroTexto 58">
+          <p:cNvPr id="83" name="CuadroTexto 82">
             <a:extLst>
               <a:ext uri="{FF2B5EF4-FFF2-40B4-BE49-F238E27FC236}">
-                <a16:creationId xmlns:a16="http://schemas.microsoft.com/office/drawing/2014/main" id="{206BADD1-026A-AC54-1129-9F9EF64CC50E}"/>
+                <a16:creationId xmlns:a16="http://schemas.microsoft.com/office/drawing/2014/main" id="{BD077F25-0703-492A-6690-64B363C53E36}"/>
               </a:ext>
             </a:extLst>
           </p:cNvPr>
@@ -7472,7 +9233,14 @@
               <a:buChar char="•"/>
             </a:pPr>
             <a:r>
-              <a:rPr lang="es-ES" sz="1600" dirty="0"/>
+              <a:rPr lang="es-ES" sz="1600" dirty="0">
+                <a:solidFill>
+                  <a:schemeClr val="accent5">
+                    <a:lumMod val="60000"/>
+                    <a:lumOff val="40000"/>
+                  </a:schemeClr>
+                </a:solidFill>
+              </a:rPr>
               <a:t>Subprogramas PL/SQL</a:t>
             </a:r>
           </a:p>
@@ -7480,10 +9248,10 @@
       </p:sp>
       <p:sp>
         <p:nvSpPr>
-          <p:cNvPr id="60" name="CuadroTexto 59">
+          <p:cNvPr id="84" name="CuadroTexto 83">
             <a:extLst>
               <a:ext uri="{FF2B5EF4-FFF2-40B4-BE49-F238E27FC236}">
-                <a16:creationId xmlns:a16="http://schemas.microsoft.com/office/drawing/2014/main" id="{951755C9-9D7F-CCE5-9106-A200CEB952C5}"/>
+                <a16:creationId xmlns:a16="http://schemas.microsoft.com/office/drawing/2014/main" id="{5FDC64AE-B801-E5D3-6D8D-1E3919F06969}"/>
               </a:ext>
             </a:extLst>
           </p:cNvPr>
@@ -7511,7 +9279,14 @@
               <a:buChar char="•"/>
             </a:pPr>
             <a:r>
-              <a:rPr lang="es-ES" sz="1600" dirty="0"/>
+              <a:rPr lang="es-ES" sz="1600" dirty="0">
+                <a:solidFill>
+                  <a:schemeClr val="accent5">
+                    <a:lumMod val="60000"/>
+                    <a:lumOff val="40000"/>
+                  </a:schemeClr>
+                </a:solidFill>
+              </a:rPr>
               <a:t>Recursos empleados / necesarios</a:t>
             </a:r>
           </a:p>
@@ -7519,10 +9294,10 @@
       </p:sp>
       <p:sp>
         <p:nvSpPr>
-          <p:cNvPr id="61" name="CuadroTexto 60">
+          <p:cNvPr id="85" name="CuadroTexto 84">
             <a:extLst>
               <a:ext uri="{FF2B5EF4-FFF2-40B4-BE49-F238E27FC236}">
-                <a16:creationId xmlns:a16="http://schemas.microsoft.com/office/drawing/2014/main" id="{2A91F238-BDDA-E76B-48CD-15609D2E9828}"/>
+                <a16:creationId xmlns:a16="http://schemas.microsoft.com/office/drawing/2014/main" id="{AF7DFF4A-3326-29FA-F0A4-4E6D4E16DC2C}"/>
               </a:ext>
             </a:extLst>
           </p:cNvPr>
@@ -7550,253 +9325,15 @@
               <a:buChar char="•"/>
             </a:pPr>
             <a:r>
-              <a:rPr lang="es-ES" sz="1600" dirty="0"/>
+              <a:rPr lang="es-ES" sz="1600" dirty="0">
+                <a:solidFill>
+                  <a:schemeClr val="accent5">
+                    <a:lumMod val="60000"/>
+                    <a:lumOff val="40000"/>
+                  </a:schemeClr>
+                </a:solidFill>
+              </a:rPr>
               <a:t>Temporalización</a:t>
-            </a:r>
-          </a:p>
-        </p:txBody>
-      </p:sp>
-      <p:sp>
-        <p:nvSpPr>
-          <p:cNvPr id="62" name="Subtítulo 2">
-            <a:extLst>
-              <a:ext uri="{FF2B5EF4-FFF2-40B4-BE49-F238E27FC236}">
-                <a16:creationId xmlns:a16="http://schemas.microsoft.com/office/drawing/2014/main" id="{18BB31A3-5ECB-3D77-4A9A-FB201DAAB816}"/>
-              </a:ext>
-            </a:extLst>
-          </p:cNvPr>
-          <p:cNvSpPr txBox="1">
-            <a:spLocks/>
-          </p:cNvSpPr>
-          <p:nvPr/>
-        </p:nvSpPr>
-        <p:spPr>
-          <a:xfrm>
-            <a:off x="8854750" y="5735638"/>
-            <a:ext cx="3337229" cy="1098395"/>
-          </a:xfrm>
-          <a:prstGeom prst="rect">
-            <a:avLst/>
-          </a:prstGeom>
-        </p:spPr>
-        <p:txBody>
-          <a:bodyPr vert="horz" lIns="91440" tIns="45720" rIns="91440" bIns="45720" rtlCol="0">
-            <a:normAutofit/>
-          </a:bodyPr>
-          <a:lstStyle>
-            <a:lvl1pPr marL="228600" indent="-228600" algn="l" defTabSz="914400" rtl="0" eaLnBrk="1" latinLnBrk="0" hangingPunct="1">
-              <a:lnSpc>
-                <a:spcPct val="90000"/>
-              </a:lnSpc>
-              <a:spcBef>
-                <a:spcPts val="1000"/>
-              </a:spcBef>
-              <a:buFont typeface="Arial" panose="020B0604020202020204" pitchFamily="34" charset="0"/>
-              <a:buChar char="•"/>
-              <a:defRPr sz="2800" kern="1200">
-                <a:solidFill>
-                  <a:schemeClr val="tx1"/>
-                </a:solidFill>
-                <a:latin typeface="+mn-lt"/>
-                <a:ea typeface="+mn-ea"/>
-                <a:cs typeface="+mn-cs"/>
-              </a:defRPr>
-            </a:lvl1pPr>
-            <a:lvl2pPr marL="685800" indent="-228600" algn="l" defTabSz="914400" rtl="0" eaLnBrk="1" latinLnBrk="0" hangingPunct="1">
-              <a:lnSpc>
-                <a:spcPct val="90000"/>
-              </a:lnSpc>
-              <a:spcBef>
-                <a:spcPts val="500"/>
-              </a:spcBef>
-              <a:buFont typeface="Arial" panose="020B0604020202020204" pitchFamily="34" charset="0"/>
-              <a:buChar char="•"/>
-              <a:defRPr sz="2400" kern="1200">
-                <a:solidFill>
-                  <a:schemeClr val="tx1"/>
-                </a:solidFill>
-                <a:latin typeface="+mn-lt"/>
-                <a:ea typeface="+mn-ea"/>
-                <a:cs typeface="+mn-cs"/>
-              </a:defRPr>
-            </a:lvl2pPr>
-            <a:lvl3pPr marL="1143000" indent="-228600" algn="l" defTabSz="914400" rtl="0" eaLnBrk="1" latinLnBrk="0" hangingPunct="1">
-              <a:lnSpc>
-                <a:spcPct val="90000"/>
-              </a:lnSpc>
-              <a:spcBef>
-                <a:spcPts val="500"/>
-              </a:spcBef>
-              <a:buFont typeface="Arial" panose="020B0604020202020204" pitchFamily="34" charset="0"/>
-              <a:buChar char="•"/>
-              <a:defRPr sz="2000" kern="1200">
-                <a:solidFill>
-                  <a:schemeClr val="tx1"/>
-                </a:solidFill>
-                <a:latin typeface="+mn-lt"/>
-                <a:ea typeface="+mn-ea"/>
-                <a:cs typeface="+mn-cs"/>
-              </a:defRPr>
-            </a:lvl3pPr>
-            <a:lvl4pPr marL="1600200" indent="-228600" algn="l" defTabSz="914400" rtl="0" eaLnBrk="1" latinLnBrk="0" hangingPunct="1">
-              <a:lnSpc>
-                <a:spcPct val="90000"/>
-              </a:lnSpc>
-              <a:spcBef>
-                <a:spcPts val="500"/>
-              </a:spcBef>
-              <a:buFont typeface="Arial" panose="020B0604020202020204" pitchFamily="34" charset="0"/>
-              <a:buChar char="•"/>
-              <a:defRPr sz="1800" kern="1200">
-                <a:solidFill>
-                  <a:schemeClr val="tx1"/>
-                </a:solidFill>
-                <a:latin typeface="+mn-lt"/>
-                <a:ea typeface="+mn-ea"/>
-                <a:cs typeface="+mn-cs"/>
-              </a:defRPr>
-            </a:lvl4pPr>
-            <a:lvl5pPr marL="2057400" indent="-228600" algn="l" defTabSz="914400" rtl="0" eaLnBrk="1" latinLnBrk="0" hangingPunct="1">
-              <a:lnSpc>
-                <a:spcPct val="90000"/>
-              </a:lnSpc>
-              <a:spcBef>
-                <a:spcPts val="500"/>
-              </a:spcBef>
-              <a:buFont typeface="Arial" panose="020B0604020202020204" pitchFamily="34" charset="0"/>
-              <a:buChar char="•"/>
-              <a:defRPr sz="1800" kern="1200">
-                <a:solidFill>
-                  <a:schemeClr val="tx1"/>
-                </a:solidFill>
-                <a:latin typeface="+mn-lt"/>
-                <a:ea typeface="+mn-ea"/>
-                <a:cs typeface="+mn-cs"/>
-              </a:defRPr>
-            </a:lvl5pPr>
-            <a:lvl6pPr marL="2514600" indent="-228600" algn="l" defTabSz="914400" rtl="0" eaLnBrk="1" latinLnBrk="0" hangingPunct="1">
-              <a:lnSpc>
-                <a:spcPct val="90000"/>
-              </a:lnSpc>
-              <a:spcBef>
-                <a:spcPts val="500"/>
-              </a:spcBef>
-              <a:buFont typeface="Arial" panose="020B0604020202020204" pitchFamily="34" charset="0"/>
-              <a:buChar char="•"/>
-              <a:defRPr sz="1800" kern="1200">
-                <a:solidFill>
-                  <a:schemeClr val="tx1"/>
-                </a:solidFill>
-                <a:latin typeface="+mn-lt"/>
-                <a:ea typeface="+mn-ea"/>
-                <a:cs typeface="+mn-cs"/>
-              </a:defRPr>
-            </a:lvl6pPr>
-            <a:lvl7pPr marL="2971800" indent="-228600" algn="l" defTabSz="914400" rtl="0" eaLnBrk="1" latinLnBrk="0" hangingPunct="1">
-              <a:lnSpc>
-                <a:spcPct val="90000"/>
-              </a:lnSpc>
-              <a:spcBef>
-                <a:spcPts val="500"/>
-              </a:spcBef>
-              <a:buFont typeface="Arial" panose="020B0604020202020204" pitchFamily="34" charset="0"/>
-              <a:buChar char="•"/>
-              <a:defRPr sz="1800" kern="1200">
-                <a:solidFill>
-                  <a:schemeClr val="tx1"/>
-                </a:solidFill>
-                <a:latin typeface="+mn-lt"/>
-                <a:ea typeface="+mn-ea"/>
-                <a:cs typeface="+mn-cs"/>
-              </a:defRPr>
-            </a:lvl7pPr>
-            <a:lvl8pPr marL="3429000" indent="-228600" algn="l" defTabSz="914400" rtl="0" eaLnBrk="1" latinLnBrk="0" hangingPunct="1">
-              <a:lnSpc>
-                <a:spcPct val="90000"/>
-              </a:lnSpc>
-              <a:spcBef>
-                <a:spcPts val="500"/>
-              </a:spcBef>
-              <a:buFont typeface="Arial" panose="020B0604020202020204" pitchFamily="34" charset="0"/>
-              <a:buChar char="•"/>
-              <a:defRPr sz="1800" kern="1200">
-                <a:solidFill>
-                  <a:schemeClr val="tx1"/>
-                </a:solidFill>
-                <a:latin typeface="+mn-lt"/>
-                <a:ea typeface="+mn-ea"/>
-                <a:cs typeface="+mn-cs"/>
-              </a:defRPr>
-            </a:lvl8pPr>
-            <a:lvl9pPr marL="3886200" indent="-228600" algn="l" defTabSz="914400" rtl="0" eaLnBrk="1" latinLnBrk="0" hangingPunct="1">
-              <a:lnSpc>
-                <a:spcPct val="90000"/>
-              </a:lnSpc>
-              <a:spcBef>
-                <a:spcPts val="500"/>
-              </a:spcBef>
-              <a:buFont typeface="Arial" panose="020B0604020202020204" pitchFamily="34" charset="0"/>
-              <a:buChar char="•"/>
-              <a:defRPr sz="1800" kern="1200">
-                <a:solidFill>
-                  <a:schemeClr val="tx1"/>
-                </a:solidFill>
-                <a:latin typeface="+mn-lt"/>
-                <a:ea typeface="+mn-ea"/>
-                <a:cs typeface="+mn-cs"/>
-              </a:defRPr>
-            </a:lvl9pPr>
-          </a:lstStyle>
-          <a:p>
-            <a:pPr marL="0" indent="0" algn="ctr">
-              <a:buNone/>
-            </a:pPr>
-            <a:r>
-              <a:rPr lang="es-ES" sz="1100" dirty="0">
-                <a:solidFill>
-                  <a:srgbClr val="FFFFFF"/>
-                </a:solidFill>
-              </a:rPr>
-              <a:t>Eduardo Martín-Sonseca Alonso</a:t>
-            </a:r>
-          </a:p>
-          <a:p>
-            <a:pPr marL="0" indent="0" algn="ctr">
-              <a:buNone/>
-            </a:pPr>
-            <a:r>
-              <a:rPr lang="es-ES" sz="1100" dirty="0">
-                <a:solidFill>
-                  <a:srgbClr val="FFFFFF"/>
-                </a:solidFill>
-              </a:rPr>
-              <a:t>Noel Prieto Pardo</a:t>
-            </a:r>
-          </a:p>
-          <a:p>
-            <a:pPr marL="0" indent="0" algn="ctr">
-              <a:buNone/>
-            </a:pPr>
-            <a:r>
-              <a:rPr lang="es-ES" sz="1100" dirty="0">
-                <a:solidFill>
-                  <a:srgbClr val="FFFFFF"/>
-                </a:solidFill>
-              </a:rPr>
-              <a:t>Mario Ortuñez Sanz</a:t>
-            </a:r>
-          </a:p>
-          <a:p>
-            <a:pPr marL="0" indent="0" algn="ctr">
-              <a:buNone/>
-            </a:pPr>
-            <a:r>
-              <a:rPr lang="es-ES" sz="1100" b="1" dirty="0">
-                <a:solidFill>
-                  <a:srgbClr val="FFFFFF"/>
-                </a:solidFill>
-              </a:rPr>
-              <a:t>1º Desarrollo de Aplicaciones Multiplataforma</a:t>
             </a:r>
           </a:p>
         </p:txBody>
@@ -7804,12 +9341,12 @@
     </p:spTree>
     <p:extLst>
       <p:ext uri="{BB962C8B-B14F-4D97-AF65-F5344CB8AC3E}">
-        <p14:creationId xmlns:p14="http://schemas.microsoft.com/office/powerpoint/2010/main" val="984797056"/>
+        <p14:creationId xmlns:p14="http://schemas.microsoft.com/office/powerpoint/2010/main" val="1890278235"/>
       </p:ext>
     </p:extLst>
   </p:cSld>
   <p:clrMapOvr>
-    <a:overrideClrMapping bg1="dk1" tx1="lt1" bg2="dk2" tx2="lt2" accent1="accent1" accent2="accent2" accent3="accent3" accent4="accent4" accent5="accent5" accent6="accent6" hlink="hlink" folHlink="folHlink"/>
+    <a:masterClrMapping/>
   </p:clrMapOvr>
   <p:timing>
     <p:tnLst>
@@ -7848,7 +9385,7 @@
                                           </p:stCondLst>
                                         </p:cTn>
                                         <p:tgtEl>
-                                          <p:spTgt spid="42"/>
+                                          <p:spTgt spid="72"/>
                                         </p:tgtEl>
                                         <p:attrNameLst>
                                           <p:attrName>style.visibility</p:attrName>
@@ -7862,7 +9399,7 @@
                                       <p:cBhvr>
                                         <p:cTn id="7" dur="1000"/>
                                         <p:tgtEl>
-                                          <p:spTgt spid="42"/>
+                                          <p:spTgt spid="72"/>
                                         </p:tgtEl>
                                       </p:cBhvr>
                                     </p:animEffect>
@@ -7870,7 +9407,7 @@
                                       <p:cBhvr>
                                         <p:cTn id="8" dur="1000" fill="hold"/>
                                         <p:tgtEl>
-                                          <p:spTgt spid="42"/>
+                                          <p:spTgt spid="72"/>
                                         </p:tgtEl>
                                         <p:attrNameLst>
                                           <p:attrName>ppt_x</p:attrName>
@@ -7893,7 +9430,7 @@
                                       <p:cBhvr>
                                         <p:cTn id="9" dur="1000" fill="hold"/>
                                         <p:tgtEl>
-                                          <p:spTgt spid="42"/>
+                                          <p:spTgt spid="72"/>
                                         </p:tgtEl>
                                         <p:attrNameLst>
                                           <p:attrName>ppt_y</p:attrName>
@@ -7929,7 +9466,7 @@
                                           </p:stCondLst>
                                         </p:cTn>
                                         <p:tgtEl>
-                                          <p:spTgt spid="39"/>
+                                          <p:spTgt spid="64"/>
                                         </p:tgtEl>
                                         <p:attrNameLst>
                                           <p:attrName>style.visibility</p:attrName>
@@ -7943,7 +9480,7 @@
                                       <p:cBhvr>
                                         <p:cTn id="12" dur="1000"/>
                                         <p:tgtEl>
-                                          <p:spTgt spid="39"/>
+                                          <p:spTgt spid="64"/>
                                         </p:tgtEl>
                                       </p:cBhvr>
                                     </p:animEffect>
@@ -7951,7 +9488,7 @@
                                       <p:cBhvr>
                                         <p:cTn id="13" dur="1000" fill="hold"/>
                                         <p:tgtEl>
-                                          <p:spTgt spid="39"/>
+                                          <p:spTgt spid="64"/>
                                         </p:tgtEl>
                                         <p:attrNameLst>
                                           <p:attrName>ppt_x</p:attrName>
@@ -7974,7 +9511,7 @@
                                       <p:cBhvr>
                                         <p:cTn id="14" dur="1000" fill="hold"/>
                                         <p:tgtEl>
-                                          <p:spTgt spid="39"/>
+                                          <p:spTgt spid="64"/>
                                         </p:tgtEl>
                                         <p:attrNameLst>
                                           <p:attrName>ppt_y</p:attrName>
@@ -8010,7 +9547,7 @@
                                           </p:stCondLst>
                                         </p:cTn>
                                         <p:tgtEl>
-                                          <p:spTgt spid="58"/>
+                                          <p:spTgt spid="82"/>
                                         </p:tgtEl>
                                         <p:attrNameLst>
                                           <p:attrName>style.visibility</p:attrName>
@@ -8024,7 +9561,7 @@
                                       <p:cBhvr>
                                         <p:cTn id="17" dur="1000"/>
                                         <p:tgtEl>
-                                          <p:spTgt spid="58"/>
+                                          <p:spTgt spid="82"/>
                                         </p:tgtEl>
                                       </p:cBhvr>
                                     </p:animEffect>
@@ -8032,7 +9569,7 @@
                                       <p:cBhvr>
                                         <p:cTn id="18" dur="1000" fill="hold"/>
                                         <p:tgtEl>
-                                          <p:spTgt spid="58"/>
+                                          <p:spTgt spid="82"/>
                                         </p:tgtEl>
                                         <p:attrNameLst>
                                           <p:attrName>ppt_x</p:attrName>
@@ -8055,7 +9592,7 @@
                                       <p:cBhvr>
                                         <p:cTn id="19" dur="1000" fill="hold"/>
                                         <p:tgtEl>
-                                          <p:spTgt spid="58"/>
+                                          <p:spTgt spid="82"/>
                                         </p:tgtEl>
                                         <p:attrNameLst>
                                           <p:attrName>ppt_y</p:attrName>
@@ -8091,7 +9628,7 @@
                                           </p:stCondLst>
                                         </p:cTn>
                                         <p:tgtEl>
-                                          <p:spTgt spid="59"/>
+                                          <p:spTgt spid="83"/>
                                         </p:tgtEl>
                                         <p:attrNameLst>
                                           <p:attrName>style.visibility</p:attrName>
@@ -8105,7 +9642,7 @@
                                       <p:cBhvr>
                                         <p:cTn id="22" dur="1000"/>
                                         <p:tgtEl>
-                                          <p:spTgt spid="59"/>
+                                          <p:spTgt spid="83"/>
                                         </p:tgtEl>
                                       </p:cBhvr>
                                     </p:animEffect>
@@ -8113,7 +9650,7 @@
                                       <p:cBhvr>
                                         <p:cTn id="23" dur="1000" fill="hold"/>
                                         <p:tgtEl>
-                                          <p:spTgt spid="59"/>
+                                          <p:spTgt spid="83"/>
                                         </p:tgtEl>
                                         <p:attrNameLst>
                                           <p:attrName>ppt_x</p:attrName>
@@ -8136,7 +9673,7 @@
                                       <p:cBhvr>
                                         <p:cTn id="24" dur="1000" fill="hold"/>
                                         <p:tgtEl>
-                                          <p:spTgt spid="59"/>
+                                          <p:spTgt spid="83"/>
                                         </p:tgtEl>
                                         <p:attrNameLst>
                                           <p:attrName>ppt_y</p:attrName>
@@ -8172,7 +9709,7 @@
                                           </p:stCondLst>
                                         </p:cTn>
                                         <p:tgtEl>
-                                          <p:spTgt spid="60"/>
+                                          <p:spTgt spid="84"/>
                                         </p:tgtEl>
                                         <p:attrNameLst>
                                           <p:attrName>style.visibility</p:attrName>
@@ -8186,7 +9723,7 @@
                                       <p:cBhvr>
                                         <p:cTn id="27" dur="1000"/>
                                         <p:tgtEl>
-                                          <p:spTgt spid="60"/>
+                                          <p:spTgt spid="84"/>
                                         </p:tgtEl>
                                       </p:cBhvr>
                                     </p:animEffect>
@@ -8194,7 +9731,7 @@
                                       <p:cBhvr>
                                         <p:cTn id="28" dur="1000" fill="hold"/>
                                         <p:tgtEl>
-                                          <p:spTgt spid="60"/>
+                                          <p:spTgt spid="84"/>
                                         </p:tgtEl>
                                         <p:attrNameLst>
                                           <p:attrName>ppt_x</p:attrName>
@@ -8217,7 +9754,7 @@
                                       <p:cBhvr>
                                         <p:cTn id="29" dur="1000" fill="hold"/>
                                         <p:tgtEl>
-                                          <p:spTgt spid="60"/>
+                                          <p:spTgt spid="84"/>
                                         </p:tgtEl>
                                         <p:attrNameLst>
                                           <p:attrName>ppt_y</p:attrName>
@@ -8253,7 +9790,7 @@
                                           </p:stCondLst>
                                         </p:cTn>
                                         <p:tgtEl>
-                                          <p:spTgt spid="61"/>
+                                          <p:spTgt spid="85"/>
                                         </p:tgtEl>
                                         <p:attrNameLst>
                                           <p:attrName>style.visibility</p:attrName>
@@ -8267,7 +9804,7 @@
                                       <p:cBhvr>
                                         <p:cTn id="32" dur="1000"/>
                                         <p:tgtEl>
-                                          <p:spTgt spid="61"/>
+                                          <p:spTgt spid="85"/>
                                         </p:tgtEl>
                                       </p:cBhvr>
                                     </p:animEffect>
@@ -8275,7 +9812,7 @@
                                       <p:cBhvr>
                                         <p:cTn id="33" dur="1000" fill="hold"/>
                                         <p:tgtEl>
-                                          <p:spTgt spid="61"/>
+                                          <p:spTgt spid="85"/>
                                         </p:tgtEl>
                                         <p:attrNameLst>
                                           <p:attrName>ppt_x</p:attrName>
@@ -8298,7 +9835,7 @@
                                       <p:cBhvr>
                                         <p:cTn id="34" dur="1000" fill="hold"/>
                                         <p:tgtEl>
-                                          <p:spTgt spid="61"/>
+                                          <p:spTgt spid="85"/>
                                         </p:tgtEl>
                                         <p:attrNameLst>
                                           <p:attrName>ppt_y</p:attrName>
@@ -8334,7 +9871,7 @@
                                           </p:stCondLst>
                                         </p:cTn>
                                         <p:tgtEl>
-                                          <p:spTgt spid="40"/>
+                                          <p:spTgt spid="71"/>
                                         </p:tgtEl>
                                         <p:attrNameLst>
                                           <p:attrName>style.visibility</p:attrName>
@@ -8348,7 +9885,7 @@
                                       <p:cBhvr>
                                         <p:cTn id="37" dur="1000" fill="hold"/>
                                         <p:tgtEl>
-                                          <p:spTgt spid="40"/>
+                                          <p:spTgt spid="71"/>
                                         </p:tgtEl>
                                         <p:attrNameLst>
                                           <p:attrName>ppt_w</p:attrName>
@@ -8371,7 +9908,7 @@
                                       <p:cBhvr>
                                         <p:cTn id="38" dur="1000" fill="hold"/>
                                         <p:tgtEl>
-                                          <p:spTgt spid="40"/>
+                                          <p:spTgt spid="71"/>
                                         </p:tgtEl>
                                         <p:attrNameLst>
                                           <p:attrName>ppt_h</p:attrName>
@@ -8394,7 +9931,7 @@
                                       <p:cBhvr>
                                         <p:cTn id="39" dur="1000" fill="hold"/>
                                         <p:tgtEl>
-                                          <p:spTgt spid="40"/>
+                                          <p:spTgt spid="71"/>
                                         </p:tgtEl>
                                         <p:attrNameLst>
                                           <p:attrName>style.rotation</p:attrName>
@@ -8417,7 +9954,7 @@
                                       <p:cBhvr>
                                         <p:cTn id="40" dur="1000"/>
                                         <p:tgtEl>
-                                          <p:spTgt spid="40"/>
+                                          <p:spTgt spid="71"/>
                                         </p:tgtEl>
                                       </p:cBhvr>
                                     </p:animEffect>
@@ -8438,7 +9975,7 @@
                                           </p:stCondLst>
                                         </p:cTn>
                                         <p:tgtEl>
-                                          <p:spTgt spid="51"/>
+                                          <p:spTgt spid="75"/>
                                         </p:tgtEl>
                                         <p:attrNameLst>
                                           <p:attrName>style.visibility</p:attrName>
@@ -8452,7 +9989,7 @@
                                       <p:cBhvr>
                                         <p:cTn id="43" dur="1000" fill="hold"/>
                                         <p:tgtEl>
-                                          <p:spTgt spid="51"/>
+                                          <p:spTgt spid="75"/>
                                         </p:tgtEl>
                                         <p:attrNameLst>
                                           <p:attrName>ppt_w</p:attrName>
@@ -8475,7 +10012,7 @@
                                       <p:cBhvr>
                                         <p:cTn id="44" dur="1000" fill="hold"/>
                                         <p:tgtEl>
-                                          <p:spTgt spid="51"/>
+                                          <p:spTgt spid="75"/>
                                         </p:tgtEl>
                                         <p:attrNameLst>
                                           <p:attrName>ppt_h</p:attrName>
@@ -8498,7 +10035,7 @@
                                       <p:cBhvr>
                                         <p:cTn id="45" dur="1000" fill="hold"/>
                                         <p:tgtEl>
-                                          <p:spTgt spid="51"/>
+                                          <p:spTgt spid="75"/>
                                         </p:tgtEl>
                                         <p:attrNameLst>
                                           <p:attrName>style.rotation</p:attrName>
@@ -8521,7 +10058,7 @@
                                       <p:cBhvr>
                                         <p:cTn id="46" dur="1000"/>
                                         <p:tgtEl>
-                                          <p:spTgt spid="51"/>
+                                          <p:spTgt spid="75"/>
                                         </p:tgtEl>
                                       </p:cBhvr>
                                     </p:animEffect>
@@ -8542,7 +10079,7 @@
                                           </p:stCondLst>
                                         </p:cTn>
                                         <p:tgtEl>
-                                          <p:spTgt spid="54"/>
+                                          <p:spTgt spid="78"/>
                                         </p:tgtEl>
                                         <p:attrNameLst>
                                           <p:attrName>style.visibility</p:attrName>
@@ -8556,7 +10093,7 @@
                                       <p:cBhvr>
                                         <p:cTn id="49" dur="1000" fill="hold"/>
                                         <p:tgtEl>
-                                          <p:spTgt spid="54"/>
+                                          <p:spTgt spid="78"/>
                                         </p:tgtEl>
                                         <p:attrNameLst>
                                           <p:attrName>ppt_w</p:attrName>
@@ -8579,7 +10116,7 @@
                                       <p:cBhvr>
                                         <p:cTn id="50" dur="1000" fill="hold"/>
                                         <p:tgtEl>
-                                          <p:spTgt spid="54"/>
+                                          <p:spTgt spid="78"/>
                                         </p:tgtEl>
                                         <p:attrNameLst>
                                           <p:attrName>ppt_h</p:attrName>
@@ -8602,7 +10139,7 @@
                                       <p:cBhvr>
                                         <p:cTn id="51" dur="1000" fill="hold"/>
                                         <p:tgtEl>
-                                          <p:spTgt spid="54"/>
+                                          <p:spTgt spid="78"/>
                                         </p:tgtEl>
                                         <p:attrNameLst>
                                           <p:attrName>style.rotation</p:attrName>
@@ -8625,7 +10162,7 @@
                                       <p:cBhvr>
                                         <p:cTn id="52" dur="1000"/>
                                         <p:tgtEl>
-                                          <p:spTgt spid="54"/>
+                                          <p:spTgt spid="78"/>
                                         </p:tgtEl>
                                       </p:cBhvr>
                                     </p:animEffect>
@@ -8646,7 +10183,7 @@
                                           </p:stCondLst>
                                         </p:cTn>
                                         <p:tgtEl>
-                                          <p:spTgt spid="49"/>
+                                          <p:spTgt spid="73"/>
                                         </p:tgtEl>
                                         <p:attrNameLst>
                                           <p:attrName>style.visibility</p:attrName>
@@ -8660,7 +10197,7 @@
                                       <p:cBhvr>
                                         <p:cTn id="55" dur="500"/>
                                         <p:tgtEl>
-                                          <p:spTgt spid="49"/>
+                                          <p:spTgt spid="73"/>
                                         </p:tgtEl>
                                       </p:cBhvr>
                                     </p:animEffect>
@@ -8681,7 +10218,7 @@
                                           </p:stCondLst>
                                         </p:cTn>
                                         <p:tgtEl>
-                                          <p:spTgt spid="50"/>
+                                          <p:spTgt spid="74"/>
                                         </p:tgtEl>
                                         <p:attrNameLst>
                                           <p:attrName>style.visibility</p:attrName>
@@ -8695,7 +10232,7 @@
                                       <p:cBhvr>
                                         <p:cTn id="58" dur="500"/>
                                         <p:tgtEl>
-                                          <p:spTgt spid="50"/>
+                                          <p:spTgt spid="74"/>
                                         </p:tgtEl>
                                       </p:cBhvr>
                                     </p:animEffect>
@@ -8716,7 +10253,7 @@
                                           </p:stCondLst>
                                         </p:cTn>
                                         <p:tgtEl>
-                                          <p:spTgt spid="53"/>
+                                          <p:spTgt spid="77"/>
                                         </p:tgtEl>
                                         <p:attrNameLst>
                                           <p:attrName>style.visibility</p:attrName>
@@ -8730,7 +10267,7 @@
                                       <p:cBhvr>
                                         <p:cTn id="61" dur="500"/>
                                         <p:tgtEl>
-                                          <p:spTgt spid="53"/>
+                                          <p:spTgt spid="77"/>
                                         </p:tgtEl>
                                       </p:cBhvr>
                                     </p:animEffect>
@@ -8751,7 +10288,7 @@
                                           </p:stCondLst>
                                         </p:cTn>
                                         <p:tgtEl>
-                                          <p:spTgt spid="52"/>
+                                          <p:spTgt spid="76"/>
                                         </p:tgtEl>
                                         <p:attrNameLst>
                                           <p:attrName>style.visibility</p:attrName>
@@ -8765,7 +10302,7 @@
                                       <p:cBhvr>
                                         <p:cTn id="64" dur="500"/>
                                         <p:tgtEl>
-                                          <p:spTgt spid="52"/>
+                                          <p:spTgt spid="76"/>
                                         </p:tgtEl>
                                       </p:cBhvr>
                                     </p:animEffect>
@@ -8786,7 +10323,7 @@
                                           </p:stCondLst>
                                         </p:cTn>
                                         <p:tgtEl>
-                                          <p:spTgt spid="55"/>
+                                          <p:spTgt spid="79"/>
                                         </p:tgtEl>
                                         <p:attrNameLst>
                                           <p:attrName>style.visibility</p:attrName>
@@ -8800,7 +10337,7 @@
                                       <p:cBhvr>
                                         <p:cTn id="67" dur="500"/>
                                         <p:tgtEl>
-                                          <p:spTgt spid="55"/>
+                                          <p:spTgt spid="79"/>
                                         </p:tgtEl>
                                       </p:cBhvr>
                                     </p:animEffect>
@@ -8821,7 +10358,7 @@
                                           </p:stCondLst>
                                         </p:cTn>
                                         <p:tgtEl>
-                                          <p:spTgt spid="56"/>
+                                          <p:spTgt spid="80"/>
                                         </p:tgtEl>
                                         <p:attrNameLst>
                                           <p:attrName>style.visibility</p:attrName>
@@ -8835,7 +10372,7 @@
                                       <p:cBhvr>
                                         <p:cTn id="70" dur="500"/>
                                         <p:tgtEl>
-                                          <p:spTgt spid="56"/>
+                                          <p:spTgt spid="80"/>
                                         </p:tgtEl>
                                       </p:cBhvr>
                                     </p:animEffect>
@@ -8856,7 +10393,7 @@
                                           </p:stCondLst>
                                         </p:cTn>
                                         <p:tgtEl>
-                                          <p:spTgt spid="57"/>
+                                          <p:spTgt spid="81"/>
                                         </p:tgtEl>
                                         <p:attrNameLst>
                                           <p:attrName>style.visibility</p:attrName>
@@ -8870,7 +10407,7 @@
                                       <p:cBhvr>
                                         <p:cTn id="73" dur="500"/>
                                         <p:tgtEl>
-                                          <p:spTgt spid="57"/>
+                                          <p:spTgt spid="81"/>
                                         </p:tgtEl>
                                       </p:cBhvr>
                                     </p:animEffect>
@@ -8878,7 +10415,7 @@
                                 </p:cTn>
                               </p:par>
                               <p:par>
-                                <p:cTn id="74" presetID="10" presetClass="entr" presetSubtype="0" fill="hold" grpId="0" nodeType="withEffect">
+                                <p:cTn id="74" presetID="53" presetClass="entr" presetSubtype="16" fill="hold" grpId="0" nodeType="withEffect">
                                   <p:stCondLst>
                                     <p:cond delay="0"/>
                                   </p:stCondLst>
@@ -8891,7 +10428,7 @@
                                           </p:stCondLst>
                                         </p:cTn>
                                         <p:tgtEl>
-                                          <p:spTgt spid="62"/>
+                                          <p:spTgt spid="2"/>
                                         </p:tgtEl>
                                         <p:attrNameLst>
                                           <p:attrName>style.visibility</p:attrName>
@@ -8901,11 +10438,57 @@
                                         <p:strVal val="visible"/>
                                       </p:to>
                                     </p:set>
+                                    <p:anim calcmode="lin" valueType="num">
+                                      <p:cBhvr>
+                                        <p:cTn id="76" dur="1000" fill="hold"/>
+                                        <p:tgtEl>
+                                          <p:spTgt spid="2"/>
+                                        </p:tgtEl>
+                                        <p:attrNameLst>
+                                          <p:attrName>ppt_w</p:attrName>
+                                        </p:attrNameLst>
+                                      </p:cBhvr>
+                                      <p:tavLst>
+                                        <p:tav tm="0">
+                                          <p:val>
+                                            <p:fltVal val="0"/>
+                                          </p:val>
+                                        </p:tav>
+                                        <p:tav tm="100000">
+                                          <p:val>
+                                            <p:strVal val="#ppt_w"/>
+                                          </p:val>
+                                        </p:tav>
+                                      </p:tavLst>
+                                    </p:anim>
+                                    <p:anim calcmode="lin" valueType="num">
+                                      <p:cBhvr>
+                                        <p:cTn id="77" dur="1000" fill="hold"/>
+                                        <p:tgtEl>
+                                          <p:spTgt spid="2"/>
+                                        </p:tgtEl>
+                                        <p:attrNameLst>
+                                          <p:attrName>ppt_h</p:attrName>
+                                        </p:attrNameLst>
+                                      </p:cBhvr>
+                                      <p:tavLst>
+                                        <p:tav tm="0">
+                                          <p:val>
+                                            <p:fltVal val="0"/>
+                                          </p:val>
+                                        </p:tav>
+                                        <p:tav tm="100000">
+                                          <p:val>
+                                            <p:strVal val="#ppt_h"/>
+                                          </p:val>
+                                        </p:tav>
+                                      </p:tavLst>
+                                    </p:anim>
                                     <p:animEffect transition="in" filter="fade">
                                       <p:cBhvr>
-                                        <p:cTn id="76" dur="250"/>
+                                        <p:cTn id="78" dur="1000"/>
                                         <p:tgtEl>
-                                          <p:spTgt spid="62"/>
+                                          <p:spTgt spid="2"/>
                                         </p:tgtEl>
                                       </p:cBhvr>
                                     </p:animEffect>
@@ -8940,23 +10523,23 @@
       </p:par>
     </p:tnLst>
     <p:bldLst>
-      <p:bldP spid="39" grpId="0"/>
-      <p:bldP spid="40" grpId="0"/>
-      <p:bldP spid="42" grpId="0"/>
-      <p:bldP spid="49" grpId="0"/>
-      <p:bldP spid="50" grpId="0"/>
-      <p:bldP spid="51" grpId="0"/>
-      <p:bldP spid="52" grpId="0"/>
-      <p:bldP spid="53" grpId="0"/>
-      <p:bldP spid="54" grpId="0"/>
-      <p:bldP spid="55" grpId="0"/>
-      <p:bldP spid="56" grpId="0"/>
-      <p:bldP spid="57" grpId="0"/>
-      <p:bldP spid="58" grpId="0"/>
-      <p:bldP spid="59" grpId="0"/>
-      <p:bldP spid="60" grpId="0"/>
-      <p:bldP spid="61" grpId="0"/>
-      <p:bldP spid="62" grpId="0"/>
+      <p:bldP spid="2" grpId="0"/>
+      <p:bldP spid="64" grpId="0"/>
+      <p:bldP spid="71" grpId="0"/>
+      <p:bldP spid="72" grpId="0"/>
+      <p:bldP spid="73" grpId="0"/>
+      <p:bldP spid="74" grpId="0"/>
+      <p:bldP spid="75" grpId="0"/>
+      <p:bldP spid="76" grpId="0"/>
+      <p:bldP spid="77" grpId="0"/>
+      <p:bldP spid="78" grpId="0"/>
+      <p:bldP spid="79" grpId="0"/>
+      <p:bldP spid="80" grpId="0"/>
+      <p:bldP spid="81" grpId="0"/>
+      <p:bldP spid="82" grpId="0"/>
+      <p:bldP spid="83" grpId="0"/>
+      <p:bldP spid="84" grpId="0"/>
+      <p:bldP spid="85" grpId="0"/>
     </p:bldLst>
   </p:timing>
 </p:sld>
@@ -9113,7 +10696,7 @@
           <a:lstStyle/>
           <a:p>
             <a:r>
-              <a:rPr lang="es-ES" dirty="0">
+              <a:rPr lang="es-ES">
                 <a:solidFill>
                   <a:srgbClr val="FFFFFF"/>
                 </a:solidFill>
@@ -9165,7 +10748,7 @@
               </a:spcAft>
             </a:pPr>
             <a:r>
-              <a:rPr lang="es-ES" sz="2000" dirty="0">
+              <a:rPr lang="es-ES" sz="2000">
                 <a:solidFill>
                   <a:srgbClr val="FFFFFF"/>
                 </a:solidFill>
@@ -9177,7 +10760,7 @@
               <a:t>Se desea realizar una base de datos para una empresa de parques infantiles (parque de bolas o</a:t>
             </a:r>
             <a:r>
-              <a:rPr lang="es-ES" sz="2000" spc="-235" dirty="0">
+              <a:rPr lang="es-ES" sz="2000" spc="-235">
                 <a:solidFill>
                   <a:srgbClr val="FFFFFF"/>
                 </a:solidFill>
@@ -9189,7 +10772,7 @@
               <a:t> </a:t>
             </a:r>
             <a:r>
-              <a:rPr lang="es-ES" sz="2000" dirty="0">
+              <a:rPr lang="es-ES" sz="2000">
                 <a:solidFill>
                   <a:srgbClr val="FFFFFF"/>
                 </a:solidFill>
@@ -9201,7 +10784,7 @@
               <a:t>similar). Normalmente estas empresas no tienen informatizadas las reservas, el acceso y las</a:t>
             </a:r>
             <a:r>
-              <a:rPr lang="es-ES" sz="2000" spc="5" dirty="0">
+              <a:rPr lang="es-ES" sz="2000" spc="5">
                 <a:solidFill>
                   <a:srgbClr val="FFFFFF"/>
                 </a:solidFill>
@@ -9213,7 +10796,7 @@
               <a:t> </a:t>
             </a:r>
             <a:r>
-              <a:rPr lang="es-ES" sz="2000" dirty="0">
+              <a:rPr lang="es-ES" sz="2000">
                 <a:solidFill>
                   <a:srgbClr val="FFFFFF"/>
                 </a:solidFill>
@@ -9225,7 +10808,7 @@
               <a:t>cuentas y funcionan con una simple hoja de datos. Nuestro objetivo en este proyecto, es realizar la</a:t>
             </a:r>
             <a:r>
-              <a:rPr lang="es-ES" sz="2000" spc="5" dirty="0">
+              <a:rPr lang="es-ES" sz="2000" spc="5">
                 <a:solidFill>
                   <a:srgbClr val="FFFFFF"/>
                 </a:solidFill>
@@ -9237,7 +10820,7 @@
               <a:t> </a:t>
             </a:r>
             <a:r>
-              <a:rPr lang="es-ES" sz="2000" dirty="0">
+              <a:rPr lang="es-ES" sz="2000">
                 <a:solidFill>
                   <a:srgbClr val="FFFFFF"/>
                 </a:solidFill>
@@ -9249,7 +10832,7 @@
               <a:t>informatización</a:t>
             </a:r>
             <a:r>
-              <a:rPr lang="es-ES" sz="2000" spc="-10" dirty="0">
+              <a:rPr lang="es-ES" sz="2000" spc="-10">
                 <a:solidFill>
                   <a:srgbClr val="FFFFFF"/>
                 </a:solidFill>
@@ -9261,7 +10844,7 @@
               <a:t> </a:t>
             </a:r>
             <a:r>
-              <a:rPr lang="es-ES" sz="2000" dirty="0">
+              <a:rPr lang="es-ES" sz="2000">
                 <a:solidFill>
                   <a:srgbClr val="FFFFFF"/>
                 </a:solidFill>
@@ -9273,7 +10856,7 @@
               <a:t>de</a:t>
             </a:r>
             <a:r>
-              <a:rPr lang="es-ES" sz="2000" spc="-10" dirty="0">
+              <a:rPr lang="es-ES" sz="2000" spc="-10">
                 <a:solidFill>
                   <a:srgbClr val="FFFFFF"/>
                 </a:solidFill>
@@ -9285,7 +10868,7 @@
               <a:t> </a:t>
             </a:r>
             <a:r>
-              <a:rPr lang="es-ES" sz="2000" dirty="0">
+              <a:rPr lang="es-ES" sz="2000">
                 <a:solidFill>
                   <a:srgbClr val="FFFFFF"/>
                 </a:solidFill>
@@ -9297,7 +10880,7 @@
               <a:t>este</a:t>
             </a:r>
             <a:r>
-              <a:rPr lang="es-ES" sz="2000" spc="-15" dirty="0">
+              <a:rPr lang="es-ES" sz="2000" spc="-15">
                 <a:solidFill>
                   <a:srgbClr val="FFFFFF"/>
                 </a:solidFill>
@@ -9309,7 +10892,7 @@
               <a:t> </a:t>
             </a:r>
             <a:r>
-              <a:rPr lang="es-ES" sz="2000" dirty="0">
+              <a:rPr lang="es-ES" sz="2000">
                 <a:solidFill>
                   <a:srgbClr val="FFFFFF"/>
                 </a:solidFill>
@@ -9321,7 +10904,7 @@
               <a:t>sistema</a:t>
             </a:r>
             <a:r>
-              <a:rPr lang="es-ES" sz="2000" spc="-20" dirty="0">
+              <a:rPr lang="es-ES" sz="2000" spc="-20">
                 <a:solidFill>
                   <a:srgbClr val="FFFFFF"/>
                 </a:solidFill>
@@ -9333,7 +10916,7 @@
               <a:t> </a:t>
             </a:r>
             <a:r>
-              <a:rPr lang="es-ES" sz="2000" dirty="0">
+              <a:rPr lang="es-ES" sz="2000">
                 <a:solidFill>
                   <a:srgbClr val="FFFFFF"/>
                 </a:solidFill>
@@ -9345,7 +10928,7 @@
               <a:t>para</a:t>
             </a:r>
             <a:r>
-              <a:rPr lang="es-ES" sz="2000" spc="-10" dirty="0">
+              <a:rPr lang="es-ES" sz="2000" spc="-10">
                 <a:solidFill>
                   <a:srgbClr val="FFFFFF"/>
                 </a:solidFill>
@@ -9357,7 +10940,7 @@
               <a:t> </a:t>
             </a:r>
             <a:r>
-              <a:rPr lang="es-ES" sz="2000" dirty="0">
+              <a:rPr lang="es-ES" sz="2000">
                 <a:solidFill>
                   <a:srgbClr val="FFFFFF"/>
                 </a:solidFill>
@@ -9369,7 +10952,7 @@
               <a:t>una</a:t>
             </a:r>
             <a:r>
-              <a:rPr lang="es-ES" sz="2000" spc="-5" dirty="0">
+              <a:rPr lang="es-ES" sz="2000" spc="-5">
                 <a:solidFill>
                   <a:srgbClr val="FFFFFF"/>
                 </a:solidFill>
@@ -9381,7 +10964,7 @@
               <a:t> </a:t>
             </a:r>
             <a:r>
-              <a:rPr lang="es-ES" sz="2000" dirty="0">
+              <a:rPr lang="es-ES" sz="2000">
                 <a:solidFill>
                   <a:srgbClr val="FFFFFF"/>
                 </a:solidFill>
@@ -9393,7 +10976,7 @@
               <a:t>sencilla</a:t>
             </a:r>
             <a:r>
-              <a:rPr lang="es-ES" sz="2000" spc="-15" dirty="0">
+              <a:rPr lang="es-ES" sz="2000" spc="-15">
                 <a:solidFill>
                   <a:srgbClr val="FFFFFF"/>
                 </a:solidFill>
@@ -9405,7 +10988,7 @@
               <a:t> </a:t>
             </a:r>
             <a:r>
-              <a:rPr lang="es-ES" sz="2000" dirty="0">
+              <a:rPr lang="es-ES" sz="2000">
                 <a:solidFill>
                   <a:srgbClr val="FFFFFF"/>
                 </a:solidFill>
@@ -9417,7 +11000,7 @@
               <a:t>utilización. En</a:t>
             </a:r>
             <a:r>
-              <a:rPr lang="es-ES" sz="2000" spc="-15" dirty="0">
+              <a:rPr lang="es-ES" sz="2000" spc="-15">
                 <a:solidFill>
                   <a:srgbClr val="FFFFFF"/>
                 </a:solidFill>
@@ -9429,7 +11012,7 @@
               <a:t> </a:t>
             </a:r>
             <a:r>
-              <a:rPr lang="es-ES" sz="2000" dirty="0">
+              <a:rPr lang="es-ES" sz="2000">
                 <a:solidFill>
                   <a:srgbClr val="FFFFFF"/>
                 </a:solidFill>
@@ -9441,7 +11024,7 @@
               <a:t>este</a:t>
             </a:r>
             <a:r>
-              <a:rPr lang="es-ES" sz="2000" spc="-5" dirty="0">
+              <a:rPr lang="es-ES" sz="2000" spc="-5">
                 <a:solidFill>
                   <a:srgbClr val="FFFFFF"/>
                 </a:solidFill>
@@ -9453,7 +11036,7 @@
               <a:t> </a:t>
             </a:r>
             <a:r>
-              <a:rPr lang="es-ES" sz="2000" dirty="0">
+              <a:rPr lang="es-ES" sz="2000">
                 <a:solidFill>
                   <a:srgbClr val="FFFFFF"/>
                 </a:solidFill>
@@ -9465,7 +11048,7 @@
               <a:t>caso</a:t>
             </a:r>
             <a:r>
-              <a:rPr lang="es-ES" sz="2000" spc="-10" dirty="0">
+              <a:rPr lang="es-ES" sz="2000" spc="-10">
                 <a:solidFill>
                   <a:srgbClr val="FFFFFF"/>
                 </a:solidFill>
@@ -9477,7 +11060,7 @@
               <a:t> </a:t>
             </a:r>
             <a:r>
-              <a:rPr lang="es-ES" sz="2000" dirty="0">
+              <a:rPr lang="es-ES" sz="2000">
                 <a:solidFill>
                   <a:srgbClr val="FFFFFF"/>
                 </a:solidFill>
@@ -9489,7 +11072,7 @@
               <a:t>formalizamos</a:t>
             </a:r>
             <a:r>
-              <a:rPr lang="es-ES" sz="2000" spc="-20" dirty="0">
+              <a:rPr lang="es-ES" sz="2000" spc="-20">
                 <a:solidFill>
                   <a:srgbClr val="FFFFFF"/>
                 </a:solidFill>
@@ -9501,7 +11084,7 @@
               <a:t> </a:t>
             </a:r>
             <a:r>
-              <a:rPr lang="es-ES" sz="2000" dirty="0">
+              <a:rPr lang="es-ES" sz="2000">
                 <a:solidFill>
                   <a:srgbClr val="FFFFFF"/>
                 </a:solidFill>
@@ -9513,7 +11096,7 @@
               <a:t>una base</a:t>
             </a:r>
             <a:r>
-              <a:rPr lang="es-ES" sz="2000" spc="-5" dirty="0">
+              <a:rPr lang="es-ES" sz="2000" spc="-5">
                 <a:solidFill>
                   <a:srgbClr val="FFFFFF"/>
                 </a:solidFill>
@@ -9525,7 +11108,7 @@
               <a:t> </a:t>
             </a:r>
             <a:r>
-              <a:rPr lang="es-ES" sz="2000" dirty="0">
+              <a:rPr lang="es-ES" sz="2000">
                 <a:solidFill>
                   <a:srgbClr val="FFFFFF"/>
                 </a:solidFill>
@@ -9537,7 +11120,7 @@
               <a:t>de</a:t>
             </a:r>
             <a:r>
-              <a:rPr lang="es-ES" sz="2000" spc="5" dirty="0">
+              <a:rPr lang="es-ES" sz="2000" spc="5">
                 <a:solidFill>
                   <a:srgbClr val="FFFFFF"/>
                 </a:solidFill>
@@ -9549,7 +11132,7 @@
               <a:t> </a:t>
             </a:r>
             <a:r>
-              <a:rPr lang="es-ES" sz="2000" dirty="0">
+              <a:rPr lang="es-ES" sz="2000">
                 <a:solidFill>
                   <a:srgbClr val="FFFFFF"/>
                 </a:solidFill>
@@ -9561,7 +11144,7 @@
               <a:t>datos</a:t>
             </a:r>
             <a:r>
-              <a:rPr lang="es-ES" sz="2000" spc="-15" dirty="0">
+              <a:rPr lang="es-ES" sz="2000" spc="-15">
                 <a:solidFill>
                   <a:srgbClr val="FFFFFF"/>
                 </a:solidFill>
@@ -9573,7 +11156,7 @@
               <a:t> </a:t>
             </a:r>
             <a:r>
-              <a:rPr lang="es-ES" sz="2000" dirty="0">
+              <a:rPr lang="es-ES" sz="2000">
                 <a:solidFill>
                   <a:srgbClr val="FFFFFF"/>
                 </a:solidFill>
@@ -9585,7 +11168,7 @@
               <a:t>basada</a:t>
             </a:r>
             <a:r>
-              <a:rPr lang="es-ES" sz="2000" spc="-15" dirty="0">
+              <a:rPr lang="es-ES" sz="2000" spc="-15">
                 <a:solidFill>
                   <a:srgbClr val="FFFFFF"/>
                 </a:solidFill>
@@ -9597,7 +11180,7 @@
               <a:t> </a:t>
             </a:r>
             <a:r>
-              <a:rPr lang="es-ES" sz="2000" dirty="0">
+              <a:rPr lang="es-ES" sz="2000">
                 <a:solidFill>
                   <a:srgbClr val="FFFFFF"/>
                 </a:solidFill>
@@ -9609,7 +11192,7 @@
               <a:t>en</a:t>
             </a:r>
             <a:r>
-              <a:rPr lang="es-ES" sz="2000" spc="-10" dirty="0">
+              <a:rPr lang="es-ES" sz="2000" spc="-10">
                 <a:solidFill>
                   <a:srgbClr val="FFFFFF"/>
                 </a:solidFill>
@@ -9621,7 +11204,7 @@
               <a:t> </a:t>
             </a:r>
             <a:r>
-              <a:rPr lang="es-ES" sz="2000" dirty="0">
+              <a:rPr lang="es-ES" sz="2000">
                 <a:solidFill>
                   <a:srgbClr val="FFFFFF"/>
                 </a:solidFill>
@@ -9633,7 +11216,7 @@
               <a:t>el</a:t>
             </a:r>
             <a:r>
-              <a:rPr lang="es-ES" sz="2000" spc="-20" dirty="0">
+              <a:rPr lang="es-ES" sz="2000" spc="-20">
                 <a:solidFill>
                   <a:srgbClr val="FFFFFF"/>
                 </a:solidFill>
@@ -9645,7 +11228,7 @@
               <a:t> </a:t>
             </a:r>
             <a:r>
-              <a:rPr lang="es-ES" sz="2000" dirty="0">
+              <a:rPr lang="es-ES" sz="2000">
                 <a:solidFill>
                   <a:srgbClr val="FFFFFF"/>
                 </a:solidFill>
@@ -9657,7 +11240,7 @@
               <a:t>modelo</a:t>
             </a:r>
             <a:r>
-              <a:rPr lang="es-ES" sz="2000" spc="-5" dirty="0">
+              <a:rPr lang="es-ES" sz="2000" spc="-5">
                 <a:solidFill>
                   <a:srgbClr val="FFFFFF"/>
                 </a:solidFill>
@@ -9669,7 +11252,7 @@
               <a:t> </a:t>
             </a:r>
             <a:r>
-              <a:rPr lang="es-ES" sz="2000" dirty="0">
+              <a:rPr lang="es-ES" sz="2000">
                 <a:solidFill>
                   <a:srgbClr val="FFFFFF"/>
                 </a:solidFill>
@@ -9681,7 +11264,7 @@
               <a:t>de</a:t>
             </a:r>
             <a:r>
-              <a:rPr lang="es-ES" sz="2000" spc="-5" dirty="0">
+              <a:rPr lang="es-ES" sz="2000" spc="-5">
                 <a:solidFill>
                   <a:srgbClr val="FFFFFF"/>
                 </a:solidFill>
@@ -9693,7 +11276,7 @@
               <a:t> </a:t>
             </a:r>
             <a:r>
-              <a:rPr lang="es-ES" sz="2000" dirty="0">
+              <a:rPr lang="es-ES" sz="2000">
                 <a:solidFill>
                   <a:srgbClr val="FFFFFF"/>
                 </a:solidFill>
@@ -9705,7 +11288,7 @@
               <a:t>negocio</a:t>
             </a:r>
             <a:r>
-              <a:rPr lang="es-ES" sz="2000" spc="-10" dirty="0">
+              <a:rPr lang="es-ES" sz="2000" spc="-10">
                 <a:solidFill>
                   <a:srgbClr val="FFFFFF"/>
                 </a:solidFill>
@@ -9717,7 +11300,7 @@
               <a:t> </a:t>
             </a:r>
             <a:r>
-              <a:rPr lang="es-ES" sz="2000" dirty="0">
+              <a:rPr lang="es-ES" sz="2000">
                 <a:solidFill>
                   <a:srgbClr val="FFFFFF"/>
                 </a:solidFill>
@@ -9729,7 +11312,7 @@
               <a:t>de</a:t>
             </a:r>
             <a:r>
-              <a:rPr lang="es-ES" sz="2000" spc="-5" dirty="0">
+              <a:rPr lang="es-ES" sz="2000" spc="-5">
                 <a:solidFill>
                   <a:srgbClr val="FFFFFF"/>
                 </a:solidFill>
@@ -9741,7 +11324,7 @@
               <a:t> </a:t>
             </a:r>
             <a:r>
-              <a:rPr lang="es-ES" sz="2000" dirty="0">
+              <a:rPr lang="es-ES" sz="2000">
                 <a:solidFill>
                   <a:srgbClr val="FFFFFF"/>
                 </a:solidFill>
@@ -9753,7 +11336,7 @@
               <a:t>“</a:t>
             </a:r>
             <a:r>
-              <a:rPr lang="es-ES" sz="2000" b="1" i="1" dirty="0" err="1">
+              <a:rPr lang="es-ES" sz="2000" b="1" i="1">
                 <a:solidFill>
                   <a:srgbClr val="FFFFFF"/>
                 </a:solidFill>
@@ -9765,7 +11348,7 @@
               <a:t>DragonVall</a:t>
             </a:r>
             <a:r>
-              <a:rPr lang="es-ES" sz="2000" i="1" dirty="0">
+              <a:rPr lang="es-ES" sz="2000" i="1">
                 <a:solidFill>
                   <a:srgbClr val="FFFFFF"/>
                 </a:solidFill>
@@ -9777,7 +11360,7 @@
               <a:t>”</a:t>
             </a:r>
             <a:r>
-              <a:rPr lang="es-ES" sz="2000" dirty="0">
+              <a:rPr lang="es-ES" sz="2000">
                 <a:solidFill>
                   <a:srgbClr val="FFFFFF"/>
                 </a:solidFill>
@@ -10229,6 +11812,14 @@
 <file path=ppt/slides/slide4.xml><?xml version="1.0" encoding="utf-8"?>
 <p:sld xmlns:a="http://schemas.openxmlformats.org/drawingml/2006/main" xmlns:r="http://schemas.openxmlformats.org/officeDocument/2006/relationships" xmlns:p="http://schemas.openxmlformats.org/presentationml/2006/main">
   <p:cSld>
+    <p:bg>
+      <p:bgPr>
+        <a:solidFill>
+          <a:schemeClr val="bg1"/>
+        </a:solidFill>
+        <a:effectLst/>
+      </p:bgPr>
+    </p:bg>
     <p:spTree>
       <p:nvGrpSpPr>
         <p:cNvPr id="1" name=""/>
@@ -10243,6 +11834,1620 @@
           <a:chExt cx="0" cy="0"/>
         </a:xfrm>
       </p:grpSpPr>
+      <p:sp useBgFill="1">
+        <p:nvSpPr>
+          <p:cNvPr id="29" name="Rectangle 20">
+            <a:extLst>
+              <a:ext uri="{FF2B5EF4-FFF2-40B4-BE49-F238E27FC236}">
+                <a16:creationId xmlns:a16="http://schemas.microsoft.com/office/drawing/2014/main" id="{131BAD53-4E89-4F62-BBB7-26359763ED39}"/>
+              </a:ext>
+              <a:ext uri="{C183D7F6-B498-43B3-948B-1728B52AA6E4}">
+                <adec:decorative xmlns:adec="http://schemas.microsoft.com/office/drawing/2017/decorative" val="1"/>
+              </a:ext>
+            </a:extLst>
+          </p:cNvPr>
+          <p:cNvSpPr>
+            <a:spLocks noGrp="1" noRot="1" noChangeAspect="1" noMove="1" noResize="1" noEditPoints="1" noAdjustHandles="1" noChangeArrowheads="1" noChangeShapeType="1" noTextEdit="1"/>
+          </p:cNvSpPr>
+          <p:nvPr>
+            <p:extLst>
+              <p:ext uri="{386F3935-93C4-4BCD-93E2-E3B085C9AB24}">
+                <p16:designElem xmlns:p16="http://schemas.microsoft.com/office/powerpoint/2015/main" val="1"/>
+              </p:ext>
+            </p:extLst>
+          </p:nvPr>
+        </p:nvSpPr>
+        <p:spPr>
+          <a:xfrm>
+            <a:off x="0" y="0"/>
+            <a:ext cx="12192000" cy="6858000"/>
+          </a:xfrm>
+          <a:prstGeom prst="rect">
+            <a:avLst/>
+          </a:prstGeom>
+          <a:ln w="12700" cap="flat" cmpd="sng" algn="ctr">
+            <a:noFill/>
+            <a:prstDash val="solid"/>
+            <a:miter lim="800000"/>
+          </a:ln>
+          <a:effectLst/>
+          <a:extLst>
+            <a:ext uri="{91240B29-F687-4F45-9708-019B960494DF}">
+              <a14:hiddenLine xmlns:a14="http://schemas.microsoft.com/office/drawing/2010/main" w="12700" cap="flat" cmpd="sng" algn="ctr">
+                <a:solidFill>
+                  <a:schemeClr val="accent1">
+                    <a:shade val="50000"/>
+                  </a:schemeClr>
+                </a:solidFill>
+                <a:prstDash val="solid"/>
+                <a:miter lim="800000"/>
+              </a14:hiddenLine>
+            </a:ext>
+          </a:extLst>
+        </p:spPr>
+        <p:style>
+          <a:lnRef idx="2">
+            <a:schemeClr val="accent1">
+              <a:shade val="50000"/>
+            </a:schemeClr>
+          </a:lnRef>
+          <a:fillRef idx="1">
+            <a:schemeClr val="accent1"/>
+          </a:fillRef>
+          <a:effectRef idx="0">
+            <a:schemeClr val="accent1"/>
+          </a:effectRef>
+          <a:fontRef idx="minor">
+            <a:schemeClr val="lt1"/>
+          </a:fontRef>
+        </p:style>
+        <p:txBody>
+          <a:bodyPr rtlCol="0" anchor="ctr"/>
+          <a:lstStyle/>
+          <a:p>
+            <a:pPr algn="ctr"/>
+            <a:endParaRPr lang="en-US"/>
+          </a:p>
+        </p:txBody>
+      </p:sp>
+      <p:sp>
+        <p:nvSpPr>
+          <p:cNvPr id="30" name="Freeform: Shape 22">
+            <a:extLst>
+              <a:ext uri="{FF2B5EF4-FFF2-40B4-BE49-F238E27FC236}">
+                <a16:creationId xmlns:a16="http://schemas.microsoft.com/office/drawing/2014/main" id="{62756DA2-40EB-4C6F-B962-5822FFB54FB6}"/>
+              </a:ext>
+              <a:ext uri="{C183D7F6-B498-43B3-948B-1728B52AA6E4}">
+                <adec:decorative xmlns:adec="http://schemas.microsoft.com/office/drawing/2017/decorative" val="1"/>
+              </a:ext>
+            </a:extLst>
+          </p:cNvPr>
+          <p:cNvSpPr>
+            <a:spLocks noGrp="1" noRot="1" noChangeAspect="1" noMove="1" noResize="1" noEditPoints="1" noAdjustHandles="1" noChangeArrowheads="1" noChangeShapeType="1" noTextEdit="1"/>
+          </p:cNvSpPr>
+          <p:nvPr>
+            <p:extLst>
+              <p:ext uri="{386F3935-93C4-4BCD-93E2-E3B085C9AB24}">
+                <p16:designElem xmlns:p16="http://schemas.microsoft.com/office/powerpoint/2015/main" val="1"/>
+              </p:ext>
+            </p:extLst>
+          </p:nvPr>
+        </p:nvSpPr>
+        <p:spPr>
+          <a:xfrm>
+            <a:off x="0" y="0"/>
+            <a:ext cx="5653438" cy="6858000"/>
+          </a:xfrm>
+          <a:custGeom>
+            <a:avLst/>
+            <a:gdLst>
+              <a:gd name="connsiteX0" fmla="*/ 0 w 6096000"/>
+              <a:gd name="connsiteY0" fmla="*/ 0 h 6858000"/>
+              <a:gd name="connsiteX1" fmla="*/ 5567517 w 6096000"/>
+              <a:gd name="connsiteY1" fmla="*/ 0 h 6858000"/>
+              <a:gd name="connsiteX2" fmla="*/ 5566938 w 6096000"/>
+              <a:gd name="connsiteY2" fmla="*/ 1705 h 6858000"/>
+              <a:gd name="connsiteX3" fmla="*/ 5551594 w 6096000"/>
+              <a:gd name="connsiteY3" fmla="*/ 17287 h 6858000"/>
+              <a:gd name="connsiteX4" fmla="*/ 5545641 w 6096000"/>
+              <a:gd name="connsiteY4" fmla="*/ 130336 h 6858000"/>
+              <a:gd name="connsiteX5" fmla="*/ 5538289 w 6096000"/>
+              <a:gd name="connsiteY5" fmla="*/ 187093 h 6858000"/>
+              <a:gd name="connsiteX6" fmla="*/ 5545790 w 6096000"/>
+              <a:gd name="connsiteY6" fmla="*/ 265704 h 6858000"/>
+              <a:gd name="connsiteX7" fmla="*/ 5542313 w 6096000"/>
+              <a:gd name="connsiteY7" fmla="*/ 354566 h 6858000"/>
+              <a:gd name="connsiteX8" fmla="*/ 5524126 w 6096000"/>
+              <a:gd name="connsiteY8" fmla="*/ 472000 h 6858000"/>
+              <a:gd name="connsiteX9" fmla="*/ 5522170 w 6096000"/>
+              <a:gd name="connsiteY9" fmla="*/ 473782 h 6858000"/>
+              <a:gd name="connsiteX10" fmla="*/ 5521798 w 6096000"/>
+              <a:gd name="connsiteY10" fmla="*/ 491380 h 6858000"/>
+              <a:gd name="connsiteX11" fmla="*/ 5536419 w 6096000"/>
+              <a:gd name="connsiteY11" fmla="*/ 531675 h 6858000"/>
+              <a:gd name="connsiteX12" fmla="*/ 5533435 w 6096000"/>
+              <a:gd name="connsiteY12" fmla="*/ 536015 h 6858000"/>
+              <a:gd name="connsiteX13" fmla="*/ 5538088 w 6096000"/>
+              <a:gd name="connsiteY13" fmla="*/ 572092 h 6858000"/>
+              <a:gd name="connsiteX14" fmla="*/ 5536061 w 6096000"/>
+              <a:gd name="connsiteY14" fmla="*/ 572511 h 6858000"/>
+              <a:gd name="connsiteX15" fmla="*/ 5528218 w 6096000"/>
+              <a:gd name="connsiteY15" fmla="*/ 582332 h 6858000"/>
+              <a:gd name="connsiteX16" fmla="*/ 5518011 w 6096000"/>
+              <a:gd name="connsiteY16" fmla="*/ 601285 h 6858000"/>
+              <a:gd name="connsiteX17" fmla="*/ 5473174 w 6096000"/>
+              <a:gd name="connsiteY17" fmla="*/ 681608 h 6858000"/>
+              <a:gd name="connsiteX18" fmla="*/ 5472963 w 6096000"/>
+              <a:gd name="connsiteY18" fmla="*/ 689151 h 6858000"/>
+              <a:gd name="connsiteX19" fmla="*/ 5472485 w 6096000"/>
+              <a:gd name="connsiteY19" fmla="*/ 689289 h 6858000"/>
+              <a:gd name="connsiteX20" fmla="*/ 5471326 w 6096000"/>
+              <a:gd name="connsiteY20" fmla="*/ 697222 h 6858000"/>
+              <a:gd name="connsiteX21" fmla="*/ 5472164 w 6096000"/>
+              <a:gd name="connsiteY21" fmla="*/ 717531 h 6858000"/>
+              <a:gd name="connsiteX22" fmla="*/ 5468891 w 6096000"/>
+              <a:gd name="connsiteY22" fmla="*/ 722494 h 6858000"/>
+              <a:gd name="connsiteX23" fmla="*/ 5463081 w 6096000"/>
+              <a:gd name="connsiteY23" fmla="*/ 724368 h 6858000"/>
+              <a:gd name="connsiteX24" fmla="*/ 5446981 w 6096000"/>
+              <a:gd name="connsiteY24" fmla="*/ 752692 h 6858000"/>
+              <a:gd name="connsiteX25" fmla="*/ 5417190 w 6096000"/>
+              <a:gd name="connsiteY25" fmla="*/ 816346 h 6858000"/>
+              <a:gd name="connsiteX26" fmla="*/ 5388958 w 6096000"/>
+              <a:gd name="connsiteY26" fmla="*/ 889417 h 6858000"/>
+              <a:gd name="connsiteX27" fmla="*/ 5307044 w 6096000"/>
+              <a:gd name="connsiteY27" fmla="*/ 1063288 h 6858000"/>
+              <a:gd name="connsiteX28" fmla="*/ 5303837 w 6096000"/>
+              <a:gd name="connsiteY28" fmla="*/ 1157176 h 6858000"/>
+              <a:gd name="connsiteX29" fmla="*/ 5286494 w 6096000"/>
+              <a:gd name="connsiteY29" fmla="*/ 1210776 h 6858000"/>
+              <a:gd name="connsiteX30" fmla="*/ 5282463 w 6096000"/>
+              <a:gd name="connsiteY30" fmla="*/ 1301993 h 6858000"/>
+              <a:gd name="connsiteX31" fmla="*/ 5252235 w 6096000"/>
+              <a:gd name="connsiteY31" fmla="*/ 1360879 h 6858000"/>
+              <a:gd name="connsiteX32" fmla="*/ 5244497 w 6096000"/>
+              <a:gd name="connsiteY32" fmla="*/ 1404045 h 6858000"/>
+              <a:gd name="connsiteX33" fmla="*/ 5223823 w 6096000"/>
+              <a:gd name="connsiteY33" fmla="*/ 1429568 h 6858000"/>
+              <a:gd name="connsiteX34" fmla="*/ 5224851 w 6096000"/>
+              <a:gd name="connsiteY34" fmla="*/ 1430305 h 6858000"/>
+              <a:gd name="connsiteX35" fmla="*/ 5212394 w 6096000"/>
+              <a:gd name="connsiteY35" fmla="*/ 1463304 h 6858000"/>
+              <a:gd name="connsiteX36" fmla="*/ 5209958 w 6096000"/>
+              <a:gd name="connsiteY36" fmla="*/ 1514846 h 6858000"/>
+              <a:gd name="connsiteX37" fmla="*/ 5206417 w 6096000"/>
+              <a:gd name="connsiteY37" fmla="*/ 1519731 h 6858000"/>
+              <a:gd name="connsiteX38" fmla="*/ 5206640 w 6096000"/>
+              <a:gd name="connsiteY38" fmla="*/ 1519929 h 6858000"/>
+              <a:gd name="connsiteX39" fmla="*/ 5207632 w 6096000"/>
+              <a:gd name="connsiteY39" fmla="*/ 1546022 h 6858000"/>
+              <a:gd name="connsiteX40" fmla="*/ 5212030 w 6096000"/>
+              <a:gd name="connsiteY40" fmla="*/ 1578752 h 6858000"/>
+              <a:gd name="connsiteX41" fmla="*/ 5203533 w 6096000"/>
+              <a:gd name="connsiteY41" fmla="*/ 1647555 h 6858000"/>
+              <a:gd name="connsiteX42" fmla="*/ 5190877 w 6096000"/>
+              <a:gd name="connsiteY42" fmla="*/ 1715685 h 6858000"/>
+              <a:gd name="connsiteX43" fmla="*/ 5184235 w 6096000"/>
+              <a:gd name="connsiteY43" fmla="*/ 1740358 h 6858000"/>
+              <a:gd name="connsiteX44" fmla="*/ 5181475 w 6096000"/>
+              <a:gd name="connsiteY44" fmla="*/ 1784314 h 6858000"/>
+              <a:gd name="connsiteX45" fmla="*/ 5185845 w 6096000"/>
+              <a:gd name="connsiteY45" fmla="*/ 1804434 h 6858000"/>
+              <a:gd name="connsiteX46" fmla="*/ 5185068 w 6096000"/>
+              <a:gd name="connsiteY46" fmla="*/ 1805316 h 6858000"/>
+              <a:gd name="connsiteX47" fmla="*/ 5188593 w 6096000"/>
+              <a:gd name="connsiteY47" fmla="*/ 1807109 h 6858000"/>
+              <a:gd name="connsiteX48" fmla="*/ 5185920 w 6096000"/>
+              <a:gd name="connsiteY48" fmla="*/ 1821003 h 6858000"/>
+              <a:gd name="connsiteX49" fmla="*/ 5183543 w 6096000"/>
+              <a:gd name="connsiteY49" fmla="*/ 1824832 h 6858000"/>
+              <a:gd name="connsiteX50" fmla="*/ 5182235 w 6096000"/>
+              <a:gd name="connsiteY50" fmla="*/ 1830429 h 6858000"/>
+              <a:gd name="connsiteX51" fmla="*/ 5182525 w 6096000"/>
+              <a:gd name="connsiteY51" fmla="*/ 1830569 h 6858000"/>
+              <a:gd name="connsiteX52" fmla="*/ 5180663 w 6096000"/>
+              <a:gd name="connsiteY52" fmla="*/ 1835810 h 6858000"/>
+              <a:gd name="connsiteX53" fmla="*/ 5167452 w 6096000"/>
+              <a:gd name="connsiteY53" fmla="*/ 1861483 h 6858000"/>
+              <a:gd name="connsiteX54" fmla="*/ 5174266 w 6096000"/>
+              <a:gd name="connsiteY54" fmla="*/ 1892417 h 6858000"/>
+              <a:gd name="connsiteX55" fmla="*/ 5189262 w 6096000"/>
+              <a:gd name="connsiteY55" fmla="*/ 1895114 h 6858000"/>
+              <a:gd name="connsiteX56" fmla="*/ 5187100 w 6096000"/>
+              <a:gd name="connsiteY56" fmla="*/ 1899379 h 6858000"/>
+              <a:gd name="connsiteX57" fmla="*/ 5180471 w 6096000"/>
+              <a:gd name="connsiteY57" fmla="*/ 1907867 h 6858000"/>
+              <a:gd name="connsiteX58" fmla="*/ 5181361 w 6096000"/>
+              <a:gd name="connsiteY58" fmla="*/ 1910265 h 6858000"/>
+              <a:gd name="connsiteX59" fmla="*/ 5178268 w 6096000"/>
+              <a:gd name="connsiteY59" fmla="*/ 1935584 h 6858000"/>
+              <a:gd name="connsiteX60" fmla="*/ 5183619 w 6096000"/>
+              <a:gd name="connsiteY60" fmla="*/ 1942021 h 6858000"/>
+              <a:gd name="connsiteX61" fmla="*/ 5184480 w 6096000"/>
+              <a:gd name="connsiteY61" fmla="*/ 1945112 h 6858000"/>
+              <a:gd name="connsiteX62" fmla="*/ 5172776 w 6096000"/>
+              <a:gd name="connsiteY62" fmla="*/ 1961162 h 6858000"/>
+              <a:gd name="connsiteX63" fmla="*/ 5168513 w 6096000"/>
+              <a:gd name="connsiteY63" fmla="*/ 1969445 h 6858000"/>
+              <a:gd name="connsiteX64" fmla="*/ 5126597 w 6096000"/>
+              <a:gd name="connsiteY64" fmla="*/ 2024270 h 6858000"/>
+              <a:gd name="connsiteX65" fmla="*/ 5119528 w 6096000"/>
+              <a:gd name="connsiteY65" fmla="*/ 2107942 h 6858000"/>
+              <a:gd name="connsiteX66" fmla="*/ 5110356 w 6096000"/>
+              <a:gd name="connsiteY66" fmla="*/ 2193455 h 6858000"/>
+              <a:gd name="connsiteX67" fmla="*/ 5104992 w 6096000"/>
+              <a:gd name="connsiteY67" fmla="*/ 2260088 h 6858000"/>
+              <a:gd name="connsiteX68" fmla="*/ 5059439 w 6096000"/>
+              <a:gd name="connsiteY68" fmla="*/ 2335735 h 6858000"/>
+              <a:gd name="connsiteX69" fmla="*/ 5022061 w 6096000"/>
+              <a:gd name="connsiteY69" fmla="*/ 2408995 h 6858000"/>
+              <a:gd name="connsiteX70" fmla="*/ 5022253 w 6096000"/>
+              <a:gd name="connsiteY70" fmla="*/ 2445869 h 6858000"/>
+              <a:gd name="connsiteX71" fmla="*/ 5011426 w 6096000"/>
+              <a:gd name="connsiteY71" fmla="*/ 2496499 h 6858000"/>
+              <a:gd name="connsiteX72" fmla="*/ 4994224 w 6096000"/>
+              <a:gd name="connsiteY72" fmla="*/ 2549900 h 6858000"/>
+              <a:gd name="connsiteX73" fmla="*/ 4995245 w 6096000"/>
+              <a:gd name="connsiteY73" fmla="*/ 2596456 h 6858000"/>
+              <a:gd name="connsiteX74" fmla="*/ 4988570 w 6096000"/>
+              <a:gd name="connsiteY74" fmla="*/ 2606088 h 6858000"/>
+              <a:gd name="connsiteX75" fmla="*/ 4988371 w 6096000"/>
+              <a:gd name="connsiteY75" fmla="*/ 2635351 h 6858000"/>
+              <a:gd name="connsiteX76" fmla="*/ 4983212 w 6096000"/>
+              <a:gd name="connsiteY76" fmla="*/ 2665666 h 6858000"/>
+              <a:gd name="connsiteX77" fmla="*/ 4968234 w 6096000"/>
+              <a:gd name="connsiteY77" fmla="*/ 2715895 h 6858000"/>
+              <a:gd name="connsiteX78" fmla="*/ 4975888 w 6096000"/>
+              <a:gd name="connsiteY78" fmla="*/ 2725052 h 6858000"/>
+              <a:gd name="connsiteX79" fmla="*/ 4980195 w 6096000"/>
+              <a:gd name="connsiteY79" fmla="*/ 2726489 h 6858000"/>
+              <a:gd name="connsiteX80" fmla="*/ 4976218 w 6096000"/>
+              <a:gd name="connsiteY80" fmla="*/ 2740278 h 6858000"/>
+              <a:gd name="connsiteX81" fmla="*/ 4980571 w 6096000"/>
+              <a:gd name="connsiteY81" fmla="*/ 2751112 h 6858000"/>
+              <a:gd name="connsiteX82" fmla="*/ 4973893 w 6096000"/>
+              <a:gd name="connsiteY82" fmla="*/ 2760208 h 6858000"/>
+              <a:gd name="connsiteX83" fmla="*/ 4979005 w 6096000"/>
+              <a:gd name="connsiteY83" fmla="*/ 2790136 h 6858000"/>
+              <a:gd name="connsiteX84" fmla="*/ 4986137 w 6096000"/>
+              <a:gd name="connsiteY84" fmla="*/ 2804183 h 6858000"/>
+              <a:gd name="connsiteX85" fmla="*/ 4986175 w 6096000"/>
+              <a:gd name="connsiteY85" fmla="*/ 2825860 h 6858000"/>
+              <a:gd name="connsiteX86" fmla="*/ 4993936 w 6096000"/>
+              <a:gd name="connsiteY86" fmla="*/ 2911749 h 6858000"/>
+              <a:gd name="connsiteX87" fmla="*/ 4992563 w 6096000"/>
+              <a:gd name="connsiteY87" fmla="*/ 2977278 h 6858000"/>
+              <a:gd name="connsiteX88" fmla="*/ 4980516 w 6096000"/>
+              <a:gd name="connsiteY88" fmla="*/ 2991092 h 6858000"/>
+              <a:gd name="connsiteX89" fmla="*/ 4992801 w 6096000"/>
+              <a:gd name="connsiteY89" fmla="*/ 3020247 h 6858000"/>
+              <a:gd name="connsiteX90" fmla="*/ 5014805 w 6096000"/>
+              <a:gd name="connsiteY90" fmla="*/ 3065434 h 6858000"/>
+              <a:gd name="connsiteX91" fmla="*/ 5002733 w 6096000"/>
+              <a:gd name="connsiteY91" fmla="*/ 3103777 h 6858000"/>
+              <a:gd name="connsiteX92" fmla="*/ 5002941 w 6096000"/>
+              <a:gd name="connsiteY92" fmla="*/ 3151828 h 6858000"/>
+              <a:gd name="connsiteX93" fmla="*/ 5002883 w 6096000"/>
+              <a:gd name="connsiteY93" fmla="*/ 3180546 h 6858000"/>
+              <a:gd name="connsiteX94" fmla="*/ 5016711 w 6096000"/>
+              <a:gd name="connsiteY94" fmla="*/ 3258677 h 6858000"/>
+              <a:gd name="connsiteX95" fmla="*/ 5017918 w 6096000"/>
+              <a:gd name="connsiteY95" fmla="*/ 3262610 h 6858000"/>
+              <a:gd name="connsiteX96" fmla="*/ 5011672 w 6096000"/>
+              <a:gd name="connsiteY96" fmla="*/ 3277179 h 6858000"/>
+              <a:gd name="connsiteX97" fmla="*/ 5009344 w 6096000"/>
+              <a:gd name="connsiteY97" fmla="*/ 3278130 h 6858000"/>
+              <a:gd name="connsiteX98" fmla="*/ 5026770 w 6096000"/>
+              <a:gd name="connsiteY98" fmla="*/ 3325671 h 6858000"/>
+              <a:gd name="connsiteX99" fmla="*/ 5024571 w 6096000"/>
+              <a:gd name="connsiteY99" fmla="*/ 3332072 h 6858000"/>
+              <a:gd name="connsiteX100" fmla="*/ 5041705 w 6096000"/>
+              <a:gd name="connsiteY100" fmla="*/ 3362948 h 6858000"/>
+              <a:gd name="connsiteX101" fmla="*/ 5047477 w 6096000"/>
+              <a:gd name="connsiteY101" fmla="*/ 3378959 h 6858000"/>
+              <a:gd name="connsiteX102" fmla="*/ 5060758 w 6096000"/>
+              <a:gd name="connsiteY102" fmla="*/ 3407057 h 6858000"/>
+              <a:gd name="connsiteX103" fmla="*/ 5058968 w 6096000"/>
+              <a:gd name="connsiteY103" fmla="*/ 3409825 h 6858000"/>
+              <a:gd name="connsiteX104" fmla="*/ 5062667 w 6096000"/>
+              <a:gd name="connsiteY104" fmla="*/ 3415218 h 6858000"/>
+              <a:gd name="connsiteX105" fmla="*/ 5060928 w 6096000"/>
+              <a:gd name="connsiteY105" fmla="*/ 3419880 h 6858000"/>
+              <a:gd name="connsiteX106" fmla="*/ 5062923 w 6096000"/>
+              <a:gd name="connsiteY106" fmla="*/ 3424545 h 6858000"/>
+              <a:gd name="connsiteX107" fmla="*/ 5064623 w 6096000"/>
+              <a:gd name="connsiteY107" fmla="*/ 3476412 h 6858000"/>
+              <a:gd name="connsiteX108" fmla="*/ 5069684 w 6096000"/>
+              <a:gd name="connsiteY108" fmla="*/ 3486850 h 6858000"/>
+              <a:gd name="connsiteX109" fmla="*/ 5063339 w 6096000"/>
+              <a:gd name="connsiteY109" fmla="*/ 3496391 h 6858000"/>
+              <a:gd name="connsiteX110" fmla="*/ 5070139 w 6096000"/>
+              <a:gd name="connsiteY110" fmla="*/ 3531201 h 6858000"/>
+              <a:gd name="connsiteX111" fmla="*/ 5079896 w 6096000"/>
+              <a:gd name="connsiteY111" fmla="*/ 3542019 h 6858000"/>
+              <a:gd name="connsiteX112" fmla="*/ 5087540 w 6096000"/>
+              <a:gd name="connsiteY112" fmla="*/ 3552249 h 6858000"/>
+              <a:gd name="connsiteX113" fmla="*/ 5087902 w 6096000"/>
+              <a:gd name="connsiteY113" fmla="*/ 3553678 h 6858000"/>
+              <a:gd name="connsiteX114" fmla="*/ 5091509 w 6096000"/>
+              <a:gd name="connsiteY114" fmla="*/ 3568021 h 6858000"/>
+              <a:gd name="connsiteX115" fmla="*/ 5091934 w 6096000"/>
+              <a:gd name="connsiteY115" fmla="*/ 3569719 h 6858000"/>
+              <a:gd name="connsiteX116" fmla="*/ 5089362 w 6096000"/>
+              <a:gd name="connsiteY116" fmla="*/ 3586412 h 6858000"/>
+              <a:gd name="connsiteX117" fmla="*/ 5092358 w 6096000"/>
+              <a:gd name="connsiteY117" fmla="*/ 3597336 h 6858000"/>
+              <a:gd name="connsiteX118" fmla="*/ 5084254 w 6096000"/>
+              <a:gd name="connsiteY118" fmla="*/ 3606007 h 6858000"/>
+              <a:gd name="connsiteX119" fmla="*/ 5084281 w 6096000"/>
+              <a:gd name="connsiteY119" fmla="*/ 3641228 h 6858000"/>
+              <a:gd name="connsiteX120" fmla="*/ 5091848 w 6096000"/>
+              <a:gd name="connsiteY120" fmla="*/ 3653088 h 6858000"/>
+              <a:gd name="connsiteX121" fmla="*/ 5097436 w 6096000"/>
+              <a:gd name="connsiteY121" fmla="*/ 3664114 h 6858000"/>
+              <a:gd name="connsiteX122" fmla="*/ 5097518 w 6096000"/>
+              <a:gd name="connsiteY122" fmla="*/ 3665569 h 6858000"/>
+              <a:gd name="connsiteX123" fmla="*/ 5099829 w 6096000"/>
+              <a:gd name="connsiteY123" fmla="*/ 3707357 h 6858000"/>
+              <a:gd name="connsiteX124" fmla="*/ 5114696 w 6096000"/>
+              <a:gd name="connsiteY124" fmla="*/ 3778166 h 6858000"/>
+              <a:gd name="connsiteX125" fmla="*/ 5135379 w 6096000"/>
+              <a:gd name="connsiteY125" fmla="*/ 3878222 h 6858000"/>
+              <a:gd name="connsiteX126" fmla="*/ 5130138 w 6096000"/>
+              <a:gd name="connsiteY126" fmla="*/ 4048117 h 6858000"/>
+              <a:gd name="connsiteX127" fmla="*/ 5090040 w 6096000"/>
+              <a:gd name="connsiteY127" fmla="*/ 4219510 h 6858000"/>
+              <a:gd name="connsiteX128" fmla="*/ 5092812 w 6096000"/>
+              <a:gd name="connsiteY128" fmla="*/ 4411258 h 6858000"/>
+              <a:gd name="connsiteX129" fmla="*/ 5084599 w 6096000"/>
+              <a:gd name="connsiteY129" fmla="*/ 4488531 h 6858000"/>
+              <a:gd name="connsiteX130" fmla="*/ 5084072 w 6096000"/>
+              <a:gd name="connsiteY130" fmla="*/ 4539168 h 6858000"/>
+              <a:gd name="connsiteX131" fmla="*/ 5068936 w 6096000"/>
+              <a:gd name="connsiteY131" fmla="*/ 4625153 h 6858000"/>
+              <a:gd name="connsiteX132" fmla="*/ 5059114 w 6096000"/>
+              <a:gd name="connsiteY132" fmla="*/ 4733115 h 6858000"/>
+              <a:gd name="connsiteX133" fmla="*/ 5037209 w 6096000"/>
+              <a:gd name="connsiteY133" fmla="*/ 4844323 h 6858000"/>
+              <a:gd name="connsiteX134" fmla="*/ 5020638 w 6096000"/>
+              <a:gd name="connsiteY134" fmla="*/ 4877992 h 6858000"/>
+              <a:gd name="connsiteX135" fmla="*/ 5006413 w 6096000"/>
+              <a:gd name="connsiteY135" fmla="*/ 4925805 h 6858000"/>
+              <a:gd name="connsiteX136" fmla="*/ 4971037 w 6096000"/>
+              <a:gd name="connsiteY136" fmla="*/ 5009272 h 6858000"/>
+              <a:gd name="connsiteX137" fmla="*/ 4963105 w 6096000"/>
+              <a:gd name="connsiteY137" fmla="*/ 5111369 h 6858000"/>
+              <a:gd name="connsiteX138" fmla="*/ 4976341 w 6096000"/>
+              <a:gd name="connsiteY138" fmla="*/ 5210876 h 6858000"/>
+              <a:gd name="connsiteX139" fmla="*/ 4980617 w 6096000"/>
+              <a:gd name="connsiteY139" fmla="*/ 5269726 h 6858000"/>
+              <a:gd name="connsiteX140" fmla="*/ 4997733 w 6096000"/>
+              <a:gd name="connsiteY140" fmla="*/ 5464225 h 6858000"/>
+              <a:gd name="connsiteX141" fmla="*/ 5001400 w 6096000"/>
+              <a:gd name="connsiteY141" fmla="*/ 5594585 h 6858000"/>
+              <a:gd name="connsiteX142" fmla="*/ 4983700 w 6096000"/>
+              <a:gd name="connsiteY142" fmla="*/ 5667896 h 6858000"/>
+              <a:gd name="connsiteX143" fmla="*/ 4968506 w 6096000"/>
+              <a:gd name="connsiteY143" fmla="*/ 5769225 h 6858000"/>
+              <a:gd name="connsiteX144" fmla="*/ 4969765 w 6096000"/>
+              <a:gd name="connsiteY144" fmla="*/ 5823324 h 6858000"/>
+              <a:gd name="connsiteX145" fmla="*/ 4966129 w 6096000"/>
+              <a:gd name="connsiteY145" fmla="*/ 5862699 h 6858000"/>
+              <a:gd name="connsiteX146" fmla="*/ 4970695 w 6096000"/>
+              <a:gd name="connsiteY146" fmla="*/ 5906467 h 6858000"/>
+              <a:gd name="connsiteX147" fmla="*/ 4991568 w 6096000"/>
+              <a:gd name="connsiteY147" fmla="*/ 5939847 h 6858000"/>
+              <a:gd name="connsiteX148" fmla="*/ 4986815 w 6096000"/>
+              <a:gd name="connsiteY148" fmla="*/ 5973994 h 6858000"/>
+              <a:gd name="connsiteX149" fmla="*/ 4987776 w 6096000"/>
+              <a:gd name="connsiteY149" fmla="*/ 6089693 h 6858000"/>
+              <a:gd name="connsiteX150" fmla="*/ 4991621 w 6096000"/>
+              <a:gd name="connsiteY150" fmla="*/ 6224938 h 6858000"/>
+              <a:gd name="connsiteX151" fmla="*/ 5017157 w 6096000"/>
+              <a:gd name="connsiteY151" fmla="*/ 6370251 h 6858000"/>
+              <a:gd name="connsiteX152" fmla="*/ 5040797 w 6096000"/>
+              <a:gd name="connsiteY152" fmla="*/ 6541313 h 6858000"/>
+              <a:gd name="connsiteX153" fmla="*/ 5045375 w 6096000"/>
+              <a:gd name="connsiteY153" fmla="*/ 6640957 h 6858000"/>
+              <a:gd name="connsiteX154" fmla="*/ 5058442 w 6096000"/>
+              <a:gd name="connsiteY154" fmla="*/ 6705297 h 6858000"/>
+              <a:gd name="connsiteX155" fmla="*/ 5071125 w 6096000"/>
+              <a:gd name="connsiteY155" fmla="*/ 6759582 h 6858000"/>
+              <a:gd name="connsiteX156" fmla="*/ 5069172 w 6096000"/>
+              <a:gd name="connsiteY156" fmla="*/ 6817746 h 6858000"/>
+              <a:gd name="connsiteX157" fmla="*/ 5072322 w 6096000"/>
+              <a:gd name="connsiteY157" fmla="*/ 6843646 h 6858000"/>
+              <a:gd name="connsiteX158" fmla="*/ 5091388 w 6096000"/>
+              <a:gd name="connsiteY158" fmla="*/ 6857998 h 6858000"/>
+              <a:gd name="connsiteX159" fmla="*/ 6096000 w 6096000"/>
+              <a:gd name="connsiteY159" fmla="*/ 6857998 h 6858000"/>
+              <a:gd name="connsiteX160" fmla="*/ 6096000 w 6096000"/>
+              <a:gd name="connsiteY160" fmla="*/ 6858000 h 6858000"/>
+              <a:gd name="connsiteX161" fmla="*/ 0 w 6096000"/>
+              <a:gd name="connsiteY161" fmla="*/ 6858000 h 6858000"/>
+            </a:gdLst>
+            <a:ahLst/>
+            <a:cxnLst>
+              <a:cxn ang="0">
+                <a:pos x="connsiteX0" y="connsiteY0"/>
+              </a:cxn>
+              <a:cxn ang="0">
+                <a:pos x="connsiteX1" y="connsiteY1"/>
+              </a:cxn>
+              <a:cxn ang="0">
+                <a:pos x="connsiteX2" y="connsiteY2"/>
+              </a:cxn>
+              <a:cxn ang="0">
+                <a:pos x="connsiteX3" y="connsiteY3"/>
+              </a:cxn>
+              <a:cxn ang="0">
+                <a:pos x="connsiteX4" y="connsiteY4"/>
+              </a:cxn>
+              <a:cxn ang="0">
+                <a:pos x="connsiteX5" y="connsiteY5"/>
+              </a:cxn>
+              <a:cxn ang="0">
+                <a:pos x="connsiteX6" y="connsiteY6"/>
+              </a:cxn>
+              <a:cxn ang="0">
+                <a:pos x="connsiteX7" y="connsiteY7"/>
+              </a:cxn>
+              <a:cxn ang="0">
+                <a:pos x="connsiteX8" y="connsiteY8"/>
+              </a:cxn>
+              <a:cxn ang="0">
+                <a:pos x="connsiteX9" y="connsiteY9"/>
+              </a:cxn>
+              <a:cxn ang="0">
+                <a:pos x="connsiteX10" y="connsiteY10"/>
+              </a:cxn>
+              <a:cxn ang="0">
+                <a:pos x="connsiteX11" y="connsiteY11"/>
+              </a:cxn>
+              <a:cxn ang="0">
+                <a:pos x="connsiteX12" y="connsiteY12"/>
+              </a:cxn>
+              <a:cxn ang="0">
+                <a:pos x="connsiteX13" y="connsiteY13"/>
+              </a:cxn>
+              <a:cxn ang="0">
+                <a:pos x="connsiteX14" y="connsiteY14"/>
+              </a:cxn>
+              <a:cxn ang="0">
+                <a:pos x="connsiteX15" y="connsiteY15"/>
+              </a:cxn>
+              <a:cxn ang="0">
+                <a:pos x="connsiteX16" y="connsiteY16"/>
+              </a:cxn>
+              <a:cxn ang="0">
+                <a:pos x="connsiteX17" y="connsiteY17"/>
+              </a:cxn>
+              <a:cxn ang="0">
+                <a:pos x="connsiteX18" y="connsiteY18"/>
+              </a:cxn>
+              <a:cxn ang="0">
+                <a:pos x="connsiteX19" y="connsiteY19"/>
+              </a:cxn>
+              <a:cxn ang="0">
+                <a:pos x="connsiteX20" y="connsiteY20"/>
+              </a:cxn>
+              <a:cxn ang="0">
+                <a:pos x="connsiteX21" y="connsiteY21"/>
+              </a:cxn>
+              <a:cxn ang="0">
+                <a:pos x="connsiteX22" y="connsiteY22"/>
+              </a:cxn>
+              <a:cxn ang="0">
+                <a:pos x="connsiteX23" y="connsiteY23"/>
+              </a:cxn>
+              <a:cxn ang="0">
+                <a:pos x="connsiteX24" y="connsiteY24"/>
+              </a:cxn>
+              <a:cxn ang="0">
+                <a:pos x="connsiteX25" y="connsiteY25"/>
+              </a:cxn>
+              <a:cxn ang="0">
+                <a:pos x="connsiteX26" y="connsiteY26"/>
+              </a:cxn>
+              <a:cxn ang="0">
+                <a:pos x="connsiteX27" y="connsiteY27"/>
+              </a:cxn>
+              <a:cxn ang="0">
+                <a:pos x="connsiteX28" y="connsiteY28"/>
+              </a:cxn>
+              <a:cxn ang="0">
+                <a:pos x="connsiteX29" y="connsiteY29"/>
+              </a:cxn>
+              <a:cxn ang="0">
+                <a:pos x="connsiteX30" y="connsiteY30"/>
+              </a:cxn>
+              <a:cxn ang="0">
+                <a:pos x="connsiteX31" y="connsiteY31"/>
+              </a:cxn>
+              <a:cxn ang="0">
+                <a:pos x="connsiteX32" y="connsiteY32"/>
+              </a:cxn>
+              <a:cxn ang="0">
+                <a:pos x="connsiteX33" y="connsiteY33"/>
+              </a:cxn>
+              <a:cxn ang="0">
+                <a:pos x="connsiteX34" y="connsiteY34"/>
+              </a:cxn>
+              <a:cxn ang="0">
+                <a:pos x="connsiteX35" y="connsiteY35"/>
+              </a:cxn>
+              <a:cxn ang="0">
+                <a:pos x="connsiteX36" y="connsiteY36"/>
+              </a:cxn>
+              <a:cxn ang="0">
+                <a:pos x="connsiteX37" y="connsiteY37"/>
+              </a:cxn>
+              <a:cxn ang="0">
+                <a:pos x="connsiteX38" y="connsiteY38"/>
+              </a:cxn>
+              <a:cxn ang="0">
+                <a:pos x="connsiteX39" y="connsiteY39"/>
+              </a:cxn>
+              <a:cxn ang="0">
+                <a:pos x="connsiteX40" y="connsiteY40"/>
+              </a:cxn>
+              <a:cxn ang="0">
+                <a:pos x="connsiteX41" y="connsiteY41"/>
+              </a:cxn>
+              <a:cxn ang="0">
+                <a:pos x="connsiteX42" y="connsiteY42"/>
+              </a:cxn>
+              <a:cxn ang="0">
+                <a:pos x="connsiteX43" y="connsiteY43"/>
+              </a:cxn>
+              <a:cxn ang="0">
+                <a:pos x="connsiteX44" y="connsiteY44"/>
+              </a:cxn>
+              <a:cxn ang="0">
+                <a:pos x="connsiteX45" y="connsiteY45"/>
+              </a:cxn>
+              <a:cxn ang="0">
+                <a:pos x="connsiteX46" y="connsiteY46"/>
+              </a:cxn>
+              <a:cxn ang="0">
+                <a:pos x="connsiteX47" y="connsiteY47"/>
+              </a:cxn>
+              <a:cxn ang="0">
+                <a:pos x="connsiteX48" y="connsiteY48"/>
+              </a:cxn>
+              <a:cxn ang="0">
+                <a:pos x="connsiteX49" y="connsiteY49"/>
+              </a:cxn>
+              <a:cxn ang="0">
+                <a:pos x="connsiteX50" y="connsiteY50"/>
+              </a:cxn>
+              <a:cxn ang="0">
+                <a:pos x="connsiteX51" y="connsiteY51"/>
+              </a:cxn>
+              <a:cxn ang="0">
+                <a:pos x="connsiteX52" y="connsiteY52"/>
+              </a:cxn>
+              <a:cxn ang="0">
+                <a:pos x="connsiteX53" y="connsiteY53"/>
+              </a:cxn>
+              <a:cxn ang="0">
+                <a:pos x="connsiteX54" y="connsiteY54"/>
+              </a:cxn>
+              <a:cxn ang="0">
+                <a:pos x="connsiteX55" y="connsiteY55"/>
+              </a:cxn>
+              <a:cxn ang="0">
+                <a:pos x="connsiteX56" y="connsiteY56"/>
+              </a:cxn>
+              <a:cxn ang="0">
+                <a:pos x="connsiteX57" y="connsiteY57"/>
+              </a:cxn>
+              <a:cxn ang="0">
+                <a:pos x="connsiteX58" y="connsiteY58"/>
+              </a:cxn>
+              <a:cxn ang="0">
+                <a:pos x="connsiteX59" y="connsiteY59"/>
+              </a:cxn>
+              <a:cxn ang="0">
+                <a:pos x="connsiteX60" y="connsiteY60"/>
+              </a:cxn>
+              <a:cxn ang="0">
+                <a:pos x="connsiteX61" y="connsiteY61"/>
+              </a:cxn>
+              <a:cxn ang="0">
+                <a:pos x="connsiteX62" y="connsiteY62"/>
+              </a:cxn>
+              <a:cxn ang="0">
+                <a:pos x="connsiteX63" y="connsiteY63"/>
+              </a:cxn>
+              <a:cxn ang="0">
+                <a:pos x="connsiteX64" y="connsiteY64"/>
+              </a:cxn>
+              <a:cxn ang="0">
+                <a:pos x="connsiteX65" y="connsiteY65"/>
+              </a:cxn>
+              <a:cxn ang="0">
+                <a:pos x="connsiteX66" y="connsiteY66"/>
+              </a:cxn>
+              <a:cxn ang="0">
+                <a:pos x="connsiteX67" y="connsiteY67"/>
+              </a:cxn>
+              <a:cxn ang="0">
+                <a:pos x="connsiteX68" y="connsiteY68"/>
+              </a:cxn>
+              <a:cxn ang="0">
+                <a:pos x="connsiteX69" y="connsiteY69"/>
+              </a:cxn>
+              <a:cxn ang="0">
+                <a:pos x="connsiteX70" y="connsiteY70"/>
+              </a:cxn>
+              <a:cxn ang="0">
+                <a:pos x="connsiteX71" y="connsiteY71"/>
+              </a:cxn>
+              <a:cxn ang="0">
+                <a:pos x="connsiteX72" y="connsiteY72"/>
+              </a:cxn>
+              <a:cxn ang="0">
+                <a:pos x="connsiteX73" y="connsiteY73"/>
+              </a:cxn>
+              <a:cxn ang="0">
+                <a:pos x="connsiteX74" y="connsiteY74"/>
+              </a:cxn>
+              <a:cxn ang="0">
+                <a:pos x="connsiteX75" y="connsiteY75"/>
+              </a:cxn>
+              <a:cxn ang="0">
+                <a:pos x="connsiteX76" y="connsiteY76"/>
+              </a:cxn>
+              <a:cxn ang="0">
+                <a:pos x="connsiteX77" y="connsiteY77"/>
+              </a:cxn>
+              <a:cxn ang="0">
+                <a:pos x="connsiteX78" y="connsiteY78"/>
+              </a:cxn>
+              <a:cxn ang="0">
+                <a:pos x="connsiteX79" y="connsiteY79"/>
+              </a:cxn>
+              <a:cxn ang="0">
+                <a:pos x="connsiteX80" y="connsiteY80"/>
+              </a:cxn>
+              <a:cxn ang="0">
+                <a:pos x="connsiteX81" y="connsiteY81"/>
+              </a:cxn>
+              <a:cxn ang="0">
+                <a:pos x="connsiteX82" y="connsiteY82"/>
+              </a:cxn>
+              <a:cxn ang="0">
+                <a:pos x="connsiteX83" y="connsiteY83"/>
+              </a:cxn>
+              <a:cxn ang="0">
+                <a:pos x="connsiteX84" y="connsiteY84"/>
+              </a:cxn>
+              <a:cxn ang="0">
+                <a:pos x="connsiteX85" y="connsiteY85"/>
+              </a:cxn>
+              <a:cxn ang="0">
+                <a:pos x="connsiteX86" y="connsiteY86"/>
+              </a:cxn>
+              <a:cxn ang="0">
+                <a:pos x="connsiteX87" y="connsiteY87"/>
+              </a:cxn>
+              <a:cxn ang="0">
+                <a:pos x="connsiteX88" y="connsiteY88"/>
+              </a:cxn>
+              <a:cxn ang="0">
+                <a:pos x="connsiteX89" y="connsiteY89"/>
+              </a:cxn>
+              <a:cxn ang="0">
+                <a:pos x="connsiteX90" y="connsiteY90"/>
+              </a:cxn>
+              <a:cxn ang="0">
+                <a:pos x="connsiteX91" y="connsiteY91"/>
+              </a:cxn>
+              <a:cxn ang="0">
+                <a:pos x="connsiteX92" y="connsiteY92"/>
+              </a:cxn>
+              <a:cxn ang="0">
+                <a:pos x="connsiteX93" y="connsiteY93"/>
+              </a:cxn>
+              <a:cxn ang="0">
+                <a:pos x="connsiteX94" y="connsiteY94"/>
+              </a:cxn>
+              <a:cxn ang="0">
+                <a:pos x="connsiteX95" y="connsiteY95"/>
+              </a:cxn>
+              <a:cxn ang="0">
+                <a:pos x="connsiteX96" y="connsiteY96"/>
+              </a:cxn>
+              <a:cxn ang="0">
+                <a:pos x="connsiteX97" y="connsiteY97"/>
+              </a:cxn>
+              <a:cxn ang="0">
+                <a:pos x="connsiteX98" y="connsiteY98"/>
+              </a:cxn>
+              <a:cxn ang="0">
+                <a:pos x="connsiteX99" y="connsiteY99"/>
+              </a:cxn>
+              <a:cxn ang="0">
+                <a:pos x="connsiteX100" y="connsiteY100"/>
+              </a:cxn>
+              <a:cxn ang="0">
+                <a:pos x="connsiteX101" y="connsiteY101"/>
+              </a:cxn>
+              <a:cxn ang="0">
+                <a:pos x="connsiteX102" y="connsiteY102"/>
+              </a:cxn>
+              <a:cxn ang="0">
+                <a:pos x="connsiteX103" y="connsiteY103"/>
+              </a:cxn>
+              <a:cxn ang="0">
+                <a:pos x="connsiteX104" y="connsiteY104"/>
+              </a:cxn>
+              <a:cxn ang="0">
+                <a:pos x="connsiteX105" y="connsiteY105"/>
+              </a:cxn>
+              <a:cxn ang="0">
+                <a:pos x="connsiteX106" y="connsiteY106"/>
+              </a:cxn>
+              <a:cxn ang="0">
+                <a:pos x="connsiteX107" y="connsiteY107"/>
+              </a:cxn>
+              <a:cxn ang="0">
+                <a:pos x="connsiteX108" y="connsiteY108"/>
+              </a:cxn>
+              <a:cxn ang="0">
+                <a:pos x="connsiteX109" y="connsiteY109"/>
+              </a:cxn>
+              <a:cxn ang="0">
+                <a:pos x="connsiteX110" y="connsiteY110"/>
+              </a:cxn>
+              <a:cxn ang="0">
+                <a:pos x="connsiteX111" y="connsiteY111"/>
+              </a:cxn>
+              <a:cxn ang="0">
+                <a:pos x="connsiteX112" y="connsiteY112"/>
+              </a:cxn>
+              <a:cxn ang="0">
+                <a:pos x="connsiteX113" y="connsiteY113"/>
+              </a:cxn>
+              <a:cxn ang="0">
+                <a:pos x="connsiteX114" y="connsiteY114"/>
+              </a:cxn>
+              <a:cxn ang="0">
+                <a:pos x="connsiteX115" y="connsiteY115"/>
+              </a:cxn>
+              <a:cxn ang="0">
+                <a:pos x="connsiteX116" y="connsiteY116"/>
+              </a:cxn>
+              <a:cxn ang="0">
+                <a:pos x="connsiteX117" y="connsiteY117"/>
+              </a:cxn>
+              <a:cxn ang="0">
+                <a:pos x="connsiteX118" y="connsiteY118"/>
+              </a:cxn>
+              <a:cxn ang="0">
+                <a:pos x="connsiteX119" y="connsiteY119"/>
+              </a:cxn>
+              <a:cxn ang="0">
+                <a:pos x="connsiteX120" y="connsiteY120"/>
+              </a:cxn>
+              <a:cxn ang="0">
+                <a:pos x="connsiteX121" y="connsiteY121"/>
+              </a:cxn>
+              <a:cxn ang="0">
+                <a:pos x="connsiteX122" y="connsiteY122"/>
+              </a:cxn>
+              <a:cxn ang="0">
+                <a:pos x="connsiteX123" y="connsiteY123"/>
+              </a:cxn>
+              <a:cxn ang="0">
+                <a:pos x="connsiteX124" y="connsiteY124"/>
+              </a:cxn>
+              <a:cxn ang="0">
+                <a:pos x="connsiteX125" y="connsiteY125"/>
+              </a:cxn>
+              <a:cxn ang="0">
+                <a:pos x="connsiteX126" y="connsiteY126"/>
+              </a:cxn>
+              <a:cxn ang="0">
+                <a:pos x="connsiteX127" y="connsiteY127"/>
+              </a:cxn>
+              <a:cxn ang="0">
+                <a:pos x="connsiteX128" y="connsiteY128"/>
+              </a:cxn>
+              <a:cxn ang="0">
+                <a:pos x="connsiteX129" y="connsiteY129"/>
+              </a:cxn>
+              <a:cxn ang="0">
+                <a:pos x="connsiteX130" y="connsiteY130"/>
+              </a:cxn>
+              <a:cxn ang="0">
+                <a:pos x="connsiteX131" y="connsiteY131"/>
+              </a:cxn>
+              <a:cxn ang="0">
+                <a:pos x="connsiteX132" y="connsiteY132"/>
+              </a:cxn>
+              <a:cxn ang="0">
+                <a:pos x="connsiteX133" y="connsiteY133"/>
+              </a:cxn>
+              <a:cxn ang="0">
+                <a:pos x="connsiteX134" y="connsiteY134"/>
+              </a:cxn>
+              <a:cxn ang="0">
+                <a:pos x="connsiteX135" y="connsiteY135"/>
+              </a:cxn>
+              <a:cxn ang="0">
+                <a:pos x="connsiteX136" y="connsiteY136"/>
+              </a:cxn>
+              <a:cxn ang="0">
+                <a:pos x="connsiteX137" y="connsiteY137"/>
+              </a:cxn>
+              <a:cxn ang="0">
+                <a:pos x="connsiteX138" y="connsiteY138"/>
+              </a:cxn>
+              <a:cxn ang="0">
+                <a:pos x="connsiteX139" y="connsiteY139"/>
+              </a:cxn>
+              <a:cxn ang="0">
+                <a:pos x="connsiteX140" y="connsiteY140"/>
+              </a:cxn>
+              <a:cxn ang="0">
+                <a:pos x="connsiteX141" y="connsiteY141"/>
+              </a:cxn>
+              <a:cxn ang="0">
+                <a:pos x="connsiteX142" y="connsiteY142"/>
+              </a:cxn>
+              <a:cxn ang="0">
+                <a:pos x="connsiteX143" y="connsiteY143"/>
+              </a:cxn>
+              <a:cxn ang="0">
+                <a:pos x="connsiteX144" y="connsiteY144"/>
+              </a:cxn>
+              <a:cxn ang="0">
+                <a:pos x="connsiteX145" y="connsiteY145"/>
+              </a:cxn>
+              <a:cxn ang="0">
+                <a:pos x="connsiteX146" y="connsiteY146"/>
+              </a:cxn>
+              <a:cxn ang="0">
+                <a:pos x="connsiteX147" y="connsiteY147"/>
+              </a:cxn>
+              <a:cxn ang="0">
+                <a:pos x="connsiteX148" y="connsiteY148"/>
+              </a:cxn>
+              <a:cxn ang="0">
+                <a:pos x="connsiteX149" y="connsiteY149"/>
+              </a:cxn>
+              <a:cxn ang="0">
+                <a:pos x="connsiteX150" y="connsiteY150"/>
+              </a:cxn>
+              <a:cxn ang="0">
+                <a:pos x="connsiteX151" y="connsiteY151"/>
+              </a:cxn>
+              <a:cxn ang="0">
+                <a:pos x="connsiteX152" y="connsiteY152"/>
+              </a:cxn>
+              <a:cxn ang="0">
+                <a:pos x="connsiteX153" y="connsiteY153"/>
+              </a:cxn>
+              <a:cxn ang="0">
+                <a:pos x="connsiteX154" y="connsiteY154"/>
+              </a:cxn>
+              <a:cxn ang="0">
+                <a:pos x="connsiteX155" y="connsiteY155"/>
+              </a:cxn>
+              <a:cxn ang="0">
+                <a:pos x="connsiteX156" y="connsiteY156"/>
+              </a:cxn>
+              <a:cxn ang="0">
+                <a:pos x="connsiteX157" y="connsiteY157"/>
+              </a:cxn>
+              <a:cxn ang="0">
+                <a:pos x="connsiteX158" y="connsiteY158"/>
+              </a:cxn>
+              <a:cxn ang="0">
+                <a:pos x="connsiteX159" y="connsiteY159"/>
+              </a:cxn>
+              <a:cxn ang="0">
+                <a:pos x="connsiteX160" y="connsiteY160"/>
+              </a:cxn>
+              <a:cxn ang="0">
+                <a:pos x="connsiteX161" y="connsiteY161"/>
+              </a:cxn>
+            </a:cxnLst>
+            <a:rect l="l" t="t" r="r" b="b"/>
+            <a:pathLst>
+              <a:path w="6096000" h="6858000">
+                <a:moveTo>
+                  <a:pt x="0" y="0"/>
+                </a:moveTo>
+                <a:lnTo>
+                  <a:pt x="5567517" y="0"/>
+                </a:lnTo>
+                <a:lnTo>
+                  <a:pt x="5566938" y="1705"/>
+                </a:lnTo>
+                <a:cubicBezTo>
+                  <a:pt x="5563126" y="8440"/>
+                  <a:pt x="5558112" y="13784"/>
+                  <a:pt x="5551594" y="17287"/>
+                </a:cubicBezTo>
+                <a:cubicBezTo>
+                  <a:pt x="5562364" y="82036"/>
+                  <a:pt x="5510349" y="69804"/>
+                  <a:pt x="5545641" y="130336"/>
+                </a:cubicBezTo>
+                <a:cubicBezTo>
+                  <a:pt x="5526953" y="117589"/>
+                  <a:pt x="5536978" y="162458"/>
+                  <a:pt x="5538289" y="187093"/>
+                </a:cubicBezTo>
+                <a:cubicBezTo>
+                  <a:pt x="5536205" y="226511"/>
+                  <a:pt x="5545722" y="205530"/>
+                  <a:pt x="5545790" y="265704"/>
+                </a:cubicBezTo>
+                <a:cubicBezTo>
+                  <a:pt x="5542296" y="317533"/>
+                  <a:pt x="5543813" y="325288"/>
+                  <a:pt x="5542313" y="354566"/>
+                </a:cubicBezTo>
+                <a:lnTo>
+                  <a:pt x="5524126" y="472000"/>
+                </a:lnTo>
+                <a:lnTo>
+                  <a:pt x="5522170" y="473782"/>
+                </a:lnTo>
+                <a:cubicBezTo>
+                  <a:pt x="5517847" y="482008"/>
+                  <a:pt x="5518682" y="487340"/>
+                  <a:pt x="5521798" y="491380"/>
+                </a:cubicBezTo>
+                <a:lnTo>
+                  <a:pt x="5536419" y="531675"/>
+                </a:lnTo>
+                <a:lnTo>
+                  <a:pt x="5533435" y="536015"/>
+                </a:lnTo>
+                <a:lnTo>
+                  <a:pt x="5538088" y="572092"/>
+                </a:lnTo>
+                <a:lnTo>
+                  <a:pt x="5536061" y="572511"/>
+                </a:lnTo>
+                <a:cubicBezTo>
+                  <a:pt x="5531611" y="574271"/>
+                  <a:pt x="5528529" y="577121"/>
+                  <a:pt x="5528218" y="582332"/>
+                </a:cubicBezTo>
+                <a:cubicBezTo>
+                  <a:pt x="5498002" y="573171"/>
+                  <a:pt x="5516262" y="585107"/>
+                  <a:pt x="5518011" y="601285"/>
+                </a:cubicBezTo>
+                <a:cubicBezTo>
+                  <a:pt x="5508838" y="617831"/>
+                  <a:pt x="5480684" y="666964"/>
+                  <a:pt x="5473174" y="681608"/>
+                </a:cubicBezTo>
+                <a:cubicBezTo>
+                  <a:pt x="5473102" y="684122"/>
+                  <a:pt x="5473033" y="686637"/>
+                  <a:pt x="5472963" y="689151"/>
+                </a:cubicBezTo>
+                <a:lnTo>
+                  <a:pt x="5472485" y="689289"/>
+                </a:lnTo>
+                <a:cubicBezTo>
+                  <a:pt x="5471434" y="690905"/>
+                  <a:pt x="5470986" y="693376"/>
+                  <a:pt x="5471326" y="697222"/>
+                </a:cubicBezTo>
+                <a:cubicBezTo>
+                  <a:pt x="5471606" y="703992"/>
+                  <a:pt x="5471884" y="710761"/>
+                  <a:pt x="5472164" y="717531"/>
+                </a:cubicBezTo>
+                <a:lnTo>
+                  <a:pt x="5468891" y="722494"/>
+                </a:lnTo>
+                <a:lnTo>
+                  <a:pt x="5463081" y="724368"/>
+                </a:lnTo>
+                <a:lnTo>
+                  <a:pt x="5446981" y="752692"/>
+                </a:lnTo>
+                <a:cubicBezTo>
+                  <a:pt x="5454691" y="764380"/>
+                  <a:pt x="5422719" y="808083"/>
+                  <a:pt x="5417190" y="816346"/>
+                </a:cubicBezTo>
+                <a:lnTo>
+                  <a:pt x="5388958" y="889417"/>
+                </a:lnTo>
+                <a:cubicBezTo>
+                  <a:pt x="5320491" y="969963"/>
+                  <a:pt x="5321907" y="1005331"/>
+                  <a:pt x="5307044" y="1063288"/>
+                </a:cubicBezTo>
+                <a:cubicBezTo>
+                  <a:pt x="5313332" y="1111028"/>
+                  <a:pt x="5317096" y="1110140"/>
+                  <a:pt x="5303837" y="1157176"/>
+                </a:cubicBezTo>
+                <a:cubicBezTo>
+                  <a:pt x="5301103" y="1192124"/>
+                  <a:pt x="5301884" y="1197232"/>
+                  <a:pt x="5286494" y="1210776"/>
+                </a:cubicBezTo>
+                <a:lnTo>
+                  <a:pt x="5282463" y="1301993"/>
+                </a:lnTo>
+                <a:lnTo>
+                  <a:pt x="5252235" y="1360879"/>
+                </a:lnTo>
+                <a:lnTo>
+                  <a:pt x="5244497" y="1404045"/>
+                </a:lnTo>
+                <a:lnTo>
+                  <a:pt x="5223823" y="1429568"/>
+                </a:lnTo>
+                <a:lnTo>
+                  <a:pt x="5224851" y="1430305"/>
+                </a:lnTo>
+                <a:cubicBezTo>
+                  <a:pt x="5226697" y="1432466"/>
+                  <a:pt x="5214738" y="1459891"/>
+                  <a:pt x="5212394" y="1463304"/>
+                </a:cubicBezTo>
+                <a:cubicBezTo>
+                  <a:pt x="5209912" y="1477394"/>
+                  <a:pt x="5213027" y="1501295"/>
+                  <a:pt x="5209958" y="1514846"/>
+                </a:cubicBezTo>
+                <a:lnTo>
+                  <a:pt x="5206417" y="1519731"/>
+                </a:lnTo>
+                <a:lnTo>
+                  <a:pt x="5206640" y="1519929"/>
+                </a:lnTo>
+                <a:cubicBezTo>
+                  <a:pt x="5206490" y="1521210"/>
+                  <a:pt x="5209710" y="1543635"/>
+                  <a:pt x="5207632" y="1546022"/>
+                </a:cubicBezTo>
+                <a:lnTo>
+                  <a:pt x="5212030" y="1578752"/>
+                </a:lnTo>
+                <a:cubicBezTo>
+                  <a:pt x="5206147" y="1605585"/>
+                  <a:pt x="5226381" y="1622803"/>
+                  <a:pt x="5203533" y="1647555"/>
+                </a:cubicBezTo>
+                <a:cubicBezTo>
+                  <a:pt x="5198128" y="1672675"/>
+                  <a:pt x="5203213" y="1694404"/>
+                  <a:pt x="5190877" y="1715685"/>
+                </a:cubicBezTo>
+                <a:cubicBezTo>
+                  <a:pt x="5196815" y="1724301"/>
+                  <a:pt x="5198098" y="1732435"/>
+                  <a:pt x="5184235" y="1740358"/>
+                </a:cubicBezTo>
+                <a:cubicBezTo>
+                  <a:pt x="5182625" y="1763793"/>
+                  <a:pt x="5198368" y="1769422"/>
+                  <a:pt x="5181475" y="1784314"/>
+                </a:cubicBezTo>
+                <a:cubicBezTo>
+                  <a:pt x="5205987" y="1797417"/>
+                  <a:pt x="5195246" y="1798221"/>
+                  <a:pt x="5185845" y="1804434"/>
+                </a:cubicBezTo>
+                <a:lnTo>
+                  <a:pt x="5185068" y="1805316"/>
+                </a:lnTo>
+                <a:lnTo>
+                  <a:pt x="5188593" y="1807109"/>
+                </a:lnTo>
+                <a:lnTo>
+                  <a:pt x="5185920" y="1821003"/>
+                </a:lnTo>
+                <a:lnTo>
+                  <a:pt x="5183543" y="1824832"/>
+                </a:lnTo>
+                <a:cubicBezTo>
+                  <a:pt x="5182284" y="1827468"/>
+                  <a:pt x="5181937" y="1829219"/>
+                  <a:pt x="5182235" y="1830429"/>
+                </a:cubicBezTo>
+                <a:lnTo>
+                  <a:pt x="5182525" y="1830569"/>
+                </a:lnTo>
+                <a:lnTo>
+                  <a:pt x="5180663" y="1835810"/>
+                </a:lnTo>
+                <a:cubicBezTo>
+                  <a:pt x="5176779" y="1844665"/>
+                  <a:pt x="5172297" y="1853278"/>
+                  <a:pt x="5167452" y="1861483"/>
+                </a:cubicBezTo>
+                <a:cubicBezTo>
+                  <a:pt x="5179827" y="1866643"/>
+                  <a:pt x="5166788" y="1884999"/>
+                  <a:pt x="5174266" y="1892417"/>
+                </a:cubicBezTo>
+                <a:lnTo>
+                  <a:pt x="5189262" y="1895114"/>
+                </a:lnTo>
+                <a:lnTo>
+                  <a:pt x="5187100" y="1899379"/>
+                </a:lnTo>
+                <a:lnTo>
+                  <a:pt x="5180471" y="1907867"/>
+                </a:lnTo>
+                <a:cubicBezTo>
+                  <a:pt x="5179609" y="1909162"/>
+                  <a:pt x="5179647" y="1909994"/>
+                  <a:pt x="5181361" y="1910265"/>
+                </a:cubicBezTo>
+                <a:cubicBezTo>
+                  <a:pt x="5180995" y="1914884"/>
+                  <a:pt x="5177893" y="1930292"/>
+                  <a:pt x="5178268" y="1935584"/>
+                </a:cubicBezTo>
+                <a:lnTo>
+                  <a:pt x="5183619" y="1942021"/>
+                </a:lnTo>
+                <a:lnTo>
+                  <a:pt x="5184480" y="1945112"/>
+                </a:lnTo>
+                <a:lnTo>
+                  <a:pt x="5172776" y="1961162"/>
+                </a:lnTo>
+                <a:lnTo>
+                  <a:pt x="5168513" y="1969445"/>
+                </a:lnTo>
+                <a:lnTo>
+                  <a:pt x="5126597" y="2024270"/>
+                </a:lnTo>
+                <a:lnTo>
+                  <a:pt x="5119528" y="2107942"/>
+                </a:lnTo>
+                <a:cubicBezTo>
+                  <a:pt x="5089290" y="2138038"/>
+                  <a:pt x="5110415" y="2159228"/>
+                  <a:pt x="5110356" y="2193455"/>
+                </a:cubicBezTo>
+                <a:cubicBezTo>
+                  <a:pt x="5101302" y="2220953"/>
+                  <a:pt x="5110381" y="2224200"/>
+                  <a:pt x="5104992" y="2260088"/>
+                </a:cubicBezTo>
+                <a:cubicBezTo>
+                  <a:pt x="5096504" y="2291744"/>
+                  <a:pt x="5078225" y="2299003"/>
+                  <a:pt x="5059439" y="2335735"/>
+                </a:cubicBezTo>
+                <a:cubicBezTo>
+                  <a:pt x="5029465" y="2329020"/>
+                  <a:pt x="5058046" y="2407546"/>
+                  <a:pt x="5022061" y="2408995"/>
+                </a:cubicBezTo>
+                <a:cubicBezTo>
+                  <a:pt x="5023289" y="2413465"/>
+                  <a:pt x="5019654" y="2441580"/>
+                  <a:pt x="5022253" y="2445869"/>
+                </a:cubicBezTo>
+                <a:cubicBezTo>
+                  <a:pt x="5022440" y="2449625"/>
+                  <a:pt x="5011241" y="2492743"/>
+                  <a:pt x="5011426" y="2496499"/>
+                </a:cubicBezTo>
+                <a:lnTo>
+                  <a:pt x="4994224" y="2549900"/>
+                </a:lnTo>
+                <a:cubicBezTo>
+                  <a:pt x="4992353" y="2564757"/>
+                  <a:pt x="4998952" y="2582253"/>
+                  <a:pt x="4995245" y="2596456"/>
+                </a:cubicBezTo>
+                <a:lnTo>
+                  <a:pt x="4988570" y="2606088"/>
+                </a:lnTo>
+                <a:cubicBezTo>
+                  <a:pt x="4988504" y="2615842"/>
+                  <a:pt x="4988436" y="2625597"/>
+                  <a:pt x="4988371" y="2635351"/>
+                </a:cubicBezTo>
+                <a:lnTo>
+                  <a:pt x="4983212" y="2665666"/>
+                </a:lnTo>
+                <a:lnTo>
+                  <a:pt x="4968234" y="2715895"/>
+                </a:lnTo>
+                <a:lnTo>
+                  <a:pt x="4975888" y="2725052"/>
+                </a:lnTo>
+                <a:lnTo>
+                  <a:pt x="4980195" y="2726489"/>
+                </a:lnTo>
+                <a:lnTo>
+                  <a:pt x="4976218" y="2740278"/>
+                </a:lnTo>
+                <a:lnTo>
+                  <a:pt x="4980571" y="2751112"/>
+                </a:lnTo>
+                <a:lnTo>
+                  <a:pt x="4973893" y="2760208"/>
+                </a:lnTo>
+                <a:lnTo>
+                  <a:pt x="4979005" y="2790136"/>
+                </a:lnTo>
+                <a:lnTo>
+                  <a:pt x="4986137" y="2804183"/>
+                </a:lnTo>
+                <a:cubicBezTo>
+                  <a:pt x="4986150" y="2811409"/>
+                  <a:pt x="4986162" y="2818634"/>
+                  <a:pt x="4986175" y="2825860"/>
+                </a:cubicBezTo>
+                <a:cubicBezTo>
+                  <a:pt x="4987474" y="2843788"/>
+                  <a:pt x="4992871" y="2886513"/>
+                  <a:pt x="4993936" y="2911749"/>
+                </a:cubicBezTo>
+                <a:cubicBezTo>
+                  <a:pt x="4993313" y="2946689"/>
+                  <a:pt x="4980300" y="2954448"/>
+                  <a:pt x="4992563" y="2977278"/>
+                </a:cubicBezTo>
+                <a:cubicBezTo>
+                  <a:pt x="4985688" y="2983455"/>
+                  <a:pt x="4982051" y="2987749"/>
+                  <a:pt x="4980516" y="2991092"/>
+                </a:cubicBezTo>
+                <a:cubicBezTo>
+                  <a:pt x="4975910" y="3001119"/>
+                  <a:pt x="4990216" y="3002537"/>
+                  <a:pt x="4992801" y="3020247"/>
+                </a:cubicBezTo>
+                <a:cubicBezTo>
+                  <a:pt x="4998517" y="3032637"/>
+                  <a:pt x="5013148" y="3051512"/>
+                  <a:pt x="5014805" y="3065434"/>
+                </a:cubicBezTo>
+                <a:cubicBezTo>
+                  <a:pt x="4998836" y="3057428"/>
+                  <a:pt x="5016840" y="3105196"/>
+                  <a:pt x="5002733" y="3103777"/>
+                </a:cubicBezTo>
+                <a:cubicBezTo>
+                  <a:pt x="5022381" y="3124610"/>
+                  <a:pt x="4997365" y="3128169"/>
+                  <a:pt x="5002941" y="3151828"/>
+                </a:cubicBezTo>
+                <a:cubicBezTo>
+                  <a:pt x="5010264" y="3163902"/>
+                  <a:pt x="5011356" y="3171780"/>
+                  <a:pt x="5002883" y="3180546"/>
+                </a:cubicBezTo>
+                <a:cubicBezTo>
+                  <a:pt x="5038586" y="3236545"/>
+                  <a:pt x="5003723" y="3210316"/>
+                  <a:pt x="5016711" y="3258677"/>
+                </a:cubicBezTo>
+                <a:lnTo>
+                  <a:pt x="5017918" y="3262610"/>
+                </a:lnTo>
+                <a:lnTo>
+                  <a:pt x="5011672" y="3277179"/>
+                </a:lnTo>
+                <a:lnTo>
+                  <a:pt x="5009344" y="3278130"/>
+                </a:lnTo>
+                <a:lnTo>
+                  <a:pt x="5026770" y="3325671"/>
+                </a:lnTo>
+                <a:lnTo>
+                  <a:pt x="5024571" y="3332072"/>
+                </a:lnTo>
+                <a:lnTo>
+                  <a:pt x="5041705" y="3362948"/>
+                </a:lnTo>
+                <a:lnTo>
+                  <a:pt x="5047477" y="3378959"/>
+                </a:lnTo>
+                <a:lnTo>
+                  <a:pt x="5060758" y="3407057"/>
+                </a:lnTo>
+                <a:lnTo>
+                  <a:pt x="5058968" y="3409825"/>
+                </a:lnTo>
+                <a:lnTo>
+                  <a:pt x="5062667" y="3415218"/>
+                </a:lnTo>
+                <a:lnTo>
+                  <a:pt x="5060928" y="3419880"/>
+                </a:lnTo>
+                <a:lnTo>
+                  <a:pt x="5062923" y="3424545"/>
+                </a:lnTo>
+                <a:cubicBezTo>
+                  <a:pt x="5063537" y="3433967"/>
+                  <a:pt x="5063494" y="3466028"/>
+                  <a:pt x="5064623" y="3476412"/>
+                </a:cubicBezTo>
+                <a:lnTo>
+                  <a:pt x="5069684" y="3486850"/>
+                </a:lnTo>
+                <a:lnTo>
+                  <a:pt x="5063339" y="3496391"/>
+                </a:lnTo>
+                <a:lnTo>
+                  <a:pt x="5070139" y="3531201"/>
+                </a:lnTo>
+                <a:lnTo>
+                  <a:pt x="5079896" y="3542019"/>
+                </a:lnTo>
+                <a:lnTo>
+                  <a:pt x="5087540" y="3552249"/>
+                </a:lnTo>
+                <a:lnTo>
+                  <a:pt x="5087902" y="3553678"/>
+                </a:lnTo>
+                <a:lnTo>
+                  <a:pt x="5091509" y="3568021"/>
+                </a:lnTo>
+                <a:lnTo>
+                  <a:pt x="5091934" y="3569719"/>
+                </a:lnTo>
+                <a:lnTo>
+                  <a:pt x="5089362" y="3586412"/>
+                </a:lnTo>
+                <a:lnTo>
+                  <a:pt x="5092358" y="3597336"/>
+                </a:lnTo>
+                <a:lnTo>
+                  <a:pt x="5084254" y="3606007"/>
+                </a:lnTo>
+                <a:cubicBezTo>
+                  <a:pt x="5084262" y="3617747"/>
+                  <a:pt x="5084273" y="3629488"/>
+                  <a:pt x="5084281" y="3641228"/>
+                </a:cubicBezTo>
+                <a:lnTo>
+                  <a:pt x="5091848" y="3653088"/>
+                </a:lnTo>
+                <a:lnTo>
+                  <a:pt x="5097436" y="3664114"/>
+                </a:lnTo>
+                <a:cubicBezTo>
+                  <a:pt x="5097463" y="3664599"/>
+                  <a:pt x="5097491" y="3665084"/>
+                  <a:pt x="5097518" y="3665569"/>
+                </a:cubicBezTo>
+                <a:cubicBezTo>
+                  <a:pt x="5097915" y="3672776"/>
+                  <a:pt x="5096966" y="3688591"/>
+                  <a:pt x="5099829" y="3707357"/>
+                </a:cubicBezTo>
+                <a:cubicBezTo>
+                  <a:pt x="5100505" y="3724716"/>
+                  <a:pt x="5118078" y="3760234"/>
+                  <a:pt x="5114696" y="3778166"/>
+                </a:cubicBezTo>
+                <a:cubicBezTo>
+                  <a:pt x="5141627" y="3845122"/>
+                  <a:pt x="5125427" y="3821305"/>
+                  <a:pt x="5135379" y="3878222"/>
+                </a:cubicBezTo>
+                <a:cubicBezTo>
+                  <a:pt x="5161519" y="3905047"/>
+                  <a:pt x="5125417" y="4015047"/>
+                  <a:pt x="5130138" y="4048117"/>
+                </a:cubicBezTo>
+                <a:cubicBezTo>
+                  <a:pt x="5081804" y="4192084"/>
+                  <a:pt x="5096262" y="4158987"/>
+                  <a:pt x="5090040" y="4219510"/>
+                </a:cubicBezTo>
+                <a:cubicBezTo>
+                  <a:pt x="5104553" y="4280033"/>
+                  <a:pt x="5065380" y="4345686"/>
+                  <a:pt x="5092812" y="4411258"/>
+                </a:cubicBezTo>
+                <a:cubicBezTo>
+                  <a:pt x="5090630" y="4437329"/>
+                  <a:pt x="5083878" y="4473140"/>
+                  <a:pt x="5084599" y="4488531"/>
+                </a:cubicBezTo>
+                <a:cubicBezTo>
+                  <a:pt x="5084423" y="4505410"/>
+                  <a:pt x="5084248" y="4522289"/>
+                  <a:pt x="5084072" y="4539168"/>
+                </a:cubicBezTo>
+                <a:cubicBezTo>
+                  <a:pt x="5072114" y="4567830"/>
+                  <a:pt x="5064305" y="4588197"/>
+                  <a:pt x="5068936" y="4625153"/>
+                </a:cubicBezTo>
+                <a:cubicBezTo>
+                  <a:pt x="5077433" y="4662889"/>
+                  <a:pt x="5065899" y="4679357"/>
+                  <a:pt x="5059114" y="4733115"/>
+                </a:cubicBezTo>
+                <a:cubicBezTo>
+                  <a:pt x="5068687" y="4752352"/>
+                  <a:pt x="5055370" y="4832308"/>
+                  <a:pt x="5037209" y="4844323"/>
+                </a:cubicBezTo>
+                <a:cubicBezTo>
+                  <a:pt x="5033444" y="4857054"/>
+                  <a:pt x="5040194" y="4871554"/>
+                  <a:pt x="5020638" y="4877992"/>
+                </a:cubicBezTo>
+                <a:cubicBezTo>
+                  <a:pt x="4997151" y="4888353"/>
+                  <a:pt x="5034418" y="4931200"/>
+                  <a:pt x="5006413" y="4925805"/>
+                </a:cubicBezTo>
+                <a:cubicBezTo>
+                  <a:pt x="5031964" y="4956261"/>
+                  <a:pt x="4982840" y="4982633"/>
+                  <a:pt x="4971037" y="5009272"/>
+                </a:cubicBezTo>
+                <a:cubicBezTo>
+                  <a:pt x="4973259" y="5034036"/>
+                  <a:pt x="4968375" y="5053859"/>
+                  <a:pt x="4963105" y="5111369"/>
+                </a:cubicBezTo>
+                <a:cubicBezTo>
+                  <a:pt x="4973224" y="5141336"/>
+                  <a:pt x="4937413" y="5161742"/>
+                  <a:pt x="4976341" y="5210876"/>
+                </a:cubicBezTo>
+                <a:cubicBezTo>
+                  <a:pt x="4972455" y="5212581"/>
+                  <a:pt x="4977054" y="5227501"/>
+                  <a:pt x="4980617" y="5269726"/>
+                </a:cubicBezTo>
+                <a:cubicBezTo>
+                  <a:pt x="4984182" y="5311951"/>
+                  <a:pt x="4990390" y="5400671"/>
+                  <a:pt x="4997733" y="5464225"/>
+                </a:cubicBezTo>
+                <a:cubicBezTo>
+                  <a:pt x="5001765" y="5536542"/>
+                  <a:pt x="4990225" y="5517959"/>
+                  <a:pt x="5001400" y="5594585"/>
+                </a:cubicBezTo>
+                <a:cubicBezTo>
+                  <a:pt x="4999908" y="5619318"/>
+                  <a:pt x="4974042" y="5647975"/>
+                  <a:pt x="4983700" y="5667896"/>
+                </a:cubicBezTo>
+                <a:cubicBezTo>
+                  <a:pt x="4976834" y="5696311"/>
+                  <a:pt x="4975579" y="5738356"/>
+                  <a:pt x="4968506" y="5769225"/>
+                </a:cubicBezTo>
+                <a:cubicBezTo>
+                  <a:pt x="4968926" y="5787258"/>
+                  <a:pt x="4969344" y="5805291"/>
+                  <a:pt x="4969765" y="5823324"/>
+                </a:cubicBezTo>
+                <a:cubicBezTo>
+                  <a:pt x="4966122" y="5853058"/>
+                  <a:pt x="4965608" y="5838948"/>
+                  <a:pt x="4966129" y="5862699"/>
+                </a:cubicBezTo>
+                <a:lnTo>
+                  <a:pt x="4970695" y="5906467"/>
+                </a:lnTo>
+                <a:lnTo>
+                  <a:pt x="4991568" y="5939847"/>
+                </a:lnTo>
+                <a:cubicBezTo>
+                  <a:pt x="4998848" y="5955713"/>
+                  <a:pt x="4974731" y="5940131"/>
+                  <a:pt x="4986815" y="5973994"/>
+                </a:cubicBezTo>
+                <a:cubicBezTo>
+                  <a:pt x="4961187" y="5997051"/>
+                  <a:pt x="4983444" y="6032039"/>
+                  <a:pt x="4987776" y="6089693"/>
+                </a:cubicBezTo>
+                <a:lnTo>
+                  <a:pt x="4991621" y="6224938"/>
+                </a:lnTo>
+                <a:cubicBezTo>
+                  <a:pt x="4988442" y="6270972"/>
+                  <a:pt x="5008962" y="6317522"/>
+                  <a:pt x="5017157" y="6370251"/>
+                </a:cubicBezTo>
+                <a:cubicBezTo>
+                  <a:pt x="5025353" y="6422980"/>
+                  <a:pt x="5039938" y="6490855"/>
+                  <a:pt x="5040797" y="6541313"/>
+                </a:cubicBezTo>
+                <a:cubicBezTo>
+                  <a:pt x="5039898" y="6576319"/>
+                  <a:pt x="5031912" y="6591883"/>
+                  <a:pt x="5045375" y="6640957"/>
+                </a:cubicBezTo>
+                <a:cubicBezTo>
+                  <a:pt x="5057505" y="6669536"/>
+                  <a:pt x="5052276" y="6675394"/>
+                  <a:pt x="5058442" y="6705297"/>
+                </a:cubicBezTo>
+                <a:cubicBezTo>
+                  <a:pt x="5057367" y="6727133"/>
+                  <a:pt x="5067901" y="6732087"/>
+                  <a:pt x="5071125" y="6759582"/>
+                </a:cubicBezTo>
+                <a:cubicBezTo>
+                  <a:pt x="5055614" y="6796071"/>
+                  <a:pt x="5051656" y="6769544"/>
+                  <a:pt x="5069172" y="6817746"/>
+                </a:cubicBezTo>
+                <a:cubicBezTo>
+                  <a:pt x="5060956" y="6828354"/>
+                  <a:pt x="5064525" y="6836369"/>
+                  <a:pt x="5072322" y="6843646"/>
+                </a:cubicBezTo>
+                <a:lnTo>
+                  <a:pt x="5091388" y="6857998"/>
+                </a:lnTo>
+                <a:lnTo>
+                  <a:pt x="6096000" y="6857998"/>
+                </a:lnTo>
+                <a:lnTo>
+                  <a:pt x="6096000" y="6858000"/>
+                </a:lnTo>
+                <a:lnTo>
+                  <a:pt x="0" y="6858000"/>
+                </a:lnTo>
+                <a:close/>
+              </a:path>
+            </a:pathLst>
+          </a:custGeom>
+          <a:solidFill>
+            <a:srgbClr val="82766A">
+              <a:alpha val="15000"/>
+            </a:srgbClr>
+          </a:solidFill>
+          <a:ln>
+            <a:noFill/>
+          </a:ln>
+        </p:spPr>
+        <p:style>
+          <a:lnRef idx="2">
+            <a:schemeClr val="accent1">
+              <a:shade val="50000"/>
+            </a:schemeClr>
+          </a:lnRef>
+          <a:fillRef idx="1">
+            <a:schemeClr val="accent1"/>
+          </a:fillRef>
+          <a:effectRef idx="0">
+            <a:schemeClr val="accent1"/>
+          </a:effectRef>
+          <a:fontRef idx="minor">
+            <a:schemeClr val="lt1"/>
+          </a:fontRef>
+        </p:style>
+        <p:txBody>
+          <a:bodyPr wrap="square" rtlCol="0" anchor="ctr">
+            <a:noAutofit/>
+          </a:bodyPr>
+          <a:lstStyle/>
+          <a:p>
+            <a:pPr algn="ctr"/>
+            <a:endParaRPr lang="en-US"/>
+          </a:p>
+        </p:txBody>
+      </p:sp>
       <p:sp>
         <p:nvSpPr>
           <p:cNvPr id="2" name="Título 1">
@@ -10259,9 +13464,16 @@
             <p:ph type="title"/>
           </p:nvPr>
         </p:nvSpPr>
-        <p:spPr/>
+        <p:spPr>
+          <a:xfrm>
+            <a:off x="838200" y="609600"/>
+            <a:ext cx="3739341" cy="1330839"/>
+          </a:xfrm>
+        </p:spPr>
         <p:txBody>
-          <a:bodyPr/>
+          <a:bodyPr>
+            <a:normAutofit/>
+          </a:bodyPr>
           <a:lstStyle/>
           <a:p>
             <a:r>
@@ -10287,18 +13499,25 @@
             <p:ph idx="1"/>
           </p:nvPr>
         </p:nvSpPr>
-        <p:spPr/>
+        <p:spPr>
+          <a:xfrm>
+            <a:off x="862366" y="2194102"/>
+            <a:ext cx="3427001" cy="1330839"/>
+          </a:xfrm>
+        </p:spPr>
         <p:txBody>
-          <a:bodyPr/>
+          <a:bodyPr>
+            <a:normAutofit/>
+          </a:bodyPr>
           <a:lstStyle/>
           <a:p>
             <a:r>
-              <a:rPr lang="es-ES" dirty="0"/>
+              <a:rPr lang="es-ES" sz="2000" dirty="0"/>
               <a:t>En este proyecto, hemos realizados varios requisitos, de los cuales estimamos los más importantes :</a:t>
             </a:r>
           </a:p>
           <a:p>
-            <a:endParaRPr lang="es-ES" dirty="0"/>
+            <a:endParaRPr lang="es-ES" sz="2000" dirty="0"/>
           </a:p>
         </p:txBody>
       </p:sp>
@@ -10531,6 +13750,359 @@
           </a:p>
         </p:txBody>
       </p:sp>
+      <p:graphicFrame>
+        <p:nvGraphicFramePr>
+          <p:cNvPr id="16" name="Tabla 15">
+            <a:extLst>
+              <a:ext uri="{FF2B5EF4-FFF2-40B4-BE49-F238E27FC236}">
+                <a16:creationId xmlns:a16="http://schemas.microsoft.com/office/drawing/2014/main" id="{F6754186-1DB6-2019-48FA-C6656757199C}"/>
+              </a:ext>
+            </a:extLst>
+          </p:cNvPr>
+          <p:cNvGraphicFramePr>
+            <a:graphicFrameLocks noGrp="1"/>
+          </p:cNvGraphicFramePr>
+          <p:nvPr>
+            <p:extLst>
+              <p:ext uri="{D42A27DB-BD31-4B8C-83A1-F6EECF244321}">
+                <p14:modId xmlns:p14="http://schemas.microsoft.com/office/powerpoint/2010/main" val="2128797244"/>
+              </p:ext>
+            </p:extLst>
+          </p:nvPr>
+        </p:nvGraphicFramePr>
+        <p:xfrm>
+          <a:off x="5445457" y="1523290"/>
+          <a:ext cx="6155141" cy="3835164"/>
+        </p:xfrm>
+        <a:graphic>
+          <a:graphicData uri="http://schemas.openxmlformats.org/drawingml/2006/table">
+            <a:tbl>
+              <a:tblPr firstRow="1" bandRow="1">
+                <a:noFill/>
+                <a:tableStyleId>{5C22544A-7EE6-4342-B048-85BDC9FD1C3A}</a:tableStyleId>
+              </a:tblPr>
+              <a:tblGrid>
+                <a:gridCol w="6155141">
+                  <a:extLst>
+                    <a:ext uri="{9D8B030D-6E8A-4147-A177-3AD203B41FA5}">
+                      <a16:colId xmlns:a16="http://schemas.microsoft.com/office/drawing/2014/main" val="3153212967"/>
+                    </a:ext>
+                  </a:extLst>
+                </a:gridCol>
+              </a:tblGrid>
+              <a:tr h="384208">
+                <a:tc>
+                  <a:txBody>
+                    <a:bodyPr/>
+                    <a:lstStyle/>
+                    <a:p>
+                      <a:pPr algn="ctr" fontAlgn="b"/>
+                      <a:r>
+                        <a:rPr lang="es-ES" sz="1100" b="1" u="none" strike="noStrike" cap="all" spc="60">
+                          <a:solidFill>
+                            <a:schemeClr val="tx1"/>
+                          </a:solidFill>
+                          <a:effectLst/>
+                        </a:rPr>
+                        <a:t>REQUISITOS</a:t>
+                      </a:r>
+                      <a:endParaRPr lang="es-ES" sz="1100" b="1" i="0" u="none" strike="noStrike" cap="all" spc="60">
+                        <a:solidFill>
+                          <a:schemeClr val="tx1"/>
+                        </a:solidFill>
+                        <a:effectLst/>
+                        <a:latin typeface="Calibri" panose="020F0502020204030204" pitchFamily="34" charset="0"/>
+                      </a:endParaRPr>
+                    </a:p>
+                  </a:txBody>
+                  <a:tcPr marL="9096" marR="9096" marT="87320" marB="87320" anchor="b">
+                    <a:lnL w="12700" cmpd="sng">
+                      <a:noFill/>
+                    </a:lnL>
+                    <a:lnR w="12700" cmpd="sng">
+                      <a:noFill/>
+                    </a:lnR>
+                    <a:lnT w="12700" cmpd="sng">
+                      <a:noFill/>
+                    </a:lnT>
+                    <a:lnB w="38100" cmpd="sng">
+                      <a:noFill/>
+                    </a:lnB>
+                    <a:noFill/>
+                  </a:tcPr>
+                </a:tc>
+                <a:extLst>
+                  <a:ext uri="{0D108BD9-81ED-4DB2-BD59-A6C34878D82A}">
+                    <a16:rowId xmlns:a16="http://schemas.microsoft.com/office/drawing/2014/main" val="3519836233"/>
+                  </a:ext>
+                </a:extLst>
+              </a:tr>
+              <a:tr h="597050">
+                <a:tc>
+                  <a:txBody>
+                    <a:bodyPr/>
+                    <a:lstStyle/>
+                    <a:p>
+                      <a:pPr algn="l" fontAlgn="ctr"/>
+                      <a:r>
+                        <a:rPr lang="es-ES" sz="1500" u="none" strike="noStrike" cap="none" spc="0" dirty="0">
+                          <a:solidFill>
+                            <a:schemeClr val="tx1"/>
+                          </a:solidFill>
+                          <a:effectLst/>
+                        </a:rPr>
+                        <a:t>R1. Se desea almacenar a los niños/usuarios del parque con un nombre completo, alergia, fecha de nacimiento, teléfono y email.</a:t>
+                      </a:r>
+                      <a:endParaRPr lang="es-ES" sz="1500" b="0" i="0" u="none" strike="noStrike" cap="none" spc="0" dirty="0">
+                        <a:solidFill>
+                          <a:schemeClr val="tx1"/>
+                        </a:solidFill>
+                        <a:effectLst/>
+                        <a:latin typeface="Calibri" panose="020F0502020204030204" pitchFamily="34" charset="0"/>
+                      </a:endParaRPr>
+                    </a:p>
+                  </a:txBody>
+                  <a:tcPr marL="9096" marR="9096" marT="9096" marB="87320" anchor="ctr">
+                    <a:lnL w="12700" cap="flat" cmpd="sng" algn="ctr">
+                      <a:noFill/>
+                      <a:prstDash val="solid"/>
+                    </a:lnL>
+                    <a:lnR w="12700" cmpd="sng">
+                      <a:noFill/>
+                      <a:prstDash val="solid"/>
+                    </a:lnR>
+                    <a:lnT w="38100" cmpd="sng">
+                      <a:noFill/>
+                    </a:lnT>
+                    <a:lnB w="12700" cmpd="sng">
+                      <a:noFill/>
+                      <a:prstDash val="solid"/>
+                    </a:lnB>
+                    <a:noFill/>
+                  </a:tcPr>
+                </a:tc>
+                <a:extLst>
+                  <a:ext uri="{0D108BD9-81ED-4DB2-BD59-A6C34878D82A}">
+                    <a16:rowId xmlns:a16="http://schemas.microsoft.com/office/drawing/2014/main" val="2193206375"/>
+                  </a:ext>
+                </a:extLst>
+              </a:tr>
+              <a:tr h="829903">
+                <a:tc>
+                  <a:txBody>
+                    <a:bodyPr/>
+                    <a:lstStyle/>
+                    <a:p>
+                      <a:pPr algn="l" fontAlgn="ctr"/>
+                      <a:r>
+                        <a:rPr lang="es-ES" sz="1500" u="none" strike="noStrike" cap="none" spc="0" dirty="0">
+                          <a:solidFill>
+                            <a:schemeClr val="tx1"/>
+                          </a:solidFill>
+                          <a:effectLst/>
+                        </a:rPr>
+                        <a:t>R2. Se desea almacenar de los eventos el nombre de la persona que lo organiza, el nombre del evento, su fecha de reserva, fecha en la que se va a organizar el evento, y las personas que acudirán al evento.</a:t>
+                      </a:r>
+                      <a:endParaRPr lang="es-ES" sz="1500" b="0" i="0" u="none" strike="noStrike" cap="none" spc="0" dirty="0">
+                        <a:solidFill>
+                          <a:schemeClr val="tx1"/>
+                        </a:solidFill>
+                        <a:effectLst/>
+                        <a:latin typeface="Calibri" panose="020F0502020204030204" pitchFamily="34" charset="0"/>
+                      </a:endParaRPr>
+                    </a:p>
+                  </a:txBody>
+                  <a:tcPr marL="9096" marR="9096" marT="9096" marB="87320" anchor="ctr">
+                    <a:lnL w="12700" cmpd="sng">
+                      <a:noFill/>
+                      <a:prstDash val="solid"/>
+                    </a:lnL>
+                    <a:lnR w="12700" cmpd="sng">
+                      <a:noFill/>
+                      <a:prstDash val="solid"/>
+                    </a:lnR>
+                    <a:lnT w="12700" cmpd="sng">
+                      <a:noFill/>
+                      <a:prstDash val="solid"/>
+                    </a:lnT>
+                    <a:lnB w="12700" cmpd="sng">
+                      <a:noFill/>
+                      <a:prstDash val="solid"/>
+                    </a:lnB>
+                    <a:solidFill>
+                      <a:schemeClr val="bg1">
+                        <a:lumMod val="95000"/>
+                      </a:schemeClr>
+                    </a:solidFill>
+                  </a:tcPr>
+                </a:tc>
+                <a:extLst>
+                  <a:ext uri="{0D108BD9-81ED-4DB2-BD59-A6C34878D82A}">
+                    <a16:rowId xmlns:a16="http://schemas.microsoft.com/office/drawing/2014/main" val="2033207310"/>
+                  </a:ext>
+                </a:extLst>
+              </a:tr>
+              <a:tr h="597050">
+                <a:tc>
+                  <a:txBody>
+                    <a:bodyPr/>
+                    <a:lstStyle/>
+                    <a:p>
+                      <a:pPr algn="l" fontAlgn="ctr"/>
+                      <a:r>
+                        <a:rPr lang="es-ES" sz="1500" u="none" strike="noStrike" cap="none" spc="0">
+                          <a:solidFill>
+                            <a:schemeClr val="tx1"/>
+                          </a:solidFill>
+                          <a:effectLst/>
+                        </a:rPr>
+                        <a:t>R3. Se desea almacenar un número de taquilla asociado a un niño para cada vez que un niño accede al recinto y este es obligatorio.</a:t>
+                      </a:r>
+                      <a:endParaRPr lang="es-ES" sz="1500" b="0" i="0" u="none" strike="noStrike" cap="none" spc="0">
+                        <a:solidFill>
+                          <a:schemeClr val="tx1"/>
+                        </a:solidFill>
+                        <a:effectLst/>
+                        <a:latin typeface="Calibri" panose="020F0502020204030204" pitchFamily="34" charset="0"/>
+                      </a:endParaRPr>
+                    </a:p>
+                  </a:txBody>
+                  <a:tcPr marL="9096" marR="9096" marT="9096" marB="87320" anchor="ctr">
+                    <a:lnL w="12700" cap="flat" cmpd="sng" algn="ctr">
+                      <a:noFill/>
+                      <a:prstDash val="solid"/>
+                    </a:lnL>
+                    <a:lnR w="12700" cmpd="sng">
+                      <a:noFill/>
+                      <a:prstDash val="solid"/>
+                    </a:lnR>
+                    <a:lnT w="12700" cmpd="sng">
+                      <a:noFill/>
+                      <a:prstDash val="solid"/>
+                    </a:lnT>
+                    <a:lnB w="12700" cmpd="sng">
+                      <a:noFill/>
+                      <a:prstDash val="solid"/>
+                    </a:lnB>
+                    <a:noFill/>
+                  </a:tcPr>
+                </a:tc>
+                <a:extLst>
+                  <a:ext uri="{0D108BD9-81ED-4DB2-BD59-A6C34878D82A}">
+                    <a16:rowId xmlns:a16="http://schemas.microsoft.com/office/drawing/2014/main" val="4273842853"/>
+                  </a:ext>
+                </a:extLst>
+              </a:tr>
+              <a:tr h="829903">
+                <a:tc>
+                  <a:txBody>
+                    <a:bodyPr/>
+                    <a:lstStyle/>
+                    <a:p>
+                      <a:pPr algn="l" fontAlgn="ctr"/>
+                      <a:r>
+                        <a:rPr lang="es-ES" sz="1500" u="none" strike="noStrike" cap="none" spc="0">
+                          <a:solidFill>
+                            <a:schemeClr val="tx1"/>
+                          </a:solidFill>
+                          <a:effectLst/>
+                        </a:rPr>
+                        <a:t>R4. Se desea guardar al personal como equipo de cocina o monitores y con cada ejemplar perteneciendo a solo uno de los grupos, almacenando, su nombre, teléfono, email, horario, DNI y dirección</a:t>
+                      </a:r>
+                      <a:endParaRPr lang="es-ES" sz="1500" b="0" i="0" u="none" strike="noStrike" cap="none" spc="0">
+                        <a:solidFill>
+                          <a:schemeClr val="tx1"/>
+                        </a:solidFill>
+                        <a:effectLst/>
+                        <a:latin typeface="Calibri" panose="020F0502020204030204" pitchFamily="34" charset="0"/>
+                      </a:endParaRPr>
+                    </a:p>
+                  </a:txBody>
+                  <a:tcPr marL="9096" marR="9096" marT="9096" marB="87320" anchor="ctr">
+                    <a:lnL w="12700" cmpd="sng">
+                      <a:noFill/>
+                      <a:prstDash val="solid"/>
+                    </a:lnL>
+                    <a:lnR w="12700" cmpd="sng">
+                      <a:noFill/>
+                      <a:prstDash val="solid"/>
+                    </a:lnR>
+                    <a:lnT w="12700" cmpd="sng">
+                      <a:noFill/>
+                      <a:prstDash val="solid"/>
+                    </a:lnT>
+                    <a:lnB w="12700" cmpd="sng">
+                      <a:noFill/>
+                      <a:prstDash val="solid"/>
+                    </a:lnB>
+                    <a:solidFill>
+                      <a:schemeClr val="bg1">
+                        <a:lumMod val="95000"/>
+                      </a:schemeClr>
+                    </a:solidFill>
+                  </a:tcPr>
+                </a:tc>
+                <a:extLst>
+                  <a:ext uri="{0D108BD9-81ED-4DB2-BD59-A6C34878D82A}">
+                    <a16:rowId xmlns:a16="http://schemas.microsoft.com/office/drawing/2014/main" val="2662795532"/>
+                  </a:ext>
+                </a:extLst>
+              </a:tr>
+              <a:tr h="597050">
+                <a:tc>
+                  <a:txBody>
+                    <a:bodyPr/>
+                    <a:lstStyle/>
+                    <a:p>
+                      <a:pPr algn="l" fontAlgn="ctr"/>
+                      <a:r>
+                        <a:rPr lang="es-ES" sz="1500" u="none" strike="noStrike" cap="none" spc="0" dirty="0">
+                          <a:solidFill>
+                            <a:schemeClr val="tx1"/>
+                          </a:solidFill>
+                          <a:effectLst/>
+                        </a:rPr>
+                        <a:t>R5. Se desea almacenar qué menú escoge cada niño cada vez que va al recinto, es decir cada vez que accede</a:t>
+                      </a:r>
+                      <a:endParaRPr lang="es-ES" sz="1500" b="0" i="0" u="none" strike="noStrike" cap="none" spc="0" dirty="0">
+                        <a:solidFill>
+                          <a:schemeClr val="tx1"/>
+                        </a:solidFill>
+                        <a:effectLst/>
+                        <a:latin typeface="Calibri" panose="020F0502020204030204" pitchFamily="34" charset="0"/>
+                      </a:endParaRPr>
+                    </a:p>
+                  </a:txBody>
+                  <a:tcPr marL="9096" marR="9096" marT="9096" marB="87320" anchor="ctr">
+                    <a:lnL w="12700" cap="flat" cmpd="sng" algn="ctr">
+                      <a:noFill/>
+                      <a:prstDash val="solid"/>
+                    </a:lnL>
+                    <a:lnR w="12700" cmpd="sng">
+                      <a:noFill/>
+                      <a:prstDash val="solid"/>
+                    </a:lnR>
+                    <a:lnT w="12700" cmpd="sng">
+                      <a:noFill/>
+                      <a:prstDash val="solid"/>
+                    </a:lnT>
+                    <a:lnB w="12700" cap="flat" cmpd="sng" algn="ctr">
+                      <a:noFill/>
+                      <a:prstDash val="solid"/>
+                    </a:lnB>
+                    <a:noFill/>
+                  </a:tcPr>
+                </a:tc>
+                <a:extLst>
+                  <a:ext uri="{0D108BD9-81ED-4DB2-BD59-A6C34878D82A}">
+                    <a16:rowId xmlns:a16="http://schemas.microsoft.com/office/drawing/2014/main" val="838117816"/>
+                  </a:ext>
+                </a:extLst>
+              </a:tr>
+            </a:tbl>
+          </a:graphicData>
+        </a:graphic>
+      </p:graphicFrame>
     </p:spTree>
     <p:extLst>
       <p:ext uri="{BB962C8B-B14F-4D97-AF65-F5344CB8AC3E}">
@@ -10599,6 +14171,119 @@
                                   </p:childTnLst>
                                 </p:cTn>
                               </p:par>
+                              <p:par>
+                                <p:cTn id="8" presetID="10" presetClass="entr" presetSubtype="0" fill="hold" nodeType="withEffect">
+                                  <p:stCondLst>
+                                    <p:cond delay="0"/>
+                                  </p:stCondLst>
+                                  <p:childTnLst>
+                                    <p:set>
+                                      <p:cBhvr>
+                                        <p:cTn id="9" dur="1" fill="hold">
+                                          <p:stCondLst>
+                                            <p:cond delay="0"/>
+                                          </p:stCondLst>
+                                        </p:cTn>
+                                        <p:tgtEl>
+                                          <p:spTgt spid="16"/>
+                                        </p:tgtEl>
+                                        <p:attrNameLst>
+                                          <p:attrName>style.visibility</p:attrName>
+                                        </p:attrNameLst>
+                                      </p:cBhvr>
+                                      <p:to>
+                                        <p:strVal val="visible"/>
+                                      </p:to>
+                                    </p:set>
+                                    <p:animEffect transition="in" filter="fade">
+                                      <p:cBhvr>
+                                        <p:cTn id="10" dur="1000"/>
+                                        <p:tgtEl>
+                                          <p:spTgt spid="16"/>
+                                        </p:tgtEl>
+                                      </p:cBhvr>
+                                    </p:animEffect>
+                                  </p:childTnLst>
+                                </p:cTn>
+                              </p:par>
+                              <p:par>
+                                <p:cTn id="11" presetID="16" presetClass="entr" presetSubtype="21" fill="hold" grpId="0" nodeType="withEffect">
+                                  <p:stCondLst>
+                                    <p:cond delay="0"/>
+                                  </p:stCondLst>
+                                  <p:childTnLst>
+                                    <p:set>
+                                      <p:cBhvr>
+                                        <p:cTn id="12" dur="1" fill="hold">
+                                          <p:stCondLst>
+                                            <p:cond delay="0"/>
+                                          </p:stCondLst>
+                                        </p:cTn>
+                                        <p:tgtEl>
+                                          <p:spTgt spid="2"/>
+                                        </p:tgtEl>
+                                        <p:attrNameLst>
+                                          <p:attrName>style.visibility</p:attrName>
+                                        </p:attrNameLst>
+                                      </p:cBhvr>
+                                      <p:to>
+                                        <p:strVal val="visible"/>
+                                      </p:to>
+                                    </p:set>
+                                    <p:animEffect transition="in" filter="barn(inVertical)">
+                                      <p:cBhvr>
+                                        <p:cTn id="13" dur="500"/>
+                                        <p:tgtEl>
+                                          <p:spTgt spid="2"/>
+                                        </p:tgtEl>
+                                      </p:cBhvr>
+                                    </p:animEffect>
+                                  </p:childTnLst>
+                                </p:cTn>
+                              </p:par>
+                              <p:par>
+                                <p:cTn id="14" presetID="14" presetClass="entr" presetSubtype="10" fill="hold" grpId="0" nodeType="withEffect">
+                                  <p:stCondLst>
+                                    <p:cond delay="0"/>
+                                  </p:stCondLst>
+                                  <p:childTnLst>
+                                    <p:set>
+                                      <p:cBhvr>
+                                        <p:cTn id="15" dur="1" fill="hold">
+                                          <p:stCondLst>
+                                            <p:cond delay="0"/>
+                                          </p:stCondLst>
+                                        </p:cTn>
+                                        <p:tgtEl>
+                                          <p:spTgt spid="3">
+                                            <p:txEl>
+                                              <p:pRg st="0" end="0"/>
+                                            </p:txEl>
+                                          </p:spTgt>
+                                        </p:tgtEl>
+                                        <p:attrNameLst>
+                                          <p:attrName>style.visibility</p:attrName>
+                                        </p:attrNameLst>
+                                      </p:cBhvr>
+                                      <p:to>
+                                        <p:strVal val="visible"/>
+                                      </p:to>
+                                    </p:set>
+                                    <p:animEffect transition="in" filter="randombar(horizontal)">
+                                      <p:cBhvr>
+                                        <p:cTn id="16" dur="500"/>
+                                        <p:tgtEl>
+                                          <p:spTgt spid="3">
+                                            <p:txEl>
+                                              <p:pRg st="0" end="0"/>
+                                            </p:txEl>
+                                          </p:spTgt>
+                                        </p:tgtEl>
+                                      </p:cBhvr>
+                                    </p:animEffect>
+                                  </p:childTnLst>
+                                </p:cTn>
+                              </p:par>
                             </p:childTnLst>
                           </p:cTn>
                         </p:par>
@@ -10627,6 +14312,8 @@
       </p:par>
     </p:tnLst>
     <p:bldLst>
+      <p:bldP spid="2" grpId="0"/>
+      <p:bldP spid="3" grpId="0" build="p"/>
       <p:bldP spid="6" grpId="0"/>
     </p:bldLst>
   </p:timing>
@@ -10841,6 +14528,7 @@
       <p:pic>
         <p:nvPicPr>
           <p:cNvPr id="6" name="Imagen 5" descr="Diagrama, Esquemático&#10;&#10;Descripción generada automáticamente">
+            <a:hlinkClick r:id="rId2" action="ppaction://hlinksldjump"/>
             <a:extLst>
               <a:ext uri="{FF2B5EF4-FFF2-40B4-BE49-F238E27FC236}">
                 <a16:creationId xmlns:a16="http://schemas.microsoft.com/office/drawing/2014/main" id="{C7446E1F-4F59-0BFE-16F1-8A09ED71C9EA}"/>
@@ -10853,7 +14541,7 @@
           <p:nvPr/>
         </p:nvPicPr>
         <p:blipFill>
-          <a:blip r:embed="rId2"/>
+          <a:blip r:embed="rId3"/>
           <a:stretch>
             <a:fillRect/>
           </a:stretch>
@@ -12094,614 +15782,6 @@
       </p:sp>
       <p:sp>
         <p:nvSpPr>
-          <p:cNvPr id="3" name="Marcador de contenido 2">
-            <a:extLst>
-              <a:ext uri="{FF2B5EF4-FFF2-40B4-BE49-F238E27FC236}">
-                <a16:creationId xmlns:a16="http://schemas.microsoft.com/office/drawing/2014/main" id="{1F789433-03F4-1F25-6000-A9595CE6547F}"/>
-              </a:ext>
-            </a:extLst>
-          </p:cNvPr>
-          <p:cNvSpPr>
-            <a:spLocks noGrp="1"/>
-          </p:cNvSpPr>
-          <p:nvPr>
-            <p:ph idx="1"/>
-          </p:nvPr>
-        </p:nvSpPr>
-        <p:spPr>
-          <a:xfrm>
-            <a:off x="838200" y="2177456"/>
-            <a:ext cx="5097780" cy="3795748"/>
-          </a:xfrm>
-        </p:spPr>
-        <p:txBody>
-          <a:bodyPr vert="horz" lIns="91440" tIns="45720" rIns="91440" bIns="45720" rtlCol="0">
-            <a:normAutofit/>
-          </a:bodyPr>
-          <a:lstStyle/>
-          <a:p>
-            <a:pPr marL="342900" lvl="0">
-              <a:spcBef>
-                <a:spcPts val="600"/>
-              </a:spcBef>
-            </a:pPr>
-            <a:r>
-              <a:rPr lang="en-US" sz="1900" dirty="0">
-                <a:effectLst/>
-              </a:rPr>
-              <a:t>Una </a:t>
-            </a:r>
-            <a:r>
-              <a:rPr lang="en-US" sz="1900" dirty="0" err="1">
-                <a:effectLst/>
-              </a:rPr>
-              <a:t>tabla</a:t>
-            </a:r>
-            <a:r>
-              <a:rPr lang="en-US" sz="1900" dirty="0">
-                <a:effectLst/>
-              </a:rPr>
-              <a:t> se </a:t>
-            </a:r>
-            <a:r>
-              <a:rPr lang="en-US" sz="1900" dirty="0" err="1">
-                <a:effectLst/>
-              </a:rPr>
-              <a:t>encuentra</a:t>
-            </a:r>
-            <a:r>
-              <a:rPr lang="en-US" sz="1900" dirty="0">
-                <a:effectLst/>
-              </a:rPr>
-              <a:t> en </a:t>
-            </a:r>
-            <a:r>
-              <a:rPr lang="en-US" sz="1900" b="1" dirty="0">
-                <a:effectLst/>
-              </a:rPr>
-              <a:t>1FN</a:t>
-            </a:r>
-            <a:r>
-              <a:rPr lang="en-US" sz="1900" dirty="0">
-                <a:effectLst/>
-              </a:rPr>
-              <a:t> </a:t>
-            </a:r>
-            <a:r>
-              <a:rPr lang="en-US" sz="1900" dirty="0" err="1">
-                <a:effectLst/>
-              </a:rPr>
-              <a:t>cuando</a:t>
-            </a:r>
-            <a:r>
-              <a:rPr lang="en-US" sz="1900" dirty="0">
-                <a:effectLst/>
-              </a:rPr>
-              <a:t> </a:t>
-            </a:r>
-            <a:r>
-              <a:rPr lang="en-US" sz="1900" dirty="0" err="1">
-                <a:effectLst/>
-              </a:rPr>
-              <a:t>todos</a:t>
-            </a:r>
-            <a:r>
-              <a:rPr lang="en-US" sz="1900" dirty="0">
-                <a:effectLst/>
-              </a:rPr>
-              <a:t> </a:t>
-            </a:r>
-            <a:r>
-              <a:rPr lang="en-US" sz="1900" dirty="0" err="1">
-                <a:effectLst/>
-              </a:rPr>
-              <a:t>los</a:t>
-            </a:r>
-            <a:r>
-              <a:rPr lang="en-US" sz="1900" dirty="0">
-                <a:effectLst/>
-              </a:rPr>
-              <a:t> </a:t>
-            </a:r>
-            <a:r>
-              <a:rPr lang="en-US" sz="1900" dirty="0" err="1">
-                <a:effectLst/>
-              </a:rPr>
-              <a:t>atributos</a:t>
-            </a:r>
-            <a:r>
-              <a:rPr lang="en-US" sz="1900" dirty="0">
-                <a:effectLst/>
-              </a:rPr>
-              <a:t> son </a:t>
-            </a:r>
-            <a:r>
-              <a:rPr lang="en-US" sz="1900" dirty="0" err="1">
-                <a:effectLst/>
-              </a:rPr>
-              <a:t>atómicos</a:t>
-            </a:r>
-            <a:r>
-              <a:rPr lang="en-US" sz="1900" dirty="0">
-                <a:effectLst/>
-              </a:rPr>
-              <a:t>, </a:t>
-            </a:r>
-            <a:r>
-              <a:rPr lang="en-US" sz="1900" dirty="0" err="1">
-                <a:effectLst/>
-              </a:rPr>
-              <a:t>esto</a:t>
-            </a:r>
-            <a:r>
-              <a:rPr lang="en-US" sz="1900" dirty="0">
-                <a:effectLst/>
-              </a:rPr>
-              <a:t> es, son indivisibles y no +</a:t>
-            </a:r>
-            <a:r>
-              <a:rPr lang="en-US" sz="1900" dirty="0" err="1">
-                <a:effectLst/>
-              </a:rPr>
-              <a:t>redundantes</a:t>
-            </a:r>
-            <a:r>
-              <a:rPr lang="en-US" sz="1900" dirty="0">
-                <a:effectLst/>
-              </a:rPr>
-              <a:t>, no hay </a:t>
-            </a:r>
-            <a:r>
-              <a:rPr lang="en-US" sz="1900" dirty="0" err="1">
-                <a:effectLst/>
-              </a:rPr>
-              <a:t>división</a:t>
-            </a:r>
-            <a:r>
-              <a:rPr lang="en-US" sz="1900" dirty="0">
-                <a:effectLst/>
-              </a:rPr>
-              <a:t> en el </a:t>
-            </a:r>
-            <a:r>
-              <a:rPr lang="en-US" sz="1900" dirty="0" err="1">
-                <a:effectLst/>
-              </a:rPr>
-              <a:t>número</a:t>
-            </a:r>
-            <a:r>
-              <a:rPr lang="en-US" sz="1900" dirty="0">
-                <a:effectLst/>
-              </a:rPr>
-              <a:t> de </a:t>
-            </a:r>
-            <a:r>
-              <a:rPr lang="en-US" sz="1900" dirty="0" err="1">
-                <a:effectLst/>
-              </a:rPr>
-              <a:t>columnas</a:t>
-            </a:r>
-            <a:r>
-              <a:rPr lang="en-US" sz="1900" dirty="0">
-                <a:effectLst/>
-              </a:rPr>
-              <a:t>, hay </a:t>
-            </a:r>
-            <a:r>
-              <a:rPr lang="en-US" sz="1900" dirty="0" err="1">
-                <a:effectLst/>
-              </a:rPr>
-              <a:t>dependencia</a:t>
-            </a:r>
-            <a:r>
-              <a:rPr lang="en-US" sz="1900" dirty="0">
-                <a:effectLst/>
-              </a:rPr>
-              <a:t> </a:t>
-            </a:r>
-            <a:r>
-              <a:rPr lang="en-US" sz="1900" dirty="0" err="1">
-                <a:effectLst/>
-              </a:rPr>
-              <a:t>funcional</a:t>
-            </a:r>
-            <a:r>
-              <a:rPr lang="en-US" sz="1900" dirty="0">
-                <a:effectLst/>
-              </a:rPr>
-              <a:t>, es </a:t>
-            </a:r>
-            <a:r>
-              <a:rPr lang="en-US" sz="1900" dirty="0" err="1">
-                <a:effectLst/>
-              </a:rPr>
-              <a:t>decir</a:t>
-            </a:r>
-            <a:r>
-              <a:rPr lang="en-US" sz="1900" dirty="0">
-                <a:effectLst/>
-              </a:rPr>
-              <a:t>, que sus campos no clave se </a:t>
-            </a:r>
-            <a:r>
-              <a:rPr lang="en-US" sz="1900" dirty="0" err="1">
-                <a:effectLst/>
-              </a:rPr>
-              <a:t>identifican</a:t>
-            </a:r>
-            <a:r>
-              <a:rPr lang="en-US" sz="1900" dirty="0">
-                <a:effectLst/>
-              </a:rPr>
-              <a:t> por la clave.</a:t>
-            </a:r>
-          </a:p>
-          <a:p>
-            <a:pPr marL="342900" lvl="0">
-              <a:spcBef>
-                <a:spcPts val="600"/>
-              </a:spcBef>
-            </a:pPr>
-            <a:r>
-              <a:rPr lang="en-US" sz="1900" dirty="0">
-                <a:effectLst/>
-              </a:rPr>
-              <a:t>Una </a:t>
-            </a:r>
-            <a:r>
-              <a:rPr lang="en-US" sz="1900" dirty="0" err="1">
-                <a:effectLst/>
-              </a:rPr>
-              <a:t>tabla</a:t>
-            </a:r>
-            <a:r>
-              <a:rPr lang="en-US" sz="1900" dirty="0">
-                <a:effectLst/>
-              </a:rPr>
-              <a:t> se </a:t>
-            </a:r>
-            <a:r>
-              <a:rPr lang="en-US" sz="1900" dirty="0" err="1">
-                <a:effectLst/>
-              </a:rPr>
-              <a:t>encuentra</a:t>
-            </a:r>
-            <a:r>
-              <a:rPr lang="en-US" sz="1900" dirty="0">
-                <a:effectLst/>
-              </a:rPr>
-              <a:t> en </a:t>
-            </a:r>
-            <a:r>
-              <a:rPr lang="en-US" sz="1900" b="1" dirty="0">
-                <a:effectLst/>
-              </a:rPr>
-              <a:t>2FN</a:t>
-            </a:r>
-            <a:r>
-              <a:rPr lang="en-US" sz="1900" dirty="0">
-                <a:effectLst/>
-              </a:rPr>
-              <a:t> </a:t>
-            </a:r>
-            <a:r>
-              <a:rPr lang="en-US" sz="1900" dirty="0" err="1">
-                <a:effectLst/>
-              </a:rPr>
-              <a:t>cuando</a:t>
-            </a:r>
-            <a:r>
-              <a:rPr lang="en-US" sz="1900" dirty="0">
-                <a:effectLst/>
-              </a:rPr>
-              <a:t> </a:t>
-            </a:r>
-            <a:r>
-              <a:rPr lang="en-US" sz="1900" dirty="0" err="1">
-                <a:effectLst/>
-              </a:rPr>
-              <a:t>está</a:t>
-            </a:r>
-            <a:r>
-              <a:rPr lang="en-US" sz="1900" dirty="0">
-                <a:effectLst/>
-              </a:rPr>
-              <a:t> en 1FN y no </a:t>
-            </a:r>
-            <a:r>
-              <a:rPr lang="en-US" sz="1900" dirty="0" err="1">
-                <a:effectLst/>
-              </a:rPr>
-              <a:t>existen</a:t>
-            </a:r>
-            <a:r>
-              <a:rPr lang="en-US" sz="1900" dirty="0">
-                <a:effectLst/>
-              </a:rPr>
-              <a:t> </a:t>
-            </a:r>
-            <a:r>
-              <a:rPr lang="en-US" sz="1900" dirty="0" err="1">
-                <a:effectLst/>
-              </a:rPr>
-              <a:t>dependencias</a:t>
-            </a:r>
-            <a:r>
-              <a:rPr lang="en-US" sz="1900" dirty="0">
-                <a:effectLst/>
-              </a:rPr>
-              <a:t> </a:t>
-            </a:r>
-            <a:r>
-              <a:rPr lang="en-US" sz="1900" dirty="0" err="1">
-                <a:effectLst/>
-              </a:rPr>
-              <a:t>parciales</a:t>
-            </a:r>
-            <a:r>
-              <a:rPr lang="en-US" sz="1900" dirty="0">
-                <a:effectLst/>
-              </a:rPr>
-              <a:t>, lo </a:t>
-            </a:r>
-            <a:r>
-              <a:rPr lang="en-US" sz="1900" dirty="0" err="1">
-                <a:effectLst/>
-              </a:rPr>
-              <a:t>cual</a:t>
-            </a:r>
-            <a:r>
-              <a:rPr lang="en-US" sz="1900" dirty="0">
-                <a:effectLst/>
-              </a:rPr>
-              <a:t> </a:t>
-            </a:r>
-            <a:r>
-              <a:rPr lang="en-US" sz="1900" dirty="0" err="1">
-                <a:effectLst/>
-              </a:rPr>
-              <a:t>significa</a:t>
-            </a:r>
-            <a:r>
-              <a:rPr lang="en-US" sz="1900" dirty="0">
-                <a:effectLst/>
-              </a:rPr>
-              <a:t>, que un </a:t>
-            </a:r>
-            <a:r>
-              <a:rPr lang="en-US" sz="1900" dirty="0" err="1">
-                <a:effectLst/>
-              </a:rPr>
-              <a:t>atributo</a:t>
-            </a:r>
-            <a:r>
-              <a:rPr lang="en-US" sz="1900" dirty="0">
-                <a:effectLst/>
-              </a:rPr>
-              <a:t> no clave no </a:t>
-            </a:r>
-            <a:r>
-              <a:rPr lang="en-US" sz="1900" dirty="0" err="1">
-                <a:effectLst/>
-              </a:rPr>
-              <a:t>depende</a:t>
-            </a:r>
-            <a:r>
-              <a:rPr lang="en-US" sz="1900" dirty="0">
-                <a:effectLst/>
-              </a:rPr>
-              <a:t> de </a:t>
-            </a:r>
-            <a:r>
-              <a:rPr lang="en-US" sz="1900" dirty="0" err="1">
-                <a:effectLst/>
-              </a:rPr>
-              <a:t>otros</a:t>
-            </a:r>
-            <a:r>
-              <a:rPr lang="en-US" sz="1900" dirty="0">
-                <a:effectLst/>
-              </a:rPr>
-              <a:t> </a:t>
-            </a:r>
-            <a:r>
-              <a:rPr lang="en-US" sz="1900" dirty="0" err="1">
-                <a:effectLst/>
-              </a:rPr>
-              <a:t>atributos</a:t>
-            </a:r>
-            <a:r>
-              <a:rPr lang="en-US" sz="1900" dirty="0">
-                <a:effectLst/>
-              </a:rPr>
-              <a:t> no clave.</a:t>
-            </a:r>
-          </a:p>
-          <a:p>
-            <a:pPr marL="342900" lvl="0">
-              <a:spcBef>
-                <a:spcPts val="600"/>
-              </a:spcBef>
-            </a:pPr>
-            <a:r>
-              <a:rPr lang="en-US" sz="1900" dirty="0">
-                <a:effectLst/>
-              </a:rPr>
-              <a:t>Una </a:t>
-            </a:r>
-            <a:r>
-              <a:rPr lang="en-US" sz="1900" dirty="0" err="1">
-                <a:effectLst/>
-              </a:rPr>
-              <a:t>tabla</a:t>
-            </a:r>
-            <a:r>
-              <a:rPr lang="en-US" sz="1900" dirty="0">
-                <a:effectLst/>
-              </a:rPr>
-              <a:t> se </a:t>
-            </a:r>
-            <a:r>
-              <a:rPr lang="en-US" sz="1900" dirty="0" err="1">
-                <a:effectLst/>
-              </a:rPr>
-              <a:t>encuentra</a:t>
-            </a:r>
-            <a:r>
-              <a:rPr lang="en-US" sz="1900" dirty="0">
-                <a:effectLst/>
-              </a:rPr>
-              <a:t> en </a:t>
-            </a:r>
-            <a:r>
-              <a:rPr lang="en-US" sz="1900" b="1" dirty="0">
-                <a:effectLst/>
-              </a:rPr>
-              <a:t>3FN</a:t>
-            </a:r>
-            <a:r>
-              <a:rPr lang="en-US" sz="1900" dirty="0">
-                <a:effectLst/>
-              </a:rPr>
-              <a:t> </a:t>
-            </a:r>
-            <a:r>
-              <a:rPr lang="en-US" sz="1900" dirty="0" err="1">
-                <a:effectLst/>
-              </a:rPr>
-              <a:t>cuando</a:t>
-            </a:r>
-            <a:r>
-              <a:rPr lang="en-US" sz="1900" dirty="0">
-                <a:effectLst/>
-              </a:rPr>
-              <a:t> </a:t>
-            </a:r>
-            <a:r>
-              <a:rPr lang="en-US" sz="1900" dirty="0" err="1">
-                <a:effectLst/>
-              </a:rPr>
-              <a:t>está</a:t>
-            </a:r>
-            <a:r>
-              <a:rPr lang="en-US" sz="1900" dirty="0">
-                <a:effectLst/>
-              </a:rPr>
-              <a:t> en 2FN y </a:t>
-            </a:r>
-            <a:r>
-              <a:rPr lang="en-US" sz="1900" dirty="0" err="1">
-                <a:effectLst/>
-              </a:rPr>
-              <a:t>cada</a:t>
-            </a:r>
-            <a:r>
-              <a:rPr lang="en-US" sz="1900" dirty="0">
-                <a:effectLst/>
-              </a:rPr>
-              <a:t> </a:t>
-            </a:r>
-            <a:r>
-              <a:rPr lang="en-US" sz="1900" dirty="0" err="1">
-                <a:effectLst/>
-              </a:rPr>
-              <a:t>atributo</a:t>
-            </a:r>
-            <a:r>
-              <a:rPr lang="en-US" sz="1900" dirty="0">
-                <a:effectLst/>
-              </a:rPr>
-              <a:t> no clave </a:t>
-            </a:r>
-            <a:r>
-              <a:rPr lang="en-US" sz="1900" dirty="0" err="1">
-                <a:effectLst/>
-              </a:rPr>
-              <a:t>depende</a:t>
-            </a:r>
-            <a:r>
-              <a:rPr lang="en-US" sz="1900" dirty="0">
-                <a:effectLst/>
-              </a:rPr>
-              <a:t> </a:t>
-            </a:r>
-            <a:r>
-              <a:rPr lang="en-US" sz="1900" dirty="0" err="1">
-                <a:effectLst/>
-              </a:rPr>
-              <a:t>únicamente</a:t>
-            </a:r>
-            <a:r>
-              <a:rPr lang="en-US" sz="1900" dirty="0">
-                <a:effectLst/>
-              </a:rPr>
-              <a:t> de </a:t>
-            </a:r>
-            <a:r>
-              <a:rPr lang="en-US" sz="1900" dirty="0" err="1">
-                <a:effectLst/>
-              </a:rPr>
-              <a:t>atributos</a:t>
-            </a:r>
-            <a:r>
-              <a:rPr lang="en-US" sz="1900" dirty="0">
-                <a:effectLst/>
-              </a:rPr>
-              <a:t> clave.</a:t>
-            </a:r>
-          </a:p>
-          <a:p>
-            <a:pPr marL="0"/>
-            <a:endParaRPr lang="en-US" sz="1900" dirty="0"/>
-          </a:p>
-        </p:txBody>
-      </p:sp>
-      <p:sp>
-        <p:nvSpPr>
-          <p:cNvPr id="4" name="CuadroTexto 3">
-            <a:extLst>
-              <a:ext uri="{FF2B5EF4-FFF2-40B4-BE49-F238E27FC236}">
-                <a16:creationId xmlns:a16="http://schemas.microsoft.com/office/drawing/2014/main" id="{E1E26380-A612-7F4E-94F9-98859B522A18}"/>
-              </a:ext>
-            </a:extLst>
-          </p:cNvPr>
-          <p:cNvSpPr txBox="1"/>
-          <p:nvPr/>
-        </p:nvSpPr>
-        <p:spPr>
-          <a:xfrm>
-            <a:off x="6256020" y="2177456"/>
-            <a:ext cx="5097780" cy="3795748"/>
-          </a:xfrm>
-          <a:prstGeom prst="rect">
-            <a:avLst/>
-          </a:prstGeom>
-        </p:spPr>
-        <p:txBody>
-          <a:bodyPr vert="horz" lIns="91440" tIns="45720" rIns="91440" bIns="45720" rtlCol="0">
-            <a:normAutofit/>
-          </a:bodyPr>
-          <a:lstStyle/>
-          <a:p>
-            <a:pPr indent="-228600">
-              <a:lnSpc>
-                <a:spcPct val="90000"/>
-              </a:lnSpc>
-              <a:spcAft>
-                <a:spcPts val="600"/>
-              </a:spcAft>
-              <a:buFont typeface="Arial" panose="020B0604020202020204" pitchFamily="34" charset="0"/>
-              <a:buChar char="•"/>
-            </a:pPr>
-            <a:r>
-              <a:rPr lang="en-US" sz="2400"/>
-              <a:t>AKA LA SOLUCION</a:t>
-            </a:r>
-          </a:p>
-        </p:txBody>
-      </p:sp>
-      <p:sp>
-        <p:nvSpPr>
           <p:cNvPr id="21" name="Subtítulo 2">
             <a:extLst>
               <a:ext uri="{FF2B5EF4-FFF2-40B4-BE49-F238E27FC236}">
@@ -12924,8 +16004,280 @@
             </a:pPr>
             <a:r>
               <a:rPr lang="es-ES" sz="1100" b="1" dirty="0"/>
-              <a:t> Desarrollo de Aplicaciones Multiplataforma</a:t>
-            </a:r>
+              <a:t>1º Desarrollo de Aplicaciones Multiplataforma</a:t>
+            </a:r>
+          </a:p>
+        </p:txBody>
+      </p:sp>
+      <p:sp>
+        <p:nvSpPr>
+          <p:cNvPr id="7" name="CuadroTexto 6">
+            <a:extLst>
+              <a:ext uri="{FF2B5EF4-FFF2-40B4-BE49-F238E27FC236}">
+                <a16:creationId xmlns:a16="http://schemas.microsoft.com/office/drawing/2014/main" id="{40075B93-DA42-8EE6-8E9E-3B1E62801C12}"/>
+              </a:ext>
+            </a:extLst>
+          </p:cNvPr>
+          <p:cNvSpPr txBox="1"/>
+          <p:nvPr/>
+        </p:nvSpPr>
+        <p:spPr>
+          <a:xfrm>
+            <a:off x="1007533" y="1820333"/>
+            <a:ext cx="10210800" cy="2854243"/>
+          </a:xfrm>
+          <a:prstGeom prst="rect">
+            <a:avLst/>
+          </a:prstGeom>
+          <a:noFill/>
+        </p:spPr>
+        <p:txBody>
+          <a:bodyPr wrap="square" rtlCol="0">
+            <a:spAutoFit/>
+          </a:bodyPr>
+          <a:lstStyle/>
+          <a:p>
+            <a:pPr>
+              <a:lnSpc>
+                <a:spcPct val="107000"/>
+              </a:lnSpc>
+              <a:spcAft>
+                <a:spcPts val="800"/>
+              </a:spcAft>
+            </a:pPr>
+            <a:r>
+              <a:rPr lang="es-ES" sz="1800" b="1" u="sng" dirty="0">
+                <a:effectLst/>
+                <a:latin typeface="Calibri" panose="020F0502020204030204" pitchFamily="34" charset="0"/>
+                <a:ea typeface="Calibri" panose="020F0502020204030204" pitchFamily="34" charset="0"/>
+                <a:cs typeface="Times New Roman" panose="02020603050405020304" pitchFamily="18" charset="0"/>
+                <a:hlinkClick r:id="rId2" action="ppaction://hlinksldjump">
+                  <a:extLst>
+                    <a:ext uri="{A12FA001-AC4F-418D-AE19-62706E023703}">
+                      <ahyp:hlinkClr xmlns:ahyp="http://schemas.microsoft.com/office/drawing/2018/hyperlinkcolor" val="tx"/>
+                    </a:ext>
+                  </a:extLst>
+                </a:hlinkClick>
+              </a:rPr>
+              <a:t>1FN</a:t>
+            </a:r>
+            <a:r>
+              <a:rPr lang="es-ES" sz="1800" dirty="0">
+                <a:effectLst/>
+                <a:latin typeface="Calibri" panose="020F0502020204030204" pitchFamily="34" charset="0"/>
+                <a:ea typeface="Calibri" panose="020F0502020204030204" pitchFamily="34" charset="0"/>
+                <a:cs typeface="Times New Roman" panose="02020603050405020304" pitchFamily="18" charset="0"/>
+              </a:rPr>
+              <a:t>  En la  tabla </a:t>
+            </a:r>
+            <a:r>
+              <a:rPr lang="es-ES" sz="1800" b="1" dirty="0">
+                <a:effectLst/>
+                <a:latin typeface="Calibri" panose="020F0502020204030204" pitchFamily="34" charset="0"/>
+                <a:ea typeface="Calibri" panose="020F0502020204030204" pitchFamily="34" charset="0"/>
+                <a:cs typeface="Times New Roman" panose="02020603050405020304" pitchFamily="18" charset="0"/>
+              </a:rPr>
+              <a:t>USUARIO</a:t>
+            </a:r>
+            <a:r>
+              <a:rPr lang="es-ES" sz="1800" dirty="0">
+                <a:effectLst/>
+                <a:latin typeface="Calibri" panose="020F0502020204030204" pitchFamily="34" charset="0"/>
+                <a:ea typeface="Calibri" panose="020F0502020204030204" pitchFamily="34" charset="0"/>
+                <a:cs typeface="Times New Roman" panose="02020603050405020304" pitchFamily="18" charset="0"/>
+              </a:rPr>
+              <a:t> en la columna de </a:t>
+            </a:r>
+            <a:r>
+              <a:rPr lang="es-ES" sz="1800" b="1" dirty="0">
+                <a:effectLst/>
+                <a:latin typeface="Calibri" panose="020F0502020204030204" pitchFamily="34" charset="0"/>
+                <a:ea typeface="Calibri" panose="020F0502020204030204" pitchFamily="34" charset="0"/>
+                <a:cs typeface="Times New Roman" panose="02020603050405020304" pitchFamily="18" charset="0"/>
+              </a:rPr>
+              <a:t>ALERGIAS_USUARIO</a:t>
+            </a:r>
+            <a:r>
+              <a:rPr lang="es-ES" sz="1800" dirty="0">
+                <a:effectLst/>
+                <a:latin typeface="Calibri" panose="020F0502020204030204" pitchFamily="34" charset="0"/>
+                <a:ea typeface="Calibri" panose="020F0502020204030204" pitchFamily="34" charset="0"/>
+                <a:cs typeface="Times New Roman" panose="02020603050405020304" pitchFamily="18" charset="0"/>
+              </a:rPr>
+              <a:t> es atómica debido a que se puede descomponer en varias alergias, en la tabla evento, en la columna </a:t>
+            </a:r>
+            <a:r>
+              <a:rPr lang="es-ES" sz="1800" dirty="0" err="1">
+                <a:effectLst/>
+                <a:latin typeface="Calibri" panose="020F0502020204030204" pitchFamily="34" charset="0"/>
+                <a:ea typeface="Calibri" panose="020F0502020204030204" pitchFamily="34" charset="0"/>
+                <a:cs typeface="Times New Roman" panose="02020603050405020304" pitchFamily="18" charset="0"/>
+              </a:rPr>
+              <a:t>número_sala</a:t>
+            </a:r>
+            <a:r>
+              <a:rPr lang="es-ES" sz="1800" dirty="0">
+                <a:effectLst/>
+                <a:latin typeface="Calibri" panose="020F0502020204030204" pitchFamily="34" charset="0"/>
+                <a:ea typeface="Calibri" panose="020F0502020204030204" pitchFamily="34" charset="0"/>
+                <a:cs typeface="Times New Roman" panose="02020603050405020304" pitchFamily="18" charset="0"/>
+              </a:rPr>
+              <a:t> hay que tener en cuenta que un evento, se realiza en una sola sala. </a:t>
+            </a:r>
+          </a:p>
+          <a:p>
+            <a:pPr>
+              <a:lnSpc>
+                <a:spcPct val="107000"/>
+              </a:lnSpc>
+              <a:spcAft>
+                <a:spcPts val="800"/>
+              </a:spcAft>
+            </a:pPr>
+            <a:r>
+              <a:rPr lang="es-ES" sz="1800" dirty="0">
+                <a:effectLst/>
+                <a:latin typeface="Calibri" panose="020F0502020204030204" pitchFamily="34" charset="0"/>
+                <a:ea typeface="Calibri" panose="020F0502020204030204" pitchFamily="34" charset="0"/>
+                <a:cs typeface="Times New Roman" panose="02020603050405020304" pitchFamily="18" charset="0"/>
+              </a:rPr>
+              <a:t>Su soluci</a:t>
+            </a:r>
+            <a:r>
+              <a:rPr lang="es-ES" dirty="0">
+                <a:latin typeface="Calibri" panose="020F0502020204030204" pitchFamily="34" charset="0"/>
+                <a:ea typeface="Calibri" panose="020F0502020204030204" pitchFamily="34" charset="0"/>
+                <a:cs typeface="Times New Roman" panose="02020603050405020304" pitchFamily="18" charset="0"/>
+              </a:rPr>
+              <a:t>ón </a:t>
+            </a:r>
+            <a:r>
+              <a:rPr lang="es-ES" sz="1800" dirty="0">
+                <a:effectLst/>
+                <a:latin typeface="Calibri" panose="020F0502020204030204" pitchFamily="34" charset="0"/>
+                <a:ea typeface="Calibri" panose="020F0502020204030204" pitchFamily="34" charset="0"/>
+                <a:cs typeface="Times New Roman" panose="02020603050405020304" pitchFamily="18" charset="0"/>
+              </a:rPr>
+              <a:t>seria crear </a:t>
+            </a:r>
+            <a:r>
+              <a:rPr lang="es-ES" dirty="0">
+                <a:latin typeface="Calibri" panose="020F0502020204030204" pitchFamily="34" charset="0"/>
+                <a:ea typeface="Calibri" panose="020F0502020204030204" pitchFamily="34" charset="0"/>
+                <a:cs typeface="Times New Roman" panose="02020603050405020304" pitchFamily="18" charset="0"/>
+              </a:rPr>
+              <a:t>una tabla denominada </a:t>
+            </a:r>
+            <a:r>
+              <a:rPr lang="es-ES" b="1" dirty="0">
+                <a:latin typeface="Calibri" panose="020F0502020204030204" pitchFamily="34" charset="0"/>
+                <a:ea typeface="Calibri" panose="020F0502020204030204" pitchFamily="34" charset="0"/>
+                <a:cs typeface="Times New Roman" panose="02020603050405020304" pitchFamily="18" charset="0"/>
+              </a:rPr>
+              <a:t>ALERGIA_USUARIO</a:t>
+            </a:r>
+            <a:endParaRPr lang="es-ES" sz="1800" b="1" dirty="0">
+              <a:effectLst/>
+              <a:latin typeface="Calibri" panose="020F0502020204030204" pitchFamily="34" charset="0"/>
+              <a:ea typeface="Calibri" panose="020F0502020204030204" pitchFamily="34" charset="0"/>
+              <a:cs typeface="Times New Roman" panose="02020603050405020304" pitchFamily="18" charset="0"/>
+            </a:endParaRPr>
+          </a:p>
+          <a:p>
+            <a:pPr>
+              <a:lnSpc>
+                <a:spcPct val="107000"/>
+              </a:lnSpc>
+              <a:spcAft>
+                <a:spcPts val="800"/>
+              </a:spcAft>
+            </a:pPr>
+            <a:r>
+              <a:rPr lang="es-ES" sz="1800" b="1" u="sng" dirty="0">
+                <a:effectLst/>
+                <a:latin typeface="Calibri" panose="020F0502020204030204" pitchFamily="34" charset="0"/>
+                <a:ea typeface="Calibri" panose="020F0502020204030204" pitchFamily="34" charset="0"/>
+                <a:cs typeface="Times New Roman" panose="02020603050405020304" pitchFamily="18" charset="0"/>
+                <a:hlinkClick r:id="rId2" action="ppaction://hlinksldjump">
+                  <a:extLst>
+                    <a:ext uri="{A12FA001-AC4F-418D-AE19-62706E023703}">
+                      <ahyp:hlinkClr xmlns:ahyp="http://schemas.microsoft.com/office/drawing/2018/hyperlinkcolor" val="tx"/>
+                    </a:ext>
+                  </a:extLst>
+                </a:hlinkClick>
+              </a:rPr>
+              <a:t>2FN</a:t>
+            </a:r>
+            <a:r>
+              <a:rPr lang="es-ES" sz="1800" dirty="0">
+                <a:effectLst/>
+                <a:latin typeface="Calibri" panose="020F0502020204030204" pitchFamily="34" charset="0"/>
+                <a:ea typeface="Calibri" panose="020F0502020204030204" pitchFamily="34" charset="0"/>
+                <a:cs typeface="Times New Roman" panose="02020603050405020304" pitchFamily="18" charset="0"/>
+              </a:rPr>
+              <a:t> </a:t>
+            </a:r>
+            <a:r>
+              <a:rPr lang="es-ES" dirty="0">
+                <a:latin typeface="Calibri" panose="020F0502020204030204" pitchFamily="34" charset="0"/>
+                <a:ea typeface="Calibri" panose="020F0502020204030204" pitchFamily="34" charset="0"/>
+                <a:cs typeface="Times New Roman" panose="02020603050405020304" pitchFamily="18" charset="0"/>
+              </a:rPr>
+              <a:t> Esta en segunda Forma Normal </a:t>
+            </a:r>
+            <a:r>
+              <a:rPr lang="es-ES" sz="1800" dirty="0">
+                <a:effectLst/>
+                <a:latin typeface="Calibri" panose="020F0502020204030204" pitchFamily="34" charset="0"/>
+                <a:ea typeface="Calibri" panose="020F0502020204030204" pitchFamily="34" charset="0"/>
+                <a:cs typeface="Times New Roman" panose="02020603050405020304" pitchFamily="18" charset="0"/>
+              </a:rPr>
+              <a:t>debido a que hemos no visto que ningún atributo de las tablas que se relacionen con su Primary Key.</a:t>
+            </a:r>
+          </a:p>
+          <a:p>
+            <a:pPr>
+              <a:lnSpc>
+                <a:spcPct val="107000"/>
+              </a:lnSpc>
+              <a:spcAft>
+                <a:spcPts val="800"/>
+              </a:spcAft>
+            </a:pPr>
+            <a:r>
+              <a:rPr lang="es-ES" sz="1800" b="1" u="sng" dirty="0">
+                <a:effectLst/>
+                <a:latin typeface="Calibri" panose="020F0502020204030204" pitchFamily="34" charset="0"/>
+                <a:ea typeface="Calibri" panose="020F0502020204030204" pitchFamily="34" charset="0"/>
+                <a:cs typeface="Times New Roman" panose="02020603050405020304" pitchFamily="18" charset="0"/>
+                <a:hlinkClick r:id="rId2" action="ppaction://hlinksldjump">
+                  <a:extLst>
+                    <a:ext uri="{A12FA001-AC4F-418D-AE19-62706E023703}">
+                      <ahyp:hlinkClr xmlns:ahyp="http://schemas.microsoft.com/office/drawing/2018/hyperlinkcolor" val="tx"/>
+                    </a:ext>
+                  </a:extLst>
+                </a:hlinkClick>
+              </a:rPr>
+              <a:t>3FN</a:t>
+            </a:r>
+            <a:r>
+              <a:rPr lang="es-ES" sz="1800" b="1" u="sng" dirty="0">
+                <a:effectLst/>
+                <a:latin typeface="Calibri" panose="020F0502020204030204" pitchFamily="34" charset="0"/>
+                <a:ea typeface="Calibri" panose="020F0502020204030204" pitchFamily="34" charset="0"/>
+                <a:cs typeface="Times New Roman" panose="02020603050405020304" pitchFamily="18" charset="0"/>
+              </a:rPr>
+              <a:t> </a:t>
+            </a:r>
+            <a:endParaRPr lang="es-ES" sz="1800" dirty="0">
+              <a:effectLst/>
+              <a:latin typeface="Calibri" panose="020F0502020204030204" pitchFamily="34" charset="0"/>
+              <a:ea typeface="Calibri" panose="020F0502020204030204" pitchFamily="34" charset="0"/>
+              <a:cs typeface="Times New Roman" panose="02020603050405020304" pitchFamily="18" charset="0"/>
+            </a:endParaRPr>
+          </a:p>
+          <a:p>
+            <a:endParaRPr lang="es-ES" dirty="0"/>
           </a:p>
         </p:txBody>
       </p:sp>
@@ -12998,7 +16350,7 @@
                                 </p:cTn>
                               </p:par>
                               <p:par>
-                                <p:cTn id="8" presetID="6" presetClass="entr" presetSubtype="16" fill="hold" grpId="0" nodeType="withEffect">
+                                <p:cTn id="8" presetID="10" presetClass="entr" presetSubtype="0" fill="hold" grpId="0" nodeType="withEffect">
                                   <p:stCondLst>
                                     <p:cond delay="0"/>
                                   </p:stCondLst>
@@ -13006,135 +16358,6 @@
                                     <p:set>
                                       <p:cBhvr>
                                         <p:cTn id="9" dur="1" fill="hold">
-                                          <p:stCondLst>
-                                            <p:cond delay="0"/>
-                                          </p:stCondLst>
-                                        </p:cTn>
-                                        <p:tgtEl>
-                                          <p:spTgt spid="3">
-                                            <p:txEl>
-                                              <p:pRg st="0" end="0"/>
-                                            </p:txEl>
-                                          </p:spTgt>
-                                        </p:tgtEl>
-                                        <p:attrNameLst>
-                                          <p:attrName>style.visibility</p:attrName>
-                                        </p:attrNameLst>
-                                      </p:cBhvr>
-                                      <p:to>
-                                        <p:strVal val="visible"/>
-                                      </p:to>
-                                    </p:set>
-                                    <p:animEffect transition="in" filter="circle(in)">
-                                      <p:cBhvr>
-                                        <p:cTn id="10" dur="1250"/>
-                                        <p:tgtEl>
-                                          <p:spTgt spid="3">
-                                            <p:txEl>
-                                              <p:pRg st="0" end="0"/>
-                                            </p:txEl>
-                                          </p:spTgt>
-                                        </p:tgtEl>
-                                      </p:cBhvr>
-                                    </p:animEffect>
-                                  </p:childTnLst>
-                                </p:cTn>
-                              </p:par>
-                              <p:par>
-                                <p:cTn id="11" presetID="6" presetClass="entr" presetSubtype="16" fill="hold" grpId="0" nodeType="withEffect">
-                                  <p:stCondLst>
-                                    <p:cond delay="0"/>
-                                  </p:stCondLst>
-                                  <p:childTnLst>
-                                    <p:set>
-                                      <p:cBhvr>
-                                        <p:cTn id="12" dur="1" fill="hold">
-                                          <p:stCondLst>
-                                            <p:cond delay="0"/>
-                                          </p:stCondLst>
-                                        </p:cTn>
-                                        <p:tgtEl>
-                                          <p:spTgt spid="3">
-                                            <p:txEl>
-                                              <p:pRg st="1" end="1"/>
-                                            </p:txEl>
-                                          </p:spTgt>
-                                        </p:tgtEl>
-                                        <p:attrNameLst>
-                                          <p:attrName>style.visibility</p:attrName>
-                                        </p:attrNameLst>
-                                      </p:cBhvr>
-                                      <p:to>
-                                        <p:strVal val="visible"/>
-                                      </p:to>
-                                    </p:set>
-                                    <p:animEffect transition="in" filter="circle(in)">
-                                      <p:cBhvr>
-                                        <p:cTn id="13" dur="1250"/>
-                                        <p:tgtEl>
-                                          <p:spTgt spid="3">
-                                            <p:txEl>
-                                              <p:pRg st="1" end="1"/>
-                                            </p:txEl>
-                                          </p:spTgt>
-                                        </p:tgtEl>
-                                      </p:cBhvr>
-                                    </p:animEffect>
-                                  </p:childTnLst>
-                                </p:cTn>
-                              </p:par>
-                              <p:par>
-                                <p:cTn id="14" presetID="6" presetClass="entr" presetSubtype="16" fill="hold" grpId="0" nodeType="withEffect">
-                                  <p:stCondLst>
-                                    <p:cond delay="0"/>
-                                  </p:stCondLst>
-                                  <p:childTnLst>
-                                    <p:set>
-                                      <p:cBhvr>
-                                        <p:cTn id="15" dur="1" fill="hold">
-                                          <p:stCondLst>
-                                            <p:cond delay="0"/>
-                                          </p:stCondLst>
-                                        </p:cTn>
-                                        <p:tgtEl>
-                                          <p:spTgt spid="3">
-                                            <p:txEl>
-                                              <p:pRg st="2" end="2"/>
-                                            </p:txEl>
-                                          </p:spTgt>
-                                        </p:tgtEl>
-                                        <p:attrNameLst>
-                                          <p:attrName>style.visibility</p:attrName>
-                                        </p:attrNameLst>
-                                      </p:cBhvr>
-                                      <p:to>
-                                        <p:strVal val="visible"/>
-                                      </p:to>
-                                    </p:set>
-                                    <p:animEffect transition="in" filter="circle(in)">
-                                      <p:cBhvr>
-                                        <p:cTn id="16" dur="1250"/>
-                                        <p:tgtEl>
-                                          <p:spTgt spid="3">
-                                            <p:txEl>
-                                              <p:pRg st="2" end="2"/>
-                                            </p:txEl>
-                                          </p:spTgt>
-                                        </p:tgtEl>
-                                      </p:cBhvr>
-                                    </p:animEffect>
-                                  </p:childTnLst>
-                                </p:cTn>
-                              </p:par>
-                              <p:par>
-                                <p:cTn id="17" presetID="10" presetClass="entr" presetSubtype="0" fill="hold" grpId="0" nodeType="withEffect">
-                                  <p:stCondLst>
-                                    <p:cond delay="0"/>
-                                  </p:stCondLst>
-                                  <p:childTnLst>
-                                    <p:set>
-                                      <p:cBhvr>
-                                        <p:cTn id="18" dur="1" fill="hold">
                                           <p:stCondLst>
                                             <p:cond delay="0"/>
                                           </p:stCondLst>
@@ -13152,7 +16375,7 @@
                                     </p:set>
                                     <p:animEffect transition="in" filter="fade">
                                       <p:cBhvr>
-                                        <p:cTn id="19" dur="500"/>
+                                        <p:cTn id="10" dur="500"/>
                                         <p:tgtEl>
                                           <p:spTgt spid="21"/>
                                         </p:tgtEl>
@@ -13190,7 +16413,6 @@
     </p:tnLst>
     <p:bldLst>
       <p:bldP spid="2" grpId="0"/>
-      <p:bldP spid="3" grpId="0" build="p"/>
       <p:bldP spid="21" grpId="0"/>
     </p:bldLst>
   </p:timing>
@@ -13198,6 +16420,509 @@
 </file>
 
 <file path=ppt/slides/slide8.xml><?xml version="1.0" encoding="utf-8"?>
+<p:sld xmlns:a="http://schemas.openxmlformats.org/drawingml/2006/main" xmlns:r="http://schemas.openxmlformats.org/officeDocument/2006/relationships" xmlns:p="http://schemas.openxmlformats.org/presentationml/2006/main">
+  <p:cSld>
+    <p:bg>
+      <p:bgPr>
+        <a:solidFill>
+          <a:schemeClr val="bg1"/>
+        </a:solidFill>
+        <a:effectLst/>
+      </p:bgPr>
+    </p:bg>
+    <p:spTree>
+      <p:nvGrpSpPr>
+        <p:cNvPr id="1" name=""/>
+        <p:cNvGrpSpPr/>
+        <p:nvPr/>
+      </p:nvGrpSpPr>
+      <p:grpSpPr>
+        <a:xfrm>
+          <a:off x="0" y="0"/>
+          <a:ext cx="0" cy="0"/>
+          <a:chOff x="0" y="0"/>
+          <a:chExt cx="0" cy="0"/>
+        </a:xfrm>
+      </p:grpSpPr>
+      <p:sp>
+        <p:nvSpPr>
+          <p:cNvPr id="27" name="Rectangle 8">
+            <a:extLst>
+              <a:ext uri="{FF2B5EF4-FFF2-40B4-BE49-F238E27FC236}">
+                <a16:creationId xmlns:a16="http://schemas.microsoft.com/office/drawing/2014/main" id="{B36F400F-DF28-43BC-8D8E-4929793B392A}"/>
+              </a:ext>
+              <a:ext uri="{C183D7F6-B498-43B3-948B-1728B52AA6E4}">
+                <adec:decorative xmlns:adec="http://schemas.microsoft.com/office/drawing/2017/decorative" val="1"/>
+              </a:ext>
+            </a:extLst>
+          </p:cNvPr>
+          <p:cNvSpPr>
+            <a:spLocks noGrp="1" noRot="1" noChangeAspect="1" noMove="1" noResize="1" noEditPoints="1" noAdjustHandles="1" noChangeArrowheads="1" noChangeShapeType="1" noTextEdit="1"/>
+          </p:cNvSpPr>
+          <p:nvPr>
+            <p:extLst>
+              <p:ext uri="{386F3935-93C4-4BCD-93E2-E3B085C9AB24}">
+                <p16:designElem xmlns:p16="http://schemas.microsoft.com/office/powerpoint/2015/main" val="1"/>
+              </p:ext>
+            </p:extLst>
+          </p:nvPr>
+        </p:nvSpPr>
+        <p:spPr bwMode="ltGray">
+          <a:xfrm>
+            <a:off x="321564" y="320040"/>
+            <a:ext cx="11548872" cy="6217920"/>
+          </a:xfrm>
+          <a:prstGeom prst="rect">
+            <a:avLst/>
+          </a:prstGeom>
+          <a:solidFill>
+            <a:schemeClr val="tx1">
+              <a:alpha val="15000"/>
+            </a:schemeClr>
+          </a:solidFill>
+          <a:ln w="127000" cap="sq" cmpd="thinThick">
+            <a:solidFill>
+              <a:schemeClr val="tx1">
+                <a:alpha val="10000"/>
+              </a:schemeClr>
+            </a:solidFill>
+          </a:ln>
+        </p:spPr>
+        <p:style>
+          <a:lnRef idx="2">
+            <a:schemeClr val="accent1">
+              <a:shade val="50000"/>
+            </a:schemeClr>
+          </a:lnRef>
+          <a:fillRef idx="1">
+            <a:schemeClr val="accent1"/>
+          </a:fillRef>
+          <a:effectRef idx="0">
+            <a:schemeClr val="accent1"/>
+          </a:effectRef>
+          <a:fontRef idx="minor">
+            <a:schemeClr val="lt1"/>
+          </a:fontRef>
+        </p:style>
+        <p:txBody>
+          <a:bodyPr rtlCol="0" anchor="ctr"/>
+          <a:lstStyle/>
+          <a:p>
+            <a:pPr algn="ctr"/>
+            <a:endParaRPr lang="en-US"/>
+          </a:p>
+        </p:txBody>
+      </p:sp>
+      <p:sp>
+        <p:nvSpPr>
+          <p:cNvPr id="2" name="Título 1">
+            <a:extLst>
+              <a:ext uri="{FF2B5EF4-FFF2-40B4-BE49-F238E27FC236}">
+                <a16:creationId xmlns:a16="http://schemas.microsoft.com/office/drawing/2014/main" id="{400E464F-1314-B568-7E7B-24D9AC022012}"/>
+              </a:ext>
+            </a:extLst>
+          </p:cNvPr>
+          <p:cNvSpPr>
+            <a:spLocks noGrp="1"/>
+          </p:cNvSpPr>
+          <p:nvPr>
+            <p:ph type="title"/>
+          </p:nvPr>
+        </p:nvSpPr>
+        <p:spPr>
+          <a:xfrm>
+            <a:off x="838200" y="668377"/>
+            <a:ext cx="10515600" cy="1325563"/>
+          </a:xfrm>
+        </p:spPr>
+        <p:txBody>
+          <a:bodyPr vert="horz" lIns="91440" tIns="45720" rIns="91440" bIns="45720" rtlCol="0" anchor="ctr">
+            <a:normAutofit/>
+          </a:bodyPr>
+          <a:lstStyle/>
+          <a:p>
+            <a:r>
+              <a:rPr lang="en-US" kern="1200" dirty="0">
+                <a:solidFill>
+                  <a:schemeClr val="tx1"/>
+                </a:solidFill>
+                <a:latin typeface="+mj-lt"/>
+                <a:ea typeface="+mj-ea"/>
+                <a:cs typeface="+mj-cs"/>
+              </a:rPr>
+              <a:t>TABLA NORMALIZADA</a:t>
+            </a:r>
+          </a:p>
+        </p:txBody>
+      </p:sp>
+      <p:sp>
+        <p:nvSpPr>
+          <p:cNvPr id="21" name="Subtítulo 2">
+            <a:extLst>
+              <a:ext uri="{FF2B5EF4-FFF2-40B4-BE49-F238E27FC236}">
+                <a16:creationId xmlns:a16="http://schemas.microsoft.com/office/drawing/2014/main" id="{EA404B70-F063-ABA2-651D-AE3536A6612D}"/>
+              </a:ext>
+            </a:extLst>
+          </p:cNvPr>
+          <p:cNvSpPr txBox="1">
+            <a:spLocks/>
+          </p:cNvSpPr>
+          <p:nvPr/>
+        </p:nvSpPr>
+        <p:spPr>
+          <a:xfrm>
+            <a:off x="9014791" y="5439565"/>
+            <a:ext cx="3015665" cy="1098395"/>
+          </a:xfrm>
+          <a:prstGeom prst="rect">
+            <a:avLst/>
+          </a:prstGeom>
+        </p:spPr>
+        <p:txBody>
+          <a:bodyPr vert="horz" lIns="91440" tIns="45720" rIns="91440" bIns="45720" rtlCol="0">
+            <a:normAutofit/>
+          </a:bodyPr>
+          <a:lstStyle>
+            <a:lvl1pPr marL="228600" indent="-228600" algn="l" defTabSz="914400" rtl="0" eaLnBrk="1" latinLnBrk="0" hangingPunct="1">
+              <a:lnSpc>
+                <a:spcPct val="90000"/>
+              </a:lnSpc>
+              <a:spcBef>
+                <a:spcPts val="1000"/>
+              </a:spcBef>
+              <a:buFont typeface="Arial" panose="020B0604020202020204" pitchFamily="34" charset="0"/>
+              <a:buChar char="•"/>
+              <a:defRPr sz="2800" kern="1200">
+                <a:solidFill>
+                  <a:schemeClr val="tx1"/>
+                </a:solidFill>
+                <a:latin typeface="+mn-lt"/>
+                <a:ea typeface="+mn-ea"/>
+                <a:cs typeface="+mn-cs"/>
+              </a:defRPr>
+            </a:lvl1pPr>
+            <a:lvl2pPr marL="685800" indent="-228600" algn="l" defTabSz="914400" rtl="0" eaLnBrk="1" latinLnBrk="0" hangingPunct="1">
+              <a:lnSpc>
+                <a:spcPct val="90000"/>
+              </a:lnSpc>
+              <a:spcBef>
+                <a:spcPts val="500"/>
+              </a:spcBef>
+              <a:buFont typeface="Arial" panose="020B0604020202020204" pitchFamily="34" charset="0"/>
+              <a:buChar char="•"/>
+              <a:defRPr sz="2400" kern="1200">
+                <a:solidFill>
+                  <a:schemeClr val="tx1"/>
+                </a:solidFill>
+                <a:latin typeface="+mn-lt"/>
+                <a:ea typeface="+mn-ea"/>
+                <a:cs typeface="+mn-cs"/>
+              </a:defRPr>
+            </a:lvl2pPr>
+            <a:lvl3pPr marL="1143000" indent="-228600" algn="l" defTabSz="914400" rtl="0" eaLnBrk="1" latinLnBrk="0" hangingPunct="1">
+              <a:lnSpc>
+                <a:spcPct val="90000"/>
+              </a:lnSpc>
+              <a:spcBef>
+                <a:spcPts val="500"/>
+              </a:spcBef>
+              <a:buFont typeface="Arial" panose="020B0604020202020204" pitchFamily="34" charset="0"/>
+              <a:buChar char="•"/>
+              <a:defRPr sz="2000" kern="1200">
+                <a:solidFill>
+                  <a:schemeClr val="tx1"/>
+                </a:solidFill>
+                <a:latin typeface="+mn-lt"/>
+                <a:ea typeface="+mn-ea"/>
+                <a:cs typeface="+mn-cs"/>
+              </a:defRPr>
+            </a:lvl3pPr>
+            <a:lvl4pPr marL="1600200" indent="-228600" algn="l" defTabSz="914400" rtl="0" eaLnBrk="1" latinLnBrk="0" hangingPunct="1">
+              <a:lnSpc>
+                <a:spcPct val="90000"/>
+              </a:lnSpc>
+              <a:spcBef>
+                <a:spcPts val="500"/>
+              </a:spcBef>
+              <a:buFont typeface="Arial" panose="020B0604020202020204" pitchFamily="34" charset="0"/>
+              <a:buChar char="•"/>
+              <a:defRPr sz="1800" kern="1200">
+                <a:solidFill>
+                  <a:schemeClr val="tx1"/>
+                </a:solidFill>
+                <a:latin typeface="+mn-lt"/>
+                <a:ea typeface="+mn-ea"/>
+                <a:cs typeface="+mn-cs"/>
+              </a:defRPr>
+            </a:lvl4pPr>
+            <a:lvl5pPr marL="2057400" indent="-228600" algn="l" defTabSz="914400" rtl="0" eaLnBrk="1" latinLnBrk="0" hangingPunct="1">
+              <a:lnSpc>
+                <a:spcPct val="90000"/>
+              </a:lnSpc>
+              <a:spcBef>
+                <a:spcPts val="500"/>
+              </a:spcBef>
+              <a:buFont typeface="Arial" panose="020B0604020202020204" pitchFamily="34" charset="0"/>
+              <a:buChar char="•"/>
+              <a:defRPr sz="1800" kern="1200">
+                <a:solidFill>
+                  <a:schemeClr val="tx1"/>
+                </a:solidFill>
+                <a:latin typeface="+mn-lt"/>
+                <a:ea typeface="+mn-ea"/>
+                <a:cs typeface="+mn-cs"/>
+              </a:defRPr>
+            </a:lvl5pPr>
+            <a:lvl6pPr marL="2514600" indent="-228600" algn="l" defTabSz="914400" rtl="0" eaLnBrk="1" latinLnBrk="0" hangingPunct="1">
+              <a:lnSpc>
+                <a:spcPct val="90000"/>
+              </a:lnSpc>
+              <a:spcBef>
+                <a:spcPts val="500"/>
+              </a:spcBef>
+              <a:buFont typeface="Arial" panose="020B0604020202020204" pitchFamily="34" charset="0"/>
+              <a:buChar char="•"/>
+              <a:defRPr sz="1800" kern="1200">
+                <a:solidFill>
+                  <a:schemeClr val="tx1"/>
+                </a:solidFill>
+                <a:latin typeface="+mn-lt"/>
+                <a:ea typeface="+mn-ea"/>
+                <a:cs typeface="+mn-cs"/>
+              </a:defRPr>
+            </a:lvl6pPr>
+            <a:lvl7pPr marL="2971800" indent="-228600" algn="l" defTabSz="914400" rtl="0" eaLnBrk="1" latinLnBrk="0" hangingPunct="1">
+              <a:lnSpc>
+                <a:spcPct val="90000"/>
+              </a:lnSpc>
+              <a:spcBef>
+                <a:spcPts val="500"/>
+              </a:spcBef>
+              <a:buFont typeface="Arial" panose="020B0604020202020204" pitchFamily="34" charset="0"/>
+              <a:buChar char="•"/>
+              <a:defRPr sz="1800" kern="1200">
+                <a:solidFill>
+                  <a:schemeClr val="tx1"/>
+                </a:solidFill>
+                <a:latin typeface="+mn-lt"/>
+                <a:ea typeface="+mn-ea"/>
+                <a:cs typeface="+mn-cs"/>
+              </a:defRPr>
+            </a:lvl7pPr>
+            <a:lvl8pPr marL="3429000" indent="-228600" algn="l" defTabSz="914400" rtl="0" eaLnBrk="1" latinLnBrk="0" hangingPunct="1">
+              <a:lnSpc>
+                <a:spcPct val="90000"/>
+              </a:lnSpc>
+              <a:spcBef>
+                <a:spcPts val="500"/>
+              </a:spcBef>
+              <a:buFont typeface="Arial" panose="020B0604020202020204" pitchFamily="34" charset="0"/>
+              <a:buChar char="•"/>
+              <a:defRPr sz="1800" kern="1200">
+                <a:solidFill>
+                  <a:schemeClr val="tx1"/>
+                </a:solidFill>
+                <a:latin typeface="+mn-lt"/>
+                <a:ea typeface="+mn-ea"/>
+                <a:cs typeface="+mn-cs"/>
+              </a:defRPr>
+            </a:lvl8pPr>
+            <a:lvl9pPr marL="3886200" indent="-228600" algn="l" defTabSz="914400" rtl="0" eaLnBrk="1" latinLnBrk="0" hangingPunct="1">
+              <a:lnSpc>
+                <a:spcPct val="90000"/>
+              </a:lnSpc>
+              <a:spcBef>
+                <a:spcPts val="500"/>
+              </a:spcBef>
+              <a:buFont typeface="Arial" panose="020B0604020202020204" pitchFamily="34" charset="0"/>
+              <a:buChar char="•"/>
+              <a:defRPr sz="1800" kern="1200">
+                <a:solidFill>
+                  <a:schemeClr val="tx1"/>
+                </a:solidFill>
+                <a:latin typeface="+mn-lt"/>
+                <a:ea typeface="+mn-ea"/>
+                <a:cs typeface="+mn-cs"/>
+              </a:defRPr>
+            </a:lvl9pPr>
+          </a:lstStyle>
+          <a:p>
+            <a:pPr marL="0" indent="0" algn="ctr">
+              <a:buNone/>
+            </a:pPr>
+            <a:r>
+              <a:rPr lang="es-ES" sz="1100" dirty="0"/>
+              <a:t>Eduardo Martín-Sonseca Alonso</a:t>
+            </a:r>
+          </a:p>
+          <a:p>
+            <a:pPr marL="0" indent="0" algn="ctr">
+              <a:buNone/>
+            </a:pPr>
+            <a:r>
+              <a:rPr lang="es-ES" sz="1100" dirty="0"/>
+              <a:t>Noel Prieto Pardo</a:t>
+            </a:r>
+          </a:p>
+          <a:p>
+            <a:pPr marL="0" indent="0" algn="ctr">
+              <a:buNone/>
+            </a:pPr>
+            <a:r>
+              <a:rPr lang="es-ES" sz="1100" dirty="0"/>
+              <a:t>Mario Ortuñez Sanz</a:t>
+            </a:r>
+          </a:p>
+          <a:p>
+            <a:pPr marL="0" indent="0" algn="ctr">
+              <a:buNone/>
+            </a:pPr>
+            <a:r>
+              <a:rPr lang="es-ES" sz="1100" b="1" dirty="0"/>
+              <a:t>1º Desarrollo de Aplicaciones Multiplataforma</a:t>
+            </a:r>
+          </a:p>
+        </p:txBody>
+      </p:sp>
+    </p:spTree>
+    <p:extLst>
+      <p:ext uri="{BB962C8B-B14F-4D97-AF65-F5344CB8AC3E}">
+        <p14:creationId xmlns:p14="http://schemas.microsoft.com/office/powerpoint/2010/main" val="1983725726"/>
+      </p:ext>
+    </p:extLst>
+  </p:cSld>
+  <p:clrMapOvr>
+    <a:masterClrMapping/>
+  </p:clrMapOvr>
+  <p:timing>
+    <p:tnLst>
+      <p:par>
+        <p:cTn id="1" dur="indefinite" restart="never" nodeType="tmRoot">
+          <p:childTnLst>
+            <p:seq concurrent="1" nextAc="seek">
+              <p:cTn id="2" dur="indefinite" nodeType="mainSeq">
+                <p:childTnLst>
+                  <p:par>
+                    <p:cTn id="3" fill="hold">
+                      <p:stCondLst>
+                        <p:cond delay="indefinite"/>
+                        <p:cond evt="onBegin" delay="0">
+                          <p:tn val="2"/>
+                        </p:cond>
+                      </p:stCondLst>
+                      <p:childTnLst>
+                        <p:par>
+                          <p:cTn id="4" fill="hold">
+                            <p:stCondLst>
+                              <p:cond delay="0"/>
+                            </p:stCondLst>
+                            <p:childTnLst>
+                              <p:par>
+                                <p:cTn id="5" presetID="14" presetClass="entr" presetSubtype="10" fill="hold" grpId="0" nodeType="withEffect">
+                                  <p:stCondLst>
+                                    <p:cond delay="0"/>
+                                  </p:stCondLst>
+                                  <p:childTnLst>
+                                    <p:set>
+                                      <p:cBhvr>
+                                        <p:cTn id="6" dur="1" fill="hold">
+                                          <p:stCondLst>
+                                            <p:cond delay="0"/>
+                                          </p:stCondLst>
+                                        </p:cTn>
+                                        <p:tgtEl>
+                                          <p:spTgt spid="2"/>
+                                        </p:tgtEl>
+                                        <p:attrNameLst>
+                                          <p:attrName>style.visibility</p:attrName>
+                                        </p:attrNameLst>
+                                      </p:cBhvr>
+                                      <p:to>
+                                        <p:strVal val="visible"/>
+                                      </p:to>
+                                    </p:set>
+                                    <p:animEffect transition="in" filter="randombar(horizontal)">
+                                      <p:cBhvr>
+                                        <p:cTn id="7" dur="1000"/>
+                                        <p:tgtEl>
+                                          <p:spTgt spid="2"/>
+                                        </p:tgtEl>
+                                      </p:cBhvr>
+                                    </p:animEffect>
+                                  </p:childTnLst>
+                                </p:cTn>
+                              </p:par>
+                              <p:par>
+                                <p:cTn id="8" presetID="10" presetClass="entr" presetSubtype="0" fill="hold" grpId="0" nodeType="withEffect">
+                                  <p:stCondLst>
+                                    <p:cond delay="0"/>
+                                  </p:stCondLst>
+                                  <p:childTnLst>
+                                    <p:set>
+                                      <p:cBhvr>
+                                        <p:cTn id="9" dur="1" fill="hold">
+                                          <p:stCondLst>
+                                            <p:cond delay="0"/>
+                                          </p:stCondLst>
+                                        </p:cTn>
+                                        <p:tgtEl>
+                                          <p:spTgt spid="21"/>
+                                        </p:tgtEl>
+                                        <p:attrNameLst>
+                                          <p:attrName>style.visibility</p:attrName>
+                                        </p:attrNameLst>
+                                      </p:cBhvr>
+                                      <p:to>
+                                        <p:strVal val="visible"/>
+                                      </p:to>
+                                    </p:set>
+                                    <p:animEffect transition="in" filter="fade">
+                                      <p:cBhvr>
+                                        <p:cTn id="10" dur="500"/>
+                                        <p:tgtEl>
+                                          <p:spTgt spid="21"/>
+                                        </p:tgtEl>
+                                      </p:cBhvr>
+                                    </p:animEffect>
+                                  </p:childTnLst>
+                                </p:cTn>
+                              </p:par>
+                            </p:childTnLst>
+                          </p:cTn>
+                        </p:par>
+                      </p:childTnLst>
+                    </p:cTn>
+                  </p:par>
+                </p:childTnLst>
+              </p:cTn>
+              <p:prevCondLst>
+                <p:cond evt="onPrev" delay="0">
+                  <p:tgtEl>
+                    <p:sldTgt/>
+                  </p:tgtEl>
+                </p:cond>
+              </p:prevCondLst>
+              <p:nextCondLst>
+                <p:cond evt="onNext" delay="0">
+                  <p:tgtEl>
+                    <p:sldTgt/>
+                  </p:tgtEl>
+                </p:cond>
+              </p:nextCondLst>
+            </p:seq>
+          </p:childTnLst>
+        </p:cTn>
+      </p:par>
+    </p:tnLst>
+    <p:bldLst>
+      <p:bldP spid="2" grpId="0"/>
+      <p:bldP spid="21" grpId="0"/>
+    </p:bldLst>
+  </p:timing>
+</p:sld>
+</file>
+
+<file path=ppt/slides/slide9.xml><?xml version="1.0" encoding="utf-8"?>
 <p:sld xmlns:a="http://schemas.openxmlformats.org/drawingml/2006/main" xmlns:r="http://schemas.openxmlformats.org/officeDocument/2006/relationships" xmlns:p="http://schemas.openxmlformats.org/presentationml/2006/main">
   <p:cSld>
     <p:bg>
@@ -13869,383 +17594,6 @@
     <p:bldLst>
       <p:bldP spid="2" grpId="0" animBg="1"/>
       <p:bldP spid="5" grpId="0"/>
-    </p:bldLst>
-  </p:timing>
-</p:sld>
-</file>
-
-<file path=ppt/slides/slide9.xml><?xml version="1.0" encoding="utf-8"?>
-<p:sld xmlns:a="http://schemas.openxmlformats.org/drawingml/2006/main" xmlns:r="http://schemas.openxmlformats.org/officeDocument/2006/relationships" xmlns:p="http://schemas.openxmlformats.org/presentationml/2006/main">
-  <p:cSld>
-    <p:spTree>
-      <p:nvGrpSpPr>
-        <p:cNvPr id="1" name=""/>
-        <p:cNvGrpSpPr/>
-        <p:nvPr/>
-      </p:nvGrpSpPr>
-      <p:grpSpPr>
-        <a:xfrm>
-          <a:off x="0" y="0"/>
-          <a:ext cx="0" cy="0"/>
-          <a:chOff x="0" y="0"/>
-          <a:chExt cx="0" cy="0"/>
-        </a:xfrm>
-      </p:grpSpPr>
-      <p:sp>
-        <p:nvSpPr>
-          <p:cNvPr id="2" name="Título 1">
-            <a:extLst>
-              <a:ext uri="{FF2B5EF4-FFF2-40B4-BE49-F238E27FC236}">
-                <a16:creationId xmlns:a16="http://schemas.microsoft.com/office/drawing/2014/main" id="{BFF9EB36-E55D-66A4-9AFA-224249CADF38}"/>
-              </a:ext>
-            </a:extLst>
-          </p:cNvPr>
-          <p:cNvSpPr>
-            <a:spLocks noGrp="1"/>
-          </p:cNvSpPr>
-          <p:nvPr>
-            <p:ph type="title"/>
-          </p:nvPr>
-        </p:nvSpPr>
-        <p:spPr/>
-        <p:txBody>
-          <a:bodyPr/>
-          <a:lstStyle/>
-          <a:p>
-            <a:pPr algn="ctr"/>
-            <a:r>
-              <a:rPr lang="es-ES" dirty="0"/>
-              <a:t>SCRIPT</a:t>
-            </a:r>
-          </a:p>
-        </p:txBody>
-      </p:sp>
-      <p:sp>
-        <p:nvSpPr>
-          <p:cNvPr id="4" name="Subtítulo 2">
-            <a:extLst>
-              <a:ext uri="{FF2B5EF4-FFF2-40B4-BE49-F238E27FC236}">
-                <a16:creationId xmlns:a16="http://schemas.microsoft.com/office/drawing/2014/main" id="{9167FA2F-23C8-C3A3-1F18-3A3CA0B0F3AC}"/>
-              </a:ext>
-            </a:extLst>
-          </p:cNvPr>
-          <p:cNvSpPr txBox="1">
-            <a:spLocks/>
-          </p:cNvSpPr>
-          <p:nvPr/>
-        </p:nvSpPr>
-        <p:spPr>
-          <a:xfrm>
-            <a:off x="9254067" y="5791200"/>
-            <a:ext cx="2937912" cy="1042833"/>
-          </a:xfrm>
-          <a:prstGeom prst="rect">
-            <a:avLst/>
-          </a:prstGeom>
-        </p:spPr>
-        <p:txBody>
-          <a:bodyPr vert="horz" lIns="91440" tIns="45720" rIns="91440" bIns="45720" rtlCol="0">
-            <a:normAutofit lnSpcReduction="10000"/>
-          </a:bodyPr>
-          <a:lstStyle>
-            <a:lvl1pPr marL="228600" indent="-228600" algn="l" defTabSz="914400" rtl="0" eaLnBrk="1" latinLnBrk="0" hangingPunct="1">
-              <a:lnSpc>
-                <a:spcPct val="90000"/>
-              </a:lnSpc>
-              <a:spcBef>
-                <a:spcPts val="1000"/>
-              </a:spcBef>
-              <a:buFont typeface="Arial" panose="020B0604020202020204" pitchFamily="34" charset="0"/>
-              <a:buChar char="•"/>
-              <a:defRPr sz="2800" kern="1200">
-                <a:solidFill>
-                  <a:schemeClr val="tx1"/>
-                </a:solidFill>
-                <a:latin typeface="+mn-lt"/>
-                <a:ea typeface="+mn-ea"/>
-                <a:cs typeface="+mn-cs"/>
-              </a:defRPr>
-            </a:lvl1pPr>
-            <a:lvl2pPr marL="685800" indent="-228600" algn="l" defTabSz="914400" rtl="0" eaLnBrk="1" latinLnBrk="0" hangingPunct="1">
-              <a:lnSpc>
-                <a:spcPct val="90000"/>
-              </a:lnSpc>
-              <a:spcBef>
-                <a:spcPts val="500"/>
-              </a:spcBef>
-              <a:buFont typeface="Arial" panose="020B0604020202020204" pitchFamily="34" charset="0"/>
-              <a:buChar char="•"/>
-              <a:defRPr sz="2400" kern="1200">
-                <a:solidFill>
-                  <a:schemeClr val="tx1"/>
-                </a:solidFill>
-                <a:latin typeface="+mn-lt"/>
-                <a:ea typeface="+mn-ea"/>
-                <a:cs typeface="+mn-cs"/>
-              </a:defRPr>
-            </a:lvl2pPr>
-            <a:lvl3pPr marL="1143000" indent="-228600" algn="l" defTabSz="914400" rtl="0" eaLnBrk="1" latinLnBrk="0" hangingPunct="1">
-              <a:lnSpc>
-                <a:spcPct val="90000"/>
-              </a:lnSpc>
-              <a:spcBef>
-                <a:spcPts val="500"/>
-              </a:spcBef>
-              <a:buFont typeface="Arial" panose="020B0604020202020204" pitchFamily="34" charset="0"/>
-              <a:buChar char="•"/>
-              <a:defRPr sz="2000" kern="1200">
-                <a:solidFill>
-                  <a:schemeClr val="tx1"/>
-                </a:solidFill>
-                <a:latin typeface="+mn-lt"/>
-                <a:ea typeface="+mn-ea"/>
-                <a:cs typeface="+mn-cs"/>
-              </a:defRPr>
-            </a:lvl3pPr>
-            <a:lvl4pPr marL="1600200" indent="-228600" algn="l" defTabSz="914400" rtl="0" eaLnBrk="1" latinLnBrk="0" hangingPunct="1">
-              <a:lnSpc>
-                <a:spcPct val="90000"/>
-              </a:lnSpc>
-              <a:spcBef>
-                <a:spcPts val="500"/>
-              </a:spcBef>
-              <a:buFont typeface="Arial" panose="020B0604020202020204" pitchFamily="34" charset="0"/>
-              <a:buChar char="•"/>
-              <a:defRPr sz="1800" kern="1200">
-                <a:solidFill>
-                  <a:schemeClr val="tx1"/>
-                </a:solidFill>
-                <a:latin typeface="+mn-lt"/>
-                <a:ea typeface="+mn-ea"/>
-                <a:cs typeface="+mn-cs"/>
-              </a:defRPr>
-            </a:lvl4pPr>
-            <a:lvl5pPr marL="2057400" indent="-228600" algn="l" defTabSz="914400" rtl="0" eaLnBrk="1" latinLnBrk="0" hangingPunct="1">
-              <a:lnSpc>
-                <a:spcPct val="90000"/>
-              </a:lnSpc>
-              <a:spcBef>
-                <a:spcPts val="500"/>
-              </a:spcBef>
-              <a:buFont typeface="Arial" panose="020B0604020202020204" pitchFamily="34" charset="0"/>
-              <a:buChar char="•"/>
-              <a:defRPr sz="1800" kern="1200">
-                <a:solidFill>
-                  <a:schemeClr val="tx1"/>
-                </a:solidFill>
-                <a:latin typeface="+mn-lt"/>
-                <a:ea typeface="+mn-ea"/>
-                <a:cs typeface="+mn-cs"/>
-              </a:defRPr>
-            </a:lvl5pPr>
-            <a:lvl6pPr marL="2514600" indent="-228600" algn="l" defTabSz="914400" rtl="0" eaLnBrk="1" latinLnBrk="0" hangingPunct="1">
-              <a:lnSpc>
-                <a:spcPct val="90000"/>
-              </a:lnSpc>
-              <a:spcBef>
-                <a:spcPts val="500"/>
-              </a:spcBef>
-              <a:buFont typeface="Arial" panose="020B0604020202020204" pitchFamily="34" charset="0"/>
-              <a:buChar char="•"/>
-              <a:defRPr sz="1800" kern="1200">
-                <a:solidFill>
-                  <a:schemeClr val="tx1"/>
-                </a:solidFill>
-                <a:latin typeface="+mn-lt"/>
-                <a:ea typeface="+mn-ea"/>
-                <a:cs typeface="+mn-cs"/>
-              </a:defRPr>
-            </a:lvl6pPr>
-            <a:lvl7pPr marL="2971800" indent="-228600" algn="l" defTabSz="914400" rtl="0" eaLnBrk="1" latinLnBrk="0" hangingPunct="1">
-              <a:lnSpc>
-                <a:spcPct val="90000"/>
-              </a:lnSpc>
-              <a:spcBef>
-                <a:spcPts val="500"/>
-              </a:spcBef>
-              <a:buFont typeface="Arial" panose="020B0604020202020204" pitchFamily="34" charset="0"/>
-              <a:buChar char="•"/>
-              <a:defRPr sz="1800" kern="1200">
-                <a:solidFill>
-                  <a:schemeClr val="tx1"/>
-                </a:solidFill>
-                <a:latin typeface="+mn-lt"/>
-                <a:ea typeface="+mn-ea"/>
-                <a:cs typeface="+mn-cs"/>
-              </a:defRPr>
-            </a:lvl7pPr>
-            <a:lvl8pPr marL="3429000" indent="-228600" algn="l" defTabSz="914400" rtl="0" eaLnBrk="1" latinLnBrk="0" hangingPunct="1">
-              <a:lnSpc>
-                <a:spcPct val="90000"/>
-              </a:lnSpc>
-              <a:spcBef>
-                <a:spcPts val="500"/>
-              </a:spcBef>
-              <a:buFont typeface="Arial" panose="020B0604020202020204" pitchFamily="34" charset="0"/>
-              <a:buChar char="•"/>
-              <a:defRPr sz="1800" kern="1200">
-                <a:solidFill>
-                  <a:schemeClr val="tx1"/>
-                </a:solidFill>
-                <a:latin typeface="+mn-lt"/>
-                <a:ea typeface="+mn-ea"/>
-                <a:cs typeface="+mn-cs"/>
-              </a:defRPr>
-            </a:lvl8pPr>
-            <a:lvl9pPr marL="3886200" indent="-228600" algn="l" defTabSz="914400" rtl="0" eaLnBrk="1" latinLnBrk="0" hangingPunct="1">
-              <a:lnSpc>
-                <a:spcPct val="90000"/>
-              </a:lnSpc>
-              <a:spcBef>
-                <a:spcPts val="500"/>
-              </a:spcBef>
-              <a:buFont typeface="Arial" panose="020B0604020202020204" pitchFamily="34" charset="0"/>
-              <a:buChar char="•"/>
-              <a:defRPr sz="1800" kern="1200">
-                <a:solidFill>
-                  <a:schemeClr val="tx1"/>
-                </a:solidFill>
-                <a:latin typeface="+mn-lt"/>
-                <a:ea typeface="+mn-ea"/>
-                <a:cs typeface="+mn-cs"/>
-              </a:defRPr>
-            </a:lvl9pPr>
-          </a:lstStyle>
-          <a:p>
-            <a:pPr marL="0" indent="0" algn="ctr">
-              <a:buNone/>
-            </a:pPr>
-            <a:r>
-              <a:rPr lang="es-ES" sz="1100" dirty="0"/>
-              <a:t>Eduardo Martín-Sonseca Alonso</a:t>
-            </a:r>
-          </a:p>
-          <a:p>
-            <a:pPr marL="0" indent="0" algn="ctr">
-              <a:buNone/>
-            </a:pPr>
-            <a:r>
-              <a:rPr lang="es-ES" sz="1100" dirty="0"/>
-              <a:t>Noel Prieto Pardo</a:t>
-            </a:r>
-          </a:p>
-          <a:p>
-            <a:pPr marL="0" indent="0" algn="ctr">
-              <a:buNone/>
-            </a:pPr>
-            <a:r>
-              <a:rPr lang="es-ES" sz="1100" dirty="0"/>
-              <a:t>Mario Ortuñez Sanz</a:t>
-            </a:r>
-          </a:p>
-          <a:p>
-            <a:pPr marL="0" indent="0" algn="ctr">
-              <a:buNone/>
-            </a:pPr>
-            <a:r>
-              <a:rPr lang="es-ES" sz="1100" b="1" dirty="0"/>
-              <a:t>1º Desarrollo de Aplicaciones Multiplataforma</a:t>
-            </a:r>
-          </a:p>
-        </p:txBody>
-      </p:sp>
-    </p:spTree>
-    <p:extLst>
-      <p:ext uri="{BB962C8B-B14F-4D97-AF65-F5344CB8AC3E}">
-        <p14:creationId xmlns:p14="http://schemas.microsoft.com/office/powerpoint/2010/main" val="1959229131"/>
-      </p:ext>
-    </p:extLst>
-  </p:cSld>
-  <p:clrMapOvr>
-    <a:masterClrMapping/>
-  </p:clrMapOvr>
-  <p:timing>
-    <p:tnLst>
-      <p:par>
-        <p:cTn id="1" dur="indefinite" restart="never" nodeType="tmRoot">
-          <p:childTnLst>
-            <p:seq concurrent="1" nextAc="seek">
-              <p:cTn id="2" dur="indefinite" nodeType="mainSeq">
-                <p:childTnLst>
-                  <p:par>
-                    <p:cTn id="3" fill="hold">
-                      <p:stCondLst>
-                        <p:cond delay="indefinite"/>
-                        <p:cond evt="onBegin" delay="0">
-                          <p:tn val="2"/>
-                        </p:cond>
-                      </p:stCondLst>
-                      <p:childTnLst>
-                        <p:par>
-                          <p:cTn id="4" fill="hold">
-                            <p:stCondLst>
-                              <p:cond delay="0"/>
-                            </p:stCondLst>
-                            <p:childTnLst>
-                              <p:par>
-                                <p:cTn id="5" presetID="10" presetClass="entr" presetSubtype="0" fill="hold" grpId="0" nodeType="withEffect">
-                                  <p:stCondLst>
-                                    <p:cond delay="0"/>
-                                  </p:stCondLst>
-                                  <p:childTnLst>
-                                    <p:set>
-                                      <p:cBhvr>
-                                        <p:cTn id="6" dur="1" fill="hold">
-                                          <p:stCondLst>
-                                            <p:cond delay="0"/>
-                                          </p:stCondLst>
-                                        </p:cTn>
-                                        <p:tgtEl>
-                                          <p:spTgt spid="4"/>
-                                        </p:tgtEl>
-                                        <p:attrNameLst>
-                                          <p:attrName>style.visibility</p:attrName>
-                                        </p:attrNameLst>
-                                      </p:cBhvr>
-                                      <p:to>
-                                        <p:strVal val="visible"/>
-                                      </p:to>
-                                    </p:set>
-                                    <p:animEffect transition="in" filter="fade">
-                                      <p:cBhvr>
-                                        <p:cTn id="7" dur="500"/>
-                                        <p:tgtEl>
-                                          <p:spTgt spid="4"/>
-                                        </p:tgtEl>
-                                      </p:cBhvr>
-                                    </p:animEffect>
-                                  </p:childTnLst>
-                                </p:cTn>
-                              </p:par>
-                            </p:childTnLst>
-                          </p:cTn>
-                        </p:par>
-                      </p:childTnLst>
-                    </p:cTn>
-                  </p:par>
-                </p:childTnLst>
-              </p:cTn>
-              <p:prevCondLst>
-                <p:cond evt="onPrev" delay="0">
-                  <p:tgtEl>
-                    <p:sldTgt/>
-                  </p:tgtEl>
-                </p:cond>
-              </p:prevCondLst>
-              <p:nextCondLst>
-                <p:cond evt="onNext" delay="0">
-                  <p:tgtEl>
-                    <p:sldTgt/>
-                  </p:tgtEl>
-                </p:cond>
-              </p:nextCondLst>
-            </p:seq>
-          </p:childTnLst>
-        </p:cTn>
-      </p:par>
-    </p:tnLst>
-    <p:bldLst>
-      <p:bldP spid="4" grpId="0"/>
     </p:bldLst>
   </p:timing>
 </p:sld>

--- a/Defensa proyecto intermodular.pptx
+++ b/Defensa proyecto intermodular.pptx
@@ -3877,314 +3877,6 @@
   <p:clrMapOvr>
     <a:masterClrMapping/>
   </p:clrMapOvr>
-  <p:timing>
-    <p:tnLst>
-      <p:par>
-        <p:cTn id="1" dur="indefinite" restart="never" nodeType="tmRoot">
-          <p:childTnLst>
-            <p:seq concurrent="1" nextAc="seek">
-              <p:cTn id="2" dur="indefinite" nodeType="mainSeq">
-                <p:childTnLst>
-                  <p:par>
-                    <p:cTn id="3" fill="hold">
-                      <p:stCondLst>
-                        <p:cond delay="indefinite"/>
-                        <p:cond evt="onBegin" delay="0">
-                          <p:tn val="2"/>
-                        </p:cond>
-                      </p:stCondLst>
-                      <p:childTnLst>
-                        <p:par>
-                          <p:cTn id="4" fill="hold">
-                            <p:stCondLst>
-                              <p:cond delay="0"/>
-                            </p:stCondLst>
-                            <p:childTnLst>
-                              <p:par>
-                                <p:cTn id="5" presetID="53" presetClass="entr" presetSubtype="16" fill="hold" grpId="0" nodeType="withEffect">
-                                  <p:stCondLst>
-                                    <p:cond delay="0"/>
-                                  </p:stCondLst>
-                                  <p:childTnLst>
-                                    <p:set>
-                                      <p:cBhvr>
-                                        <p:cTn id="6" dur="1" fill="hold">
-                                          <p:stCondLst>
-                                            <p:cond delay="0"/>
-                                          </p:stCondLst>
-                                        </p:cTn>
-                                        <p:tgtEl>
-                                          <p:spTgt spid="2"/>
-                                        </p:tgtEl>
-                                        <p:attrNameLst>
-                                          <p:attrName>style.visibility</p:attrName>
-                                        </p:attrNameLst>
-                                      </p:cBhvr>
-                                      <p:to>
-                                        <p:strVal val="visible"/>
-                                      </p:to>
-                                    </p:set>
-                                    <p:anim calcmode="lin" valueType="num">
-                                      <p:cBhvr>
-                                        <p:cTn id="7" dur="750" fill="hold"/>
-                                        <p:tgtEl>
-                                          <p:spTgt spid="2"/>
-                                        </p:tgtEl>
-                                        <p:attrNameLst>
-                                          <p:attrName>ppt_w</p:attrName>
-                                        </p:attrNameLst>
-                                      </p:cBhvr>
-                                      <p:tavLst>
-                                        <p:tav tm="0">
-                                          <p:val>
-                                            <p:fltVal val="0"/>
-                                          </p:val>
-                                        </p:tav>
-                                        <p:tav tm="100000">
-                                          <p:val>
-                                            <p:strVal val="#ppt_w"/>
-                                          </p:val>
-                                        </p:tav>
-                                      </p:tavLst>
-                                    </p:anim>
-                                    <p:anim calcmode="lin" valueType="num">
-                                      <p:cBhvr>
-                                        <p:cTn id="8" dur="750" fill="hold"/>
-                                        <p:tgtEl>
-                                          <p:spTgt spid="2"/>
-                                        </p:tgtEl>
-                                        <p:attrNameLst>
-                                          <p:attrName>ppt_h</p:attrName>
-                                        </p:attrNameLst>
-                                      </p:cBhvr>
-                                      <p:tavLst>
-                                        <p:tav tm="0">
-                                          <p:val>
-                                            <p:fltVal val="0"/>
-                                          </p:val>
-                                        </p:tav>
-                                        <p:tav tm="100000">
-                                          <p:val>
-                                            <p:strVal val="#ppt_h"/>
-                                          </p:val>
-                                        </p:tav>
-                                      </p:tavLst>
-                                    </p:anim>
-                                    <p:animEffect transition="in" filter="fade">
-                                      <p:cBhvr>
-                                        <p:cTn id="9" dur="750"/>
-                                        <p:tgtEl>
-                                          <p:spTgt spid="2"/>
-                                        </p:tgtEl>
-                                      </p:cBhvr>
-                                    </p:animEffect>
-                                  </p:childTnLst>
-                                </p:cTn>
-                              </p:par>
-                              <p:par>
-                                <p:cTn id="10" presetID="10" presetClass="entr" presetSubtype="0" fill="hold" grpId="0" nodeType="withEffect">
-                                  <p:stCondLst>
-                                    <p:cond delay="0"/>
-                                  </p:stCondLst>
-                                  <p:childTnLst>
-                                    <p:set>
-                                      <p:cBhvr>
-                                        <p:cTn id="11" dur="1" fill="hold">
-                                          <p:stCondLst>
-                                            <p:cond delay="0"/>
-                                          </p:stCondLst>
-                                        </p:cTn>
-                                        <p:tgtEl>
-                                          <p:spTgt spid="3">
-                                            <p:txEl>
-                                              <p:pRg st="0" end="0"/>
-                                            </p:txEl>
-                                          </p:spTgt>
-                                        </p:tgtEl>
-                                        <p:attrNameLst>
-                                          <p:attrName>style.visibility</p:attrName>
-                                        </p:attrNameLst>
-                                      </p:cBhvr>
-                                      <p:to>
-                                        <p:strVal val="visible"/>
-                                      </p:to>
-                                    </p:set>
-                                    <p:animEffect transition="in" filter="fade">
-                                      <p:cBhvr>
-                                        <p:cTn id="12" dur="250"/>
-                                        <p:tgtEl>
-                                          <p:spTgt spid="3">
-                                            <p:txEl>
-                                              <p:pRg st="0" end="0"/>
-                                            </p:txEl>
-                                          </p:spTgt>
-                                        </p:tgtEl>
-                                      </p:cBhvr>
-                                    </p:animEffect>
-                                  </p:childTnLst>
-                                </p:cTn>
-                              </p:par>
-                              <p:par>
-                                <p:cTn id="13" presetID="10" presetClass="entr" presetSubtype="0" fill="hold" grpId="0" nodeType="withEffect">
-                                  <p:stCondLst>
-                                    <p:cond delay="0"/>
-                                  </p:stCondLst>
-                                  <p:childTnLst>
-                                    <p:set>
-                                      <p:cBhvr>
-                                        <p:cTn id="14" dur="1" fill="hold">
-                                          <p:stCondLst>
-                                            <p:cond delay="0"/>
-                                          </p:stCondLst>
-                                        </p:cTn>
-                                        <p:tgtEl>
-                                          <p:spTgt spid="3">
-                                            <p:txEl>
-                                              <p:pRg st="1" end="1"/>
-                                            </p:txEl>
-                                          </p:spTgt>
-                                        </p:tgtEl>
-                                        <p:attrNameLst>
-                                          <p:attrName>style.visibility</p:attrName>
-                                        </p:attrNameLst>
-                                      </p:cBhvr>
-                                      <p:to>
-                                        <p:strVal val="visible"/>
-                                      </p:to>
-                                    </p:set>
-                                    <p:animEffect transition="in" filter="fade">
-                                      <p:cBhvr>
-                                        <p:cTn id="15" dur="250"/>
-                                        <p:tgtEl>
-                                          <p:spTgt spid="3">
-                                            <p:txEl>
-                                              <p:pRg st="1" end="1"/>
-                                            </p:txEl>
-                                          </p:spTgt>
-                                        </p:tgtEl>
-                                      </p:cBhvr>
-                                    </p:animEffect>
-                                  </p:childTnLst>
-                                </p:cTn>
-                              </p:par>
-                              <p:par>
-                                <p:cTn id="16" presetID="10" presetClass="entr" presetSubtype="0" fill="hold" grpId="0" nodeType="withEffect">
-                                  <p:stCondLst>
-                                    <p:cond delay="0"/>
-                                  </p:stCondLst>
-                                  <p:childTnLst>
-                                    <p:set>
-                                      <p:cBhvr>
-                                        <p:cTn id="17" dur="1" fill="hold">
-                                          <p:stCondLst>
-                                            <p:cond delay="0"/>
-                                          </p:stCondLst>
-                                        </p:cTn>
-                                        <p:tgtEl>
-                                          <p:spTgt spid="3">
-                                            <p:txEl>
-                                              <p:pRg st="2" end="2"/>
-                                            </p:txEl>
-                                          </p:spTgt>
-                                        </p:tgtEl>
-                                        <p:attrNameLst>
-                                          <p:attrName>style.visibility</p:attrName>
-                                        </p:attrNameLst>
-                                      </p:cBhvr>
-                                      <p:to>
-                                        <p:strVal val="visible"/>
-                                      </p:to>
-                                    </p:set>
-                                    <p:animEffect transition="in" filter="fade">
-                                      <p:cBhvr>
-                                        <p:cTn id="18" dur="250"/>
-                                        <p:tgtEl>
-                                          <p:spTgt spid="3">
-                                            <p:txEl>
-                                              <p:pRg st="2" end="2"/>
-                                            </p:txEl>
-                                          </p:spTgt>
-                                        </p:tgtEl>
-                                      </p:cBhvr>
-                                    </p:animEffect>
-                                  </p:childTnLst>
-                                </p:cTn>
-                              </p:par>
-                              <p:par>
-                                <p:cTn id="19" presetID="10" presetClass="entr" presetSubtype="0" fill="hold" grpId="0" nodeType="withEffect">
-                                  <p:stCondLst>
-                                    <p:cond delay="0"/>
-                                  </p:stCondLst>
-                                  <p:childTnLst>
-                                    <p:set>
-                                      <p:cBhvr>
-                                        <p:cTn id="20" dur="1" fill="hold">
-                                          <p:stCondLst>
-                                            <p:cond delay="0"/>
-                                          </p:stCondLst>
-                                        </p:cTn>
-                                        <p:tgtEl>
-                                          <p:spTgt spid="3">
-                                            <p:txEl>
-                                              <p:pRg st="3" end="3"/>
-                                            </p:txEl>
-                                          </p:spTgt>
-                                        </p:tgtEl>
-                                        <p:attrNameLst>
-                                          <p:attrName>style.visibility</p:attrName>
-                                        </p:attrNameLst>
-                                      </p:cBhvr>
-                                      <p:to>
-                                        <p:strVal val="visible"/>
-                                      </p:to>
-                                    </p:set>
-                                    <p:animEffect transition="in" filter="fade">
-                                      <p:cBhvr>
-                                        <p:cTn id="21" dur="250"/>
-                                        <p:tgtEl>
-                                          <p:spTgt spid="3">
-                                            <p:txEl>
-                                              <p:pRg st="3" end="3"/>
-                                            </p:txEl>
-                                          </p:spTgt>
-                                        </p:tgtEl>
-                                      </p:cBhvr>
-                                    </p:animEffect>
-                                  </p:childTnLst>
-                                </p:cTn>
-                              </p:par>
-                            </p:childTnLst>
-                          </p:cTn>
-                        </p:par>
-                      </p:childTnLst>
-                    </p:cTn>
-                  </p:par>
-                </p:childTnLst>
-              </p:cTn>
-              <p:prevCondLst>
-                <p:cond evt="onPrev" delay="0">
-                  <p:tgtEl>
-                    <p:sldTgt/>
-                  </p:tgtEl>
-                </p:cond>
-              </p:prevCondLst>
-              <p:nextCondLst>
-                <p:cond evt="onNext" delay="0">
-                  <p:tgtEl>
-                    <p:sldTgt/>
-                  </p:tgtEl>
-                </p:cond>
-              </p:nextCondLst>
-            </p:seq>
-          </p:childTnLst>
-        </p:cTn>
-      </p:par>
-    </p:tnLst>
-    <p:bldLst>
-      <p:bldP spid="2" grpId="0"/>
-      <p:bldP spid="3" grpId="0" build="p"/>
-    </p:bldLst>
-  </p:timing>
 </p:sld>
 </file>
 
@@ -4997,98 +4689,6 @@
   <p:clrMapOvr>
     <a:masterClrMapping/>
   </p:clrMapOvr>
-  <p:timing>
-    <p:tnLst>
-      <p:par>
-        <p:cTn id="1" dur="indefinite" restart="never" nodeType="tmRoot">
-          <p:childTnLst>
-            <p:seq concurrent="1" nextAc="seek">
-              <p:cTn id="2" dur="indefinite" nodeType="mainSeq">
-                <p:childTnLst>
-                  <p:par>
-                    <p:cTn id="3" fill="hold">
-                      <p:stCondLst>
-                        <p:cond delay="indefinite"/>
-                        <p:cond evt="onBegin" delay="0">
-                          <p:tn val="2"/>
-                        </p:cond>
-                      </p:stCondLst>
-                      <p:childTnLst>
-                        <p:par>
-                          <p:cTn id="4" fill="hold">
-                            <p:stCondLst>
-                              <p:cond delay="0"/>
-                            </p:stCondLst>
-                            <p:childTnLst>
-                              <p:par>
-                                <p:cTn id="5" presetID="10" presetClass="entr" presetSubtype="0" fill="hold" grpId="0" nodeType="withEffect">
-                                  <p:stCondLst>
-                                    <p:cond delay="500"/>
-                                  </p:stCondLst>
-                                  <p:iterate type="wd">
-                                    <p:tmPct val="15000"/>
-                                  </p:iterate>
-                                  <p:childTnLst>
-                                    <p:set>
-                                      <p:cBhvr>
-                                        <p:cTn id="6" dur="1" fill="hold">
-                                          <p:stCondLst>
-                                            <p:cond delay="0"/>
-                                          </p:stCondLst>
-                                        </p:cTn>
-                                        <p:tgtEl>
-                                          <p:spTgt spid="2"/>
-                                        </p:tgtEl>
-                                        <p:attrNameLst>
-                                          <p:attrName>style.visibility</p:attrName>
-                                        </p:attrNameLst>
-                                      </p:cBhvr>
-                                      <p:to>
-                                        <p:strVal val="visible"/>
-                                      </p:to>
-                                    </p:set>
-                                    <p:animEffect transition="in" filter="fade">
-                                      <p:cBhvr>
-                                        <p:cTn id="7" dur="1000"/>
-                                        <p:tgtEl>
-                                          <p:spTgt spid="2"/>
-                                        </p:tgtEl>
-                                      </p:cBhvr>
-                                    </p:animEffect>
-                                  </p:childTnLst>
-                                </p:cTn>
-                              </p:par>
-                            </p:childTnLst>
-                          </p:cTn>
-                        </p:par>
-                      </p:childTnLst>
-                    </p:cTn>
-                  </p:par>
-                </p:childTnLst>
-              </p:cTn>
-              <p:prevCondLst>
-                <p:cond evt="onPrev" delay="0">
-                  <p:tgtEl>
-                    <p:sldTgt/>
-                  </p:tgtEl>
-                </p:cond>
-              </p:prevCondLst>
-              <p:nextCondLst>
-                <p:cond evt="onNext" delay="0">
-                  <p:tgtEl>
-                    <p:sldTgt/>
-                  </p:tgtEl>
-                </p:cond>
-              </p:nextCondLst>
-            </p:seq>
-          </p:childTnLst>
-        </p:cTn>
-      </p:par>
-    </p:tnLst>
-    <p:bldLst>
-      <p:bldP spid="2" grpId="0"/>
-    </p:bldLst>
-  </p:timing>
 </p:sld>
 </file>
 
@@ -5163,235 +4763,6 @@
           </a:p>
         </p:txBody>
       </p:sp>
-      <p:sp>
-        <p:nvSpPr>
-          <p:cNvPr id="5" name="Subtítulo 2">
-            <a:extLst>
-              <a:ext uri="{FF2B5EF4-FFF2-40B4-BE49-F238E27FC236}">
-                <a16:creationId xmlns:a16="http://schemas.microsoft.com/office/drawing/2014/main" id="{7C26FFA8-F1EF-A476-F050-1A92341668E6}"/>
-              </a:ext>
-            </a:extLst>
-          </p:cNvPr>
-          <p:cNvSpPr txBox="1">
-            <a:spLocks/>
-          </p:cNvSpPr>
-          <p:nvPr/>
-        </p:nvSpPr>
-        <p:spPr>
-          <a:xfrm>
-            <a:off x="9254067" y="5791200"/>
-            <a:ext cx="2937912" cy="1042833"/>
-          </a:xfrm>
-          <a:prstGeom prst="rect">
-            <a:avLst/>
-          </a:prstGeom>
-        </p:spPr>
-        <p:txBody>
-          <a:bodyPr vert="horz" lIns="91440" tIns="45720" rIns="91440" bIns="45720" rtlCol="0">
-            <a:normAutofit lnSpcReduction="10000"/>
-          </a:bodyPr>
-          <a:lstStyle>
-            <a:lvl1pPr marL="228600" indent="-228600" algn="l" defTabSz="914400" rtl="0" eaLnBrk="1" latinLnBrk="0" hangingPunct="1">
-              <a:lnSpc>
-                <a:spcPct val="90000"/>
-              </a:lnSpc>
-              <a:spcBef>
-                <a:spcPts val="1000"/>
-              </a:spcBef>
-              <a:buFont typeface="Arial" panose="020B0604020202020204" pitchFamily="34" charset="0"/>
-              <a:buChar char="•"/>
-              <a:defRPr sz="2800" kern="1200">
-                <a:solidFill>
-                  <a:schemeClr val="tx1"/>
-                </a:solidFill>
-                <a:latin typeface="+mn-lt"/>
-                <a:ea typeface="+mn-ea"/>
-                <a:cs typeface="+mn-cs"/>
-              </a:defRPr>
-            </a:lvl1pPr>
-            <a:lvl2pPr marL="685800" indent="-228600" algn="l" defTabSz="914400" rtl="0" eaLnBrk="1" latinLnBrk="0" hangingPunct="1">
-              <a:lnSpc>
-                <a:spcPct val="90000"/>
-              </a:lnSpc>
-              <a:spcBef>
-                <a:spcPts val="500"/>
-              </a:spcBef>
-              <a:buFont typeface="Arial" panose="020B0604020202020204" pitchFamily="34" charset="0"/>
-              <a:buChar char="•"/>
-              <a:defRPr sz="2400" kern="1200">
-                <a:solidFill>
-                  <a:schemeClr val="tx1"/>
-                </a:solidFill>
-                <a:latin typeface="+mn-lt"/>
-                <a:ea typeface="+mn-ea"/>
-                <a:cs typeface="+mn-cs"/>
-              </a:defRPr>
-            </a:lvl2pPr>
-            <a:lvl3pPr marL="1143000" indent="-228600" algn="l" defTabSz="914400" rtl="0" eaLnBrk="1" latinLnBrk="0" hangingPunct="1">
-              <a:lnSpc>
-                <a:spcPct val="90000"/>
-              </a:lnSpc>
-              <a:spcBef>
-                <a:spcPts val="500"/>
-              </a:spcBef>
-              <a:buFont typeface="Arial" panose="020B0604020202020204" pitchFamily="34" charset="0"/>
-              <a:buChar char="•"/>
-              <a:defRPr sz="2000" kern="1200">
-                <a:solidFill>
-                  <a:schemeClr val="tx1"/>
-                </a:solidFill>
-                <a:latin typeface="+mn-lt"/>
-                <a:ea typeface="+mn-ea"/>
-                <a:cs typeface="+mn-cs"/>
-              </a:defRPr>
-            </a:lvl3pPr>
-            <a:lvl4pPr marL="1600200" indent="-228600" algn="l" defTabSz="914400" rtl="0" eaLnBrk="1" latinLnBrk="0" hangingPunct="1">
-              <a:lnSpc>
-                <a:spcPct val="90000"/>
-              </a:lnSpc>
-              <a:spcBef>
-                <a:spcPts val="500"/>
-              </a:spcBef>
-              <a:buFont typeface="Arial" panose="020B0604020202020204" pitchFamily="34" charset="0"/>
-              <a:buChar char="•"/>
-              <a:defRPr sz="1800" kern="1200">
-                <a:solidFill>
-                  <a:schemeClr val="tx1"/>
-                </a:solidFill>
-                <a:latin typeface="+mn-lt"/>
-                <a:ea typeface="+mn-ea"/>
-                <a:cs typeface="+mn-cs"/>
-              </a:defRPr>
-            </a:lvl4pPr>
-            <a:lvl5pPr marL="2057400" indent="-228600" algn="l" defTabSz="914400" rtl="0" eaLnBrk="1" latinLnBrk="0" hangingPunct="1">
-              <a:lnSpc>
-                <a:spcPct val="90000"/>
-              </a:lnSpc>
-              <a:spcBef>
-                <a:spcPts val="500"/>
-              </a:spcBef>
-              <a:buFont typeface="Arial" panose="020B0604020202020204" pitchFamily="34" charset="0"/>
-              <a:buChar char="•"/>
-              <a:defRPr sz="1800" kern="1200">
-                <a:solidFill>
-                  <a:schemeClr val="tx1"/>
-                </a:solidFill>
-                <a:latin typeface="+mn-lt"/>
-                <a:ea typeface="+mn-ea"/>
-                <a:cs typeface="+mn-cs"/>
-              </a:defRPr>
-            </a:lvl5pPr>
-            <a:lvl6pPr marL="2514600" indent="-228600" algn="l" defTabSz="914400" rtl="0" eaLnBrk="1" latinLnBrk="0" hangingPunct="1">
-              <a:lnSpc>
-                <a:spcPct val="90000"/>
-              </a:lnSpc>
-              <a:spcBef>
-                <a:spcPts val="500"/>
-              </a:spcBef>
-              <a:buFont typeface="Arial" panose="020B0604020202020204" pitchFamily="34" charset="0"/>
-              <a:buChar char="•"/>
-              <a:defRPr sz="1800" kern="1200">
-                <a:solidFill>
-                  <a:schemeClr val="tx1"/>
-                </a:solidFill>
-                <a:latin typeface="+mn-lt"/>
-                <a:ea typeface="+mn-ea"/>
-                <a:cs typeface="+mn-cs"/>
-              </a:defRPr>
-            </a:lvl6pPr>
-            <a:lvl7pPr marL="2971800" indent="-228600" algn="l" defTabSz="914400" rtl="0" eaLnBrk="1" latinLnBrk="0" hangingPunct="1">
-              <a:lnSpc>
-                <a:spcPct val="90000"/>
-              </a:lnSpc>
-              <a:spcBef>
-                <a:spcPts val="500"/>
-              </a:spcBef>
-              <a:buFont typeface="Arial" panose="020B0604020202020204" pitchFamily="34" charset="0"/>
-              <a:buChar char="•"/>
-              <a:defRPr sz="1800" kern="1200">
-                <a:solidFill>
-                  <a:schemeClr val="tx1"/>
-                </a:solidFill>
-                <a:latin typeface="+mn-lt"/>
-                <a:ea typeface="+mn-ea"/>
-                <a:cs typeface="+mn-cs"/>
-              </a:defRPr>
-            </a:lvl7pPr>
-            <a:lvl8pPr marL="3429000" indent="-228600" algn="l" defTabSz="914400" rtl="0" eaLnBrk="1" latinLnBrk="0" hangingPunct="1">
-              <a:lnSpc>
-                <a:spcPct val="90000"/>
-              </a:lnSpc>
-              <a:spcBef>
-                <a:spcPts val="500"/>
-              </a:spcBef>
-              <a:buFont typeface="Arial" panose="020B0604020202020204" pitchFamily="34" charset="0"/>
-              <a:buChar char="•"/>
-              <a:defRPr sz="1800" kern="1200">
-                <a:solidFill>
-                  <a:schemeClr val="tx1"/>
-                </a:solidFill>
-                <a:latin typeface="+mn-lt"/>
-                <a:ea typeface="+mn-ea"/>
-                <a:cs typeface="+mn-cs"/>
-              </a:defRPr>
-            </a:lvl8pPr>
-            <a:lvl9pPr marL="3886200" indent="-228600" algn="l" defTabSz="914400" rtl="0" eaLnBrk="1" latinLnBrk="0" hangingPunct="1">
-              <a:lnSpc>
-                <a:spcPct val="90000"/>
-              </a:lnSpc>
-              <a:spcBef>
-                <a:spcPts val="500"/>
-              </a:spcBef>
-              <a:buFont typeface="Arial" panose="020B0604020202020204" pitchFamily="34" charset="0"/>
-              <a:buChar char="•"/>
-              <a:defRPr sz="1800" kern="1200">
-                <a:solidFill>
-                  <a:schemeClr val="tx1"/>
-                </a:solidFill>
-                <a:latin typeface="+mn-lt"/>
-                <a:ea typeface="+mn-ea"/>
-                <a:cs typeface="+mn-cs"/>
-              </a:defRPr>
-            </a:lvl9pPr>
-          </a:lstStyle>
-          <a:p>
-            <a:pPr marL="0" indent="0" algn="ctr">
-              <a:buNone/>
-            </a:pPr>
-            <a:r>
-              <a:rPr lang="es-ES" sz="1100" dirty="0"/>
-              <a:t>Eduardo Martín-Sonseca Alonso</a:t>
-            </a:r>
-          </a:p>
-          <a:p>
-            <a:pPr marL="0" indent="0" algn="ctr">
-              <a:buNone/>
-            </a:pPr>
-            <a:r>
-              <a:rPr lang="es-ES" sz="1100" dirty="0"/>
-              <a:t>Noel Prieto Pardo</a:t>
-            </a:r>
-          </a:p>
-          <a:p>
-            <a:pPr marL="0" indent="0" algn="ctr">
-              <a:buNone/>
-            </a:pPr>
-            <a:r>
-              <a:rPr lang="es-ES" sz="1100" dirty="0"/>
-              <a:t>Mario Ortuñez Sanz</a:t>
-            </a:r>
-          </a:p>
-          <a:p>
-            <a:pPr marL="0" indent="0" algn="ctr">
-              <a:buNone/>
-            </a:pPr>
-            <a:r>
-              <a:rPr lang="es-ES" sz="1100" b="1" dirty="0"/>
-              <a:t>1º Desarrollo de Aplicaciones Multiplataforma</a:t>
-            </a:r>
-          </a:p>
-        </p:txBody>
-      </p:sp>
     </p:spTree>
     <p:extLst>
       <p:ext uri="{BB962C8B-B14F-4D97-AF65-F5344CB8AC3E}">
@@ -5402,95 +4773,6 @@
   <p:clrMapOvr>
     <a:masterClrMapping/>
   </p:clrMapOvr>
-  <p:timing>
-    <p:tnLst>
-      <p:par>
-        <p:cTn id="1" dur="indefinite" restart="never" nodeType="tmRoot">
-          <p:childTnLst>
-            <p:seq concurrent="1" nextAc="seek">
-              <p:cTn id="2" dur="indefinite" nodeType="mainSeq">
-                <p:childTnLst>
-                  <p:par>
-                    <p:cTn id="3" fill="hold">
-                      <p:stCondLst>
-                        <p:cond delay="indefinite"/>
-                        <p:cond evt="onBegin" delay="0">
-                          <p:tn val="2"/>
-                        </p:cond>
-                      </p:stCondLst>
-                      <p:childTnLst>
-                        <p:par>
-                          <p:cTn id="4" fill="hold">
-                            <p:stCondLst>
-                              <p:cond delay="0"/>
-                            </p:stCondLst>
-                            <p:childTnLst>
-                              <p:par>
-                                <p:cTn id="5" presetID="10" presetClass="entr" presetSubtype="0" fill="hold" grpId="0" nodeType="withEffect">
-                                  <p:stCondLst>
-                                    <p:cond delay="0"/>
-                                  </p:stCondLst>
-                                  <p:childTnLst>
-                                    <p:set>
-                                      <p:cBhvr>
-                                        <p:cTn id="6" dur="1" fill="hold">
-                                          <p:stCondLst>
-                                            <p:cond delay="0"/>
-                                          </p:stCondLst>
-                                        </p:cTn>
-                                        <p:tgtEl>
-                                          <p:spTgt spid="5"/>
-                                        </p:tgtEl>
-                                        <p:attrNameLst>
-                                          <p:attrName>style.visibility</p:attrName>
-                                        </p:attrNameLst>
-                                      </p:cBhvr>
-                                      <p:to>
-                                        <p:strVal val="visible"/>
-                                      </p:to>
-                                    </p:set>
-                                    <p:animEffect transition="in" filter="fade">
-                                      <p:cBhvr>
-                                        <p:cTn id="7" dur="500"/>
-                                        <p:tgtEl>
-                                          <p:spTgt spid="5"/>
-                                        </p:tgtEl>
-                                      </p:cBhvr>
-                                    </p:animEffect>
-                                  </p:childTnLst>
-                                </p:cTn>
-                              </p:par>
-                            </p:childTnLst>
-                          </p:cTn>
-                        </p:par>
-                      </p:childTnLst>
-                    </p:cTn>
-                  </p:par>
-                </p:childTnLst>
-              </p:cTn>
-              <p:prevCondLst>
-                <p:cond evt="onPrev" delay="0">
-                  <p:tgtEl>
-                    <p:sldTgt/>
-                  </p:tgtEl>
-                </p:cond>
-              </p:prevCondLst>
-              <p:nextCondLst>
-                <p:cond evt="onNext" delay="0">
-                  <p:tgtEl>
-                    <p:sldTgt/>
-                  </p:tgtEl>
-                </p:cond>
-              </p:nextCondLst>
-            </p:seq>
-          </p:childTnLst>
-        </p:cTn>
-      </p:par>
-    </p:tnLst>
-    <p:bldLst>
-      <p:bldP spid="5" grpId="0"/>
-    </p:bldLst>
-  </p:timing>
 </p:sld>
 </file>
 
@@ -5798,235 +5080,6 @@
           </a:p>
         </p:txBody>
       </p:sp>
-      <p:sp>
-        <p:nvSpPr>
-          <p:cNvPr id="5" name="Subtítulo 2">
-            <a:extLst>
-              <a:ext uri="{FF2B5EF4-FFF2-40B4-BE49-F238E27FC236}">
-                <a16:creationId xmlns:a16="http://schemas.microsoft.com/office/drawing/2014/main" id="{5564423E-A582-20EA-ED12-EB9B77A28CF9}"/>
-              </a:ext>
-            </a:extLst>
-          </p:cNvPr>
-          <p:cNvSpPr txBox="1">
-            <a:spLocks/>
-          </p:cNvSpPr>
-          <p:nvPr/>
-        </p:nvSpPr>
-        <p:spPr>
-          <a:xfrm>
-            <a:off x="9254067" y="5791200"/>
-            <a:ext cx="2937912" cy="1042833"/>
-          </a:xfrm>
-          <a:prstGeom prst="rect">
-            <a:avLst/>
-          </a:prstGeom>
-        </p:spPr>
-        <p:txBody>
-          <a:bodyPr vert="horz" lIns="91440" tIns="45720" rIns="91440" bIns="45720" rtlCol="0">
-            <a:normAutofit lnSpcReduction="10000"/>
-          </a:bodyPr>
-          <a:lstStyle>
-            <a:lvl1pPr marL="228600" indent="-228600" algn="l" defTabSz="914400" rtl="0" eaLnBrk="1" latinLnBrk="0" hangingPunct="1">
-              <a:lnSpc>
-                <a:spcPct val="90000"/>
-              </a:lnSpc>
-              <a:spcBef>
-                <a:spcPts val="1000"/>
-              </a:spcBef>
-              <a:buFont typeface="Arial" panose="020B0604020202020204" pitchFamily="34" charset="0"/>
-              <a:buChar char="•"/>
-              <a:defRPr sz="2800" kern="1200">
-                <a:solidFill>
-                  <a:schemeClr val="tx1"/>
-                </a:solidFill>
-                <a:latin typeface="+mn-lt"/>
-                <a:ea typeface="+mn-ea"/>
-                <a:cs typeface="+mn-cs"/>
-              </a:defRPr>
-            </a:lvl1pPr>
-            <a:lvl2pPr marL="685800" indent="-228600" algn="l" defTabSz="914400" rtl="0" eaLnBrk="1" latinLnBrk="0" hangingPunct="1">
-              <a:lnSpc>
-                <a:spcPct val="90000"/>
-              </a:lnSpc>
-              <a:spcBef>
-                <a:spcPts val="500"/>
-              </a:spcBef>
-              <a:buFont typeface="Arial" panose="020B0604020202020204" pitchFamily="34" charset="0"/>
-              <a:buChar char="•"/>
-              <a:defRPr sz="2400" kern="1200">
-                <a:solidFill>
-                  <a:schemeClr val="tx1"/>
-                </a:solidFill>
-                <a:latin typeface="+mn-lt"/>
-                <a:ea typeface="+mn-ea"/>
-                <a:cs typeface="+mn-cs"/>
-              </a:defRPr>
-            </a:lvl2pPr>
-            <a:lvl3pPr marL="1143000" indent="-228600" algn="l" defTabSz="914400" rtl="0" eaLnBrk="1" latinLnBrk="0" hangingPunct="1">
-              <a:lnSpc>
-                <a:spcPct val="90000"/>
-              </a:lnSpc>
-              <a:spcBef>
-                <a:spcPts val="500"/>
-              </a:spcBef>
-              <a:buFont typeface="Arial" panose="020B0604020202020204" pitchFamily="34" charset="0"/>
-              <a:buChar char="•"/>
-              <a:defRPr sz="2000" kern="1200">
-                <a:solidFill>
-                  <a:schemeClr val="tx1"/>
-                </a:solidFill>
-                <a:latin typeface="+mn-lt"/>
-                <a:ea typeface="+mn-ea"/>
-                <a:cs typeface="+mn-cs"/>
-              </a:defRPr>
-            </a:lvl3pPr>
-            <a:lvl4pPr marL="1600200" indent="-228600" algn="l" defTabSz="914400" rtl="0" eaLnBrk="1" latinLnBrk="0" hangingPunct="1">
-              <a:lnSpc>
-                <a:spcPct val="90000"/>
-              </a:lnSpc>
-              <a:spcBef>
-                <a:spcPts val="500"/>
-              </a:spcBef>
-              <a:buFont typeface="Arial" panose="020B0604020202020204" pitchFamily="34" charset="0"/>
-              <a:buChar char="•"/>
-              <a:defRPr sz="1800" kern="1200">
-                <a:solidFill>
-                  <a:schemeClr val="tx1"/>
-                </a:solidFill>
-                <a:latin typeface="+mn-lt"/>
-                <a:ea typeface="+mn-ea"/>
-                <a:cs typeface="+mn-cs"/>
-              </a:defRPr>
-            </a:lvl4pPr>
-            <a:lvl5pPr marL="2057400" indent="-228600" algn="l" defTabSz="914400" rtl="0" eaLnBrk="1" latinLnBrk="0" hangingPunct="1">
-              <a:lnSpc>
-                <a:spcPct val="90000"/>
-              </a:lnSpc>
-              <a:spcBef>
-                <a:spcPts val="500"/>
-              </a:spcBef>
-              <a:buFont typeface="Arial" panose="020B0604020202020204" pitchFamily="34" charset="0"/>
-              <a:buChar char="•"/>
-              <a:defRPr sz="1800" kern="1200">
-                <a:solidFill>
-                  <a:schemeClr val="tx1"/>
-                </a:solidFill>
-                <a:latin typeface="+mn-lt"/>
-                <a:ea typeface="+mn-ea"/>
-                <a:cs typeface="+mn-cs"/>
-              </a:defRPr>
-            </a:lvl5pPr>
-            <a:lvl6pPr marL="2514600" indent="-228600" algn="l" defTabSz="914400" rtl="0" eaLnBrk="1" latinLnBrk="0" hangingPunct="1">
-              <a:lnSpc>
-                <a:spcPct val="90000"/>
-              </a:lnSpc>
-              <a:spcBef>
-                <a:spcPts val="500"/>
-              </a:spcBef>
-              <a:buFont typeface="Arial" panose="020B0604020202020204" pitchFamily="34" charset="0"/>
-              <a:buChar char="•"/>
-              <a:defRPr sz="1800" kern="1200">
-                <a:solidFill>
-                  <a:schemeClr val="tx1"/>
-                </a:solidFill>
-                <a:latin typeface="+mn-lt"/>
-                <a:ea typeface="+mn-ea"/>
-                <a:cs typeface="+mn-cs"/>
-              </a:defRPr>
-            </a:lvl6pPr>
-            <a:lvl7pPr marL="2971800" indent="-228600" algn="l" defTabSz="914400" rtl="0" eaLnBrk="1" latinLnBrk="0" hangingPunct="1">
-              <a:lnSpc>
-                <a:spcPct val="90000"/>
-              </a:lnSpc>
-              <a:spcBef>
-                <a:spcPts val="500"/>
-              </a:spcBef>
-              <a:buFont typeface="Arial" panose="020B0604020202020204" pitchFamily="34" charset="0"/>
-              <a:buChar char="•"/>
-              <a:defRPr sz="1800" kern="1200">
-                <a:solidFill>
-                  <a:schemeClr val="tx1"/>
-                </a:solidFill>
-                <a:latin typeface="+mn-lt"/>
-                <a:ea typeface="+mn-ea"/>
-                <a:cs typeface="+mn-cs"/>
-              </a:defRPr>
-            </a:lvl7pPr>
-            <a:lvl8pPr marL="3429000" indent="-228600" algn="l" defTabSz="914400" rtl="0" eaLnBrk="1" latinLnBrk="0" hangingPunct="1">
-              <a:lnSpc>
-                <a:spcPct val="90000"/>
-              </a:lnSpc>
-              <a:spcBef>
-                <a:spcPts val="500"/>
-              </a:spcBef>
-              <a:buFont typeface="Arial" panose="020B0604020202020204" pitchFamily="34" charset="0"/>
-              <a:buChar char="•"/>
-              <a:defRPr sz="1800" kern="1200">
-                <a:solidFill>
-                  <a:schemeClr val="tx1"/>
-                </a:solidFill>
-                <a:latin typeface="+mn-lt"/>
-                <a:ea typeface="+mn-ea"/>
-                <a:cs typeface="+mn-cs"/>
-              </a:defRPr>
-            </a:lvl8pPr>
-            <a:lvl9pPr marL="3886200" indent="-228600" algn="l" defTabSz="914400" rtl="0" eaLnBrk="1" latinLnBrk="0" hangingPunct="1">
-              <a:lnSpc>
-                <a:spcPct val="90000"/>
-              </a:lnSpc>
-              <a:spcBef>
-                <a:spcPts val="500"/>
-              </a:spcBef>
-              <a:buFont typeface="Arial" panose="020B0604020202020204" pitchFamily="34" charset="0"/>
-              <a:buChar char="•"/>
-              <a:defRPr sz="1800" kern="1200">
-                <a:solidFill>
-                  <a:schemeClr val="tx1"/>
-                </a:solidFill>
-                <a:latin typeface="+mn-lt"/>
-                <a:ea typeface="+mn-ea"/>
-                <a:cs typeface="+mn-cs"/>
-              </a:defRPr>
-            </a:lvl9pPr>
-          </a:lstStyle>
-          <a:p>
-            <a:pPr marL="0" indent="0" algn="ctr">
-              <a:buNone/>
-            </a:pPr>
-            <a:r>
-              <a:rPr lang="es-ES" sz="1100" dirty="0"/>
-              <a:t>Eduardo Martín-Sonseca Alonso</a:t>
-            </a:r>
-          </a:p>
-          <a:p>
-            <a:pPr marL="0" indent="0" algn="ctr">
-              <a:buNone/>
-            </a:pPr>
-            <a:r>
-              <a:rPr lang="es-ES" sz="1100" dirty="0"/>
-              <a:t>Noel Prieto Pardo</a:t>
-            </a:r>
-          </a:p>
-          <a:p>
-            <a:pPr marL="0" indent="0" algn="ctr">
-              <a:buNone/>
-            </a:pPr>
-            <a:r>
-              <a:rPr lang="es-ES" sz="1100" dirty="0"/>
-              <a:t>Mario Ortuñez Sanz</a:t>
-            </a:r>
-          </a:p>
-          <a:p>
-            <a:pPr marL="0" indent="0" algn="ctr">
-              <a:buNone/>
-            </a:pPr>
-            <a:r>
-              <a:rPr lang="es-ES" sz="1100" b="1" dirty="0"/>
-              <a:t>1º Desarrollo de Aplicaciones Multiplataforma</a:t>
-            </a:r>
-          </a:p>
-        </p:txBody>
-      </p:sp>
     </p:spTree>
     <p:extLst>
       <p:ext uri="{BB962C8B-B14F-4D97-AF65-F5344CB8AC3E}">
@@ -6037,95 +5090,6 @@
   <p:clrMapOvr>
     <a:masterClrMapping/>
   </p:clrMapOvr>
-  <p:timing>
-    <p:tnLst>
-      <p:par>
-        <p:cTn id="1" dur="indefinite" restart="never" nodeType="tmRoot">
-          <p:childTnLst>
-            <p:seq concurrent="1" nextAc="seek">
-              <p:cTn id="2" dur="indefinite" nodeType="mainSeq">
-                <p:childTnLst>
-                  <p:par>
-                    <p:cTn id="3" fill="hold">
-                      <p:stCondLst>
-                        <p:cond delay="indefinite"/>
-                        <p:cond evt="onBegin" delay="0">
-                          <p:tn val="2"/>
-                        </p:cond>
-                      </p:stCondLst>
-                      <p:childTnLst>
-                        <p:par>
-                          <p:cTn id="4" fill="hold">
-                            <p:stCondLst>
-                              <p:cond delay="0"/>
-                            </p:stCondLst>
-                            <p:childTnLst>
-                              <p:par>
-                                <p:cTn id="5" presetID="10" presetClass="entr" presetSubtype="0" fill="hold" grpId="0" nodeType="withEffect">
-                                  <p:stCondLst>
-                                    <p:cond delay="0"/>
-                                  </p:stCondLst>
-                                  <p:childTnLst>
-                                    <p:set>
-                                      <p:cBhvr>
-                                        <p:cTn id="6" dur="1" fill="hold">
-                                          <p:stCondLst>
-                                            <p:cond delay="0"/>
-                                          </p:stCondLst>
-                                        </p:cTn>
-                                        <p:tgtEl>
-                                          <p:spTgt spid="5"/>
-                                        </p:tgtEl>
-                                        <p:attrNameLst>
-                                          <p:attrName>style.visibility</p:attrName>
-                                        </p:attrNameLst>
-                                      </p:cBhvr>
-                                      <p:to>
-                                        <p:strVal val="visible"/>
-                                      </p:to>
-                                    </p:set>
-                                    <p:animEffect transition="in" filter="fade">
-                                      <p:cBhvr>
-                                        <p:cTn id="7" dur="500"/>
-                                        <p:tgtEl>
-                                          <p:spTgt spid="5"/>
-                                        </p:tgtEl>
-                                      </p:cBhvr>
-                                    </p:animEffect>
-                                  </p:childTnLst>
-                                </p:cTn>
-                              </p:par>
-                            </p:childTnLst>
-                          </p:cTn>
-                        </p:par>
-                      </p:childTnLst>
-                    </p:cTn>
-                  </p:par>
-                </p:childTnLst>
-              </p:cTn>
-              <p:prevCondLst>
-                <p:cond evt="onPrev" delay="0">
-                  <p:tgtEl>
-                    <p:sldTgt/>
-                  </p:tgtEl>
-                </p:cond>
-              </p:prevCondLst>
-              <p:nextCondLst>
-                <p:cond evt="onNext" delay="0">
-                  <p:tgtEl>
-                    <p:sldTgt/>
-                  </p:tgtEl>
-                </p:cond>
-              </p:nextCondLst>
-            </p:seq>
-          </p:childTnLst>
-        </p:cTn>
-      </p:par>
-    </p:tnLst>
-    <p:bldLst>
-      <p:bldP spid="5" grpId="0"/>
-    </p:bldLst>
-  </p:timing>
 </p:sld>
 </file>
 
@@ -6438,235 +5402,6 @@
           </a:p>
         </p:txBody>
       </p:sp>
-      <p:sp>
-        <p:nvSpPr>
-          <p:cNvPr id="5" name="Subtítulo 2">
-            <a:extLst>
-              <a:ext uri="{FF2B5EF4-FFF2-40B4-BE49-F238E27FC236}">
-                <a16:creationId xmlns:a16="http://schemas.microsoft.com/office/drawing/2014/main" id="{3001F694-DCDE-37CC-FBCF-CA2ACF93AE9E}"/>
-              </a:ext>
-            </a:extLst>
-          </p:cNvPr>
-          <p:cNvSpPr txBox="1">
-            <a:spLocks/>
-          </p:cNvSpPr>
-          <p:nvPr/>
-        </p:nvSpPr>
-        <p:spPr>
-          <a:xfrm>
-            <a:off x="9254067" y="5791200"/>
-            <a:ext cx="2937912" cy="1042833"/>
-          </a:xfrm>
-          <a:prstGeom prst="rect">
-            <a:avLst/>
-          </a:prstGeom>
-        </p:spPr>
-        <p:txBody>
-          <a:bodyPr vert="horz" lIns="91440" tIns="45720" rIns="91440" bIns="45720" rtlCol="0">
-            <a:normAutofit lnSpcReduction="10000"/>
-          </a:bodyPr>
-          <a:lstStyle>
-            <a:lvl1pPr marL="228600" indent="-228600" algn="l" defTabSz="914400" rtl="0" eaLnBrk="1" latinLnBrk="0" hangingPunct="1">
-              <a:lnSpc>
-                <a:spcPct val="90000"/>
-              </a:lnSpc>
-              <a:spcBef>
-                <a:spcPts val="1000"/>
-              </a:spcBef>
-              <a:buFont typeface="Arial" panose="020B0604020202020204" pitchFamily="34" charset="0"/>
-              <a:buChar char="•"/>
-              <a:defRPr sz="2800" kern="1200">
-                <a:solidFill>
-                  <a:schemeClr val="tx1"/>
-                </a:solidFill>
-                <a:latin typeface="+mn-lt"/>
-                <a:ea typeface="+mn-ea"/>
-                <a:cs typeface="+mn-cs"/>
-              </a:defRPr>
-            </a:lvl1pPr>
-            <a:lvl2pPr marL="685800" indent="-228600" algn="l" defTabSz="914400" rtl="0" eaLnBrk="1" latinLnBrk="0" hangingPunct="1">
-              <a:lnSpc>
-                <a:spcPct val="90000"/>
-              </a:lnSpc>
-              <a:spcBef>
-                <a:spcPts val="500"/>
-              </a:spcBef>
-              <a:buFont typeface="Arial" panose="020B0604020202020204" pitchFamily="34" charset="0"/>
-              <a:buChar char="•"/>
-              <a:defRPr sz="2400" kern="1200">
-                <a:solidFill>
-                  <a:schemeClr val="tx1"/>
-                </a:solidFill>
-                <a:latin typeface="+mn-lt"/>
-                <a:ea typeface="+mn-ea"/>
-                <a:cs typeface="+mn-cs"/>
-              </a:defRPr>
-            </a:lvl2pPr>
-            <a:lvl3pPr marL="1143000" indent="-228600" algn="l" defTabSz="914400" rtl="0" eaLnBrk="1" latinLnBrk="0" hangingPunct="1">
-              <a:lnSpc>
-                <a:spcPct val="90000"/>
-              </a:lnSpc>
-              <a:spcBef>
-                <a:spcPts val="500"/>
-              </a:spcBef>
-              <a:buFont typeface="Arial" panose="020B0604020202020204" pitchFamily="34" charset="0"/>
-              <a:buChar char="•"/>
-              <a:defRPr sz="2000" kern="1200">
-                <a:solidFill>
-                  <a:schemeClr val="tx1"/>
-                </a:solidFill>
-                <a:latin typeface="+mn-lt"/>
-                <a:ea typeface="+mn-ea"/>
-                <a:cs typeface="+mn-cs"/>
-              </a:defRPr>
-            </a:lvl3pPr>
-            <a:lvl4pPr marL="1600200" indent="-228600" algn="l" defTabSz="914400" rtl="0" eaLnBrk="1" latinLnBrk="0" hangingPunct="1">
-              <a:lnSpc>
-                <a:spcPct val="90000"/>
-              </a:lnSpc>
-              <a:spcBef>
-                <a:spcPts val="500"/>
-              </a:spcBef>
-              <a:buFont typeface="Arial" panose="020B0604020202020204" pitchFamily="34" charset="0"/>
-              <a:buChar char="•"/>
-              <a:defRPr sz="1800" kern="1200">
-                <a:solidFill>
-                  <a:schemeClr val="tx1"/>
-                </a:solidFill>
-                <a:latin typeface="+mn-lt"/>
-                <a:ea typeface="+mn-ea"/>
-                <a:cs typeface="+mn-cs"/>
-              </a:defRPr>
-            </a:lvl4pPr>
-            <a:lvl5pPr marL="2057400" indent="-228600" algn="l" defTabSz="914400" rtl="0" eaLnBrk="1" latinLnBrk="0" hangingPunct="1">
-              <a:lnSpc>
-                <a:spcPct val="90000"/>
-              </a:lnSpc>
-              <a:spcBef>
-                <a:spcPts val="500"/>
-              </a:spcBef>
-              <a:buFont typeface="Arial" panose="020B0604020202020204" pitchFamily="34" charset="0"/>
-              <a:buChar char="•"/>
-              <a:defRPr sz="1800" kern="1200">
-                <a:solidFill>
-                  <a:schemeClr val="tx1"/>
-                </a:solidFill>
-                <a:latin typeface="+mn-lt"/>
-                <a:ea typeface="+mn-ea"/>
-                <a:cs typeface="+mn-cs"/>
-              </a:defRPr>
-            </a:lvl5pPr>
-            <a:lvl6pPr marL="2514600" indent="-228600" algn="l" defTabSz="914400" rtl="0" eaLnBrk="1" latinLnBrk="0" hangingPunct="1">
-              <a:lnSpc>
-                <a:spcPct val="90000"/>
-              </a:lnSpc>
-              <a:spcBef>
-                <a:spcPts val="500"/>
-              </a:spcBef>
-              <a:buFont typeface="Arial" panose="020B0604020202020204" pitchFamily="34" charset="0"/>
-              <a:buChar char="•"/>
-              <a:defRPr sz="1800" kern="1200">
-                <a:solidFill>
-                  <a:schemeClr val="tx1"/>
-                </a:solidFill>
-                <a:latin typeface="+mn-lt"/>
-                <a:ea typeface="+mn-ea"/>
-                <a:cs typeface="+mn-cs"/>
-              </a:defRPr>
-            </a:lvl6pPr>
-            <a:lvl7pPr marL="2971800" indent="-228600" algn="l" defTabSz="914400" rtl="0" eaLnBrk="1" latinLnBrk="0" hangingPunct="1">
-              <a:lnSpc>
-                <a:spcPct val="90000"/>
-              </a:lnSpc>
-              <a:spcBef>
-                <a:spcPts val="500"/>
-              </a:spcBef>
-              <a:buFont typeface="Arial" panose="020B0604020202020204" pitchFamily="34" charset="0"/>
-              <a:buChar char="•"/>
-              <a:defRPr sz="1800" kern="1200">
-                <a:solidFill>
-                  <a:schemeClr val="tx1"/>
-                </a:solidFill>
-                <a:latin typeface="+mn-lt"/>
-                <a:ea typeface="+mn-ea"/>
-                <a:cs typeface="+mn-cs"/>
-              </a:defRPr>
-            </a:lvl7pPr>
-            <a:lvl8pPr marL="3429000" indent="-228600" algn="l" defTabSz="914400" rtl="0" eaLnBrk="1" latinLnBrk="0" hangingPunct="1">
-              <a:lnSpc>
-                <a:spcPct val="90000"/>
-              </a:lnSpc>
-              <a:spcBef>
-                <a:spcPts val="500"/>
-              </a:spcBef>
-              <a:buFont typeface="Arial" panose="020B0604020202020204" pitchFamily="34" charset="0"/>
-              <a:buChar char="•"/>
-              <a:defRPr sz="1800" kern="1200">
-                <a:solidFill>
-                  <a:schemeClr val="tx1"/>
-                </a:solidFill>
-                <a:latin typeface="+mn-lt"/>
-                <a:ea typeface="+mn-ea"/>
-                <a:cs typeface="+mn-cs"/>
-              </a:defRPr>
-            </a:lvl8pPr>
-            <a:lvl9pPr marL="3886200" indent="-228600" algn="l" defTabSz="914400" rtl="0" eaLnBrk="1" latinLnBrk="0" hangingPunct="1">
-              <a:lnSpc>
-                <a:spcPct val="90000"/>
-              </a:lnSpc>
-              <a:spcBef>
-                <a:spcPts val="500"/>
-              </a:spcBef>
-              <a:buFont typeface="Arial" panose="020B0604020202020204" pitchFamily="34" charset="0"/>
-              <a:buChar char="•"/>
-              <a:defRPr sz="1800" kern="1200">
-                <a:solidFill>
-                  <a:schemeClr val="tx1"/>
-                </a:solidFill>
-                <a:latin typeface="+mn-lt"/>
-                <a:ea typeface="+mn-ea"/>
-                <a:cs typeface="+mn-cs"/>
-              </a:defRPr>
-            </a:lvl9pPr>
-          </a:lstStyle>
-          <a:p>
-            <a:pPr marL="0" indent="0" algn="ctr">
-              <a:buNone/>
-            </a:pPr>
-            <a:r>
-              <a:rPr lang="es-ES" sz="1100" dirty="0"/>
-              <a:t>Eduardo Martín-Sonseca Alonso</a:t>
-            </a:r>
-          </a:p>
-          <a:p>
-            <a:pPr marL="0" indent="0" algn="ctr">
-              <a:buNone/>
-            </a:pPr>
-            <a:r>
-              <a:rPr lang="es-ES" sz="1100" dirty="0"/>
-              <a:t>Noel Prieto Pardo</a:t>
-            </a:r>
-          </a:p>
-          <a:p>
-            <a:pPr marL="0" indent="0" algn="ctr">
-              <a:buNone/>
-            </a:pPr>
-            <a:r>
-              <a:rPr lang="es-ES" sz="1100" dirty="0"/>
-              <a:t>Mario Ortuñez Sanz</a:t>
-            </a:r>
-          </a:p>
-          <a:p>
-            <a:pPr marL="0" indent="0" algn="ctr">
-              <a:buNone/>
-            </a:pPr>
-            <a:r>
-              <a:rPr lang="es-ES" sz="1100" b="1" dirty="0"/>
-              <a:t>1º Desarrollo de Aplicaciones Multiplataforma</a:t>
-            </a:r>
-          </a:p>
-        </p:txBody>
-      </p:sp>
     </p:spTree>
     <p:extLst>
       <p:ext uri="{BB962C8B-B14F-4D97-AF65-F5344CB8AC3E}">
@@ -6677,95 +5412,6 @@
   <p:clrMapOvr>
     <a:masterClrMapping/>
   </p:clrMapOvr>
-  <p:timing>
-    <p:tnLst>
-      <p:par>
-        <p:cTn id="1" dur="indefinite" restart="never" nodeType="tmRoot">
-          <p:childTnLst>
-            <p:seq concurrent="1" nextAc="seek">
-              <p:cTn id="2" dur="indefinite" nodeType="mainSeq">
-                <p:childTnLst>
-                  <p:par>
-                    <p:cTn id="3" fill="hold">
-                      <p:stCondLst>
-                        <p:cond delay="indefinite"/>
-                        <p:cond evt="onBegin" delay="0">
-                          <p:tn val="2"/>
-                        </p:cond>
-                      </p:stCondLst>
-                      <p:childTnLst>
-                        <p:par>
-                          <p:cTn id="4" fill="hold">
-                            <p:stCondLst>
-                              <p:cond delay="0"/>
-                            </p:stCondLst>
-                            <p:childTnLst>
-                              <p:par>
-                                <p:cTn id="5" presetID="10" presetClass="entr" presetSubtype="0" fill="hold" grpId="0" nodeType="withEffect">
-                                  <p:stCondLst>
-                                    <p:cond delay="0"/>
-                                  </p:stCondLst>
-                                  <p:childTnLst>
-                                    <p:set>
-                                      <p:cBhvr>
-                                        <p:cTn id="6" dur="1" fill="hold">
-                                          <p:stCondLst>
-                                            <p:cond delay="0"/>
-                                          </p:stCondLst>
-                                        </p:cTn>
-                                        <p:tgtEl>
-                                          <p:spTgt spid="5"/>
-                                        </p:tgtEl>
-                                        <p:attrNameLst>
-                                          <p:attrName>style.visibility</p:attrName>
-                                        </p:attrNameLst>
-                                      </p:cBhvr>
-                                      <p:to>
-                                        <p:strVal val="visible"/>
-                                      </p:to>
-                                    </p:set>
-                                    <p:animEffect transition="in" filter="fade">
-                                      <p:cBhvr>
-                                        <p:cTn id="7" dur="500"/>
-                                        <p:tgtEl>
-                                          <p:spTgt spid="5"/>
-                                        </p:tgtEl>
-                                      </p:cBhvr>
-                                    </p:animEffect>
-                                  </p:childTnLst>
-                                </p:cTn>
-                              </p:par>
-                            </p:childTnLst>
-                          </p:cTn>
-                        </p:par>
-                      </p:childTnLst>
-                    </p:cTn>
-                  </p:par>
-                </p:childTnLst>
-              </p:cTn>
-              <p:prevCondLst>
-                <p:cond evt="onPrev" delay="0">
-                  <p:tgtEl>
-                    <p:sldTgt/>
-                  </p:tgtEl>
-                </p:cond>
-              </p:prevCondLst>
-              <p:nextCondLst>
-                <p:cond evt="onNext" delay="0">
-                  <p:tgtEl>
-                    <p:sldTgt/>
-                  </p:tgtEl>
-                </p:cond>
-              </p:nextCondLst>
-            </p:seq>
-          </p:childTnLst>
-        </p:cTn>
-      </p:par>
-    </p:tnLst>
-    <p:bldLst>
-      <p:bldP spid="5" grpId="0"/>
-    </p:bldLst>
-  </p:timing>
 </p:sld>
 </file>
 
@@ -6836,7 +5482,7 @@
           <a:bodyPr/>
           <a:lstStyle/>
           <a:p>
-            <a:endParaRPr lang="es-ES"/>
+            <a:endParaRPr lang="es-ES" dirty="0"/>
           </a:p>
         </p:txBody>
       </p:sp>
@@ -7078,235 +5724,6 @@
           </a:p>
         </p:txBody>
       </p:sp>
-      <p:sp>
-        <p:nvSpPr>
-          <p:cNvPr id="5" name="Subtítulo 2">
-            <a:extLst>
-              <a:ext uri="{FF2B5EF4-FFF2-40B4-BE49-F238E27FC236}">
-                <a16:creationId xmlns:a16="http://schemas.microsoft.com/office/drawing/2014/main" id="{60FBFF1A-1D64-BDB1-0D09-7AE830B32DF5}"/>
-              </a:ext>
-            </a:extLst>
-          </p:cNvPr>
-          <p:cNvSpPr txBox="1">
-            <a:spLocks/>
-          </p:cNvSpPr>
-          <p:nvPr/>
-        </p:nvSpPr>
-        <p:spPr>
-          <a:xfrm>
-            <a:off x="9254067" y="5791200"/>
-            <a:ext cx="2937912" cy="1042833"/>
-          </a:xfrm>
-          <a:prstGeom prst="rect">
-            <a:avLst/>
-          </a:prstGeom>
-        </p:spPr>
-        <p:txBody>
-          <a:bodyPr vert="horz" lIns="91440" tIns="45720" rIns="91440" bIns="45720" rtlCol="0">
-            <a:normAutofit lnSpcReduction="10000"/>
-          </a:bodyPr>
-          <a:lstStyle>
-            <a:lvl1pPr marL="228600" indent="-228600" algn="l" defTabSz="914400" rtl="0" eaLnBrk="1" latinLnBrk="0" hangingPunct="1">
-              <a:lnSpc>
-                <a:spcPct val="90000"/>
-              </a:lnSpc>
-              <a:spcBef>
-                <a:spcPts val="1000"/>
-              </a:spcBef>
-              <a:buFont typeface="Arial" panose="020B0604020202020204" pitchFamily="34" charset="0"/>
-              <a:buChar char="•"/>
-              <a:defRPr sz="2800" kern="1200">
-                <a:solidFill>
-                  <a:schemeClr val="tx1"/>
-                </a:solidFill>
-                <a:latin typeface="+mn-lt"/>
-                <a:ea typeface="+mn-ea"/>
-                <a:cs typeface="+mn-cs"/>
-              </a:defRPr>
-            </a:lvl1pPr>
-            <a:lvl2pPr marL="685800" indent="-228600" algn="l" defTabSz="914400" rtl="0" eaLnBrk="1" latinLnBrk="0" hangingPunct="1">
-              <a:lnSpc>
-                <a:spcPct val="90000"/>
-              </a:lnSpc>
-              <a:spcBef>
-                <a:spcPts val="500"/>
-              </a:spcBef>
-              <a:buFont typeface="Arial" panose="020B0604020202020204" pitchFamily="34" charset="0"/>
-              <a:buChar char="•"/>
-              <a:defRPr sz="2400" kern="1200">
-                <a:solidFill>
-                  <a:schemeClr val="tx1"/>
-                </a:solidFill>
-                <a:latin typeface="+mn-lt"/>
-                <a:ea typeface="+mn-ea"/>
-                <a:cs typeface="+mn-cs"/>
-              </a:defRPr>
-            </a:lvl2pPr>
-            <a:lvl3pPr marL="1143000" indent="-228600" algn="l" defTabSz="914400" rtl="0" eaLnBrk="1" latinLnBrk="0" hangingPunct="1">
-              <a:lnSpc>
-                <a:spcPct val="90000"/>
-              </a:lnSpc>
-              <a:spcBef>
-                <a:spcPts val="500"/>
-              </a:spcBef>
-              <a:buFont typeface="Arial" panose="020B0604020202020204" pitchFamily="34" charset="0"/>
-              <a:buChar char="•"/>
-              <a:defRPr sz="2000" kern="1200">
-                <a:solidFill>
-                  <a:schemeClr val="tx1"/>
-                </a:solidFill>
-                <a:latin typeface="+mn-lt"/>
-                <a:ea typeface="+mn-ea"/>
-                <a:cs typeface="+mn-cs"/>
-              </a:defRPr>
-            </a:lvl3pPr>
-            <a:lvl4pPr marL="1600200" indent="-228600" algn="l" defTabSz="914400" rtl="0" eaLnBrk="1" latinLnBrk="0" hangingPunct="1">
-              <a:lnSpc>
-                <a:spcPct val="90000"/>
-              </a:lnSpc>
-              <a:spcBef>
-                <a:spcPts val="500"/>
-              </a:spcBef>
-              <a:buFont typeface="Arial" panose="020B0604020202020204" pitchFamily="34" charset="0"/>
-              <a:buChar char="•"/>
-              <a:defRPr sz="1800" kern="1200">
-                <a:solidFill>
-                  <a:schemeClr val="tx1"/>
-                </a:solidFill>
-                <a:latin typeface="+mn-lt"/>
-                <a:ea typeface="+mn-ea"/>
-                <a:cs typeface="+mn-cs"/>
-              </a:defRPr>
-            </a:lvl4pPr>
-            <a:lvl5pPr marL="2057400" indent="-228600" algn="l" defTabSz="914400" rtl="0" eaLnBrk="1" latinLnBrk="0" hangingPunct="1">
-              <a:lnSpc>
-                <a:spcPct val="90000"/>
-              </a:lnSpc>
-              <a:spcBef>
-                <a:spcPts val="500"/>
-              </a:spcBef>
-              <a:buFont typeface="Arial" panose="020B0604020202020204" pitchFamily="34" charset="0"/>
-              <a:buChar char="•"/>
-              <a:defRPr sz="1800" kern="1200">
-                <a:solidFill>
-                  <a:schemeClr val="tx1"/>
-                </a:solidFill>
-                <a:latin typeface="+mn-lt"/>
-                <a:ea typeface="+mn-ea"/>
-                <a:cs typeface="+mn-cs"/>
-              </a:defRPr>
-            </a:lvl5pPr>
-            <a:lvl6pPr marL="2514600" indent="-228600" algn="l" defTabSz="914400" rtl="0" eaLnBrk="1" latinLnBrk="0" hangingPunct="1">
-              <a:lnSpc>
-                <a:spcPct val="90000"/>
-              </a:lnSpc>
-              <a:spcBef>
-                <a:spcPts val="500"/>
-              </a:spcBef>
-              <a:buFont typeface="Arial" panose="020B0604020202020204" pitchFamily="34" charset="0"/>
-              <a:buChar char="•"/>
-              <a:defRPr sz="1800" kern="1200">
-                <a:solidFill>
-                  <a:schemeClr val="tx1"/>
-                </a:solidFill>
-                <a:latin typeface="+mn-lt"/>
-                <a:ea typeface="+mn-ea"/>
-                <a:cs typeface="+mn-cs"/>
-              </a:defRPr>
-            </a:lvl6pPr>
-            <a:lvl7pPr marL="2971800" indent="-228600" algn="l" defTabSz="914400" rtl="0" eaLnBrk="1" latinLnBrk="0" hangingPunct="1">
-              <a:lnSpc>
-                <a:spcPct val="90000"/>
-              </a:lnSpc>
-              <a:spcBef>
-                <a:spcPts val="500"/>
-              </a:spcBef>
-              <a:buFont typeface="Arial" panose="020B0604020202020204" pitchFamily="34" charset="0"/>
-              <a:buChar char="•"/>
-              <a:defRPr sz="1800" kern="1200">
-                <a:solidFill>
-                  <a:schemeClr val="tx1"/>
-                </a:solidFill>
-                <a:latin typeface="+mn-lt"/>
-                <a:ea typeface="+mn-ea"/>
-                <a:cs typeface="+mn-cs"/>
-              </a:defRPr>
-            </a:lvl7pPr>
-            <a:lvl8pPr marL="3429000" indent="-228600" algn="l" defTabSz="914400" rtl="0" eaLnBrk="1" latinLnBrk="0" hangingPunct="1">
-              <a:lnSpc>
-                <a:spcPct val="90000"/>
-              </a:lnSpc>
-              <a:spcBef>
-                <a:spcPts val="500"/>
-              </a:spcBef>
-              <a:buFont typeface="Arial" panose="020B0604020202020204" pitchFamily="34" charset="0"/>
-              <a:buChar char="•"/>
-              <a:defRPr sz="1800" kern="1200">
-                <a:solidFill>
-                  <a:schemeClr val="tx1"/>
-                </a:solidFill>
-                <a:latin typeface="+mn-lt"/>
-                <a:ea typeface="+mn-ea"/>
-                <a:cs typeface="+mn-cs"/>
-              </a:defRPr>
-            </a:lvl8pPr>
-            <a:lvl9pPr marL="3886200" indent="-228600" algn="l" defTabSz="914400" rtl="0" eaLnBrk="1" latinLnBrk="0" hangingPunct="1">
-              <a:lnSpc>
-                <a:spcPct val="90000"/>
-              </a:lnSpc>
-              <a:spcBef>
-                <a:spcPts val="500"/>
-              </a:spcBef>
-              <a:buFont typeface="Arial" panose="020B0604020202020204" pitchFamily="34" charset="0"/>
-              <a:buChar char="•"/>
-              <a:defRPr sz="1800" kern="1200">
-                <a:solidFill>
-                  <a:schemeClr val="tx1"/>
-                </a:solidFill>
-                <a:latin typeface="+mn-lt"/>
-                <a:ea typeface="+mn-ea"/>
-                <a:cs typeface="+mn-cs"/>
-              </a:defRPr>
-            </a:lvl9pPr>
-          </a:lstStyle>
-          <a:p>
-            <a:pPr marL="0" indent="0" algn="ctr">
-              <a:buNone/>
-            </a:pPr>
-            <a:r>
-              <a:rPr lang="es-ES" sz="1100" dirty="0"/>
-              <a:t>Eduardo Martín-Sonseca Alonso</a:t>
-            </a:r>
-          </a:p>
-          <a:p>
-            <a:pPr marL="0" indent="0" algn="ctr">
-              <a:buNone/>
-            </a:pPr>
-            <a:r>
-              <a:rPr lang="es-ES" sz="1100" dirty="0"/>
-              <a:t>Noel Prieto Pardo</a:t>
-            </a:r>
-          </a:p>
-          <a:p>
-            <a:pPr marL="0" indent="0" algn="ctr">
-              <a:buNone/>
-            </a:pPr>
-            <a:r>
-              <a:rPr lang="es-ES" sz="1100" dirty="0"/>
-              <a:t>Mario Ortuñez Sanz</a:t>
-            </a:r>
-          </a:p>
-          <a:p>
-            <a:pPr marL="0" indent="0" algn="ctr">
-              <a:buNone/>
-            </a:pPr>
-            <a:r>
-              <a:rPr lang="es-ES" sz="1100" b="1" dirty="0"/>
-              <a:t>1º Desarrollo de Aplicaciones Multiplataforma</a:t>
-            </a:r>
-          </a:p>
-        </p:txBody>
-      </p:sp>
     </p:spTree>
     <p:extLst>
       <p:ext uri="{BB962C8B-B14F-4D97-AF65-F5344CB8AC3E}">
@@ -7317,95 +5734,6 @@
   <p:clrMapOvr>
     <a:masterClrMapping/>
   </p:clrMapOvr>
-  <p:timing>
-    <p:tnLst>
-      <p:par>
-        <p:cTn id="1" dur="indefinite" restart="never" nodeType="tmRoot">
-          <p:childTnLst>
-            <p:seq concurrent="1" nextAc="seek">
-              <p:cTn id="2" dur="indefinite" nodeType="mainSeq">
-                <p:childTnLst>
-                  <p:par>
-                    <p:cTn id="3" fill="hold">
-                      <p:stCondLst>
-                        <p:cond delay="indefinite"/>
-                        <p:cond evt="onBegin" delay="0">
-                          <p:tn val="2"/>
-                        </p:cond>
-                      </p:stCondLst>
-                      <p:childTnLst>
-                        <p:par>
-                          <p:cTn id="4" fill="hold">
-                            <p:stCondLst>
-                              <p:cond delay="0"/>
-                            </p:stCondLst>
-                            <p:childTnLst>
-                              <p:par>
-                                <p:cTn id="5" presetID="10" presetClass="entr" presetSubtype="0" fill="hold" grpId="0" nodeType="withEffect">
-                                  <p:stCondLst>
-                                    <p:cond delay="0"/>
-                                  </p:stCondLst>
-                                  <p:childTnLst>
-                                    <p:set>
-                                      <p:cBhvr>
-                                        <p:cTn id="6" dur="1" fill="hold">
-                                          <p:stCondLst>
-                                            <p:cond delay="0"/>
-                                          </p:stCondLst>
-                                        </p:cTn>
-                                        <p:tgtEl>
-                                          <p:spTgt spid="5"/>
-                                        </p:tgtEl>
-                                        <p:attrNameLst>
-                                          <p:attrName>style.visibility</p:attrName>
-                                        </p:attrNameLst>
-                                      </p:cBhvr>
-                                      <p:to>
-                                        <p:strVal val="visible"/>
-                                      </p:to>
-                                    </p:set>
-                                    <p:animEffect transition="in" filter="fade">
-                                      <p:cBhvr>
-                                        <p:cTn id="7" dur="500"/>
-                                        <p:tgtEl>
-                                          <p:spTgt spid="5"/>
-                                        </p:tgtEl>
-                                      </p:cBhvr>
-                                    </p:animEffect>
-                                  </p:childTnLst>
-                                </p:cTn>
-                              </p:par>
-                            </p:childTnLst>
-                          </p:cTn>
-                        </p:par>
-                      </p:childTnLst>
-                    </p:cTn>
-                  </p:par>
-                </p:childTnLst>
-              </p:cTn>
-              <p:prevCondLst>
-                <p:cond evt="onPrev" delay="0">
-                  <p:tgtEl>
-                    <p:sldTgt/>
-                  </p:tgtEl>
-                </p:cond>
-              </p:prevCondLst>
-              <p:nextCondLst>
-                <p:cond evt="onNext" delay="0">
-                  <p:tgtEl>
-                    <p:sldTgt/>
-                  </p:tgtEl>
-                </p:cond>
-              </p:nextCondLst>
-            </p:seq>
-          </p:childTnLst>
-        </p:cTn>
-      </p:par>
-    </p:tnLst>
-    <p:bldLst>
-      <p:bldP spid="5" grpId="0"/>
-    </p:bldLst>
-  </p:timing>
 </p:sld>
 </file>
 
@@ -7718,235 +6046,6 @@
           </a:p>
         </p:txBody>
       </p:sp>
-      <p:sp>
-        <p:nvSpPr>
-          <p:cNvPr id="5" name="Subtítulo 2">
-            <a:extLst>
-              <a:ext uri="{FF2B5EF4-FFF2-40B4-BE49-F238E27FC236}">
-                <a16:creationId xmlns:a16="http://schemas.microsoft.com/office/drawing/2014/main" id="{013F075B-36D2-4579-C378-85DBD8D564FB}"/>
-              </a:ext>
-            </a:extLst>
-          </p:cNvPr>
-          <p:cNvSpPr txBox="1">
-            <a:spLocks/>
-          </p:cNvSpPr>
-          <p:nvPr/>
-        </p:nvSpPr>
-        <p:spPr>
-          <a:xfrm>
-            <a:off x="9254067" y="5791200"/>
-            <a:ext cx="2937912" cy="1042833"/>
-          </a:xfrm>
-          <a:prstGeom prst="rect">
-            <a:avLst/>
-          </a:prstGeom>
-        </p:spPr>
-        <p:txBody>
-          <a:bodyPr vert="horz" lIns="91440" tIns="45720" rIns="91440" bIns="45720" rtlCol="0">
-            <a:normAutofit lnSpcReduction="10000"/>
-          </a:bodyPr>
-          <a:lstStyle>
-            <a:lvl1pPr marL="228600" indent="-228600" algn="l" defTabSz="914400" rtl="0" eaLnBrk="1" latinLnBrk="0" hangingPunct="1">
-              <a:lnSpc>
-                <a:spcPct val="90000"/>
-              </a:lnSpc>
-              <a:spcBef>
-                <a:spcPts val="1000"/>
-              </a:spcBef>
-              <a:buFont typeface="Arial" panose="020B0604020202020204" pitchFamily="34" charset="0"/>
-              <a:buChar char="•"/>
-              <a:defRPr sz="2800" kern="1200">
-                <a:solidFill>
-                  <a:schemeClr val="tx1"/>
-                </a:solidFill>
-                <a:latin typeface="+mn-lt"/>
-                <a:ea typeface="+mn-ea"/>
-                <a:cs typeface="+mn-cs"/>
-              </a:defRPr>
-            </a:lvl1pPr>
-            <a:lvl2pPr marL="685800" indent="-228600" algn="l" defTabSz="914400" rtl="0" eaLnBrk="1" latinLnBrk="0" hangingPunct="1">
-              <a:lnSpc>
-                <a:spcPct val="90000"/>
-              </a:lnSpc>
-              <a:spcBef>
-                <a:spcPts val="500"/>
-              </a:spcBef>
-              <a:buFont typeface="Arial" panose="020B0604020202020204" pitchFamily="34" charset="0"/>
-              <a:buChar char="•"/>
-              <a:defRPr sz="2400" kern="1200">
-                <a:solidFill>
-                  <a:schemeClr val="tx1"/>
-                </a:solidFill>
-                <a:latin typeface="+mn-lt"/>
-                <a:ea typeface="+mn-ea"/>
-                <a:cs typeface="+mn-cs"/>
-              </a:defRPr>
-            </a:lvl2pPr>
-            <a:lvl3pPr marL="1143000" indent="-228600" algn="l" defTabSz="914400" rtl="0" eaLnBrk="1" latinLnBrk="0" hangingPunct="1">
-              <a:lnSpc>
-                <a:spcPct val="90000"/>
-              </a:lnSpc>
-              <a:spcBef>
-                <a:spcPts val="500"/>
-              </a:spcBef>
-              <a:buFont typeface="Arial" panose="020B0604020202020204" pitchFamily="34" charset="0"/>
-              <a:buChar char="•"/>
-              <a:defRPr sz="2000" kern="1200">
-                <a:solidFill>
-                  <a:schemeClr val="tx1"/>
-                </a:solidFill>
-                <a:latin typeface="+mn-lt"/>
-                <a:ea typeface="+mn-ea"/>
-                <a:cs typeface="+mn-cs"/>
-              </a:defRPr>
-            </a:lvl3pPr>
-            <a:lvl4pPr marL="1600200" indent="-228600" algn="l" defTabSz="914400" rtl="0" eaLnBrk="1" latinLnBrk="0" hangingPunct="1">
-              <a:lnSpc>
-                <a:spcPct val="90000"/>
-              </a:lnSpc>
-              <a:spcBef>
-                <a:spcPts val="500"/>
-              </a:spcBef>
-              <a:buFont typeface="Arial" panose="020B0604020202020204" pitchFamily="34" charset="0"/>
-              <a:buChar char="•"/>
-              <a:defRPr sz="1800" kern="1200">
-                <a:solidFill>
-                  <a:schemeClr val="tx1"/>
-                </a:solidFill>
-                <a:latin typeface="+mn-lt"/>
-                <a:ea typeface="+mn-ea"/>
-                <a:cs typeface="+mn-cs"/>
-              </a:defRPr>
-            </a:lvl4pPr>
-            <a:lvl5pPr marL="2057400" indent="-228600" algn="l" defTabSz="914400" rtl="0" eaLnBrk="1" latinLnBrk="0" hangingPunct="1">
-              <a:lnSpc>
-                <a:spcPct val="90000"/>
-              </a:lnSpc>
-              <a:spcBef>
-                <a:spcPts val="500"/>
-              </a:spcBef>
-              <a:buFont typeface="Arial" panose="020B0604020202020204" pitchFamily="34" charset="0"/>
-              <a:buChar char="•"/>
-              <a:defRPr sz="1800" kern="1200">
-                <a:solidFill>
-                  <a:schemeClr val="tx1"/>
-                </a:solidFill>
-                <a:latin typeface="+mn-lt"/>
-                <a:ea typeface="+mn-ea"/>
-                <a:cs typeface="+mn-cs"/>
-              </a:defRPr>
-            </a:lvl5pPr>
-            <a:lvl6pPr marL="2514600" indent="-228600" algn="l" defTabSz="914400" rtl="0" eaLnBrk="1" latinLnBrk="0" hangingPunct="1">
-              <a:lnSpc>
-                <a:spcPct val="90000"/>
-              </a:lnSpc>
-              <a:spcBef>
-                <a:spcPts val="500"/>
-              </a:spcBef>
-              <a:buFont typeface="Arial" panose="020B0604020202020204" pitchFamily="34" charset="0"/>
-              <a:buChar char="•"/>
-              <a:defRPr sz="1800" kern="1200">
-                <a:solidFill>
-                  <a:schemeClr val="tx1"/>
-                </a:solidFill>
-                <a:latin typeface="+mn-lt"/>
-                <a:ea typeface="+mn-ea"/>
-                <a:cs typeface="+mn-cs"/>
-              </a:defRPr>
-            </a:lvl6pPr>
-            <a:lvl7pPr marL="2971800" indent="-228600" algn="l" defTabSz="914400" rtl="0" eaLnBrk="1" latinLnBrk="0" hangingPunct="1">
-              <a:lnSpc>
-                <a:spcPct val="90000"/>
-              </a:lnSpc>
-              <a:spcBef>
-                <a:spcPts val="500"/>
-              </a:spcBef>
-              <a:buFont typeface="Arial" panose="020B0604020202020204" pitchFamily="34" charset="0"/>
-              <a:buChar char="•"/>
-              <a:defRPr sz="1800" kern="1200">
-                <a:solidFill>
-                  <a:schemeClr val="tx1"/>
-                </a:solidFill>
-                <a:latin typeface="+mn-lt"/>
-                <a:ea typeface="+mn-ea"/>
-                <a:cs typeface="+mn-cs"/>
-              </a:defRPr>
-            </a:lvl7pPr>
-            <a:lvl8pPr marL="3429000" indent="-228600" algn="l" defTabSz="914400" rtl="0" eaLnBrk="1" latinLnBrk="0" hangingPunct="1">
-              <a:lnSpc>
-                <a:spcPct val="90000"/>
-              </a:lnSpc>
-              <a:spcBef>
-                <a:spcPts val="500"/>
-              </a:spcBef>
-              <a:buFont typeface="Arial" panose="020B0604020202020204" pitchFamily="34" charset="0"/>
-              <a:buChar char="•"/>
-              <a:defRPr sz="1800" kern="1200">
-                <a:solidFill>
-                  <a:schemeClr val="tx1"/>
-                </a:solidFill>
-                <a:latin typeface="+mn-lt"/>
-                <a:ea typeface="+mn-ea"/>
-                <a:cs typeface="+mn-cs"/>
-              </a:defRPr>
-            </a:lvl8pPr>
-            <a:lvl9pPr marL="3886200" indent="-228600" algn="l" defTabSz="914400" rtl="0" eaLnBrk="1" latinLnBrk="0" hangingPunct="1">
-              <a:lnSpc>
-                <a:spcPct val="90000"/>
-              </a:lnSpc>
-              <a:spcBef>
-                <a:spcPts val="500"/>
-              </a:spcBef>
-              <a:buFont typeface="Arial" panose="020B0604020202020204" pitchFamily="34" charset="0"/>
-              <a:buChar char="•"/>
-              <a:defRPr sz="1800" kern="1200">
-                <a:solidFill>
-                  <a:schemeClr val="tx1"/>
-                </a:solidFill>
-                <a:latin typeface="+mn-lt"/>
-                <a:ea typeface="+mn-ea"/>
-                <a:cs typeface="+mn-cs"/>
-              </a:defRPr>
-            </a:lvl9pPr>
-          </a:lstStyle>
-          <a:p>
-            <a:pPr marL="0" indent="0" algn="ctr">
-              <a:buNone/>
-            </a:pPr>
-            <a:r>
-              <a:rPr lang="es-ES" sz="1100" dirty="0"/>
-              <a:t>Eduardo Martín-Sonseca Alonso</a:t>
-            </a:r>
-          </a:p>
-          <a:p>
-            <a:pPr marL="0" indent="0" algn="ctr">
-              <a:buNone/>
-            </a:pPr>
-            <a:r>
-              <a:rPr lang="es-ES" sz="1100" dirty="0"/>
-              <a:t>Noel Prieto Pardo</a:t>
-            </a:r>
-          </a:p>
-          <a:p>
-            <a:pPr marL="0" indent="0" algn="ctr">
-              <a:buNone/>
-            </a:pPr>
-            <a:r>
-              <a:rPr lang="es-ES" sz="1100" dirty="0"/>
-              <a:t>Mario Ortuñez Sanz</a:t>
-            </a:r>
-          </a:p>
-          <a:p>
-            <a:pPr marL="0" indent="0" algn="ctr">
-              <a:buNone/>
-            </a:pPr>
-            <a:r>
-              <a:rPr lang="es-ES" sz="1100" b="1" dirty="0"/>
-              <a:t>1º Desarrollo de Aplicaciones Multiplataforma</a:t>
-            </a:r>
-          </a:p>
-        </p:txBody>
-      </p:sp>
     </p:spTree>
     <p:extLst>
       <p:ext uri="{BB962C8B-B14F-4D97-AF65-F5344CB8AC3E}">
@@ -7957,95 +6056,6 @@
   <p:clrMapOvr>
     <a:masterClrMapping/>
   </p:clrMapOvr>
-  <p:timing>
-    <p:tnLst>
-      <p:par>
-        <p:cTn id="1" dur="indefinite" restart="never" nodeType="tmRoot">
-          <p:childTnLst>
-            <p:seq concurrent="1" nextAc="seek">
-              <p:cTn id="2" dur="indefinite" nodeType="mainSeq">
-                <p:childTnLst>
-                  <p:par>
-                    <p:cTn id="3" fill="hold">
-                      <p:stCondLst>
-                        <p:cond delay="indefinite"/>
-                        <p:cond evt="onBegin" delay="0">
-                          <p:tn val="2"/>
-                        </p:cond>
-                      </p:stCondLst>
-                      <p:childTnLst>
-                        <p:par>
-                          <p:cTn id="4" fill="hold">
-                            <p:stCondLst>
-                              <p:cond delay="0"/>
-                            </p:stCondLst>
-                            <p:childTnLst>
-                              <p:par>
-                                <p:cTn id="5" presetID="10" presetClass="entr" presetSubtype="0" fill="hold" grpId="0" nodeType="withEffect">
-                                  <p:stCondLst>
-                                    <p:cond delay="0"/>
-                                  </p:stCondLst>
-                                  <p:childTnLst>
-                                    <p:set>
-                                      <p:cBhvr>
-                                        <p:cTn id="6" dur="1" fill="hold">
-                                          <p:stCondLst>
-                                            <p:cond delay="0"/>
-                                          </p:stCondLst>
-                                        </p:cTn>
-                                        <p:tgtEl>
-                                          <p:spTgt spid="5"/>
-                                        </p:tgtEl>
-                                        <p:attrNameLst>
-                                          <p:attrName>style.visibility</p:attrName>
-                                        </p:attrNameLst>
-                                      </p:cBhvr>
-                                      <p:to>
-                                        <p:strVal val="visible"/>
-                                      </p:to>
-                                    </p:set>
-                                    <p:animEffect transition="in" filter="fade">
-                                      <p:cBhvr>
-                                        <p:cTn id="7" dur="500"/>
-                                        <p:tgtEl>
-                                          <p:spTgt spid="5"/>
-                                        </p:tgtEl>
-                                      </p:cBhvr>
-                                    </p:animEffect>
-                                  </p:childTnLst>
-                                </p:cTn>
-                              </p:par>
-                            </p:childTnLst>
-                          </p:cTn>
-                        </p:par>
-                      </p:childTnLst>
-                    </p:cTn>
-                  </p:par>
-                </p:childTnLst>
-              </p:cTn>
-              <p:prevCondLst>
-                <p:cond evt="onPrev" delay="0">
-                  <p:tgtEl>
-                    <p:sldTgt/>
-                  </p:tgtEl>
-                </p:cond>
-              </p:prevCondLst>
-              <p:nextCondLst>
-                <p:cond evt="onNext" delay="0">
-                  <p:tgtEl>
-                    <p:sldTgt/>
-                  </p:tgtEl>
-                </p:cond>
-              </p:nextCondLst>
-            </p:seq>
-          </p:childTnLst>
-        </p:cTn>
-      </p:par>
-    </p:tnLst>
-    <p:bldLst>
-      <p:bldP spid="5" grpId="0"/>
-    </p:bldLst>
-  </p:timing>
 </p:sld>
 </file>
 
@@ -8642,9 +6652,24 @@
                     <a:lumOff val="40000"/>
                   </a:schemeClr>
                 </a:solidFill>
+                <a:hlinkClick r:id="rId3" action="ppaction://hlinksldjump">
+                  <a:extLst>
+                    <a:ext uri="{A12FA001-AC4F-418D-AE19-62706E023703}">
+                      <ahyp:hlinkClr xmlns:ahyp="http://schemas.microsoft.com/office/drawing/2018/hyperlinkcolor" val="tx"/>
+                    </a:ext>
+                  </a:extLst>
+                </a:hlinkClick>
               </a:rPr>
               <a:t>Diseño de la Base de datos</a:t>
             </a:r>
+            <a:endParaRPr lang="es-ES" sz="1600" dirty="0">
+              <a:solidFill>
+                <a:schemeClr val="accent5">
+                  <a:lumMod val="60000"/>
+                  <a:lumOff val="40000"/>
+                </a:schemeClr>
+              </a:solidFill>
+            </a:endParaRPr>
           </a:p>
         </p:txBody>
       </p:sp>
@@ -8734,9 +6759,24 @@
                     <a:lumOff val="40000"/>
                   </a:schemeClr>
                 </a:solidFill>
+                <a:hlinkClick r:id="rId4" action="ppaction://hlinksldjump">
+                  <a:extLst>
+                    <a:ext uri="{A12FA001-AC4F-418D-AE19-62706E023703}">
+                      <ahyp:hlinkClr xmlns:ahyp="http://schemas.microsoft.com/office/drawing/2018/hyperlinkcolor" val="tx"/>
+                    </a:ext>
+                  </a:extLst>
+                </a:hlinkClick>
               </a:rPr>
               <a:t>Introducción</a:t>
             </a:r>
+            <a:endParaRPr lang="es-ES" sz="1600" dirty="0">
+              <a:solidFill>
+                <a:schemeClr val="accent5">
+                  <a:lumMod val="60000"/>
+                  <a:lumOff val="40000"/>
+                </a:schemeClr>
+              </a:solidFill>
+            </a:endParaRPr>
           </a:p>
         </p:txBody>
       </p:sp>
@@ -8780,9 +6820,24 @@
                     <a:lumOff val="40000"/>
                   </a:schemeClr>
                 </a:solidFill>
+                <a:hlinkClick r:id="rId3" action="ppaction://hlinksldjump">
+                  <a:extLst>
+                    <a:ext uri="{A12FA001-AC4F-418D-AE19-62706E023703}">
+                      <ahyp:hlinkClr xmlns:ahyp="http://schemas.microsoft.com/office/drawing/2018/hyperlinkcolor" val="tx"/>
+                    </a:ext>
+                  </a:extLst>
+                </a:hlinkClick>
               </a:rPr>
               <a:t>Especificación de requisitos</a:t>
             </a:r>
+            <a:endParaRPr lang="es-ES" sz="1100" dirty="0">
+              <a:solidFill>
+                <a:schemeClr val="accent5">
+                  <a:lumMod val="60000"/>
+                  <a:lumOff val="40000"/>
+                </a:schemeClr>
+              </a:solidFill>
+            </a:endParaRPr>
           </a:p>
         </p:txBody>
       </p:sp>
@@ -8826,9 +6881,24 @@
                     <a:lumOff val="40000"/>
                   </a:schemeClr>
                 </a:solidFill>
+                <a:hlinkClick r:id="rId5" action="ppaction://hlinksldjump">
+                  <a:extLst>
+                    <a:ext uri="{A12FA001-AC4F-418D-AE19-62706E023703}">
+                      <ahyp:hlinkClr xmlns:ahyp="http://schemas.microsoft.com/office/drawing/2018/hyperlinkcolor" val="tx"/>
+                    </a:ext>
+                  </a:extLst>
+                </a:hlinkClick>
               </a:rPr>
               <a:t>Modelo Entidad-Relación</a:t>
             </a:r>
+            <a:endParaRPr lang="es-ES" sz="1100" dirty="0">
+              <a:solidFill>
+                <a:schemeClr val="accent5">
+                  <a:lumMod val="60000"/>
+                  <a:lumOff val="40000"/>
+                </a:schemeClr>
+              </a:solidFill>
+            </a:endParaRPr>
           </a:p>
         </p:txBody>
       </p:sp>
@@ -8918,9 +6988,24 @@
                     <a:lumOff val="40000"/>
                   </a:schemeClr>
                 </a:solidFill>
+                <a:hlinkClick r:id="rId6" action="ppaction://hlinksldjump">
+                  <a:extLst>
+                    <a:ext uri="{A12FA001-AC4F-418D-AE19-62706E023703}">
+                      <ahyp:hlinkClr xmlns:ahyp="http://schemas.microsoft.com/office/drawing/2018/hyperlinkcolor" val="tx"/>
+                    </a:ext>
+                  </a:extLst>
+                </a:hlinkClick>
               </a:rPr>
               <a:t>Modelo Relacional</a:t>
             </a:r>
+            <a:endParaRPr lang="es-ES" sz="1100" dirty="0">
+              <a:solidFill>
+                <a:schemeClr val="accent5">
+                  <a:lumMod val="60000"/>
+                  <a:lumOff val="40000"/>
+                </a:schemeClr>
+              </a:solidFill>
+            </a:endParaRPr>
           </a:p>
         </p:txBody>
       </p:sp>
@@ -8964,9 +7049,24 @@
                     <a:lumOff val="40000"/>
                   </a:schemeClr>
                 </a:solidFill>
+                <a:hlinkClick r:id="rId7" action="ppaction://hlinksldjump">
+                  <a:extLst>
+                    <a:ext uri="{A12FA001-AC4F-418D-AE19-62706E023703}">
+                      <ahyp:hlinkClr xmlns:ahyp="http://schemas.microsoft.com/office/drawing/2018/hyperlinkcolor" val="tx"/>
+                    </a:ext>
+                  </a:extLst>
+                </a:hlinkClick>
               </a:rPr>
               <a:t>Normalización</a:t>
             </a:r>
+            <a:endParaRPr lang="es-ES" sz="1100" dirty="0">
+              <a:solidFill>
+                <a:schemeClr val="accent5">
+                  <a:lumMod val="60000"/>
+                  <a:lumOff val="40000"/>
+                </a:schemeClr>
+              </a:solidFill>
+            </a:endParaRPr>
           </a:p>
         </p:txBody>
       </p:sp>
@@ -9056,9 +7156,24 @@
                     <a:lumOff val="40000"/>
                   </a:schemeClr>
                 </a:solidFill>
+                <a:hlinkClick r:id="rId8" action="ppaction://hlinksldjump">
+                  <a:extLst>
+                    <a:ext uri="{A12FA001-AC4F-418D-AE19-62706E023703}">
+                      <ahyp:hlinkClr xmlns:ahyp="http://schemas.microsoft.com/office/drawing/2018/hyperlinkcolor" val="tx"/>
+                    </a:ext>
+                  </a:extLst>
+                </a:hlinkClick>
               </a:rPr>
               <a:t>Modelo Físico</a:t>
             </a:r>
+            <a:endParaRPr lang="es-ES" sz="1100" dirty="0">
+              <a:solidFill>
+                <a:schemeClr val="accent5">
+                  <a:lumMod val="60000"/>
+                  <a:lumOff val="40000"/>
+                </a:schemeClr>
+              </a:solidFill>
+            </a:endParaRPr>
           </a:p>
         </p:txBody>
       </p:sp>
@@ -9102,9 +7217,24 @@
                     <a:lumOff val="40000"/>
                   </a:schemeClr>
                 </a:solidFill>
+                <a:hlinkClick r:id="rId9" action="ppaction://hlinksldjump">
+                  <a:extLst>
+                    <a:ext uri="{A12FA001-AC4F-418D-AE19-62706E023703}">
+                      <ahyp:hlinkClr xmlns:ahyp="http://schemas.microsoft.com/office/drawing/2018/hyperlinkcolor" val="tx"/>
+                    </a:ext>
+                  </a:extLst>
+                </a:hlinkClick>
               </a:rPr>
               <a:t>Script de creación de Base de Datos</a:t>
             </a:r>
+            <a:endParaRPr lang="es-ES" sz="1100" dirty="0">
+              <a:solidFill>
+                <a:schemeClr val="accent5">
+                  <a:lumMod val="60000"/>
+                  <a:lumOff val="40000"/>
+                </a:schemeClr>
+              </a:solidFill>
+            </a:endParaRPr>
           </a:p>
         </p:txBody>
       </p:sp>
@@ -9148,9 +7278,24 @@
                     <a:lumOff val="40000"/>
                   </a:schemeClr>
                 </a:solidFill>
+                <a:hlinkClick r:id="rId10" action="ppaction://hlinksldjump">
+                  <a:extLst>
+                    <a:ext uri="{A12FA001-AC4F-418D-AE19-62706E023703}">
+                      <ahyp:hlinkClr xmlns:ahyp="http://schemas.microsoft.com/office/drawing/2018/hyperlinkcolor" val="tx"/>
+                    </a:ext>
+                  </a:extLst>
+                </a:hlinkClick>
               </a:rPr>
               <a:t>Diccionario de Datos</a:t>
             </a:r>
+            <a:endParaRPr lang="es-ES" sz="1100" dirty="0">
+              <a:solidFill>
+                <a:schemeClr val="accent5">
+                  <a:lumMod val="60000"/>
+                  <a:lumOff val="40000"/>
+                </a:schemeClr>
+              </a:solidFill>
+            </a:endParaRPr>
           </a:p>
         </p:txBody>
       </p:sp>
@@ -9194,9 +7339,24 @@
                     <a:lumOff val="40000"/>
                   </a:schemeClr>
                 </a:solidFill>
+                <a:hlinkClick r:id="rId11" action="ppaction://hlinksldjump">
+                  <a:extLst>
+                    <a:ext uri="{A12FA001-AC4F-418D-AE19-62706E023703}">
+                      <ahyp:hlinkClr xmlns:ahyp="http://schemas.microsoft.com/office/drawing/2018/hyperlinkcolor" val="tx"/>
+                    </a:ext>
+                  </a:extLst>
+                </a:hlinkClick>
               </a:rPr>
               <a:t>Consultas SQL</a:t>
             </a:r>
+            <a:endParaRPr lang="es-ES" sz="1600" dirty="0">
+              <a:solidFill>
+                <a:schemeClr val="accent5">
+                  <a:lumMod val="60000"/>
+                  <a:lumOff val="40000"/>
+                </a:schemeClr>
+              </a:solidFill>
+            </a:endParaRPr>
           </a:p>
         </p:txBody>
       </p:sp>
@@ -9240,9 +7400,24 @@
                     <a:lumOff val="40000"/>
                   </a:schemeClr>
                 </a:solidFill>
+                <a:hlinkClick r:id="rId12" action="ppaction://hlinksldjump">
+                  <a:extLst>
+                    <a:ext uri="{A12FA001-AC4F-418D-AE19-62706E023703}">
+                      <ahyp:hlinkClr xmlns:ahyp="http://schemas.microsoft.com/office/drawing/2018/hyperlinkcolor" val="tx"/>
+                    </a:ext>
+                  </a:extLst>
+                </a:hlinkClick>
               </a:rPr>
               <a:t>Subprogramas PL/SQL</a:t>
             </a:r>
+            <a:endParaRPr lang="es-ES" sz="1600" dirty="0">
+              <a:solidFill>
+                <a:schemeClr val="accent5">
+                  <a:lumMod val="60000"/>
+                  <a:lumOff val="40000"/>
+                </a:schemeClr>
+              </a:solidFill>
+            </a:endParaRPr>
           </a:p>
         </p:txBody>
       </p:sp>
@@ -9286,9 +7461,24 @@
                     <a:lumOff val="40000"/>
                   </a:schemeClr>
                 </a:solidFill>
+                <a:hlinkClick r:id="rId13" action="ppaction://hlinksldjump">
+                  <a:extLst>
+                    <a:ext uri="{A12FA001-AC4F-418D-AE19-62706E023703}">
+                      <ahyp:hlinkClr xmlns:ahyp="http://schemas.microsoft.com/office/drawing/2018/hyperlinkcolor" val="tx"/>
+                    </a:ext>
+                  </a:extLst>
+                </a:hlinkClick>
               </a:rPr>
               <a:t>Recursos empleados / necesarios</a:t>
             </a:r>
+            <a:endParaRPr lang="es-ES" sz="1600" dirty="0">
+              <a:solidFill>
+                <a:schemeClr val="accent5">
+                  <a:lumMod val="60000"/>
+                  <a:lumOff val="40000"/>
+                </a:schemeClr>
+              </a:solidFill>
+            </a:endParaRPr>
           </a:p>
         </p:txBody>
       </p:sp>
@@ -9332,9 +7522,24 @@
                     <a:lumOff val="40000"/>
                   </a:schemeClr>
                 </a:solidFill>
+                <a:hlinkClick r:id="rId14" action="ppaction://hlinksldjump">
+                  <a:extLst>
+                    <a:ext uri="{A12FA001-AC4F-418D-AE19-62706E023703}">
+                      <ahyp:hlinkClr xmlns:ahyp="http://schemas.microsoft.com/office/drawing/2018/hyperlinkcolor" val="tx"/>
+                    </a:ext>
+                  </a:extLst>
+                </a:hlinkClick>
               </a:rPr>
               <a:t>Temporalización</a:t>
             </a:r>
+            <a:endParaRPr lang="es-ES" sz="1600" dirty="0">
+              <a:solidFill>
+                <a:schemeClr val="accent5">
+                  <a:lumMod val="60000"/>
+                  <a:lumOff val="40000"/>
+                </a:schemeClr>
+              </a:solidFill>
+            </a:endParaRPr>
           </a:p>
         </p:txBody>
       </p:sp>
@@ -9348,1200 +7553,6 @@
   <p:clrMapOvr>
     <a:masterClrMapping/>
   </p:clrMapOvr>
-  <p:timing>
-    <p:tnLst>
-      <p:par>
-        <p:cTn id="1" dur="indefinite" restart="never" nodeType="tmRoot">
-          <p:childTnLst>
-            <p:seq concurrent="1" nextAc="seek">
-              <p:cTn id="2" dur="indefinite" nodeType="mainSeq">
-                <p:childTnLst>
-                  <p:par>
-                    <p:cTn id="3" fill="hold">
-                      <p:stCondLst>
-                        <p:cond delay="indefinite"/>
-                        <p:cond evt="onBegin" delay="0">
-                          <p:tn val="2"/>
-                        </p:cond>
-                      </p:stCondLst>
-                      <p:childTnLst>
-                        <p:par>
-                          <p:cTn id="4" fill="hold">
-                            <p:stCondLst>
-                              <p:cond delay="0"/>
-                            </p:stCondLst>
-                            <p:childTnLst>
-                              <p:par>
-                                <p:cTn id="5" presetID="42" presetClass="entr" presetSubtype="0" fill="hold" grpId="0" nodeType="withEffect">
-                                  <p:stCondLst>
-                                    <p:cond delay="0"/>
-                                  </p:stCondLst>
-                                  <p:childTnLst>
-                                    <p:set>
-                                      <p:cBhvr>
-                                        <p:cTn id="6" dur="1" fill="hold">
-                                          <p:stCondLst>
-                                            <p:cond delay="0"/>
-                                          </p:stCondLst>
-                                        </p:cTn>
-                                        <p:tgtEl>
-                                          <p:spTgt spid="72"/>
-                                        </p:tgtEl>
-                                        <p:attrNameLst>
-                                          <p:attrName>style.visibility</p:attrName>
-                                        </p:attrNameLst>
-                                      </p:cBhvr>
-                                      <p:to>
-                                        <p:strVal val="visible"/>
-                                      </p:to>
-                                    </p:set>
-                                    <p:animEffect transition="in" filter="fade">
-                                      <p:cBhvr>
-                                        <p:cTn id="7" dur="1000"/>
-                                        <p:tgtEl>
-                                          <p:spTgt spid="72"/>
-                                        </p:tgtEl>
-                                      </p:cBhvr>
-                                    </p:animEffect>
-                                    <p:anim calcmode="lin" valueType="num">
-                                      <p:cBhvr>
-                                        <p:cTn id="8" dur="1000" fill="hold"/>
-                                        <p:tgtEl>
-                                          <p:spTgt spid="72"/>
-                                        </p:tgtEl>
-                                        <p:attrNameLst>
-                                          <p:attrName>ppt_x</p:attrName>
-                                        </p:attrNameLst>
-                                      </p:cBhvr>
-                                      <p:tavLst>
-                                        <p:tav tm="0">
-                                          <p:val>
-                                            <p:strVal val="#ppt_x"/>
-                                          </p:val>
-                                        </p:tav>
-                                        <p:tav tm="100000">
-                                          <p:val>
-                                            <p:strVal val="#ppt_x"/>
-                                          </p:val>
-                                        </p:tav>
-                                      </p:tavLst>
-                                    </p:anim>
-                                    <p:anim calcmode="lin" valueType="num">
-                                      <p:cBhvr>
-                                        <p:cTn id="9" dur="1000" fill="hold"/>
-                                        <p:tgtEl>
-                                          <p:spTgt spid="72"/>
-                                        </p:tgtEl>
-                                        <p:attrNameLst>
-                                          <p:attrName>ppt_y</p:attrName>
-                                        </p:attrNameLst>
-                                      </p:cBhvr>
-                                      <p:tavLst>
-                                        <p:tav tm="0">
-                                          <p:val>
-                                            <p:strVal val="#ppt_y+.1"/>
-                                          </p:val>
-                                        </p:tav>
-                                        <p:tav tm="100000">
-                                          <p:val>
-                                            <p:strVal val="#ppt_y"/>
-                                          </p:val>
-                                        </p:tav>
-                                      </p:tavLst>
-                                    </p:anim>
-                                  </p:childTnLst>
-                                </p:cTn>
-                              </p:par>
-                              <p:par>
-                                <p:cTn id="10" presetID="42" presetClass="entr" presetSubtype="0" fill="hold" grpId="0" nodeType="withEffect">
-                                  <p:stCondLst>
-                                    <p:cond delay="0"/>
-                                  </p:stCondLst>
-                                  <p:childTnLst>
-                                    <p:set>
-                                      <p:cBhvr>
-                                        <p:cTn id="11" dur="1" fill="hold">
-                                          <p:stCondLst>
-                                            <p:cond delay="0"/>
-                                          </p:stCondLst>
-                                        </p:cTn>
-                                        <p:tgtEl>
-                                          <p:spTgt spid="64"/>
-                                        </p:tgtEl>
-                                        <p:attrNameLst>
-                                          <p:attrName>style.visibility</p:attrName>
-                                        </p:attrNameLst>
-                                      </p:cBhvr>
-                                      <p:to>
-                                        <p:strVal val="visible"/>
-                                      </p:to>
-                                    </p:set>
-                                    <p:animEffect transition="in" filter="fade">
-                                      <p:cBhvr>
-                                        <p:cTn id="12" dur="1000"/>
-                                        <p:tgtEl>
-                                          <p:spTgt spid="64"/>
-                                        </p:tgtEl>
-                                      </p:cBhvr>
-                                    </p:animEffect>
-                                    <p:anim calcmode="lin" valueType="num">
-                                      <p:cBhvr>
-                                        <p:cTn id="13" dur="1000" fill="hold"/>
-                                        <p:tgtEl>
-                                          <p:spTgt spid="64"/>
-                                        </p:tgtEl>
-                                        <p:attrNameLst>
-                                          <p:attrName>ppt_x</p:attrName>
-                                        </p:attrNameLst>
-                                      </p:cBhvr>
-                                      <p:tavLst>
-                                        <p:tav tm="0">
-                                          <p:val>
-                                            <p:strVal val="#ppt_x"/>
-                                          </p:val>
-                                        </p:tav>
-                                        <p:tav tm="100000">
-                                          <p:val>
-                                            <p:strVal val="#ppt_x"/>
-                                          </p:val>
-                                        </p:tav>
-                                      </p:tavLst>
-                                    </p:anim>
-                                    <p:anim calcmode="lin" valueType="num">
-                                      <p:cBhvr>
-                                        <p:cTn id="14" dur="1000" fill="hold"/>
-                                        <p:tgtEl>
-                                          <p:spTgt spid="64"/>
-                                        </p:tgtEl>
-                                        <p:attrNameLst>
-                                          <p:attrName>ppt_y</p:attrName>
-                                        </p:attrNameLst>
-                                      </p:cBhvr>
-                                      <p:tavLst>
-                                        <p:tav tm="0">
-                                          <p:val>
-                                            <p:strVal val="#ppt_y+.1"/>
-                                          </p:val>
-                                        </p:tav>
-                                        <p:tav tm="100000">
-                                          <p:val>
-                                            <p:strVal val="#ppt_y"/>
-                                          </p:val>
-                                        </p:tav>
-                                      </p:tavLst>
-                                    </p:anim>
-                                  </p:childTnLst>
-                                </p:cTn>
-                              </p:par>
-                              <p:par>
-                                <p:cTn id="15" presetID="42" presetClass="entr" presetSubtype="0" fill="hold" grpId="0" nodeType="withEffect">
-                                  <p:stCondLst>
-                                    <p:cond delay="0"/>
-                                  </p:stCondLst>
-                                  <p:childTnLst>
-                                    <p:set>
-                                      <p:cBhvr>
-                                        <p:cTn id="16" dur="1" fill="hold">
-                                          <p:stCondLst>
-                                            <p:cond delay="0"/>
-                                          </p:stCondLst>
-                                        </p:cTn>
-                                        <p:tgtEl>
-                                          <p:spTgt spid="82"/>
-                                        </p:tgtEl>
-                                        <p:attrNameLst>
-                                          <p:attrName>style.visibility</p:attrName>
-                                        </p:attrNameLst>
-                                      </p:cBhvr>
-                                      <p:to>
-                                        <p:strVal val="visible"/>
-                                      </p:to>
-                                    </p:set>
-                                    <p:animEffect transition="in" filter="fade">
-                                      <p:cBhvr>
-                                        <p:cTn id="17" dur="1000"/>
-                                        <p:tgtEl>
-                                          <p:spTgt spid="82"/>
-                                        </p:tgtEl>
-                                      </p:cBhvr>
-                                    </p:animEffect>
-                                    <p:anim calcmode="lin" valueType="num">
-                                      <p:cBhvr>
-                                        <p:cTn id="18" dur="1000" fill="hold"/>
-                                        <p:tgtEl>
-                                          <p:spTgt spid="82"/>
-                                        </p:tgtEl>
-                                        <p:attrNameLst>
-                                          <p:attrName>ppt_x</p:attrName>
-                                        </p:attrNameLst>
-                                      </p:cBhvr>
-                                      <p:tavLst>
-                                        <p:tav tm="0">
-                                          <p:val>
-                                            <p:strVal val="#ppt_x"/>
-                                          </p:val>
-                                        </p:tav>
-                                        <p:tav tm="100000">
-                                          <p:val>
-                                            <p:strVal val="#ppt_x"/>
-                                          </p:val>
-                                        </p:tav>
-                                      </p:tavLst>
-                                    </p:anim>
-                                    <p:anim calcmode="lin" valueType="num">
-                                      <p:cBhvr>
-                                        <p:cTn id="19" dur="1000" fill="hold"/>
-                                        <p:tgtEl>
-                                          <p:spTgt spid="82"/>
-                                        </p:tgtEl>
-                                        <p:attrNameLst>
-                                          <p:attrName>ppt_y</p:attrName>
-                                        </p:attrNameLst>
-                                      </p:cBhvr>
-                                      <p:tavLst>
-                                        <p:tav tm="0">
-                                          <p:val>
-                                            <p:strVal val="#ppt_y+.1"/>
-                                          </p:val>
-                                        </p:tav>
-                                        <p:tav tm="100000">
-                                          <p:val>
-                                            <p:strVal val="#ppt_y"/>
-                                          </p:val>
-                                        </p:tav>
-                                      </p:tavLst>
-                                    </p:anim>
-                                  </p:childTnLst>
-                                </p:cTn>
-                              </p:par>
-                              <p:par>
-                                <p:cTn id="20" presetID="42" presetClass="entr" presetSubtype="0" fill="hold" grpId="0" nodeType="withEffect">
-                                  <p:stCondLst>
-                                    <p:cond delay="0"/>
-                                  </p:stCondLst>
-                                  <p:childTnLst>
-                                    <p:set>
-                                      <p:cBhvr>
-                                        <p:cTn id="21" dur="1" fill="hold">
-                                          <p:stCondLst>
-                                            <p:cond delay="0"/>
-                                          </p:stCondLst>
-                                        </p:cTn>
-                                        <p:tgtEl>
-                                          <p:spTgt spid="83"/>
-                                        </p:tgtEl>
-                                        <p:attrNameLst>
-                                          <p:attrName>style.visibility</p:attrName>
-                                        </p:attrNameLst>
-                                      </p:cBhvr>
-                                      <p:to>
-                                        <p:strVal val="visible"/>
-                                      </p:to>
-                                    </p:set>
-                                    <p:animEffect transition="in" filter="fade">
-                                      <p:cBhvr>
-                                        <p:cTn id="22" dur="1000"/>
-                                        <p:tgtEl>
-                                          <p:spTgt spid="83"/>
-                                        </p:tgtEl>
-                                      </p:cBhvr>
-                                    </p:animEffect>
-                                    <p:anim calcmode="lin" valueType="num">
-                                      <p:cBhvr>
-                                        <p:cTn id="23" dur="1000" fill="hold"/>
-                                        <p:tgtEl>
-                                          <p:spTgt spid="83"/>
-                                        </p:tgtEl>
-                                        <p:attrNameLst>
-                                          <p:attrName>ppt_x</p:attrName>
-                                        </p:attrNameLst>
-                                      </p:cBhvr>
-                                      <p:tavLst>
-                                        <p:tav tm="0">
-                                          <p:val>
-                                            <p:strVal val="#ppt_x"/>
-                                          </p:val>
-                                        </p:tav>
-                                        <p:tav tm="100000">
-                                          <p:val>
-                                            <p:strVal val="#ppt_x"/>
-                                          </p:val>
-                                        </p:tav>
-                                      </p:tavLst>
-                                    </p:anim>
-                                    <p:anim calcmode="lin" valueType="num">
-                                      <p:cBhvr>
-                                        <p:cTn id="24" dur="1000" fill="hold"/>
-                                        <p:tgtEl>
-                                          <p:spTgt spid="83"/>
-                                        </p:tgtEl>
-                                        <p:attrNameLst>
-                                          <p:attrName>ppt_y</p:attrName>
-                                        </p:attrNameLst>
-                                      </p:cBhvr>
-                                      <p:tavLst>
-                                        <p:tav tm="0">
-                                          <p:val>
-                                            <p:strVal val="#ppt_y+.1"/>
-                                          </p:val>
-                                        </p:tav>
-                                        <p:tav tm="100000">
-                                          <p:val>
-                                            <p:strVal val="#ppt_y"/>
-                                          </p:val>
-                                        </p:tav>
-                                      </p:tavLst>
-                                    </p:anim>
-                                  </p:childTnLst>
-                                </p:cTn>
-                              </p:par>
-                              <p:par>
-                                <p:cTn id="25" presetID="42" presetClass="entr" presetSubtype="0" fill="hold" grpId="0" nodeType="withEffect">
-                                  <p:stCondLst>
-                                    <p:cond delay="0"/>
-                                  </p:stCondLst>
-                                  <p:childTnLst>
-                                    <p:set>
-                                      <p:cBhvr>
-                                        <p:cTn id="26" dur="1" fill="hold">
-                                          <p:stCondLst>
-                                            <p:cond delay="0"/>
-                                          </p:stCondLst>
-                                        </p:cTn>
-                                        <p:tgtEl>
-                                          <p:spTgt spid="84"/>
-                                        </p:tgtEl>
-                                        <p:attrNameLst>
-                                          <p:attrName>style.visibility</p:attrName>
-                                        </p:attrNameLst>
-                                      </p:cBhvr>
-                                      <p:to>
-                                        <p:strVal val="visible"/>
-                                      </p:to>
-                                    </p:set>
-                                    <p:animEffect transition="in" filter="fade">
-                                      <p:cBhvr>
-                                        <p:cTn id="27" dur="1000"/>
-                                        <p:tgtEl>
-                                          <p:spTgt spid="84"/>
-                                        </p:tgtEl>
-                                      </p:cBhvr>
-                                    </p:animEffect>
-                                    <p:anim calcmode="lin" valueType="num">
-                                      <p:cBhvr>
-                                        <p:cTn id="28" dur="1000" fill="hold"/>
-                                        <p:tgtEl>
-                                          <p:spTgt spid="84"/>
-                                        </p:tgtEl>
-                                        <p:attrNameLst>
-                                          <p:attrName>ppt_x</p:attrName>
-                                        </p:attrNameLst>
-                                      </p:cBhvr>
-                                      <p:tavLst>
-                                        <p:tav tm="0">
-                                          <p:val>
-                                            <p:strVal val="#ppt_x"/>
-                                          </p:val>
-                                        </p:tav>
-                                        <p:tav tm="100000">
-                                          <p:val>
-                                            <p:strVal val="#ppt_x"/>
-                                          </p:val>
-                                        </p:tav>
-                                      </p:tavLst>
-                                    </p:anim>
-                                    <p:anim calcmode="lin" valueType="num">
-                                      <p:cBhvr>
-                                        <p:cTn id="29" dur="1000" fill="hold"/>
-                                        <p:tgtEl>
-                                          <p:spTgt spid="84"/>
-                                        </p:tgtEl>
-                                        <p:attrNameLst>
-                                          <p:attrName>ppt_y</p:attrName>
-                                        </p:attrNameLst>
-                                      </p:cBhvr>
-                                      <p:tavLst>
-                                        <p:tav tm="0">
-                                          <p:val>
-                                            <p:strVal val="#ppt_y+.1"/>
-                                          </p:val>
-                                        </p:tav>
-                                        <p:tav tm="100000">
-                                          <p:val>
-                                            <p:strVal val="#ppt_y"/>
-                                          </p:val>
-                                        </p:tav>
-                                      </p:tavLst>
-                                    </p:anim>
-                                  </p:childTnLst>
-                                </p:cTn>
-                              </p:par>
-                              <p:par>
-                                <p:cTn id="30" presetID="42" presetClass="entr" presetSubtype="0" fill="hold" grpId="0" nodeType="withEffect">
-                                  <p:stCondLst>
-                                    <p:cond delay="0"/>
-                                  </p:stCondLst>
-                                  <p:childTnLst>
-                                    <p:set>
-                                      <p:cBhvr>
-                                        <p:cTn id="31" dur="1" fill="hold">
-                                          <p:stCondLst>
-                                            <p:cond delay="0"/>
-                                          </p:stCondLst>
-                                        </p:cTn>
-                                        <p:tgtEl>
-                                          <p:spTgt spid="85"/>
-                                        </p:tgtEl>
-                                        <p:attrNameLst>
-                                          <p:attrName>style.visibility</p:attrName>
-                                        </p:attrNameLst>
-                                      </p:cBhvr>
-                                      <p:to>
-                                        <p:strVal val="visible"/>
-                                      </p:to>
-                                    </p:set>
-                                    <p:animEffect transition="in" filter="fade">
-                                      <p:cBhvr>
-                                        <p:cTn id="32" dur="1000"/>
-                                        <p:tgtEl>
-                                          <p:spTgt spid="85"/>
-                                        </p:tgtEl>
-                                      </p:cBhvr>
-                                    </p:animEffect>
-                                    <p:anim calcmode="lin" valueType="num">
-                                      <p:cBhvr>
-                                        <p:cTn id="33" dur="1000" fill="hold"/>
-                                        <p:tgtEl>
-                                          <p:spTgt spid="85"/>
-                                        </p:tgtEl>
-                                        <p:attrNameLst>
-                                          <p:attrName>ppt_x</p:attrName>
-                                        </p:attrNameLst>
-                                      </p:cBhvr>
-                                      <p:tavLst>
-                                        <p:tav tm="0">
-                                          <p:val>
-                                            <p:strVal val="#ppt_x"/>
-                                          </p:val>
-                                        </p:tav>
-                                        <p:tav tm="100000">
-                                          <p:val>
-                                            <p:strVal val="#ppt_x"/>
-                                          </p:val>
-                                        </p:tav>
-                                      </p:tavLst>
-                                    </p:anim>
-                                    <p:anim calcmode="lin" valueType="num">
-                                      <p:cBhvr>
-                                        <p:cTn id="34" dur="1000" fill="hold"/>
-                                        <p:tgtEl>
-                                          <p:spTgt spid="85"/>
-                                        </p:tgtEl>
-                                        <p:attrNameLst>
-                                          <p:attrName>ppt_y</p:attrName>
-                                        </p:attrNameLst>
-                                      </p:cBhvr>
-                                      <p:tavLst>
-                                        <p:tav tm="0">
-                                          <p:val>
-                                            <p:strVal val="#ppt_y+.1"/>
-                                          </p:val>
-                                        </p:tav>
-                                        <p:tav tm="100000">
-                                          <p:val>
-                                            <p:strVal val="#ppt_y"/>
-                                          </p:val>
-                                        </p:tav>
-                                      </p:tavLst>
-                                    </p:anim>
-                                  </p:childTnLst>
-                                </p:cTn>
-                              </p:par>
-                              <p:par>
-                                <p:cTn id="35" presetID="31" presetClass="entr" presetSubtype="0" fill="hold" grpId="0" nodeType="withEffect">
-                                  <p:stCondLst>
-                                    <p:cond delay="0"/>
-                                  </p:stCondLst>
-                                  <p:childTnLst>
-                                    <p:set>
-                                      <p:cBhvr>
-                                        <p:cTn id="36" dur="1" fill="hold">
-                                          <p:stCondLst>
-                                            <p:cond delay="0"/>
-                                          </p:stCondLst>
-                                        </p:cTn>
-                                        <p:tgtEl>
-                                          <p:spTgt spid="71"/>
-                                        </p:tgtEl>
-                                        <p:attrNameLst>
-                                          <p:attrName>style.visibility</p:attrName>
-                                        </p:attrNameLst>
-                                      </p:cBhvr>
-                                      <p:to>
-                                        <p:strVal val="visible"/>
-                                      </p:to>
-                                    </p:set>
-                                    <p:anim calcmode="lin" valueType="num">
-                                      <p:cBhvr>
-                                        <p:cTn id="37" dur="1000" fill="hold"/>
-                                        <p:tgtEl>
-                                          <p:spTgt spid="71"/>
-                                        </p:tgtEl>
-                                        <p:attrNameLst>
-                                          <p:attrName>ppt_w</p:attrName>
-                                        </p:attrNameLst>
-                                      </p:cBhvr>
-                                      <p:tavLst>
-                                        <p:tav tm="0">
-                                          <p:val>
-                                            <p:fltVal val="0"/>
-                                          </p:val>
-                                        </p:tav>
-                                        <p:tav tm="100000">
-                                          <p:val>
-                                            <p:strVal val="#ppt_w"/>
-                                          </p:val>
-                                        </p:tav>
-                                      </p:tavLst>
-                                    </p:anim>
-                                    <p:anim calcmode="lin" valueType="num">
-                                      <p:cBhvr>
-                                        <p:cTn id="38" dur="1000" fill="hold"/>
-                                        <p:tgtEl>
-                                          <p:spTgt spid="71"/>
-                                        </p:tgtEl>
-                                        <p:attrNameLst>
-                                          <p:attrName>ppt_h</p:attrName>
-                                        </p:attrNameLst>
-                                      </p:cBhvr>
-                                      <p:tavLst>
-                                        <p:tav tm="0">
-                                          <p:val>
-                                            <p:fltVal val="0"/>
-                                          </p:val>
-                                        </p:tav>
-                                        <p:tav tm="100000">
-                                          <p:val>
-                                            <p:strVal val="#ppt_h"/>
-                                          </p:val>
-                                        </p:tav>
-                                      </p:tavLst>
-                                    </p:anim>
-                                    <p:anim calcmode="lin" valueType="num">
-                                      <p:cBhvr>
-                                        <p:cTn id="39" dur="1000" fill="hold"/>
-                                        <p:tgtEl>
-                                          <p:spTgt spid="71"/>
-                                        </p:tgtEl>
-                                        <p:attrNameLst>
-                                          <p:attrName>style.rotation</p:attrName>
-                                        </p:attrNameLst>
-                                      </p:cBhvr>
-                                      <p:tavLst>
-                                        <p:tav tm="0">
-                                          <p:val>
-                                            <p:fltVal val="90"/>
-                                          </p:val>
-                                        </p:tav>
-                                        <p:tav tm="100000">
-                                          <p:val>
-                                            <p:fltVal val="0"/>
-                                          </p:val>
-                                        </p:tav>
-                                      </p:tavLst>
-                                    </p:anim>
-                                    <p:animEffect transition="in" filter="fade">
-                                      <p:cBhvr>
-                                        <p:cTn id="40" dur="1000"/>
-                                        <p:tgtEl>
-                                          <p:spTgt spid="71"/>
-                                        </p:tgtEl>
-                                      </p:cBhvr>
-                                    </p:animEffect>
-                                  </p:childTnLst>
-                                </p:cTn>
-                              </p:par>
-                              <p:par>
-                                <p:cTn id="41" presetID="31" presetClass="entr" presetSubtype="0" fill="hold" grpId="0" nodeType="withEffect">
-                                  <p:stCondLst>
-                                    <p:cond delay="0"/>
-                                  </p:stCondLst>
-                                  <p:childTnLst>
-                                    <p:set>
-                                      <p:cBhvr>
-                                        <p:cTn id="42" dur="1" fill="hold">
-                                          <p:stCondLst>
-                                            <p:cond delay="0"/>
-                                          </p:stCondLst>
-                                        </p:cTn>
-                                        <p:tgtEl>
-                                          <p:spTgt spid="75"/>
-                                        </p:tgtEl>
-                                        <p:attrNameLst>
-                                          <p:attrName>style.visibility</p:attrName>
-                                        </p:attrNameLst>
-                                      </p:cBhvr>
-                                      <p:to>
-                                        <p:strVal val="visible"/>
-                                      </p:to>
-                                    </p:set>
-                                    <p:anim calcmode="lin" valueType="num">
-                                      <p:cBhvr>
-                                        <p:cTn id="43" dur="1000" fill="hold"/>
-                                        <p:tgtEl>
-                                          <p:spTgt spid="75"/>
-                                        </p:tgtEl>
-                                        <p:attrNameLst>
-                                          <p:attrName>ppt_w</p:attrName>
-                                        </p:attrNameLst>
-                                      </p:cBhvr>
-                                      <p:tavLst>
-                                        <p:tav tm="0">
-                                          <p:val>
-                                            <p:fltVal val="0"/>
-                                          </p:val>
-                                        </p:tav>
-                                        <p:tav tm="100000">
-                                          <p:val>
-                                            <p:strVal val="#ppt_w"/>
-                                          </p:val>
-                                        </p:tav>
-                                      </p:tavLst>
-                                    </p:anim>
-                                    <p:anim calcmode="lin" valueType="num">
-                                      <p:cBhvr>
-                                        <p:cTn id="44" dur="1000" fill="hold"/>
-                                        <p:tgtEl>
-                                          <p:spTgt spid="75"/>
-                                        </p:tgtEl>
-                                        <p:attrNameLst>
-                                          <p:attrName>ppt_h</p:attrName>
-                                        </p:attrNameLst>
-                                      </p:cBhvr>
-                                      <p:tavLst>
-                                        <p:tav tm="0">
-                                          <p:val>
-                                            <p:fltVal val="0"/>
-                                          </p:val>
-                                        </p:tav>
-                                        <p:tav tm="100000">
-                                          <p:val>
-                                            <p:strVal val="#ppt_h"/>
-                                          </p:val>
-                                        </p:tav>
-                                      </p:tavLst>
-                                    </p:anim>
-                                    <p:anim calcmode="lin" valueType="num">
-                                      <p:cBhvr>
-                                        <p:cTn id="45" dur="1000" fill="hold"/>
-                                        <p:tgtEl>
-                                          <p:spTgt spid="75"/>
-                                        </p:tgtEl>
-                                        <p:attrNameLst>
-                                          <p:attrName>style.rotation</p:attrName>
-                                        </p:attrNameLst>
-                                      </p:cBhvr>
-                                      <p:tavLst>
-                                        <p:tav tm="0">
-                                          <p:val>
-                                            <p:fltVal val="90"/>
-                                          </p:val>
-                                        </p:tav>
-                                        <p:tav tm="100000">
-                                          <p:val>
-                                            <p:fltVal val="0"/>
-                                          </p:val>
-                                        </p:tav>
-                                      </p:tavLst>
-                                    </p:anim>
-                                    <p:animEffect transition="in" filter="fade">
-                                      <p:cBhvr>
-                                        <p:cTn id="46" dur="1000"/>
-                                        <p:tgtEl>
-                                          <p:spTgt spid="75"/>
-                                        </p:tgtEl>
-                                      </p:cBhvr>
-                                    </p:animEffect>
-                                  </p:childTnLst>
-                                </p:cTn>
-                              </p:par>
-                              <p:par>
-                                <p:cTn id="47" presetID="31" presetClass="entr" presetSubtype="0" fill="hold" grpId="0" nodeType="withEffect">
-                                  <p:stCondLst>
-                                    <p:cond delay="0"/>
-                                  </p:stCondLst>
-                                  <p:childTnLst>
-                                    <p:set>
-                                      <p:cBhvr>
-                                        <p:cTn id="48" dur="1" fill="hold">
-                                          <p:stCondLst>
-                                            <p:cond delay="0"/>
-                                          </p:stCondLst>
-                                        </p:cTn>
-                                        <p:tgtEl>
-                                          <p:spTgt spid="78"/>
-                                        </p:tgtEl>
-                                        <p:attrNameLst>
-                                          <p:attrName>style.visibility</p:attrName>
-                                        </p:attrNameLst>
-                                      </p:cBhvr>
-                                      <p:to>
-                                        <p:strVal val="visible"/>
-                                      </p:to>
-                                    </p:set>
-                                    <p:anim calcmode="lin" valueType="num">
-                                      <p:cBhvr>
-                                        <p:cTn id="49" dur="1000" fill="hold"/>
-                                        <p:tgtEl>
-                                          <p:spTgt spid="78"/>
-                                        </p:tgtEl>
-                                        <p:attrNameLst>
-                                          <p:attrName>ppt_w</p:attrName>
-                                        </p:attrNameLst>
-                                      </p:cBhvr>
-                                      <p:tavLst>
-                                        <p:tav tm="0">
-                                          <p:val>
-                                            <p:fltVal val="0"/>
-                                          </p:val>
-                                        </p:tav>
-                                        <p:tav tm="100000">
-                                          <p:val>
-                                            <p:strVal val="#ppt_w"/>
-                                          </p:val>
-                                        </p:tav>
-                                      </p:tavLst>
-                                    </p:anim>
-                                    <p:anim calcmode="lin" valueType="num">
-                                      <p:cBhvr>
-                                        <p:cTn id="50" dur="1000" fill="hold"/>
-                                        <p:tgtEl>
-                                          <p:spTgt spid="78"/>
-                                        </p:tgtEl>
-                                        <p:attrNameLst>
-                                          <p:attrName>ppt_h</p:attrName>
-                                        </p:attrNameLst>
-                                      </p:cBhvr>
-                                      <p:tavLst>
-                                        <p:tav tm="0">
-                                          <p:val>
-                                            <p:fltVal val="0"/>
-                                          </p:val>
-                                        </p:tav>
-                                        <p:tav tm="100000">
-                                          <p:val>
-                                            <p:strVal val="#ppt_h"/>
-                                          </p:val>
-                                        </p:tav>
-                                      </p:tavLst>
-                                    </p:anim>
-                                    <p:anim calcmode="lin" valueType="num">
-                                      <p:cBhvr>
-                                        <p:cTn id="51" dur="1000" fill="hold"/>
-                                        <p:tgtEl>
-                                          <p:spTgt spid="78"/>
-                                        </p:tgtEl>
-                                        <p:attrNameLst>
-                                          <p:attrName>style.rotation</p:attrName>
-                                        </p:attrNameLst>
-                                      </p:cBhvr>
-                                      <p:tavLst>
-                                        <p:tav tm="0">
-                                          <p:val>
-                                            <p:fltVal val="90"/>
-                                          </p:val>
-                                        </p:tav>
-                                        <p:tav tm="100000">
-                                          <p:val>
-                                            <p:fltVal val="0"/>
-                                          </p:val>
-                                        </p:tav>
-                                      </p:tavLst>
-                                    </p:anim>
-                                    <p:animEffect transition="in" filter="fade">
-                                      <p:cBhvr>
-                                        <p:cTn id="52" dur="1000"/>
-                                        <p:tgtEl>
-                                          <p:spTgt spid="78"/>
-                                        </p:tgtEl>
-                                      </p:cBhvr>
-                                    </p:animEffect>
-                                  </p:childTnLst>
-                                </p:cTn>
-                              </p:par>
-                              <p:par>
-                                <p:cTn id="53" presetID="14" presetClass="entr" presetSubtype="10" fill="hold" grpId="0" nodeType="withEffect">
-                                  <p:stCondLst>
-                                    <p:cond delay="0"/>
-                                  </p:stCondLst>
-                                  <p:childTnLst>
-                                    <p:set>
-                                      <p:cBhvr>
-                                        <p:cTn id="54" dur="1" fill="hold">
-                                          <p:stCondLst>
-                                            <p:cond delay="0"/>
-                                          </p:stCondLst>
-                                        </p:cTn>
-                                        <p:tgtEl>
-                                          <p:spTgt spid="73"/>
-                                        </p:tgtEl>
-                                        <p:attrNameLst>
-                                          <p:attrName>style.visibility</p:attrName>
-                                        </p:attrNameLst>
-                                      </p:cBhvr>
-                                      <p:to>
-                                        <p:strVal val="visible"/>
-                                      </p:to>
-                                    </p:set>
-                                    <p:animEffect transition="in" filter="randombar(horizontal)">
-                                      <p:cBhvr>
-                                        <p:cTn id="55" dur="500"/>
-                                        <p:tgtEl>
-                                          <p:spTgt spid="73"/>
-                                        </p:tgtEl>
-                                      </p:cBhvr>
-                                    </p:animEffect>
-                                  </p:childTnLst>
-                                </p:cTn>
-                              </p:par>
-                              <p:par>
-                                <p:cTn id="56" presetID="14" presetClass="entr" presetSubtype="10" fill="hold" grpId="0" nodeType="withEffect">
-                                  <p:stCondLst>
-                                    <p:cond delay="0"/>
-                                  </p:stCondLst>
-                                  <p:childTnLst>
-                                    <p:set>
-                                      <p:cBhvr>
-                                        <p:cTn id="57" dur="1" fill="hold">
-                                          <p:stCondLst>
-                                            <p:cond delay="0"/>
-                                          </p:stCondLst>
-                                        </p:cTn>
-                                        <p:tgtEl>
-                                          <p:spTgt spid="74"/>
-                                        </p:tgtEl>
-                                        <p:attrNameLst>
-                                          <p:attrName>style.visibility</p:attrName>
-                                        </p:attrNameLst>
-                                      </p:cBhvr>
-                                      <p:to>
-                                        <p:strVal val="visible"/>
-                                      </p:to>
-                                    </p:set>
-                                    <p:animEffect transition="in" filter="randombar(horizontal)">
-                                      <p:cBhvr>
-                                        <p:cTn id="58" dur="500"/>
-                                        <p:tgtEl>
-                                          <p:spTgt spid="74"/>
-                                        </p:tgtEl>
-                                      </p:cBhvr>
-                                    </p:animEffect>
-                                  </p:childTnLst>
-                                </p:cTn>
-                              </p:par>
-                              <p:par>
-                                <p:cTn id="59" presetID="14" presetClass="entr" presetSubtype="10" fill="hold" grpId="0" nodeType="withEffect">
-                                  <p:stCondLst>
-                                    <p:cond delay="0"/>
-                                  </p:stCondLst>
-                                  <p:childTnLst>
-                                    <p:set>
-                                      <p:cBhvr>
-                                        <p:cTn id="60" dur="1" fill="hold">
-                                          <p:stCondLst>
-                                            <p:cond delay="0"/>
-                                          </p:stCondLst>
-                                        </p:cTn>
-                                        <p:tgtEl>
-                                          <p:spTgt spid="77"/>
-                                        </p:tgtEl>
-                                        <p:attrNameLst>
-                                          <p:attrName>style.visibility</p:attrName>
-                                        </p:attrNameLst>
-                                      </p:cBhvr>
-                                      <p:to>
-                                        <p:strVal val="visible"/>
-                                      </p:to>
-                                    </p:set>
-                                    <p:animEffect transition="in" filter="randombar(horizontal)">
-                                      <p:cBhvr>
-                                        <p:cTn id="61" dur="500"/>
-                                        <p:tgtEl>
-                                          <p:spTgt spid="77"/>
-                                        </p:tgtEl>
-                                      </p:cBhvr>
-                                    </p:animEffect>
-                                  </p:childTnLst>
-                                </p:cTn>
-                              </p:par>
-                              <p:par>
-                                <p:cTn id="62" presetID="14" presetClass="entr" presetSubtype="10" fill="hold" grpId="0" nodeType="withEffect">
-                                  <p:stCondLst>
-                                    <p:cond delay="0"/>
-                                  </p:stCondLst>
-                                  <p:childTnLst>
-                                    <p:set>
-                                      <p:cBhvr>
-                                        <p:cTn id="63" dur="1" fill="hold">
-                                          <p:stCondLst>
-                                            <p:cond delay="0"/>
-                                          </p:stCondLst>
-                                        </p:cTn>
-                                        <p:tgtEl>
-                                          <p:spTgt spid="76"/>
-                                        </p:tgtEl>
-                                        <p:attrNameLst>
-                                          <p:attrName>style.visibility</p:attrName>
-                                        </p:attrNameLst>
-                                      </p:cBhvr>
-                                      <p:to>
-                                        <p:strVal val="visible"/>
-                                      </p:to>
-                                    </p:set>
-                                    <p:animEffect transition="in" filter="randombar(horizontal)">
-                                      <p:cBhvr>
-                                        <p:cTn id="64" dur="500"/>
-                                        <p:tgtEl>
-                                          <p:spTgt spid="76"/>
-                                        </p:tgtEl>
-                                      </p:cBhvr>
-                                    </p:animEffect>
-                                  </p:childTnLst>
-                                </p:cTn>
-                              </p:par>
-                              <p:par>
-                                <p:cTn id="65" presetID="14" presetClass="entr" presetSubtype="10" fill="hold" grpId="0" nodeType="withEffect">
-                                  <p:stCondLst>
-                                    <p:cond delay="0"/>
-                                  </p:stCondLst>
-                                  <p:childTnLst>
-                                    <p:set>
-                                      <p:cBhvr>
-                                        <p:cTn id="66" dur="1" fill="hold">
-                                          <p:stCondLst>
-                                            <p:cond delay="0"/>
-                                          </p:stCondLst>
-                                        </p:cTn>
-                                        <p:tgtEl>
-                                          <p:spTgt spid="79"/>
-                                        </p:tgtEl>
-                                        <p:attrNameLst>
-                                          <p:attrName>style.visibility</p:attrName>
-                                        </p:attrNameLst>
-                                      </p:cBhvr>
-                                      <p:to>
-                                        <p:strVal val="visible"/>
-                                      </p:to>
-                                    </p:set>
-                                    <p:animEffect transition="in" filter="randombar(horizontal)">
-                                      <p:cBhvr>
-                                        <p:cTn id="67" dur="500"/>
-                                        <p:tgtEl>
-                                          <p:spTgt spid="79"/>
-                                        </p:tgtEl>
-                                      </p:cBhvr>
-                                    </p:animEffect>
-                                  </p:childTnLst>
-                                </p:cTn>
-                              </p:par>
-                              <p:par>
-                                <p:cTn id="68" presetID="14" presetClass="entr" presetSubtype="10" fill="hold" grpId="0" nodeType="withEffect">
-                                  <p:stCondLst>
-                                    <p:cond delay="0"/>
-                                  </p:stCondLst>
-                                  <p:childTnLst>
-                                    <p:set>
-                                      <p:cBhvr>
-                                        <p:cTn id="69" dur="1" fill="hold">
-                                          <p:stCondLst>
-                                            <p:cond delay="0"/>
-                                          </p:stCondLst>
-                                        </p:cTn>
-                                        <p:tgtEl>
-                                          <p:spTgt spid="80"/>
-                                        </p:tgtEl>
-                                        <p:attrNameLst>
-                                          <p:attrName>style.visibility</p:attrName>
-                                        </p:attrNameLst>
-                                      </p:cBhvr>
-                                      <p:to>
-                                        <p:strVal val="visible"/>
-                                      </p:to>
-                                    </p:set>
-                                    <p:animEffect transition="in" filter="randombar(horizontal)">
-                                      <p:cBhvr>
-                                        <p:cTn id="70" dur="500"/>
-                                        <p:tgtEl>
-                                          <p:spTgt spid="80"/>
-                                        </p:tgtEl>
-                                      </p:cBhvr>
-                                    </p:animEffect>
-                                  </p:childTnLst>
-                                </p:cTn>
-                              </p:par>
-                              <p:par>
-                                <p:cTn id="71" presetID="14" presetClass="entr" presetSubtype="10" fill="hold" grpId="0" nodeType="withEffect">
-                                  <p:stCondLst>
-                                    <p:cond delay="0"/>
-                                  </p:stCondLst>
-                                  <p:childTnLst>
-                                    <p:set>
-                                      <p:cBhvr>
-                                        <p:cTn id="72" dur="1" fill="hold">
-                                          <p:stCondLst>
-                                            <p:cond delay="0"/>
-                                          </p:stCondLst>
-                                        </p:cTn>
-                                        <p:tgtEl>
-                                          <p:spTgt spid="81"/>
-                                        </p:tgtEl>
-                                        <p:attrNameLst>
-                                          <p:attrName>style.visibility</p:attrName>
-                                        </p:attrNameLst>
-                                      </p:cBhvr>
-                                      <p:to>
-                                        <p:strVal val="visible"/>
-                                      </p:to>
-                                    </p:set>
-                                    <p:animEffect transition="in" filter="randombar(horizontal)">
-                                      <p:cBhvr>
-                                        <p:cTn id="73" dur="500"/>
-                                        <p:tgtEl>
-                                          <p:spTgt spid="81"/>
-                                        </p:tgtEl>
-                                      </p:cBhvr>
-                                    </p:animEffect>
-                                  </p:childTnLst>
-                                </p:cTn>
-                              </p:par>
-                              <p:par>
-                                <p:cTn id="74" presetID="53" presetClass="entr" presetSubtype="16" fill="hold" grpId="0" nodeType="withEffect">
-                                  <p:stCondLst>
-                                    <p:cond delay="0"/>
-                                  </p:stCondLst>
-                                  <p:childTnLst>
-                                    <p:set>
-                                      <p:cBhvr>
-                                        <p:cTn id="75" dur="1" fill="hold">
-                                          <p:stCondLst>
-                                            <p:cond delay="0"/>
-                                          </p:stCondLst>
-                                        </p:cTn>
-                                        <p:tgtEl>
-                                          <p:spTgt spid="2"/>
-                                        </p:tgtEl>
-                                        <p:attrNameLst>
-                                          <p:attrName>style.visibility</p:attrName>
-                                        </p:attrNameLst>
-                                      </p:cBhvr>
-                                      <p:to>
-                                        <p:strVal val="visible"/>
-                                      </p:to>
-                                    </p:set>
-                                    <p:anim calcmode="lin" valueType="num">
-                                      <p:cBhvr>
-                                        <p:cTn id="76" dur="1000" fill="hold"/>
-                                        <p:tgtEl>
-                                          <p:spTgt spid="2"/>
-                                        </p:tgtEl>
-                                        <p:attrNameLst>
-                                          <p:attrName>ppt_w</p:attrName>
-                                        </p:attrNameLst>
-                                      </p:cBhvr>
-                                      <p:tavLst>
-                                        <p:tav tm="0">
-                                          <p:val>
-                                            <p:fltVal val="0"/>
-                                          </p:val>
-                                        </p:tav>
-                                        <p:tav tm="100000">
-                                          <p:val>
-                                            <p:strVal val="#ppt_w"/>
-                                          </p:val>
-                                        </p:tav>
-                                      </p:tavLst>
-                                    </p:anim>
-                                    <p:anim calcmode="lin" valueType="num">
-                                      <p:cBhvr>
-                                        <p:cTn id="77" dur="1000" fill="hold"/>
-                                        <p:tgtEl>
-                                          <p:spTgt spid="2"/>
-                                        </p:tgtEl>
-                                        <p:attrNameLst>
-                                          <p:attrName>ppt_h</p:attrName>
-                                        </p:attrNameLst>
-                                      </p:cBhvr>
-                                      <p:tavLst>
-                                        <p:tav tm="0">
-                                          <p:val>
-                                            <p:fltVal val="0"/>
-                                          </p:val>
-                                        </p:tav>
-                                        <p:tav tm="100000">
-                                          <p:val>
-                                            <p:strVal val="#ppt_h"/>
-                                          </p:val>
-                                        </p:tav>
-                                      </p:tavLst>
-                                    </p:anim>
-                                    <p:animEffect transition="in" filter="fade">
-                                      <p:cBhvr>
-                                        <p:cTn id="78" dur="1000"/>
-                                        <p:tgtEl>
-                                          <p:spTgt spid="2"/>
-                                        </p:tgtEl>
-                                      </p:cBhvr>
-                                    </p:animEffect>
-                                  </p:childTnLst>
-                                </p:cTn>
-                              </p:par>
-                            </p:childTnLst>
-                          </p:cTn>
-                        </p:par>
-                      </p:childTnLst>
-                    </p:cTn>
-                  </p:par>
-                </p:childTnLst>
-              </p:cTn>
-              <p:prevCondLst>
-                <p:cond evt="onPrev" delay="0">
-                  <p:tgtEl>
-                    <p:sldTgt/>
-                  </p:tgtEl>
-                </p:cond>
-              </p:prevCondLst>
-              <p:nextCondLst>
-                <p:cond evt="onNext" delay="0">
-                  <p:tgtEl>
-                    <p:sldTgt/>
-                  </p:tgtEl>
-                </p:cond>
-              </p:nextCondLst>
-            </p:seq>
-          </p:childTnLst>
-        </p:cTn>
-      </p:par>
-    </p:tnLst>
-    <p:bldLst>
-      <p:bldP spid="2" grpId="0"/>
-      <p:bldP spid="64" grpId="0"/>
-      <p:bldP spid="71" grpId="0"/>
-      <p:bldP spid="72" grpId="0"/>
-      <p:bldP spid="73" grpId="0"/>
-      <p:bldP spid="74" grpId="0"/>
-      <p:bldP spid="75" grpId="0"/>
-      <p:bldP spid="76" grpId="0"/>
-      <p:bldP spid="77" grpId="0"/>
-      <p:bldP spid="78" grpId="0"/>
-      <p:bldP spid="79" grpId="0"/>
-      <p:bldP spid="80" grpId="0"/>
-      <p:bldP spid="81" grpId="0"/>
-      <p:bldP spid="82" grpId="0"/>
-      <p:bldP spid="83" grpId="0"/>
-      <p:bldP spid="84" grpId="0"/>
-      <p:bldP spid="85" grpId="0"/>
-    </p:bldLst>
-  </p:timing>
 </p:sld>
 </file>
 
@@ -11382,251 +8393,6 @@
           </a:p>
         </p:txBody>
       </p:sp>
-      <p:sp>
-        <p:nvSpPr>
-          <p:cNvPr id="4" name="Subtítulo 2">
-            <a:extLst>
-              <a:ext uri="{FF2B5EF4-FFF2-40B4-BE49-F238E27FC236}">
-                <a16:creationId xmlns:a16="http://schemas.microsoft.com/office/drawing/2014/main" id="{92DD78A8-B456-D9E6-8ABF-895CE49E9B38}"/>
-              </a:ext>
-            </a:extLst>
-          </p:cNvPr>
-          <p:cNvSpPr txBox="1">
-            <a:spLocks/>
-          </p:cNvSpPr>
-          <p:nvPr/>
-        </p:nvSpPr>
-        <p:spPr>
-          <a:xfrm>
-            <a:off x="8854750" y="5735638"/>
-            <a:ext cx="3337229" cy="1098395"/>
-          </a:xfrm>
-          <a:prstGeom prst="rect">
-            <a:avLst/>
-          </a:prstGeom>
-        </p:spPr>
-        <p:txBody>
-          <a:bodyPr vert="horz" lIns="91440" tIns="45720" rIns="91440" bIns="45720" rtlCol="0">
-            <a:normAutofit/>
-          </a:bodyPr>
-          <a:lstStyle>
-            <a:lvl1pPr marL="228600" indent="-228600" algn="l" defTabSz="914400" rtl="0" eaLnBrk="1" latinLnBrk="0" hangingPunct="1">
-              <a:lnSpc>
-                <a:spcPct val="90000"/>
-              </a:lnSpc>
-              <a:spcBef>
-                <a:spcPts val="1000"/>
-              </a:spcBef>
-              <a:buFont typeface="Arial" panose="020B0604020202020204" pitchFamily="34" charset="0"/>
-              <a:buChar char="•"/>
-              <a:defRPr sz="2800" kern="1200">
-                <a:solidFill>
-                  <a:schemeClr val="tx1"/>
-                </a:solidFill>
-                <a:latin typeface="+mn-lt"/>
-                <a:ea typeface="+mn-ea"/>
-                <a:cs typeface="+mn-cs"/>
-              </a:defRPr>
-            </a:lvl1pPr>
-            <a:lvl2pPr marL="685800" indent="-228600" algn="l" defTabSz="914400" rtl="0" eaLnBrk="1" latinLnBrk="0" hangingPunct="1">
-              <a:lnSpc>
-                <a:spcPct val="90000"/>
-              </a:lnSpc>
-              <a:spcBef>
-                <a:spcPts val="500"/>
-              </a:spcBef>
-              <a:buFont typeface="Arial" panose="020B0604020202020204" pitchFamily="34" charset="0"/>
-              <a:buChar char="•"/>
-              <a:defRPr sz="2400" kern="1200">
-                <a:solidFill>
-                  <a:schemeClr val="tx1"/>
-                </a:solidFill>
-                <a:latin typeface="+mn-lt"/>
-                <a:ea typeface="+mn-ea"/>
-                <a:cs typeface="+mn-cs"/>
-              </a:defRPr>
-            </a:lvl2pPr>
-            <a:lvl3pPr marL="1143000" indent="-228600" algn="l" defTabSz="914400" rtl="0" eaLnBrk="1" latinLnBrk="0" hangingPunct="1">
-              <a:lnSpc>
-                <a:spcPct val="90000"/>
-              </a:lnSpc>
-              <a:spcBef>
-                <a:spcPts val="500"/>
-              </a:spcBef>
-              <a:buFont typeface="Arial" panose="020B0604020202020204" pitchFamily="34" charset="0"/>
-              <a:buChar char="•"/>
-              <a:defRPr sz="2000" kern="1200">
-                <a:solidFill>
-                  <a:schemeClr val="tx1"/>
-                </a:solidFill>
-                <a:latin typeface="+mn-lt"/>
-                <a:ea typeface="+mn-ea"/>
-                <a:cs typeface="+mn-cs"/>
-              </a:defRPr>
-            </a:lvl3pPr>
-            <a:lvl4pPr marL="1600200" indent="-228600" algn="l" defTabSz="914400" rtl="0" eaLnBrk="1" latinLnBrk="0" hangingPunct="1">
-              <a:lnSpc>
-                <a:spcPct val="90000"/>
-              </a:lnSpc>
-              <a:spcBef>
-                <a:spcPts val="500"/>
-              </a:spcBef>
-              <a:buFont typeface="Arial" panose="020B0604020202020204" pitchFamily="34" charset="0"/>
-              <a:buChar char="•"/>
-              <a:defRPr sz="1800" kern="1200">
-                <a:solidFill>
-                  <a:schemeClr val="tx1"/>
-                </a:solidFill>
-                <a:latin typeface="+mn-lt"/>
-                <a:ea typeface="+mn-ea"/>
-                <a:cs typeface="+mn-cs"/>
-              </a:defRPr>
-            </a:lvl4pPr>
-            <a:lvl5pPr marL="2057400" indent="-228600" algn="l" defTabSz="914400" rtl="0" eaLnBrk="1" latinLnBrk="0" hangingPunct="1">
-              <a:lnSpc>
-                <a:spcPct val="90000"/>
-              </a:lnSpc>
-              <a:spcBef>
-                <a:spcPts val="500"/>
-              </a:spcBef>
-              <a:buFont typeface="Arial" panose="020B0604020202020204" pitchFamily="34" charset="0"/>
-              <a:buChar char="•"/>
-              <a:defRPr sz="1800" kern="1200">
-                <a:solidFill>
-                  <a:schemeClr val="tx1"/>
-                </a:solidFill>
-                <a:latin typeface="+mn-lt"/>
-                <a:ea typeface="+mn-ea"/>
-                <a:cs typeface="+mn-cs"/>
-              </a:defRPr>
-            </a:lvl5pPr>
-            <a:lvl6pPr marL="2514600" indent="-228600" algn="l" defTabSz="914400" rtl="0" eaLnBrk="1" latinLnBrk="0" hangingPunct="1">
-              <a:lnSpc>
-                <a:spcPct val="90000"/>
-              </a:lnSpc>
-              <a:spcBef>
-                <a:spcPts val="500"/>
-              </a:spcBef>
-              <a:buFont typeface="Arial" panose="020B0604020202020204" pitchFamily="34" charset="0"/>
-              <a:buChar char="•"/>
-              <a:defRPr sz="1800" kern="1200">
-                <a:solidFill>
-                  <a:schemeClr val="tx1"/>
-                </a:solidFill>
-                <a:latin typeface="+mn-lt"/>
-                <a:ea typeface="+mn-ea"/>
-                <a:cs typeface="+mn-cs"/>
-              </a:defRPr>
-            </a:lvl6pPr>
-            <a:lvl7pPr marL="2971800" indent="-228600" algn="l" defTabSz="914400" rtl="0" eaLnBrk="1" latinLnBrk="0" hangingPunct="1">
-              <a:lnSpc>
-                <a:spcPct val="90000"/>
-              </a:lnSpc>
-              <a:spcBef>
-                <a:spcPts val="500"/>
-              </a:spcBef>
-              <a:buFont typeface="Arial" panose="020B0604020202020204" pitchFamily="34" charset="0"/>
-              <a:buChar char="•"/>
-              <a:defRPr sz="1800" kern="1200">
-                <a:solidFill>
-                  <a:schemeClr val="tx1"/>
-                </a:solidFill>
-                <a:latin typeface="+mn-lt"/>
-                <a:ea typeface="+mn-ea"/>
-                <a:cs typeface="+mn-cs"/>
-              </a:defRPr>
-            </a:lvl7pPr>
-            <a:lvl8pPr marL="3429000" indent="-228600" algn="l" defTabSz="914400" rtl="0" eaLnBrk="1" latinLnBrk="0" hangingPunct="1">
-              <a:lnSpc>
-                <a:spcPct val="90000"/>
-              </a:lnSpc>
-              <a:spcBef>
-                <a:spcPts val="500"/>
-              </a:spcBef>
-              <a:buFont typeface="Arial" panose="020B0604020202020204" pitchFamily="34" charset="0"/>
-              <a:buChar char="•"/>
-              <a:defRPr sz="1800" kern="1200">
-                <a:solidFill>
-                  <a:schemeClr val="tx1"/>
-                </a:solidFill>
-                <a:latin typeface="+mn-lt"/>
-                <a:ea typeface="+mn-ea"/>
-                <a:cs typeface="+mn-cs"/>
-              </a:defRPr>
-            </a:lvl8pPr>
-            <a:lvl9pPr marL="3886200" indent="-228600" algn="l" defTabSz="914400" rtl="0" eaLnBrk="1" latinLnBrk="0" hangingPunct="1">
-              <a:lnSpc>
-                <a:spcPct val="90000"/>
-              </a:lnSpc>
-              <a:spcBef>
-                <a:spcPts val="500"/>
-              </a:spcBef>
-              <a:buFont typeface="Arial" panose="020B0604020202020204" pitchFamily="34" charset="0"/>
-              <a:buChar char="•"/>
-              <a:defRPr sz="1800" kern="1200">
-                <a:solidFill>
-                  <a:schemeClr val="tx1"/>
-                </a:solidFill>
-                <a:latin typeface="+mn-lt"/>
-                <a:ea typeface="+mn-ea"/>
-                <a:cs typeface="+mn-cs"/>
-              </a:defRPr>
-            </a:lvl9pPr>
-          </a:lstStyle>
-          <a:p>
-            <a:pPr marL="0" indent="0" algn="ctr">
-              <a:buNone/>
-            </a:pPr>
-            <a:r>
-              <a:rPr lang="es-ES" sz="1100" dirty="0">
-                <a:solidFill>
-                  <a:srgbClr val="FFFFFF"/>
-                </a:solidFill>
-              </a:rPr>
-              <a:t>Eduardo Martín-Sonseca Alonso</a:t>
-            </a:r>
-          </a:p>
-          <a:p>
-            <a:pPr marL="0" indent="0" algn="ctr">
-              <a:buNone/>
-            </a:pPr>
-            <a:r>
-              <a:rPr lang="es-ES" sz="1100" dirty="0">
-                <a:solidFill>
-                  <a:srgbClr val="FFFFFF"/>
-                </a:solidFill>
-              </a:rPr>
-              <a:t>Noel Prieto Pardo</a:t>
-            </a:r>
-          </a:p>
-          <a:p>
-            <a:pPr marL="0" indent="0" algn="ctr">
-              <a:buNone/>
-            </a:pPr>
-            <a:r>
-              <a:rPr lang="es-ES" sz="1100" dirty="0">
-                <a:solidFill>
-                  <a:srgbClr val="FFFFFF"/>
-                </a:solidFill>
-              </a:rPr>
-              <a:t>Mario Ortuñez Sanz</a:t>
-            </a:r>
-          </a:p>
-          <a:p>
-            <a:pPr marL="0" indent="0" algn="ctr">
-              <a:buNone/>
-            </a:pPr>
-            <a:r>
-              <a:rPr lang="es-ES" sz="1100" b="1" dirty="0">
-                <a:solidFill>
-                  <a:srgbClr val="FFFFFF"/>
-                </a:solidFill>
-              </a:rPr>
-              <a:t>1º Desarrollo de Aplicaciones Multiplataforma</a:t>
-            </a:r>
-          </a:p>
-        </p:txBody>
-      </p:sp>
     </p:spTree>
     <p:extLst>
       <p:ext uri="{BB962C8B-B14F-4D97-AF65-F5344CB8AC3E}">
@@ -11637,175 +8403,6 @@
   <p:clrMapOvr>
     <a:overrideClrMapping bg1="dk1" tx1="lt1" bg2="dk2" tx2="lt2" accent1="accent1" accent2="accent2" accent3="accent3" accent4="accent4" accent5="accent5" accent6="accent6" hlink="hlink" folHlink="folHlink"/>
   </p:clrMapOvr>
-  <p:timing>
-    <p:tnLst>
-      <p:par>
-        <p:cTn id="1" dur="indefinite" restart="never" nodeType="tmRoot">
-          <p:childTnLst>
-            <p:seq concurrent="1" nextAc="seek">
-              <p:cTn id="2" dur="indefinite" nodeType="mainSeq">
-                <p:childTnLst>
-                  <p:par>
-                    <p:cTn id="3" fill="hold">
-                      <p:stCondLst>
-                        <p:cond delay="indefinite"/>
-                        <p:cond evt="onBegin" delay="0">
-                          <p:tn val="2"/>
-                        </p:cond>
-                      </p:stCondLst>
-                      <p:childTnLst>
-                        <p:par>
-                          <p:cTn id="4" fill="hold">
-                            <p:stCondLst>
-                              <p:cond delay="0"/>
-                            </p:stCondLst>
-                            <p:childTnLst>
-                              <p:par>
-                                <p:cTn id="5" presetID="22" presetClass="entr" presetSubtype="4" fill="hold" grpId="0" nodeType="withEffect">
-                                  <p:stCondLst>
-                                    <p:cond delay="0"/>
-                                  </p:stCondLst>
-                                  <p:childTnLst>
-                                    <p:set>
-                                      <p:cBhvr>
-                                        <p:cTn id="6" dur="1" fill="hold">
-                                          <p:stCondLst>
-                                            <p:cond delay="0"/>
-                                          </p:stCondLst>
-                                        </p:cTn>
-                                        <p:tgtEl>
-                                          <p:spTgt spid="2"/>
-                                        </p:tgtEl>
-                                        <p:attrNameLst>
-                                          <p:attrName>style.visibility</p:attrName>
-                                        </p:attrNameLst>
-                                      </p:cBhvr>
-                                      <p:to>
-                                        <p:strVal val="visible"/>
-                                      </p:to>
-                                    </p:set>
-                                    <p:animEffect transition="in" filter="wipe(down)">
-                                      <p:cBhvr>
-                                        <p:cTn id="7" dur="750"/>
-                                        <p:tgtEl>
-                                          <p:spTgt spid="2"/>
-                                        </p:tgtEl>
-                                      </p:cBhvr>
-                                    </p:animEffect>
-                                  </p:childTnLst>
-                                </p:cTn>
-                              </p:par>
-                              <p:par>
-                                <p:cTn id="8" presetID="10" presetClass="entr" presetSubtype="0" fill="hold" grpId="0" nodeType="withEffect">
-                                  <p:stCondLst>
-                                    <p:cond delay="0"/>
-                                  </p:stCondLst>
-                                  <p:childTnLst>
-                                    <p:set>
-                                      <p:cBhvr>
-                                        <p:cTn id="9" dur="1" fill="hold">
-                                          <p:stCondLst>
-                                            <p:cond delay="0"/>
-                                          </p:stCondLst>
-                                        </p:cTn>
-                                        <p:tgtEl>
-                                          <p:spTgt spid="3">
-                                            <p:txEl>
-                                              <p:pRg st="0" end="0"/>
-                                            </p:txEl>
-                                          </p:spTgt>
-                                        </p:tgtEl>
-                                        <p:attrNameLst>
-                                          <p:attrName>style.visibility</p:attrName>
-                                        </p:attrNameLst>
-                                      </p:cBhvr>
-                                      <p:to>
-                                        <p:strVal val="visible"/>
-                                      </p:to>
-                                    </p:set>
-                                    <p:animEffect transition="in" filter="fade">
-                                      <p:cBhvr>
-                                        <p:cTn id="10" dur="750"/>
-                                        <p:tgtEl>
-                                          <p:spTgt spid="3">
-                                            <p:txEl>
-                                              <p:pRg st="0" end="0"/>
-                                            </p:txEl>
-                                          </p:spTgt>
-                                        </p:tgtEl>
-                                      </p:cBhvr>
-                                    </p:animEffect>
-                                  </p:childTnLst>
-                                </p:cTn>
-                              </p:par>
-                              <p:par>
-                                <p:cTn id="11" presetID="10" presetClass="entr" presetSubtype="0" fill="hold" grpId="0" nodeType="withEffect">
-                                  <p:stCondLst>
-                                    <p:cond delay="0"/>
-                                  </p:stCondLst>
-                                  <p:childTnLst>
-                                    <p:set>
-                                      <p:cBhvr>
-                                        <p:cTn id="12" dur="1" fill="hold">
-                                          <p:stCondLst>
-                                            <p:cond delay="0"/>
-                                          </p:stCondLst>
-                                        </p:cTn>
-                                        <p:tgtEl>
-                                          <p:spTgt spid="4"/>
-                                        </p:tgtEl>
-                                        <p:attrNameLst>
-                                          <p:attrName>style.visibility</p:attrName>
-                                        </p:attrNameLst>
-                                      </p:cBhvr>
-                                      <p:to>
-                                        <p:strVal val="visible"/>
-                                      </p:to>
-                                    </p:set>
-                                    <p:animEffect transition="in" filter="fade">
-                                      <p:cBhvr>
-                                        <p:cTn id="13" dur="250"/>
-                                        <p:tgtEl>
-                                          <p:spTgt spid="4"/>
-                                        </p:tgtEl>
-                                      </p:cBhvr>
-                                    </p:animEffect>
-                                  </p:childTnLst>
-                                </p:cTn>
-                              </p:par>
-                            </p:childTnLst>
-                          </p:cTn>
-                        </p:par>
-                      </p:childTnLst>
-                    </p:cTn>
-                  </p:par>
-                </p:childTnLst>
-              </p:cTn>
-              <p:prevCondLst>
-                <p:cond evt="onPrev" delay="0">
-                  <p:tgtEl>
-                    <p:sldTgt/>
-                  </p:tgtEl>
-                </p:cond>
-              </p:prevCondLst>
-              <p:nextCondLst>
-                <p:cond evt="onNext" delay="0">
-                  <p:tgtEl>
-                    <p:sldTgt/>
-                  </p:tgtEl>
-                </p:cond>
-              </p:nextCondLst>
-            </p:seq>
-          </p:childTnLst>
-        </p:cTn>
-      </p:par>
-    </p:tnLst>
-    <p:bldLst>
-      <p:bldP spid="2" grpId="0"/>
-      <p:bldP spid="3" grpId="0" build="p"/>
-      <p:bldP spid="4" grpId="0"/>
-    </p:bldLst>
-  </p:timing>
 </p:sld>
 </file>
 
@@ -13521,235 +10118,6 @@
           </a:p>
         </p:txBody>
       </p:sp>
-      <p:sp>
-        <p:nvSpPr>
-          <p:cNvPr id="6" name="Subtítulo 2">
-            <a:extLst>
-              <a:ext uri="{FF2B5EF4-FFF2-40B4-BE49-F238E27FC236}">
-                <a16:creationId xmlns:a16="http://schemas.microsoft.com/office/drawing/2014/main" id="{AB90E53B-DA87-13F4-8C1F-9085DD9052F9}"/>
-              </a:ext>
-            </a:extLst>
-          </p:cNvPr>
-          <p:cNvSpPr txBox="1">
-            <a:spLocks/>
-          </p:cNvSpPr>
-          <p:nvPr/>
-        </p:nvSpPr>
-        <p:spPr>
-          <a:xfrm>
-            <a:off x="8854750" y="5735638"/>
-            <a:ext cx="3337229" cy="1098395"/>
-          </a:xfrm>
-          <a:prstGeom prst="rect">
-            <a:avLst/>
-          </a:prstGeom>
-        </p:spPr>
-        <p:txBody>
-          <a:bodyPr vert="horz" lIns="91440" tIns="45720" rIns="91440" bIns="45720" rtlCol="0">
-            <a:normAutofit/>
-          </a:bodyPr>
-          <a:lstStyle>
-            <a:lvl1pPr marL="228600" indent="-228600" algn="l" defTabSz="914400" rtl="0" eaLnBrk="1" latinLnBrk="0" hangingPunct="1">
-              <a:lnSpc>
-                <a:spcPct val="90000"/>
-              </a:lnSpc>
-              <a:spcBef>
-                <a:spcPts val="1000"/>
-              </a:spcBef>
-              <a:buFont typeface="Arial" panose="020B0604020202020204" pitchFamily="34" charset="0"/>
-              <a:buChar char="•"/>
-              <a:defRPr sz="2800" kern="1200">
-                <a:solidFill>
-                  <a:schemeClr val="tx1"/>
-                </a:solidFill>
-                <a:latin typeface="+mn-lt"/>
-                <a:ea typeface="+mn-ea"/>
-                <a:cs typeface="+mn-cs"/>
-              </a:defRPr>
-            </a:lvl1pPr>
-            <a:lvl2pPr marL="685800" indent="-228600" algn="l" defTabSz="914400" rtl="0" eaLnBrk="1" latinLnBrk="0" hangingPunct="1">
-              <a:lnSpc>
-                <a:spcPct val="90000"/>
-              </a:lnSpc>
-              <a:spcBef>
-                <a:spcPts val="500"/>
-              </a:spcBef>
-              <a:buFont typeface="Arial" panose="020B0604020202020204" pitchFamily="34" charset="0"/>
-              <a:buChar char="•"/>
-              <a:defRPr sz="2400" kern="1200">
-                <a:solidFill>
-                  <a:schemeClr val="tx1"/>
-                </a:solidFill>
-                <a:latin typeface="+mn-lt"/>
-                <a:ea typeface="+mn-ea"/>
-                <a:cs typeface="+mn-cs"/>
-              </a:defRPr>
-            </a:lvl2pPr>
-            <a:lvl3pPr marL="1143000" indent="-228600" algn="l" defTabSz="914400" rtl="0" eaLnBrk="1" latinLnBrk="0" hangingPunct="1">
-              <a:lnSpc>
-                <a:spcPct val="90000"/>
-              </a:lnSpc>
-              <a:spcBef>
-                <a:spcPts val="500"/>
-              </a:spcBef>
-              <a:buFont typeface="Arial" panose="020B0604020202020204" pitchFamily="34" charset="0"/>
-              <a:buChar char="•"/>
-              <a:defRPr sz="2000" kern="1200">
-                <a:solidFill>
-                  <a:schemeClr val="tx1"/>
-                </a:solidFill>
-                <a:latin typeface="+mn-lt"/>
-                <a:ea typeface="+mn-ea"/>
-                <a:cs typeface="+mn-cs"/>
-              </a:defRPr>
-            </a:lvl3pPr>
-            <a:lvl4pPr marL="1600200" indent="-228600" algn="l" defTabSz="914400" rtl="0" eaLnBrk="1" latinLnBrk="0" hangingPunct="1">
-              <a:lnSpc>
-                <a:spcPct val="90000"/>
-              </a:lnSpc>
-              <a:spcBef>
-                <a:spcPts val="500"/>
-              </a:spcBef>
-              <a:buFont typeface="Arial" panose="020B0604020202020204" pitchFamily="34" charset="0"/>
-              <a:buChar char="•"/>
-              <a:defRPr sz="1800" kern="1200">
-                <a:solidFill>
-                  <a:schemeClr val="tx1"/>
-                </a:solidFill>
-                <a:latin typeface="+mn-lt"/>
-                <a:ea typeface="+mn-ea"/>
-                <a:cs typeface="+mn-cs"/>
-              </a:defRPr>
-            </a:lvl4pPr>
-            <a:lvl5pPr marL="2057400" indent="-228600" algn="l" defTabSz="914400" rtl="0" eaLnBrk="1" latinLnBrk="0" hangingPunct="1">
-              <a:lnSpc>
-                <a:spcPct val="90000"/>
-              </a:lnSpc>
-              <a:spcBef>
-                <a:spcPts val="500"/>
-              </a:spcBef>
-              <a:buFont typeface="Arial" panose="020B0604020202020204" pitchFamily="34" charset="0"/>
-              <a:buChar char="•"/>
-              <a:defRPr sz="1800" kern="1200">
-                <a:solidFill>
-                  <a:schemeClr val="tx1"/>
-                </a:solidFill>
-                <a:latin typeface="+mn-lt"/>
-                <a:ea typeface="+mn-ea"/>
-                <a:cs typeface="+mn-cs"/>
-              </a:defRPr>
-            </a:lvl5pPr>
-            <a:lvl6pPr marL="2514600" indent="-228600" algn="l" defTabSz="914400" rtl="0" eaLnBrk="1" latinLnBrk="0" hangingPunct="1">
-              <a:lnSpc>
-                <a:spcPct val="90000"/>
-              </a:lnSpc>
-              <a:spcBef>
-                <a:spcPts val="500"/>
-              </a:spcBef>
-              <a:buFont typeface="Arial" panose="020B0604020202020204" pitchFamily="34" charset="0"/>
-              <a:buChar char="•"/>
-              <a:defRPr sz="1800" kern="1200">
-                <a:solidFill>
-                  <a:schemeClr val="tx1"/>
-                </a:solidFill>
-                <a:latin typeface="+mn-lt"/>
-                <a:ea typeface="+mn-ea"/>
-                <a:cs typeface="+mn-cs"/>
-              </a:defRPr>
-            </a:lvl6pPr>
-            <a:lvl7pPr marL="2971800" indent="-228600" algn="l" defTabSz="914400" rtl="0" eaLnBrk="1" latinLnBrk="0" hangingPunct="1">
-              <a:lnSpc>
-                <a:spcPct val="90000"/>
-              </a:lnSpc>
-              <a:spcBef>
-                <a:spcPts val="500"/>
-              </a:spcBef>
-              <a:buFont typeface="Arial" panose="020B0604020202020204" pitchFamily="34" charset="0"/>
-              <a:buChar char="•"/>
-              <a:defRPr sz="1800" kern="1200">
-                <a:solidFill>
-                  <a:schemeClr val="tx1"/>
-                </a:solidFill>
-                <a:latin typeface="+mn-lt"/>
-                <a:ea typeface="+mn-ea"/>
-                <a:cs typeface="+mn-cs"/>
-              </a:defRPr>
-            </a:lvl7pPr>
-            <a:lvl8pPr marL="3429000" indent="-228600" algn="l" defTabSz="914400" rtl="0" eaLnBrk="1" latinLnBrk="0" hangingPunct="1">
-              <a:lnSpc>
-                <a:spcPct val="90000"/>
-              </a:lnSpc>
-              <a:spcBef>
-                <a:spcPts val="500"/>
-              </a:spcBef>
-              <a:buFont typeface="Arial" panose="020B0604020202020204" pitchFamily="34" charset="0"/>
-              <a:buChar char="•"/>
-              <a:defRPr sz="1800" kern="1200">
-                <a:solidFill>
-                  <a:schemeClr val="tx1"/>
-                </a:solidFill>
-                <a:latin typeface="+mn-lt"/>
-                <a:ea typeface="+mn-ea"/>
-                <a:cs typeface="+mn-cs"/>
-              </a:defRPr>
-            </a:lvl8pPr>
-            <a:lvl9pPr marL="3886200" indent="-228600" algn="l" defTabSz="914400" rtl="0" eaLnBrk="1" latinLnBrk="0" hangingPunct="1">
-              <a:lnSpc>
-                <a:spcPct val="90000"/>
-              </a:lnSpc>
-              <a:spcBef>
-                <a:spcPts val="500"/>
-              </a:spcBef>
-              <a:buFont typeface="Arial" panose="020B0604020202020204" pitchFamily="34" charset="0"/>
-              <a:buChar char="•"/>
-              <a:defRPr sz="1800" kern="1200">
-                <a:solidFill>
-                  <a:schemeClr val="tx1"/>
-                </a:solidFill>
-                <a:latin typeface="+mn-lt"/>
-                <a:ea typeface="+mn-ea"/>
-                <a:cs typeface="+mn-cs"/>
-              </a:defRPr>
-            </a:lvl9pPr>
-          </a:lstStyle>
-          <a:p>
-            <a:pPr marL="0" indent="0" algn="ctr">
-              <a:buNone/>
-            </a:pPr>
-            <a:r>
-              <a:rPr lang="es-ES" sz="1100" dirty="0"/>
-              <a:t>Eduardo Martín-Sonseca Alonso</a:t>
-            </a:r>
-          </a:p>
-          <a:p>
-            <a:pPr marL="0" indent="0" algn="ctr">
-              <a:buNone/>
-            </a:pPr>
-            <a:r>
-              <a:rPr lang="es-ES" sz="1100" dirty="0"/>
-              <a:t>Noel Prieto Pardo</a:t>
-            </a:r>
-          </a:p>
-          <a:p>
-            <a:pPr marL="0" indent="0" algn="ctr">
-              <a:buNone/>
-            </a:pPr>
-            <a:r>
-              <a:rPr lang="es-ES" sz="1100" dirty="0"/>
-              <a:t>Mario Ortuñez Sanz</a:t>
-            </a:r>
-          </a:p>
-          <a:p>
-            <a:pPr marL="0" indent="0" algn="ctr">
-              <a:buNone/>
-            </a:pPr>
-            <a:r>
-              <a:rPr lang="es-ES" sz="1100" b="1" dirty="0"/>
-              <a:t>1º Desarrollo de Aplicaciones Multiplataforma</a:t>
-            </a:r>
-          </a:p>
-        </p:txBody>
-      </p:sp>
       <p:graphicFrame>
         <p:nvGraphicFramePr>
           <p:cNvPr id="16" name="Tabla 15">
@@ -14113,210 +10481,6 @@
   <p:clrMapOvr>
     <a:masterClrMapping/>
   </p:clrMapOvr>
-  <p:timing>
-    <p:tnLst>
-      <p:par>
-        <p:cTn id="1" dur="indefinite" restart="never" nodeType="tmRoot">
-          <p:childTnLst>
-            <p:seq concurrent="1" nextAc="seek">
-              <p:cTn id="2" dur="indefinite" nodeType="mainSeq">
-                <p:childTnLst>
-                  <p:par>
-                    <p:cTn id="3" fill="hold">
-                      <p:stCondLst>
-                        <p:cond delay="indefinite"/>
-                        <p:cond evt="onBegin" delay="0">
-                          <p:tn val="2"/>
-                        </p:cond>
-                      </p:stCondLst>
-                      <p:childTnLst>
-                        <p:par>
-                          <p:cTn id="4" fill="hold">
-                            <p:stCondLst>
-                              <p:cond delay="0"/>
-                            </p:stCondLst>
-                            <p:childTnLst>
-                              <p:par>
-                                <p:cTn id="5" presetID="10" presetClass="entr" presetSubtype="0" fill="hold" grpId="0" nodeType="withEffect">
-                                  <p:stCondLst>
-                                    <p:cond delay="0"/>
-                                  </p:stCondLst>
-                                  <p:childTnLst>
-                                    <p:set>
-                                      <p:cBhvr>
-                                        <p:cTn id="6" dur="1" fill="hold">
-                                          <p:stCondLst>
-                                            <p:cond delay="0"/>
-                                          </p:stCondLst>
-                                        </p:cTn>
-                                        <p:tgtEl>
-                                          <p:spTgt spid="6"/>
-                                        </p:tgtEl>
-                                        <p:attrNameLst>
-                                          <p:attrName>style.visibility</p:attrName>
-                                        </p:attrNameLst>
-                                      </p:cBhvr>
-                                      <p:to>
-                                        <p:strVal val="visible"/>
-                                      </p:to>
-                                    </p:set>
-                                    <p:animEffect transition="in" filter="fade">
-                                      <p:cBhvr>
-                                        <p:cTn id="7" dur="250"/>
-                                        <p:tgtEl>
-                                          <p:spTgt spid="6"/>
-                                        </p:tgtEl>
-                                      </p:cBhvr>
-                                    </p:animEffect>
-                                  </p:childTnLst>
-                                </p:cTn>
-                              </p:par>
-                              <p:par>
-                                <p:cTn id="8" presetID="10" presetClass="entr" presetSubtype="0" fill="hold" nodeType="withEffect">
-                                  <p:stCondLst>
-                                    <p:cond delay="0"/>
-                                  </p:stCondLst>
-                                  <p:childTnLst>
-                                    <p:set>
-                                      <p:cBhvr>
-                                        <p:cTn id="9" dur="1" fill="hold">
-                                          <p:stCondLst>
-                                            <p:cond delay="0"/>
-                                          </p:stCondLst>
-                                        </p:cTn>
-                                        <p:tgtEl>
-                                          <p:spTgt spid="16"/>
-                                        </p:tgtEl>
-                                        <p:attrNameLst>
-                                          <p:attrName>style.visibility</p:attrName>
-                                        </p:attrNameLst>
-                                      </p:cBhvr>
-                                      <p:to>
-                                        <p:strVal val="visible"/>
-                                      </p:to>
-                                    </p:set>
-                                    <p:animEffect transition="in" filter="fade">
-                                      <p:cBhvr>
-                                        <p:cTn id="10" dur="1000"/>
-                                        <p:tgtEl>
-                                          <p:spTgt spid="16"/>
-                                        </p:tgtEl>
-                                      </p:cBhvr>
-                                    </p:animEffect>
-                                  </p:childTnLst>
-                                </p:cTn>
-                              </p:par>
-                              <p:par>
-                                <p:cTn id="11" presetID="16" presetClass="entr" presetSubtype="21" fill="hold" grpId="0" nodeType="withEffect">
-                                  <p:stCondLst>
-                                    <p:cond delay="0"/>
-                                  </p:stCondLst>
-                                  <p:childTnLst>
-                                    <p:set>
-                                      <p:cBhvr>
-                                        <p:cTn id="12" dur="1" fill="hold">
-                                          <p:stCondLst>
-                                            <p:cond delay="0"/>
-                                          </p:stCondLst>
-                                        </p:cTn>
-                                        <p:tgtEl>
-                                          <p:spTgt spid="2"/>
-                                        </p:tgtEl>
-                                        <p:attrNameLst>
-                                          <p:attrName>style.visibility</p:attrName>
-                                        </p:attrNameLst>
-                                      </p:cBhvr>
-                                      <p:to>
-                                        <p:strVal val="visible"/>
-                                      </p:to>
-                                    </p:set>
-                                    <p:animEffect transition="in" filter="barn(inVertical)">
-                                      <p:cBhvr>
-                                        <p:cTn id="13" dur="500"/>
-                                        <p:tgtEl>
-                                          <p:spTgt spid="2"/>
-                                        </p:tgtEl>
-                                      </p:cBhvr>
-                                    </p:animEffect>
-                                  </p:childTnLst>
-                                </p:cTn>
-                              </p:par>
-                              <p:par>
-                                <p:cTn id="14" presetID="14" presetClass="entr" presetSubtype="10" fill="hold" grpId="0" nodeType="withEffect">
-                                  <p:stCondLst>
-                                    <p:cond delay="0"/>
-                                  </p:stCondLst>
-                                  <p:childTnLst>
-                                    <p:set>
-                                      <p:cBhvr>
-                                        <p:cTn id="15" dur="1" fill="hold">
-                                          <p:stCondLst>
-                                            <p:cond delay="0"/>
-                                          </p:stCondLst>
-                                        </p:cTn>
-                                        <p:tgtEl>
-                                          <p:spTgt spid="3">
-                                            <p:txEl>
-                                              <p:pRg st="0" end="0"/>
-                                            </p:txEl>
-                                          </p:spTgt>
-                                        </p:tgtEl>
-                                        <p:attrNameLst>
-                                          <p:attrName>style.visibility</p:attrName>
-                                        </p:attrNameLst>
-                                      </p:cBhvr>
-                                      <p:to>
-                                        <p:strVal val="visible"/>
-                                      </p:to>
-                                    </p:set>
-                                    <p:animEffect transition="in" filter="randombar(horizontal)">
-                                      <p:cBhvr>
-                                        <p:cTn id="16" dur="500"/>
-                                        <p:tgtEl>
-                                          <p:spTgt spid="3">
-                                            <p:txEl>
-                                              <p:pRg st="0" end="0"/>
-                                            </p:txEl>
-                                          </p:spTgt>
-                                        </p:tgtEl>
-                                      </p:cBhvr>
-                                    </p:animEffect>
-                                  </p:childTnLst>
-                                </p:cTn>
-                              </p:par>
-                            </p:childTnLst>
-                          </p:cTn>
-                        </p:par>
-                      </p:childTnLst>
-                    </p:cTn>
-                  </p:par>
-                </p:childTnLst>
-              </p:cTn>
-              <p:prevCondLst>
-                <p:cond evt="onPrev" delay="0">
-                  <p:tgtEl>
-                    <p:sldTgt/>
-                  </p:tgtEl>
-                </p:cond>
-              </p:prevCondLst>
-              <p:nextCondLst>
-                <p:cond evt="onNext" delay="0">
-                  <p:tgtEl>
-                    <p:sldTgt/>
-                  </p:tgtEl>
-                </p:cond>
-              </p:nextCondLst>
-            </p:seq>
-          </p:childTnLst>
-        </p:cTn>
-      </p:par>
-    </p:tnLst>
-    <p:bldLst>
-      <p:bldP spid="2" grpId="0"/>
-      <p:bldP spid="3" grpId="0" build="p"/>
-      <p:bldP spid="6" grpId="0"/>
-    </p:bldLst>
-  </p:timing>
 </p:sld>
 </file>
 
@@ -14570,235 +10734,6 @@
           </a:effectLst>
         </p:spPr>
       </p:pic>
-      <p:sp>
-        <p:nvSpPr>
-          <p:cNvPr id="7" name="Subtítulo 2">
-            <a:extLst>
-              <a:ext uri="{FF2B5EF4-FFF2-40B4-BE49-F238E27FC236}">
-                <a16:creationId xmlns:a16="http://schemas.microsoft.com/office/drawing/2014/main" id="{E093AAE4-18C2-BDC7-F9D9-869031F097B3}"/>
-              </a:ext>
-            </a:extLst>
-          </p:cNvPr>
-          <p:cNvSpPr txBox="1">
-            <a:spLocks/>
-          </p:cNvSpPr>
-          <p:nvPr/>
-        </p:nvSpPr>
-        <p:spPr>
-          <a:xfrm>
-            <a:off x="9245599" y="5638800"/>
-            <a:ext cx="2946379" cy="1195233"/>
-          </a:xfrm>
-          <a:prstGeom prst="rect">
-            <a:avLst/>
-          </a:prstGeom>
-        </p:spPr>
-        <p:txBody>
-          <a:bodyPr vert="horz" lIns="91440" tIns="45720" rIns="91440" bIns="45720" rtlCol="0">
-            <a:normAutofit/>
-          </a:bodyPr>
-          <a:lstStyle>
-            <a:lvl1pPr marL="228600" indent="-228600" algn="l" defTabSz="914400" rtl="0" eaLnBrk="1" latinLnBrk="0" hangingPunct="1">
-              <a:lnSpc>
-                <a:spcPct val="90000"/>
-              </a:lnSpc>
-              <a:spcBef>
-                <a:spcPts val="1000"/>
-              </a:spcBef>
-              <a:buFont typeface="Arial" panose="020B0604020202020204" pitchFamily="34" charset="0"/>
-              <a:buChar char="•"/>
-              <a:defRPr sz="2800" kern="1200">
-                <a:solidFill>
-                  <a:schemeClr val="tx1"/>
-                </a:solidFill>
-                <a:latin typeface="+mn-lt"/>
-                <a:ea typeface="+mn-ea"/>
-                <a:cs typeface="+mn-cs"/>
-              </a:defRPr>
-            </a:lvl1pPr>
-            <a:lvl2pPr marL="685800" indent="-228600" algn="l" defTabSz="914400" rtl="0" eaLnBrk="1" latinLnBrk="0" hangingPunct="1">
-              <a:lnSpc>
-                <a:spcPct val="90000"/>
-              </a:lnSpc>
-              <a:spcBef>
-                <a:spcPts val="500"/>
-              </a:spcBef>
-              <a:buFont typeface="Arial" panose="020B0604020202020204" pitchFamily="34" charset="0"/>
-              <a:buChar char="•"/>
-              <a:defRPr sz="2400" kern="1200">
-                <a:solidFill>
-                  <a:schemeClr val="tx1"/>
-                </a:solidFill>
-                <a:latin typeface="+mn-lt"/>
-                <a:ea typeface="+mn-ea"/>
-                <a:cs typeface="+mn-cs"/>
-              </a:defRPr>
-            </a:lvl2pPr>
-            <a:lvl3pPr marL="1143000" indent="-228600" algn="l" defTabSz="914400" rtl="0" eaLnBrk="1" latinLnBrk="0" hangingPunct="1">
-              <a:lnSpc>
-                <a:spcPct val="90000"/>
-              </a:lnSpc>
-              <a:spcBef>
-                <a:spcPts val="500"/>
-              </a:spcBef>
-              <a:buFont typeface="Arial" panose="020B0604020202020204" pitchFamily="34" charset="0"/>
-              <a:buChar char="•"/>
-              <a:defRPr sz="2000" kern="1200">
-                <a:solidFill>
-                  <a:schemeClr val="tx1"/>
-                </a:solidFill>
-                <a:latin typeface="+mn-lt"/>
-                <a:ea typeface="+mn-ea"/>
-                <a:cs typeface="+mn-cs"/>
-              </a:defRPr>
-            </a:lvl3pPr>
-            <a:lvl4pPr marL="1600200" indent="-228600" algn="l" defTabSz="914400" rtl="0" eaLnBrk="1" latinLnBrk="0" hangingPunct="1">
-              <a:lnSpc>
-                <a:spcPct val="90000"/>
-              </a:lnSpc>
-              <a:spcBef>
-                <a:spcPts val="500"/>
-              </a:spcBef>
-              <a:buFont typeface="Arial" panose="020B0604020202020204" pitchFamily="34" charset="0"/>
-              <a:buChar char="•"/>
-              <a:defRPr sz="1800" kern="1200">
-                <a:solidFill>
-                  <a:schemeClr val="tx1"/>
-                </a:solidFill>
-                <a:latin typeface="+mn-lt"/>
-                <a:ea typeface="+mn-ea"/>
-                <a:cs typeface="+mn-cs"/>
-              </a:defRPr>
-            </a:lvl4pPr>
-            <a:lvl5pPr marL="2057400" indent="-228600" algn="l" defTabSz="914400" rtl="0" eaLnBrk="1" latinLnBrk="0" hangingPunct="1">
-              <a:lnSpc>
-                <a:spcPct val="90000"/>
-              </a:lnSpc>
-              <a:spcBef>
-                <a:spcPts val="500"/>
-              </a:spcBef>
-              <a:buFont typeface="Arial" panose="020B0604020202020204" pitchFamily="34" charset="0"/>
-              <a:buChar char="•"/>
-              <a:defRPr sz="1800" kern="1200">
-                <a:solidFill>
-                  <a:schemeClr val="tx1"/>
-                </a:solidFill>
-                <a:latin typeface="+mn-lt"/>
-                <a:ea typeface="+mn-ea"/>
-                <a:cs typeface="+mn-cs"/>
-              </a:defRPr>
-            </a:lvl5pPr>
-            <a:lvl6pPr marL="2514600" indent="-228600" algn="l" defTabSz="914400" rtl="0" eaLnBrk="1" latinLnBrk="0" hangingPunct="1">
-              <a:lnSpc>
-                <a:spcPct val="90000"/>
-              </a:lnSpc>
-              <a:spcBef>
-                <a:spcPts val="500"/>
-              </a:spcBef>
-              <a:buFont typeface="Arial" panose="020B0604020202020204" pitchFamily="34" charset="0"/>
-              <a:buChar char="•"/>
-              <a:defRPr sz="1800" kern="1200">
-                <a:solidFill>
-                  <a:schemeClr val="tx1"/>
-                </a:solidFill>
-                <a:latin typeface="+mn-lt"/>
-                <a:ea typeface="+mn-ea"/>
-                <a:cs typeface="+mn-cs"/>
-              </a:defRPr>
-            </a:lvl6pPr>
-            <a:lvl7pPr marL="2971800" indent="-228600" algn="l" defTabSz="914400" rtl="0" eaLnBrk="1" latinLnBrk="0" hangingPunct="1">
-              <a:lnSpc>
-                <a:spcPct val="90000"/>
-              </a:lnSpc>
-              <a:spcBef>
-                <a:spcPts val="500"/>
-              </a:spcBef>
-              <a:buFont typeface="Arial" panose="020B0604020202020204" pitchFamily="34" charset="0"/>
-              <a:buChar char="•"/>
-              <a:defRPr sz="1800" kern="1200">
-                <a:solidFill>
-                  <a:schemeClr val="tx1"/>
-                </a:solidFill>
-                <a:latin typeface="+mn-lt"/>
-                <a:ea typeface="+mn-ea"/>
-                <a:cs typeface="+mn-cs"/>
-              </a:defRPr>
-            </a:lvl7pPr>
-            <a:lvl8pPr marL="3429000" indent="-228600" algn="l" defTabSz="914400" rtl="0" eaLnBrk="1" latinLnBrk="0" hangingPunct="1">
-              <a:lnSpc>
-                <a:spcPct val="90000"/>
-              </a:lnSpc>
-              <a:spcBef>
-                <a:spcPts val="500"/>
-              </a:spcBef>
-              <a:buFont typeface="Arial" panose="020B0604020202020204" pitchFamily="34" charset="0"/>
-              <a:buChar char="•"/>
-              <a:defRPr sz="1800" kern="1200">
-                <a:solidFill>
-                  <a:schemeClr val="tx1"/>
-                </a:solidFill>
-                <a:latin typeface="+mn-lt"/>
-                <a:ea typeface="+mn-ea"/>
-                <a:cs typeface="+mn-cs"/>
-              </a:defRPr>
-            </a:lvl8pPr>
-            <a:lvl9pPr marL="3886200" indent="-228600" algn="l" defTabSz="914400" rtl="0" eaLnBrk="1" latinLnBrk="0" hangingPunct="1">
-              <a:lnSpc>
-                <a:spcPct val="90000"/>
-              </a:lnSpc>
-              <a:spcBef>
-                <a:spcPts val="500"/>
-              </a:spcBef>
-              <a:buFont typeface="Arial" panose="020B0604020202020204" pitchFamily="34" charset="0"/>
-              <a:buChar char="•"/>
-              <a:defRPr sz="1800" kern="1200">
-                <a:solidFill>
-                  <a:schemeClr val="tx1"/>
-                </a:solidFill>
-                <a:latin typeface="+mn-lt"/>
-                <a:ea typeface="+mn-ea"/>
-                <a:cs typeface="+mn-cs"/>
-              </a:defRPr>
-            </a:lvl9pPr>
-          </a:lstStyle>
-          <a:p>
-            <a:pPr marL="0" indent="0" algn="ctr">
-              <a:buNone/>
-            </a:pPr>
-            <a:r>
-              <a:rPr lang="es-ES" sz="1100" dirty="0"/>
-              <a:t>Eduardo Martín-Sonseca Alonso</a:t>
-            </a:r>
-          </a:p>
-          <a:p>
-            <a:pPr marL="0" indent="0" algn="ctr">
-              <a:buNone/>
-            </a:pPr>
-            <a:r>
-              <a:rPr lang="es-ES" sz="1100" dirty="0"/>
-              <a:t>Noel Prieto Pardo</a:t>
-            </a:r>
-          </a:p>
-          <a:p>
-            <a:pPr marL="0" indent="0" algn="ctr">
-              <a:buNone/>
-            </a:pPr>
-            <a:r>
-              <a:rPr lang="es-ES" sz="1100" dirty="0"/>
-              <a:t>Mario Ortuñez Sanz</a:t>
-            </a:r>
-          </a:p>
-          <a:p>
-            <a:pPr marL="0" indent="0" algn="ctr">
-              <a:buNone/>
-            </a:pPr>
-            <a:r>
-              <a:rPr lang="es-ES" sz="1100" b="1" dirty="0"/>
-              <a:t>1º Desarrollo de Aplicaciones Multiplataforma</a:t>
-            </a:r>
-          </a:p>
-        </p:txBody>
-      </p:sp>
     </p:spTree>
     <p:extLst>
       <p:ext uri="{BB962C8B-B14F-4D97-AF65-F5344CB8AC3E}">
@@ -14809,166 +10744,6 @@
   <p:clrMapOvr>
     <a:masterClrMapping/>
   </p:clrMapOvr>
-  <p:timing>
-    <p:tnLst>
-      <p:par>
-        <p:cTn id="1" dur="indefinite" restart="never" nodeType="tmRoot">
-          <p:childTnLst>
-            <p:seq concurrent="1" nextAc="seek">
-              <p:cTn id="2" dur="indefinite" nodeType="mainSeq">
-                <p:childTnLst>
-                  <p:par>
-                    <p:cTn id="3" fill="hold">
-                      <p:stCondLst>
-                        <p:cond delay="indefinite"/>
-                        <p:cond evt="onBegin" delay="0">
-                          <p:tn val="2"/>
-                        </p:cond>
-                      </p:stCondLst>
-                      <p:childTnLst>
-                        <p:par>
-                          <p:cTn id="4" fill="hold">
-                            <p:stCondLst>
-                              <p:cond delay="0"/>
-                            </p:stCondLst>
-                            <p:childTnLst>
-                              <p:par>
-                                <p:cTn id="5" presetID="22" presetClass="entr" presetSubtype="4" fill="hold" grpId="0" nodeType="withEffect">
-                                  <p:stCondLst>
-                                    <p:cond delay="0"/>
-                                  </p:stCondLst>
-                                  <p:childTnLst>
-                                    <p:set>
-                                      <p:cBhvr>
-                                        <p:cTn id="6" dur="1" fill="hold">
-                                          <p:stCondLst>
-                                            <p:cond delay="0"/>
-                                          </p:stCondLst>
-                                        </p:cTn>
-                                        <p:tgtEl>
-                                          <p:spTgt spid="2"/>
-                                        </p:tgtEl>
-                                        <p:attrNameLst>
-                                          <p:attrName>style.visibility</p:attrName>
-                                        </p:attrNameLst>
-                                      </p:cBhvr>
-                                      <p:to>
-                                        <p:strVal val="visible"/>
-                                      </p:to>
-                                    </p:set>
-                                    <p:animEffect transition="in" filter="wipe(down)">
-                                      <p:cBhvr>
-                                        <p:cTn id="7" dur="750"/>
-                                        <p:tgtEl>
-                                          <p:spTgt spid="2"/>
-                                        </p:tgtEl>
-                                      </p:cBhvr>
-                                    </p:animEffect>
-                                  </p:childTnLst>
-                                </p:cTn>
-                              </p:par>
-                              <p:par>
-                                <p:cTn id="8" presetID="6" presetClass="entr" presetSubtype="16" fill="hold" nodeType="withEffect">
-                                  <p:stCondLst>
-                                    <p:cond delay="0"/>
-                                  </p:stCondLst>
-                                  <p:childTnLst>
-                                    <p:set>
-                                      <p:cBhvr>
-                                        <p:cTn id="9" dur="1" fill="hold">
-                                          <p:stCondLst>
-                                            <p:cond delay="0"/>
-                                          </p:stCondLst>
-                                        </p:cTn>
-                                        <p:tgtEl>
-                                          <p:spTgt spid="6"/>
-                                        </p:tgtEl>
-                                        <p:attrNameLst>
-                                          <p:attrName>style.visibility</p:attrName>
-                                        </p:attrNameLst>
-                                      </p:cBhvr>
-                                      <p:to>
-                                        <p:strVal val="visible"/>
-                                      </p:to>
-                                    </p:set>
-                                    <p:animEffect transition="in" filter="circle(in)">
-                                      <p:cBhvr>
-                                        <p:cTn id="10" dur="500"/>
-                                        <p:tgtEl>
-                                          <p:spTgt spid="6"/>
-                                        </p:tgtEl>
-                                      </p:cBhvr>
-                                    </p:animEffect>
-                                  </p:childTnLst>
-                                </p:cTn>
-                              </p:par>
-                              <p:par>
-                                <p:cTn id="11" presetID="10" presetClass="entr" presetSubtype="0" fill="hold" grpId="0" nodeType="withEffect">
-                                  <p:stCondLst>
-                                    <p:cond delay="0"/>
-                                  </p:stCondLst>
-                                  <p:childTnLst>
-                                    <p:set>
-                                      <p:cBhvr>
-                                        <p:cTn id="12" dur="1" fill="hold">
-                                          <p:stCondLst>
-                                            <p:cond delay="0"/>
-                                          </p:stCondLst>
-                                        </p:cTn>
-                                        <p:tgtEl>
-                                          <p:spTgt spid="7"/>
-                                        </p:tgtEl>
-                                        <p:attrNameLst>
-                                          <p:attrName>style.visibility</p:attrName>
-                                        </p:attrNameLst>
-                                      </p:cBhvr>
-                                      <p:to>
-                                        <p:strVal val="visible"/>
-                                      </p:to>
-                                    </p:set>
-                                    <p:animEffect transition="in" filter="fade">
-                                      <p:cBhvr>
-                                        <p:cTn id="13" dur="500"/>
-                                        <p:tgtEl>
-                                          <p:spTgt spid="7"/>
-                                        </p:tgtEl>
-                                      </p:cBhvr>
-                                    </p:animEffect>
-                                  </p:childTnLst>
-                                </p:cTn>
-                              </p:par>
-                            </p:childTnLst>
-                          </p:cTn>
-                        </p:par>
-                      </p:childTnLst>
-                    </p:cTn>
-                  </p:par>
-                </p:childTnLst>
-              </p:cTn>
-              <p:prevCondLst>
-                <p:cond evt="onPrev" delay="0">
-                  <p:tgtEl>
-                    <p:sldTgt/>
-                  </p:tgtEl>
-                </p:cond>
-              </p:prevCondLst>
-              <p:nextCondLst>
-                <p:cond evt="onNext" delay="0">
-                  <p:tgtEl>
-                    <p:sldTgt/>
-                  </p:tgtEl>
-                </p:cond>
-              </p:nextCondLst>
-            </p:seq>
-          </p:childTnLst>
-        </p:cTn>
-      </p:par>
-    </p:tnLst>
-    <p:bldLst>
-      <p:bldP spid="2" grpId="0" animBg="1"/>
-      <p:bldP spid="7" grpId="0"/>
-    </p:bldLst>
-  </p:timing>
 </p:sld>
 </file>
 
@@ -15242,235 +11017,6 @@
           </a:effectLst>
         </p:spPr>
       </p:pic>
-      <p:sp>
-        <p:nvSpPr>
-          <p:cNvPr id="7" name="Subtítulo 2">
-            <a:extLst>
-              <a:ext uri="{FF2B5EF4-FFF2-40B4-BE49-F238E27FC236}">
-                <a16:creationId xmlns:a16="http://schemas.microsoft.com/office/drawing/2014/main" id="{9F53642A-A4EE-A6FA-B926-B54450C1B859}"/>
-              </a:ext>
-            </a:extLst>
-          </p:cNvPr>
-          <p:cNvSpPr txBox="1">
-            <a:spLocks/>
-          </p:cNvSpPr>
-          <p:nvPr/>
-        </p:nvSpPr>
-        <p:spPr>
-          <a:xfrm>
-            <a:off x="9279468" y="5765799"/>
-            <a:ext cx="2912512" cy="1068233"/>
-          </a:xfrm>
-          <a:prstGeom prst="rect">
-            <a:avLst/>
-          </a:prstGeom>
-        </p:spPr>
-        <p:txBody>
-          <a:bodyPr vert="horz" lIns="91440" tIns="45720" rIns="91440" bIns="45720" rtlCol="0">
-            <a:normAutofit lnSpcReduction="10000"/>
-          </a:bodyPr>
-          <a:lstStyle>
-            <a:lvl1pPr marL="228600" indent="-228600" algn="l" defTabSz="914400" rtl="0" eaLnBrk="1" latinLnBrk="0" hangingPunct="1">
-              <a:lnSpc>
-                <a:spcPct val="90000"/>
-              </a:lnSpc>
-              <a:spcBef>
-                <a:spcPts val="1000"/>
-              </a:spcBef>
-              <a:buFont typeface="Arial" panose="020B0604020202020204" pitchFamily="34" charset="0"/>
-              <a:buChar char="•"/>
-              <a:defRPr sz="2800" kern="1200">
-                <a:solidFill>
-                  <a:schemeClr val="tx1"/>
-                </a:solidFill>
-                <a:latin typeface="+mn-lt"/>
-                <a:ea typeface="+mn-ea"/>
-                <a:cs typeface="+mn-cs"/>
-              </a:defRPr>
-            </a:lvl1pPr>
-            <a:lvl2pPr marL="685800" indent="-228600" algn="l" defTabSz="914400" rtl="0" eaLnBrk="1" latinLnBrk="0" hangingPunct="1">
-              <a:lnSpc>
-                <a:spcPct val="90000"/>
-              </a:lnSpc>
-              <a:spcBef>
-                <a:spcPts val="500"/>
-              </a:spcBef>
-              <a:buFont typeface="Arial" panose="020B0604020202020204" pitchFamily="34" charset="0"/>
-              <a:buChar char="•"/>
-              <a:defRPr sz="2400" kern="1200">
-                <a:solidFill>
-                  <a:schemeClr val="tx1"/>
-                </a:solidFill>
-                <a:latin typeface="+mn-lt"/>
-                <a:ea typeface="+mn-ea"/>
-                <a:cs typeface="+mn-cs"/>
-              </a:defRPr>
-            </a:lvl2pPr>
-            <a:lvl3pPr marL="1143000" indent="-228600" algn="l" defTabSz="914400" rtl="0" eaLnBrk="1" latinLnBrk="0" hangingPunct="1">
-              <a:lnSpc>
-                <a:spcPct val="90000"/>
-              </a:lnSpc>
-              <a:spcBef>
-                <a:spcPts val="500"/>
-              </a:spcBef>
-              <a:buFont typeface="Arial" panose="020B0604020202020204" pitchFamily="34" charset="0"/>
-              <a:buChar char="•"/>
-              <a:defRPr sz="2000" kern="1200">
-                <a:solidFill>
-                  <a:schemeClr val="tx1"/>
-                </a:solidFill>
-                <a:latin typeface="+mn-lt"/>
-                <a:ea typeface="+mn-ea"/>
-                <a:cs typeface="+mn-cs"/>
-              </a:defRPr>
-            </a:lvl3pPr>
-            <a:lvl4pPr marL="1600200" indent="-228600" algn="l" defTabSz="914400" rtl="0" eaLnBrk="1" latinLnBrk="0" hangingPunct="1">
-              <a:lnSpc>
-                <a:spcPct val="90000"/>
-              </a:lnSpc>
-              <a:spcBef>
-                <a:spcPts val="500"/>
-              </a:spcBef>
-              <a:buFont typeface="Arial" panose="020B0604020202020204" pitchFamily="34" charset="0"/>
-              <a:buChar char="•"/>
-              <a:defRPr sz="1800" kern="1200">
-                <a:solidFill>
-                  <a:schemeClr val="tx1"/>
-                </a:solidFill>
-                <a:latin typeface="+mn-lt"/>
-                <a:ea typeface="+mn-ea"/>
-                <a:cs typeface="+mn-cs"/>
-              </a:defRPr>
-            </a:lvl4pPr>
-            <a:lvl5pPr marL="2057400" indent="-228600" algn="l" defTabSz="914400" rtl="0" eaLnBrk="1" latinLnBrk="0" hangingPunct="1">
-              <a:lnSpc>
-                <a:spcPct val="90000"/>
-              </a:lnSpc>
-              <a:spcBef>
-                <a:spcPts val="500"/>
-              </a:spcBef>
-              <a:buFont typeface="Arial" panose="020B0604020202020204" pitchFamily="34" charset="0"/>
-              <a:buChar char="•"/>
-              <a:defRPr sz="1800" kern="1200">
-                <a:solidFill>
-                  <a:schemeClr val="tx1"/>
-                </a:solidFill>
-                <a:latin typeface="+mn-lt"/>
-                <a:ea typeface="+mn-ea"/>
-                <a:cs typeface="+mn-cs"/>
-              </a:defRPr>
-            </a:lvl5pPr>
-            <a:lvl6pPr marL="2514600" indent="-228600" algn="l" defTabSz="914400" rtl="0" eaLnBrk="1" latinLnBrk="0" hangingPunct="1">
-              <a:lnSpc>
-                <a:spcPct val="90000"/>
-              </a:lnSpc>
-              <a:spcBef>
-                <a:spcPts val="500"/>
-              </a:spcBef>
-              <a:buFont typeface="Arial" panose="020B0604020202020204" pitchFamily="34" charset="0"/>
-              <a:buChar char="•"/>
-              <a:defRPr sz="1800" kern="1200">
-                <a:solidFill>
-                  <a:schemeClr val="tx1"/>
-                </a:solidFill>
-                <a:latin typeface="+mn-lt"/>
-                <a:ea typeface="+mn-ea"/>
-                <a:cs typeface="+mn-cs"/>
-              </a:defRPr>
-            </a:lvl6pPr>
-            <a:lvl7pPr marL="2971800" indent="-228600" algn="l" defTabSz="914400" rtl="0" eaLnBrk="1" latinLnBrk="0" hangingPunct="1">
-              <a:lnSpc>
-                <a:spcPct val="90000"/>
-              </a:lnSpc>
-              <a:spcBef>
-                <a:spcPts val="500"/>
-              </a:spcBef>
-              <a:buFont typeface="Arial" panose="020B0604020202020204" pitchFamily="34" charset="0"/>
-              <a:buChar char="•"/>
-              <a:defRPr sz="1800" kern="1200">
-                <a:solidFill>
-                  <a:schemeClr val="tx1"/>
-                </a:solidFill>
-                <a:latin typeface="+mn-lt"/>
-                <a:ea typeface="+mn-ea"/>
-                <a:cs typeface="+mn-cs"/>
-              </a:defRPr>
-            </a:lvl7pPr>
-            <a:lvl8pPr marL="3429000" indent="-228600" algn="l" defTabSz="914400" rtl="0" eaLnBrk="1" latinLnBrk="0" hangingPunct="1">
-              <a:lnSpc>
-                <a:spcPct val="90000"/>
-              </a:lnSpc>
-              <a:spcBef>
-                <a:spcPts val="500"/>
-              </a:spcBef>
-              <a:buFont typeface="Arial" panose="020B0604020202020204" pitchFamily="34" charset="0"/>
-              <a:buChar char="•"/>
-              <a:defRPr sz="1800" kern="1200">
-                <a:solidFill>
-                  <a:schemeClr val="tx1"/>
-                </a:solidFill>
-                <a:latin typeface="+mn-lt"/>
-                <a:ea typeface="+mn-ea"/>
-                <a:cs typeface="+mn-cs"/>
-              </a:defRPr>
-            </a:lvl8pPr>
-            <a:lvl9pPr marL="3886200" indent="-228600" algn="l" defTabSz="914400" rtl="0" eaLnBrk="1" latinLnBrk="0" hangingPunct="1">
-              <a:lnSpc>
-                <a:spcPct val="90000"/>
-              </a:lnSpc>
-              <a:spcBef>
-                <a:spcPts val="500"/>
-              </a:spcBef>
-              <a:buFont typeface="Arial" panose="020B0604020202020204" pitchFamily="34" charset="0"/>
-              <a:buChar char="•"/>
-              <a:defRPr sz="1800" kern="1200">
-                <a:solidFill>
-                  <a:schemeClr val="tx1"/>
-                </a:solidFill>
-                <a:latin typeface="+mn-lt"/>
-                <a:ea typeface="+mn-ea"/>
-                <a:cs typeface="+mn-cs"/>
-              </a:defRPr>
-            </a:lvl9pPr>
-          </a:lstStyle>
-          <a:p>
-            <a:pPr marL="0" indent="0" algn="ctr">
-              <a:buNone/>
-            </a:pPr>
-            <a:r>
-              <a:rPr lang="es-ES" sz="1100" dirty="0"/>
-              <a:t>Eduardo Martín-Sonseca Alonso</a:t>
-            </a:r>
-          </a:p>
-          <a:p>
-            <a:pPr marL="0" indent="0" algn="ctr">
-              <a:buNone/>
-            </a:pPr>
-            <a:r>
-              <a:rPr lang="es-ES" sz="1100" dirty="0"/>
-              <a:t>Noel Prieto Pardo</a:t>
-            </a:r>
-          </a:p>
-          <a:p>
-            <a:pPr marL="0" indent="0" algn="ctr">
-              <a:buNone/>
-            </a:pPr>
-            <a:r>
-              <a:rPr lang="es-ES" sz="1100" dirty="0"/>
-              <a:t>Mario Ortuñez Sanz</a:t>
-            </a:r>
-          </a:p>
-          <a:p>
-            <a:pPr marL="0" indent="0" algn="ctr">
-              <a:buNone/>
-            </a:pPr>
-            <a:r>
-              <a:rPr lang="es-ES" sz="1100" b="1" dirty="0"/>
-              <a:t>1º Desarrollo de Aplicaciones Multiplataforma</a:t>
-            </a:r>
-          </a:p>
-        </p:txBody>
-      </p:sp>
     </p:spTree>
     <p:extLst>
       <p:ext uri="{BB962C8B-B14F-4D97-AF65-F5344CB8AC3E}">
@@ -15481,166 +11027,6 @@
   <p:clrMapOvr>
     <a:masterClrMapping/>
   </p:clrMapOvr>
-  <p:timing>
-    <p:tnLst>
-      <p:par>
-        <p:cTn id="1" dur="indefinite" restart="never" nodeType="tmRoot">
-          <p:childTnLst>
-            <p:seq concurrent="1" nextAc="seek">
-              <p:cTn id="2" dur="indefinite" nodeType="mainSeq">
-                <p:childTnLst>
-                  <p:par>
-                    <p:cTn id="3" fill="hold">
-                      <p:stCondLst>
-                        <p:cond delay="indefinite"/>
-                        <p:cond evt="onBegin" delay="0">
-                          <p:tn val="2"/>
-                        </p:cond>
-                      </p:stCondLst>
-                      <p:childTnLst>
-                        <p:par>
-                          <p:cTn id="4" fill="hold">
-                            <p:stCondLst>
-                              <p:cond delay="0"/>
-                            </p:stCondLst>
-                            <p:childTnLst>
-                              <p:par>
-                                <p:cTn id="5" presetID="22" presetClass="entr" presetSubtype="4" fill="hold" grpId="0" nodeType="withEffect">
-                                  <p:stCondLst>
-                                    <p:cond delay="0"/>
-                                  </p:stCondLst>
-                                  <p:childTnLst>
-                                    <p:set>
-                                      <p:cBhvr>
-                                        <p:cTn id="6" dur="1" fill="hold">
-                                          <p:stCondLst>
-                                            <p:cond delay="0"/>
-                                          </p:stCondLst>
-                                        </p:cTn>
-                                        <p:tgtEl>
-                                          <p:spTgt spid="2"/>
-                                        </p:tgtEl>
-                                        <p:attrNameLst>
-                                          <p:attrName>style.visibility</p:attrName>
-                                        </p:attrNameLst>
-                                      </p:cBhvr>
-                                      <p:to>
-                                        <p:strVal val="visible"/>
-                                      </p:to>
-                                    </p:set>
-                                    <p:animEffect transition="in" filter="wipe(down)">
-                                      <p:cBhvr>
-                                        <p:cTn id="7" dur="500"/>
-                                        <p:tgtEl>
-                                          <p:spTgt spid="2"/>
-                                        </p:tgtEl>
-                                      </p:cBhvr>
-                                    </p:animEffect>
-                                  </p:childTnLst>
-                                </p:cTn>
-                              </p:par>
-                              <p:par>
-                                <p:cTn id="8" presetID="6" presetClass="entr" presetSubtype="16" fill="hold" nodeType="withEffect">
-                                  <p:stCondLst>
-                                    <p:cond delay="0"/>
-                                  </p:stCondLst>
-                                  <p:childTnLst>
-                                    <p:set>
-                                      <p:cBhvr>
-                                        <p:cTn id="9" dur="1" fill="hold">
-                                          <p:stCondLst>
-                                            <p:cond delay="0"/>
-                                          </p:stCondLst>
-                                        </p:cTn>
-                                        <p:tgtEl>
-                                          <p:spTgt spid="6"/>
-                                        </p:tgtEl>
-                                        <p:attrNameLst>
-                                          <p:attrName>style.visibility</p:attrName>
-                                        </p:attrNameLst>
-                                      </p:cBhvr>
-                                      <p:to>
-                                        <p:strVal val="visible"/>
-                                      </p:to>
-                                    </p:set>
-                                    <p:animEffect transition="in" filter="circle(in)">
-                                      <p:cBhvr>
-                                        <p:cTn id="10" dur="750"/>
-                                        <p:tgtEl>
-                                          <p:spTgt spid="6"/>
-                                        </p:tgtEl>
-                                      </p:cBhvr>
-                                    </p:animEffect>
-                                  </p:childTnLst>
-                                </p:cTn>
-                              </p:par>
-                              <p:par>
-                                <p:cTn id="11" presetID="10" presetClass="entr" presetSubtype="0" fill="hold" grpId="0" nodeType="withEffect">
-                                  <p:stCondLst>
-                                    <p:cond delay="0"/>
-                                  </p:stCondLst>
-                                  <p:childTnLst>
-                                    <p:set>
-                                      <p:cBhvr>
-                                        <p:cTn id="12" dur="1" fill="hold">
-                                          <p:stCondLst>
-                                            <p:cond delay="0"/>
-                                          </p:stCondLst>
-                                        </p:cTn>
-                                        <p:tgtEl>
-                                          <p:spTgt spid="7"/>
-                                        </p:tgtEl>
-                                        <p:attrNameLst>
-                                          <p:attrName>style.visibility</p:attrName>
-                                        </p:attrNameLst>
-                                      </p:cBhvr>
-                                      <p:to>
-                                        <p:strVal val="visible"/>
-                                      </p:to>
-                                    </p:set>
-                                    <p:animEffect transition="in" filter="fade">
-                                      <p:cBhvr>
-                                        <p:cTn id="13" dur="500"/>
-                                        <p:tgtEl>
-                                          <p:spTgt spid="7"/>
-                                        </p:tgtEl>
-                                      </p:cBhvr>
-                                    </p:animEffect>
-                                  </p:childTnLst>
-                                </p:cTn>
-                              </p:par>
-                            </p:childTnLst>
-                          </p:cTn>
-                        </p:par>
-                      </p:childTnLst>
-                    </p:cTn>
-                  </p:par>
-                </p:childTnLst>
-              </p:cTn>
-              <p:prevCondLst>
-                <p:cond evt="onPrev" delay="0">
-                  <p:tgtEl>
-                    <p:sldTgt/>
-                  </p:tgtEl>
-                </p:cond>
-              </p:prevCondLst>
-              <p:nextCondLst>
-                <p:cond evt="onNext" delay="0">
-                  <p:tgtEl>
-                    <p:sldTgt/>
-                  </p:tgtEl>
-                </p:cond>
-              </p:nextCondLst>
-            </p:seq>
-          </p:childTnLst>
-        </p:cTn>
-      </p:par>
-    </p:tnLst>
-    <p:bldLst>
-      <p:bldP spid="2" grpId="0" animBg="1"/>
-      <p:bldP spid="7" grpId="0"/>
-    </p:bldLst>
-  </p:timing>
 </p:sld>
 </file>
 
@@ -15782,235 +11168,6 @@
       </p:sp>
       <p:sp>
         <p:nvSpPr>
-          <p:cNvPr id="21" name="Subtítulo 2">
-            <a:extLst>
-              <a:ext uri="{FF2B5EF4-FFF2-40B4-BE49-F238E27FC236}">
-                <a16:creationId xmlns:a16="http://schemas.microsoft.com/office/drawing/2014/main" id="{EA404B70-F063-ABA2-651D-AE3536A6612D}"/>
-              </a:ext>
-            </a:extLst>
-          </p:cNvPr>
-          <p:cNvSpPr txBox="1">
-            <a:spLocks/>
-          </p:cNvSpPr>
-          <p:nvPr/>
-        </p:nvSpPr>
-        <p:spPr>
-          <a:xfrm>
-            <a:off x="9014791" y="5439565"/>
-            <a:ext cx="3015665" cy="1098395"/>
-          </a:xfrm>
-          <a:prstGeom prst="rect">
-            <a:avLst/>
-          </a:prstGeom>
-        </p:spPr>
-        <p:txBody>
-          <a:bodyPr vert="horz" lIns="91440" tIns="45720" rIns="91440" bIns="45720" rtlCol="0">
-            <a:normAutofit/>
-          </a:bodyPr>
-          <a:lstStyle>
-            <a:lvl1pPr marL="228600" indent="-228600" algn="l" defTabSz="914400" rtl="0" eaLnBrk="1" latinLnBrk="0" hangingPunct="1">
-              <a:lnSpc>
-                <a:spcPct val="90000"/>
-              </a:lnSpc>
-              <a:spcBef>
-                <a:spcPts val="1000"/>
-              </a:spcBef>
-              <a:buFont typeface="Arial" panose="020B0604020202020204" pitchFamily="34" charset="0"/>
-              <a:buChar char="•"/>
-              <a:defRPr sz="2800" kern="1200">
-                <a:solidFill>
-                  <a:schemeClr val="tx1"/>
-                </a:solidFill>
-                <a:latin typeface="+mn-lt"/>
-                <a:ea typeface="+mn-ea"/>
-                <a:cs typeface="+mn-cs"/>
-              </a:defRPr>
-            </a:lvl1pPr>
-            <a:lvl2pPr marL="685800" indent="-228600" algn="l" defTabSz="914400" rtl="0" eaLnBrk="1" latinLnBrk="0" hangingPunct="1">
-              <a:lnSpc>
-                <a:spcPct val="90000"/>
-              </a:lnSpc>
-              <a:spcBef>
-                <a:spcPts val="500"/>
-              </a:spcBef>
-              <a:buFont typeface="Arial" panose="020B0604020202020204" pitchFamily="34" charset="0"/>
-              <a:buChar char="•"/>
-              <a:defRPr sz="2400" kern="1200">
-                <a:solidFill>
-                  <a:schemeClr val="tx1"/>
-                </a:solidFill>
-                <a:latin typeface="+mn-lt"/>
-                <a:ea typeface="+mn-ea"/>
-                <a:cs typeface="+mn-cs"/>
-              </a:defRPr>
-            </a:lvl2pPr>
-            <a:lvl3pPr marL="1143000" indent="-228600" algn="l" defTabSz="914400" rtl="0" eaLnBrk="1" latinLnBrk="0" hangingPunct="1">
-              <a:lnSpc>
-                <a:spcPct val="90000"/>
-              </a:lnSpc>
-              <a:spcBef>
-                <a:spcPts val="500"/>
-              </a:spcBef>
-              <a:buFont typeface="Arial" panose="020B0604020202020204" pitchFamily="34" charset="0"/>
-              <a:buChar char="•"/>
-              <a:defRPr sz="2000" kern="1200">
-                <a:solidFill>
-                  <a:schemeClr val="tx1"/>
-                </a:solidFill>
-                <a:latin typeface="+mn-lt"/>
-                <a:ea typeface="+mn-ea"/>
-                <a:cs typeface="+mn-cs"/>
-              </a:defRPr>
-            </a:lvl3pPr>
-            <a:lvl4pPr marL="1600200" indent="-228600" algn="l" defTabSz="914400" rtl="0" eaLnBrk="1" latinLnBrk="0" hangingPunct="1">
-              <a:lnSpc>
-                <a:spcPct val="90000"/>
-              </a:lnSpc>
-              <a:spcBef>
-                <a:spcPts val="500"/>
-              </a:spcBef>
-              <a:buFont typeface="Arial" panose="020B0604020202020204" pitchFamily="34" charset="0"/>
-              <a:buChar char="•"/>
-              <a:defRPr sz="1800" kern="1200">
-                <a:solidFill>
-                  <a:schemeClr val="tx1"/>
-                </a:solidFill>
-                <a:latin typeface="+mn-lt"/>
-                <a:ea typeface="+mn-ea"/>
-                <a:cs typeface="+mn-cs"/>
-              </a:defRPr>
-            </a:lvl4pPr>
-            <a:lvl5pPr marL="2057400" indent="-228600" algn="l" defTabSz="914400" rtl="0" eaLnBrk="1" latinLnBrk="0" hangingPunct="1">
-              <a:lnSpc>
-                <a:spcPct val="90000"/>
-              </a:lnSpc>
-              <a:spcBef>
-                <a:spcPts val="500"/>
-              </a:spcBef>
-              <a:buFont typeface="Arial" panose="020B0604020202020204" pitchFamily="34" charset="0"/>
-              <a:buChar char="•"/>
-              <a:defRPr sz="1800" kern="1200">
-                <a:solidFill>
-                  <a:schemeClr val="tx1"/>
-                </a:solidFill>
-                <a:latin typeface="+mn-lt"/>
-                <a:ea typeface="+mn-ea"/>
-                <a:cs typeface="+mn-cs"/>
-              </a:defRPr>
-            </a:lvl5pPr>
-            <a:lvl6pPr marL="2514600" indent="-228600" algn="l" defTabSz="914400" rtl="0" eaLnBrk="1" latinLnBrk="0" hangingPunct="1">
-              <a:lnSpc>
-                <a:spcPct val="90000"/>
-              </a:lnSpc>
-              <a:spcBef>
-                <a:spcPts val="500"/>
-              </a:spcBef>
-              <a:buFont typeface="Arial" panose="020B0604020202020204" pitchFamily="34" charset="0"/>
-              <a:buChar char="•"/>
-              <a:defRPr sz="1800" kern="1200">
-                <a:solidFill>
-                  <a:schemeClr val="tx1"/>
-                </a:solidFill>
-                <a:latin typeface="+mn-lt"/>
-                <a:ea typeface="+mn-ea"/>
-                <a:cs typeface="+mn-cs"/>
-              </a:defRPr>
-            </a:lvl6pPr>
-            <a:lvl7pPr marL="2971800" indent="-228600" algn="l" defTabSz="914400" rtl="0" eaLnBrk="1" latinLnBrk="0" hangingPunct="1">
-              <a:lnSpc>
-                <a:spcPct val="90000"/>
-              </a:lnSpc>
-              <a:spcBef>
-                <a:spcPts val="500"/>
-              </a:spcBef>
-              <a:buFont typeface="Arial" panose="020B0604020202020204" pitchFamily="34" charset="0"/>
-              <a:buChar char="•"/>
-              <a:defRPr sz="1800" kern="1200">
-                <a:solidFill>
-                  <a:schemeClr val="tx1"/>
-                </a:solidFill>
-                <a:latin typeface="+mn-lt"/>
-                <a:ea typeface="+mn-ea"/>
-                <a:cs typeface="+mn-cs"/>
-              </a:defRPr>
-            </a:lvl7pPr>
-            <a:lvl8pPr marL="3429000" indent="-228600" algn="l" defTabSz="914400" rtl="0" eaLnBrk="1" latinLnBrk="0" hangingPunct="1">
-              <a:lnSpc>
-                <a:spcPct val="90000"/>
-              </a:lnSpc>
-              <a:spcBef>
-                <a:spcPts val="500"/>
-              </a:spcBef>
-              <a:buFont typeface="Arial" panose="020B0604020202020204" pitchFamily="34" charset="0"/>
-              <a:buChar char="•"/>
-              <a:defRPr sz="1800" kern="1200">
-                <a:solidFill>
-                  <a:schemeClr val="tx1"/>
-                </a:solidFill>
-                <a:latin typeface="+mn-lt"/>
-                <a:ea typeface="+mn-ea"/>
-                <a:cs typeface="+mn-cs"/>
-              </a:defRPr>
-            </a:lvl8pPr>
-            <a:lvl9pPr marL="3886200" indent="-228600" algn="l" defTabSz="914400" rtl="0" eaLnBrk="1" latinLnBrk="0" hangingPunct="1">
-              <a:lnSpc>
-                <a:spcPct val="90000"/>
-              </a:lnSpc>
-              <a:spcBef>
-                <a:spcPts val="500"/>
-              </a:spcBef>
-              <a:buFont typeface="Arial" panose="020B0604020202020204" pitchFamily="34" charset="0"/>
-              <a:buChar char="•"/>
-              <a:defRPr sz="1800" kern="1200">
-                <a:solidFill>
-                  <a:schemeClr val="tx1"/>
-                </a:solidFill>
-                <a:latin typeface="+mn-lt"/>
-                <a:ea typeface="+mn-ea"/>
-                <a:cs typeface="+mn-cs"/>
-              </a:defRPr>
-            </a:lvl9pPr>
-          </a:lstStyle>
-          <a:p>
-            <a:pPr marL="0" indent="0" algn="ctr">
-              <a:buNone/>
-            </a:pPr>
-            <a:r>
-              <a:rPr lang="es-ES" sz="1100" dirty="0"/>
-              <a:t>Eduardo Martín-Sonseca Alonso</a:t>
-            </a:r>
-          </a:p>
-          <a:p>
-            <a:pPr marL="0" indent="0" algn="ctr">
-              <a:buNone/>
-            </a:pPr>
-            <a:r>
-              <a:rPr lang="es-ES" sz="1100" dirty="0"/>
-              <a:t>Noel Prieto Pardo</a:t>
-            </a:r>
-          </a:p>
-          <a:p>
-            <a:pPr marL="0" indent="0" algn="ctr">
-              <a:buNone/>
-            </a:pPr>
-            <a:r>
-              <a:rPr lang="es-ES" sz="1100" dirty="0"/>
-              <a:t>Mario Ortuñez Sanz</a:t>
-            </a:r>
-          </a:p>
-          <a:p>
-            <a:pPr marL="0" indent="0" algn="ctr">
-              <a:buNone/>
-            </a:pPr>
-            <a:r>
-              <a:rPr lang="es-ES" sz="1100" b="1" dirty="0"/>
-              <a:t>1º Desarrollo de Aplicaciones Multiplataforma</a:t>
-            </a:r>
-          </a:p>
-        </p:txBody>
-      </p:sp>
-      <p:sp>
-        <p:nvSpPr>
           <p:cNvPr id="7" name="CuadroTexto 6">
             <a:extLst>
               <a:ext uri="{FF2B5EF4-FFF2-40B4-BE49-F238E27FC236}">
@@ -16291,131 +11448,6 @@
   <p:clrMapOvr>
     <a:masterClrMapping/>
   </p:clrMapOvr>
-  <p:timing>
-    <p:tnLst>
-      <p:par>
-        <p:cTn id="1" dur="indefinite" restart="never" nodeType="tmRoot">
-          <p:childTnLst>
-            <p:seq concurrent="1" nextAc="seek">
-              <p:cTn id="2" dur="indefinite" nodeType="mainSeq">
-                <p:childTnLst>
-                  <p:par>
-                    <p:cTn id="3" fill="hold">
-                      <p:stCondLst>
-                        <p:cond delay="indefinite"/>
-                        <p:cond evt="onBegin" delay="0">
-                          <p:tn val="2"/>
-                        </p:cond>
-                      </p:stCondLst>
-                      <p:childTnLst>
-                        <p:par>
-                          <p:cTn id="4" fill="hold">
-                            <p:stCondLst>
-                              <p:cond delay="0"/>
-                            </p:stCondLst>
-                            <p:childTnLst>
-                              <p:par>
-                                <p:cTn id="5" presetID="14" presetClass="entr" presetSubtype="10" fill="hold" grpId="0" nodeType="withEffect">
-                                  <p:stCondLst>
-                                    <p:cond delay="0"/>
-                                  </p:stCondLst>
-                                  <p:childTnLst>
-                                    <p:set>
-                                      <p:cBhvr>
-                                        <p:cTn id="6" dur="1" fill="hold">
-                                          <p:stCondLst>
-                                            <p:cond delay="0"/>
-                                          </p:stCondLst>
-                                        </p:cTn>
-                                        <p:tgtEl>
-                                          <p:spTgt spid="2"/>
-                                        </p:tgtEl>
-                                        <p:attrNameLst>
-                                          <p:attrName>style.visibility</p:attrName>
-                                        </p:attrNameLst>
-                                      </p:cBhvr>
-                                      <p:to>
-                                        <p:strVal val="visible"/>
-                                      </p:to>
-                                    </p:set>
-                                    <p:animEffect transition="in" filter="randombar(horizontal)">
-                                      <p:cBhvr>
-                                        <p:cTn id="7" dur="1000"/>
-                                        <p:tgtEl>
-                                          <p:spTgt spid="2"/>
-                                        </p:tgtEl>
-                                      </p:cBhvr>
-                                    </p:animEffect>
-                                  </p:childTnLst>
-                                </p:cTn>
-                              </p:par>
-                              <p:par>
-                                <p:cTn id="8" presetID="10" presetClass="entr" presetSubtype="0" fill="hold" grpId="0" nodeType="withEffect">
-                                  <p:stCondLst>
-                                    <p:cond delay="0"/>
-                                  </p:stCondLst>
-                                  <p:childTnLst>
-                                    <p:set>
-                                      <p:cBhvr>
-                                        <p:cTn id="9" dur="1" fill="hold">
-                                          <p:stCondLst>
-                                            <p:cond delay="0"/>
-                                          </p:stCondLst>
-                                        </p:cTn>
-                                        <p:tgtEl>
-                                          <p:spTgt spid="21"/>
-                                        </p:tgtEl>
-                                        <p:attrNameLst>
-                                          <p:attrName>style.visibility</p:attrName>
-                                        </p:attrNameLst>
-                                      </p:cBhvr>
-                                      <p:to>
-                                        <p:strVal val="visible"/>
-                                      </p:to>
-                                    </p:set>
-                                    <p:animEffect transition="in" filter="fade">
-                                      <p:cBhvr>
-                                        <p:cTn id="10" dur="500"/>
-                                        <p:tgtEl>
-                                          <p:spTgt spid="21"/>
-                                        </p:tgtEl>
-                                      </p:cBhvr>
-                                    </p:animEffect>
-                                  </p:childTnLst>
-                                </p:cTn>
-                              </p:par>
-                            </p:childTnLst>
-                          </p:cTn>
-                        </p:par>
-                      </p:childTnLst>
-                    </p:cTn>
-                  </p:par>
-                </p:childTnLst>
-              </p:cTn>
-              <p:prevCondLst>
-                <p:cond evt="onPrev" delay="0">
-                  <p:tgtEl>
-                    <p:sldTgt/>
-                  </p:tgtEl>
-                </p:cond>
-              </p:prevCondLst>
-              <p:nextCondLst>
-                <p:cond evt="onNext" delay="0">
-                  <p:tgtEl>
-                    <p:sldTgt/>
-                  </p:tgtEl>
-                </p:cond>
-              </p:nextCondLst>
-            </p:seq>
-          </p:childTnLst>
-        </p:cTn>
-      </p:par>
-    </p:tnLst>
-    <p:bldLst>
-      <p:bldP spid="2" grpId="0"/>
-      <p:bldP spid="21" grpId="0"/>
-    </p:bldLst>
-  </p:timing>
 </p:sld>
 </file>
 
@@ -16555,235 +11587,6 @@
           </a:p>
         </p:txBody>
       </p:sp>
-      <p:sp>
-        <p:nvSpPr>
-          <p:cNvPr id="21" name="Subtítulo 2">
-            <a:extLst>
-              <a:ext uri="{FF2B5EF4-FFF2-40B4-BE49-F238E27FC236}">
-                <a16:creationId xmlns:a16="http://schemas.microsoft.com/office/drawing/2014/main" id="{EA404B70-F063-ABA2-651D-AE3536A6612D}"/>
-              </a:ext>
-            </a:extLst>
-          </p:cNvPr>
-          <p:cNvSpPr txBox="1">
-            <a:spLocks/>
-          </p:cNvSpPr>
-          <p:nvPr/>
-        </p:nvSpPr>
-        <p:spPr>
-          <a:xfrm>
-            <a:off x="9014791" y="5439565"/>
-            <a:ext cx="3015665" cy="1098395"/>
-          </a:xfrm>
-          <a:prstGeom prst="rect">
-            <a:avLst/>
-          </a:prstGeom>
-        </p:spPr>
-        <p:txBody>
-          <a:bodyPr vert="horz" lIns="91440" tIns="45720" rIns="91440" bIns="45720" rtlCol="0">
-            <a:normAutofit/>
-          </a:bodyPr>
-          <a:lstStyle>
-            <a:lvl1pPr marL="228600" indent="-228600" algn="l" defTabSz="914400" rtl="0" eaLnBrk="1" latinLnBrk="0" hangingPunct="1">
-              <a:lnSpc>
-                <a:spcPct val="90000"/>
-              </a:lnSpc>
-              <a:spcBef>
-                <a:spcPts val="1000"/>
-              </a:spcBef>
-              <a:buFont typeface="Arial" panose="020B0604020202020204" pitchFamily="34" charset="0"/>
-              <a:buChar char="•"/>
-              <a:defRPr sz="2800" kern="1200">
-                <a:solidFill>
-                  <a:schemeClr val="tx1"/>
-                </a:solidFill>
-                <a:latin typeface="+mn-lt"/>
-                <a:ea typeface="+mn-ea"/>
-                <a:cs typeface="+mn-cs"/>
-              </a:defRPr>
-            </a:lvl1pPr>
-            <a:lvl2pPr marL="685800" indent="-228600" algn="l" defTabSz="914400" rtl="0" eaLnBrk="1" latinLnBrk="0" hangingPunct="1">
-              <a:lnSpc>
-                <a:spcPct val="90000"/>
-              </a:lnSpc>
-              <a:spcBef>
-                <a:spcPts val="500"/>
-              </a:spcBef>
-              <a:buFont typeface="Arial" panose="020B0604020202020204" pitchFamily="34" charset="0"/>
-              <a:buChar char="•"/>
-              <a:defRPr sz="2400" kern="1200">
-                <a:solidFill>
-                  <a:schemeClr val="tx1"/>
-                </a:solidFill>
-                <a:latin typeface="+mn-lt"/>
-                <a:ea typeface="+mn-ea"/>
-                <a:cs typeface="+mn-cs"/>
-              </a:defRPr>
-            </a:lvl2pPr>
-            <a:lvl3pPr marL="1143000" indent="-228600" algn="l" defTabSz="914400" rtl="0" eaLnBrk="1" latinLnBrk="0" hangingPunct="1">
-              <a:lnSpc>
-                <a:spcPct val="90000"/>
-              </a:lnSpc>
-              <a:spcBef>
-                <a:spcPts val="500"/>
-              </a:spcBef>
-              <a:buFont typeface="Arial" panose="020B0604020202020204" pitchFamily="34" charset="0"/>
-              <a:buChar char="•"/>
-              <a:defRPr sz="2000" kern="1200">
-                <a:solidFill>
-                  <a:schemeClr val="tx1"/>
-                </a:solidFill>
-                <a:latin typeface="+mn-lt"/>
-                <a:ea typeface="+mn-ea"/>
-                <a:cs typeface="+mn-cs"/>
-              </a:defRPr>
-            </a:lvl3pPr>
-            <a:lvl4pPr marL="1600200" indent="-228600" algn="l" defTabSz="914400" rtl="0" eaLnBrk="1" latinLnBrk="0" hangingPunct="1">
-              <a:lnSpc>
-                <a:spcPct val="90000"/>
-              </a:lnSpc>
-              <a:spcBef>
-                <a:spcPts val="500"/>
-              </a:spcBef>
-              <a:buFont typeface="Arial" panose="020B0604020202020204" pitchFamily="34" charset="0"/>
-              <a:buChar char="•"/>
-              <a:defRPr sz="1800" kern="1200">
-                <a:solidFill>
-                  <a:schemeClr val="tx1"/>
-                </a:solidFill>
-                <a:latin typeface="+mn-lt"/>
-                <a:ea typeface="+mn-ea"/>
-                <a:cs typeface="+mn-cs"/>
-              </a:defRPr>
-            </a:lvl4pPr>
-            <a:lvl5pPr marL="2057400" indent="-228600" algn="l" defTabSz="914400" rtl="0" eaLnBrk="1" latinLnBrk="0" hangingPunct="1">
-              <a:lnSpc>
-                <a:spcPct val="90000"/>
-              </a:lnSpc>
-              <a:spcBef>
-                <a:spcPts val="500"/>
-              </a:spcBef>
-              <a:buFont typeface="Arial" panose="020B0604020202020204" pitchFamily="34" charset="0"/>
-              <a:buChar char="•"/>
-              <a:defRPr sz="1800" kern="1200">
-                <a:solidFill>
-                  <a:schemeClr val="tx1"/>
-                </a:solidFill>
-                <a:latin typeface="+mn-lt"/>
-                <a:ea typeface="+mn-ea"/>
-                <a:cs typeface="+mn-cs"/>
-              </a:defRPr>
-            </a:lvl5pPr>
-            <a:lvl6pPr marL="2514600" indent="-228600" algn="l" defTabSz="914400" rtl="0" eaLnBrk="1" latinLnBrk="0" hangingPunct="1">
-              <a:lnSpc>
-                <a:spcPct val="90000"/>
-              </a:lnSpc>
-              <a:spcBef>
-                <a:spcPts val="500"/>
-              </a:spcBef>
-              <a:buFont typeface="Arial" panose="020B0604020202020204" pitchFamily="34" charset="0"/>
-              <a:buChar char="•"/>
-              <a:defRPr sz="1800" kern="1200">
-                <a:solidFill>
-                  <a:schemeClr val="tx1"/>
-                </a:solidFill>
-                <a:latin typeface="+mn-lt"/>
-                <a:ea typeface="+mn-ea"/>
-                <a:cs typeface="+mn-cs"/>
-              </a:defRPr>
-            </a:lvl6pPr>
-            <a:lvl7pPr marL="2971800" indent="-228600" algn="l" defTabSz="914400" rtl="0" eaLnBrk="1" latinLnBrk="0" hangingPunct="1">
-              <a:lnSpc>
-                <a:spcPct val="90000"/>
-              </a:lnSpc>
-              <a:spcBef>
-                <a:spcPts val="500"/>
-              </a:spcBef>
-              <a:buFont typeface="Arial" panose="020B0604020202020204" pitchFamily="34" charset="0"/>
-              <a:buChar char="•"/>
-              <a:defRPr sz="1800" kern="1200">
-                <a:solidFill>
-                  <a:schemeClr val="tx1"/>
-                </a:solidFill>
-                <a:latin typeface="+mn-lt"/>
-                <a:ea typeface="+mn-ea"/>
-                <a:cs typeface="+mn-cs"/>
-              </a:defRPr>
-            </a:lvl7pPr>
-            <a:lvl8pPr marL="3429000" indent="-228600" algn="l" defTabSz="914400" rtl="0" eaLnBrk="1" latinLnBrk="0" hangingPunct="1">
-              <a:lnSpc>
-                <a:spcPct val="90000"/>
-              </a:lnSpc>
-              <a:spcBef>
-                <a:spcPts val="500"/>
-              </a:spcBef>
-              <a:buFont typeface="Arial" panose="020B0604020202020204" pitchFamily="34" charset="0"/>
-              <a:buChar char="•"/>
-              <a:defRPr sz="1800" kern="1200">
-                <a:solidFill>
-                  <a:schemeClr val="tx1"/>
-                </a:solidFill>
-                <a:latin typeface="+mn-lt"/>
-                <a:ea typeface="+mn-ea"/>
-                <a:cs typeface="+mn-cs"/>
-              </a:defRPr>
-            </a:lvl8pPr>
-            <a:lvl9pPr marL="3886200" indent="-228600" algn="l" defTabSz="914400" rtl="0" eaLnBrk="1" latinLnBrk="0" hangingPunct="1">
-              <a:lnSpc>
-                <a:spcPct val="90000"/>
-              </a:lnSpc>
-              <a:spcBef>
-                <a:spcPts val="500"/>
-              </a:spcBef>
-              <a:buFont typeface="Arial" panose="020B0604020202020204" pitchFamily="34" charset="0"/>
-              <a:buChar char="•"/>
-              <a:defRPr sz="1800" kern="1200">
-                <a:solidFill>
-                  <a:schemeClr val="tx1"/>
-                </a:solidFill>
-                <a:latin typeface="+mn-lt"/>
-                <a:ea typeface="+mn-ea"/>
-                <a:cs typeface="+mn-cs"/>
-              </a:defRPr>
-            </a:lvl9pPr>
-          </a:lstStyle>
-          <a:p>
-            <a:pPr marL="0" indent="0" algn="ctr">
-              <a:buNone/>
-            </a:pPr>
-            <a:r>
-              <a:rPr lang="es-ES" sz="1100" dirty="0"/>
-              <a:t>Eduardo Martín-Sonseca Alonso</a:t>
-            </a:r>
-          </a:p>
-          <a:p>
-            <a:pPr marL="0" indent="0" algn="ctr">
-              <a:buNone/>
-            </a:pPr>
-            <a:r>
-              <a:rPr lang="es-ES" sz="1100" dirty="0"/>
-              <a:t>Noel Prieto Pardo</a:t>
-            </a:r>
-          </a:p>
-          <a:p>
-            <a:pPr marL="0" indent="0" algn="ctr">
-              <a:buNone/>
-            </a:pPr>
-            <a:r>
-              <a:rPr lang="es-ES" sz="1100" dirty="0"/>
-              <a:t>Mario Ortuñez Sanz</a:t>
-            </a:r>
-          </a:p>
-          <a:p>
-            <a:pPr marL="0" indent="0" algn="ctr">
-              <a:buNone/>
-            </a:pPr>
-            <a:r>
-              <a:rPr lang="es-ES" sz="1100" b="1" dirty="0"/>
-              <a:t>1º Desarrollo de Aplicaciones Multiplataforma</a:t>
-            </a:r>
-          </a:p>
-        </p:txBody>
-      </p:sp>
     </p:spTree>
     <p:extLst>
       <p:ext uri="{BB962C8B-B14F-4D97-AF65-F5344CB8AC3E}">
@@ -16794,131 +11597,6 @@
   <p:clrMapOvr>
     <a:masterClrMapping/>
   </p:clrMapOvr>
-  <p:timing>
-    <p:tnLst>
-      <p:par>
-        <p:cTn id="1" dur="indefinite" restart="never" nodeType="tmRoot">
-          <p:childTnLst>
-            <p:seq concurrent="1" nextAc="seek">
-              <p:cTn id="2" dur="indefinite" nodeType="mainSeq">
-                <p:childTnLst>
-                  <p:par>
-                    <p:cTn id="3" fill="hold">
-                      <p:stCondLst>
-                        <p:cond delay="indefinite"/>
-                        <p:cond evt="onBegin" delay="0">
-                          <p:tn val="2"/>
-                        </p:cond>
-                      </p:stCondLst>
-                      <p:childTnLst>
-                        <p:par>
-                          <p:cTn id="4" fill="hold">
-                            <p:stCondLst>
-                              <p:cond delay="0"/>
-                            </p:stCondLst>
-                            <p:childTnLst>
-                              <p:par>
-                                <p:cTn id="5" presetID="14" presetClass="entr" presetSubtype="10" fill="hold" grpId="0" nodeType="withEffect">
-                                  <p:stCondLst>
-                                    <p:cond delay="0"/>
-                                  </p:stCondLst>
-                                  <p:childTnLst>
-                                    <p:set>
-                                      <p:cBhvr>
-                                        <p:cTn id="6" dur="1" fill="hold">
-                                          <p:stCondLst>
-                                            <p:cond delay="0"/>
-                                          </p:stCondLst>
-                                        </p:cTn>
-                                        <p:tgtEl>
-                                          <p:spTgt spid="2"/>
-                                        </p:tgtEl>
-                                        <p:attrNameLst>
-                                          <p:attrName>style.visibility</p:attrName>
-                                        </p:attrNameLst>
-                                      </p:cBhvr>
-                                      <p:to>
-                                        <p:strVal val="visible"/>
-                                      </p:to>
-                                    </p:set>
-                                    <p:animEffect transition="in" filter="randombar(horizontal)">
-                                      <p:cBhvr>
-                                        <p:cTn id="7" dur="1000"/>
-                                        <p:tgtEl>
-                                          <p:spTgt spid="2"/>
-                                        </p:tgtEl>
-                                      </p:cBhvr>
-                                    </p:animEffect>
-                                  </p:childTnLst>
-                                </p:cTn>
-                              </p:par>
-                              <p:par>
-                                <p:cTn id="8" presetID="10" presetClass="entr" presetSubtype="0" fill="hold" grpId="0" nodeType="withEffect">
-                                  <p:stCondLst>
-                                    <p:cond delay="0"/>
-                                  </p:stCondLst>
-                                  <p:childTnLst>
-                                    <p:set>
-                                      <p:cBhvr>
-                                        <p:cTn id="9" dur="1" fill="hold">
-                                          <p:stCondLst>
-                                            <p:cond delay="0"/>
-                                          </p:stCondLst>
-                                        </p:cTn>
-                                        <p:tgtEl>
-                                          <p:spTgt spid="21"/>
-                                        </p:tgtEl>
-                                        <p:attrNameLst>
-                                          <p:attrName>style.visibility</p:attrName>
-                                        </p:attrNameLst>
-                                      </p:cBhvr>
-                                      <p:to>
-                                        <p:strVal val="visible"/>
-                                      </p:to>
-                                    </p:set>
-                                    <p:animEffect transition="in" filter="fade">
-                                      <p:cBhvr>
-                                        <p:cTn id="10" dur="500"/>
-                                        <p:tgtEl>
-                                          <p:spTgt spid="21"/>
-                                        </p:tgtEl>
-                                      </p:cBhvr>
-                                    </p:animEffect>
-                                  </p:childTnLst>
-                                </p:cTn>
-                              </p:par>
-                            </p:childTnLst>
-                          </p:cTn>
-                        </p:par>
-                      </p:childTnLst>
-                    </p:cTn>
-                  </p:par>
-                </p:childTnLst>
-              </p:cTn>
-              <p:prevCondLst>
-                <p:cond evt="onPrev" delay="0">
-                  <p:tgtEl>
-                    <p:sldTgt/>
-                  </p:tgtEl>
-                </p:cond>
-              </p:prevCondLst>
-              <p:nextCondLst>
-                <p:cond evt="onNext" delay="0">
-                  <p:tgtEl>
-                    <p:sldTgt/>
-                  </p:tgtEl>
-                </p:cond>
-              </p:nextCondLst>
-            </p:seq>
-          </p:childTnLst>
-        </p:cTn>
-      </p:par>
-    </p:tnLst>
-    <p:bldLst>
-      <p:bldP spid="2" grpId="0"/>
-      <p:bldP spid="21" grpId="0"/>
-    </p:bldLst>
-  </p:timing>
 </p:sld>
 </file>
 
@@ -17197,235 +11875,6 @@
           </a:effectLst>
         </p:spPr>
       </p:pic>
-      <p:sp>
-        <p:nvSpPr>
-          <p:cNvPr id="5" name="Subtítulo 2">
-            <a:extLst>
-              <a:ext uri="{FF2B5EF4-FFF2-40B4-BE49-F238E27FC236}">
-                <a16:creationId xmlns:a16="http://schemas.microsoft.com/office/drawing/2014/main" id="{80A8404C-1DD7-87DE-5231-8C36C028ACD6}"/>
-              </a:ext>
-            </a:extLst>
-          </p:cNvPr>
-          <p:cNvSpPr txBox="1">
-            <a:spLocks/>
-          </p:cNvSpPr>
-          <p:nvPr/>
-        </p:nvSpPr>
-        <p:spPr>
-          <a:xfrm>
-            <a:off x="9262533" y="5735638"/>
-            <a:ext cx="2929446" cy="1098395"/>
-          </a:xfrm>
-          <a:prstGeom prst="rect">
-            <a:avLst/>
-          </a:prstGeom>
-        </p:spPr>
-        <p:txBody>
-          <a:bodyPr vert="horz" lIns="91440" tIns="45720" rIns="91440" bIns="45720" rtlCol="0">
-            <a:normAutofit/>
-          </a:bodyPr>
-          <a:lstStyle>
-            <a:lvl1pPr marL="228600" indent="-228600" algn="l" defTabSz="914400" rtl="0" eaLnBrk="1" latinLnBrk="0" hangingPunct="1">
-              <a:lnSpc>
-                <a:spcPct val="90000"/>
-              </a:lnSpc>
-              <a:spcBef>
-                <a:spcPts val="1000"/>
-              </a:spcBef>
-              <a:buFont typeface="Arial" panose="020B0604020202020204" pitchFamily="34" charset="0"/>
-              <a:buChar char="•"/>
-              <a:defRPr sz="2800" kern="1200">
-                <a:solidFill>
-                  <a:schemeClr val="tx1"/>
-                </a:solidFill>
-                <a:latin typeface="+mn-lt"/>
-                <a:ea typeface="+mn-ea"/>
-                <a:cs typeface="+mn-cs"/>
-              </a:defRPr>
-            </a:lvl1pPr>
-            <a:lvl2pPr marL="685800" indent="-228600" algn="l" defTabSz="914400" rtl="0" eaLnBrk="1" latinLnBrk="0" hangingPunct="1">
-              <a:lnSpc>
-                <a:spcPct val="90000"/>
-              </a:lnSpc>
-              <a:spcBef>
-                <a:spcPts val="500"/>
-              </a:spcBef>
-              <a:buFont typeface="Arial" panose="020B0604020202020204" pitchFamily="34" charset="0"/>
-              <a:buChar char="•"/>
-              <a:defRPr sz="2400" kern="1200">
-                <a:solidFill>
-                  <a:schemeClr val="tx1"/>
-                </a:solidFill>
-                <a:latin typeface="+mn-lt"/>
-                <a:ea typeface="+mn-ea"/>
-                <a:cs typeface="+mn-cs"/>
-              </a:defRPr>
-            </a:lvl2pPr>
-            <a:lvl3pPr marL="1143000" indent="-228600" algn="l" defTabSz="914400" rtl="0" eaLnBrk="1" latinLnBrk="0" hangingPunct="1">
-              <a:lnSpc>
-                <a:spcPct val="90000"/>
-              </a:lnSpc>
-              <a:spcBef>
-                <a:spcPts val="500"/>
-              </a:spcBef>
-              <a:buFont typeface="Arial" panose="020B0604020202020204" pitchFamily="34" charset="0"/>
-              <a:buChar char="•"/>
-              <a:defRPr sz="2000" kern="1200">
-                <a:solidFill>
-                  <a:schemeClr val="tx1"/>
-                </a:solidFill>
-                <a:latin typeface="+mn-lt"/>
-                <a:ea typeface="+mn-ea"/>
-                <a:cs typeface="+mn-cs"/>
-              </a:defRPr>
-            </a:lvl3pPr>
-            <a:lvl4pPr marL="1600200" indent="-228600" algn="l" defTabSz="914400" rtl="0" eaLnBrk="1" latinLnBrk="0" hangingPunct="1">
-              <a:lnSpc>
-                <a:spcPct val="90000"/>
-              </a:lnSpc>
-              <a:spcBef>
-                <a:spcPts val="500"/>
-              </a:spcBef>
-              <a:buFont typeface="Arial" panose="020B0604020202020204" pitchFamily="34" charset="0"/>
-              <a:buChar char="•"/>
-              <a:defRPr sz="1800" kern="1200">
-                <a:solidFill>
-                  <a:schemeClr val="tx1"/>
-                </a:solidFill>
-                <a:latin typeface="+mn-lt"/>
-                <a:ea typeface="+mn-ea"/>
-                <a:cs typeface="+mn-cs"/>
-              </a:defRPr>
-            </a:lvl4pPr>
-            <a:lvl5pPr marL="2057400" indent="-228600" algn="l" defTabSz="914400" rtl="0" eaLnBrk="1" latinLnBrk="0" hangingPunct="1">
-              <a:lnSpc>
-                <a:spcPct val="90000"/>
-              </a:lnSpc>
-              <a:spcBef>
-                <a:spcPts val="500"/>
-              </a:spcBef>
-              <a:buFont typeface="Arial" panose="020B0604020202020204" pitchFamily="34" charset="0"/>
-              <a:buChar char="•"/>
-              <a:defRPr sz="1800" kern="1200">
-                <a:solidFill>
-                  <a:schemeClr val="tx1"/>
-                </a:solidFill>
-                <a:latin typeface="+mn-lt"/>
-                <a:ea typeface="+mn-ea"/>
-                <a:cs typeface="+mn-cs"/>
-              </a:defRPr>
-            </a:lvl5pPr>
-            <a:lvl6pPr marL="2514600" indent="-228600" algn="l" defTabSz="914400" rtl="0" eaLnBrk="1" latinLnBrk="0" hangingPunct="1">
-              <a:lnSpc>
-                <a:spcPct val="90000"/>
-              </a:lnSpc>
-              <a:spcBef>
-                <a:spcPts val="500"/>
-              </a:spcBef>
-              <a:buFont typeface="Arial" panose="020B0604020202020204" pitchFamily="34" charset="0"/>
-              <a:buChar char="•"/>
-              <a:defRPr sz="1800" kern="1200">
-                <a:solidFill>
-                  <a:schemeClr val="tx1"/>
-                </a:solidFill>
-                <a:latin typeface="+mn-lt"/>
-                <a:ea typeface="+mn-ea"/>
-                <a:cs typeface="+mn-cs"/>
-              </a:defRPr>
-            </a:lvl6pPr>
-            <a:lvl7pPr marL="2971800" indent="-228600" algn="l" defTabSz="914400" rtl="0" eaLnBrk="1" latinLnBrk="0" hangingPunct="1">
-              <a:lnSpc>
-                <a:spcPct val="90000"/>
-              </a:lnSpc>
-              <a:spcBef>
-                <a:spcPts val="500"/>
-              </a:spcBef>
-              <a:buFont typeface="Arial" panose="020B0604020202020204" pitchFamily="34" charset="0"/>
-              <a:buChar char="•"/>
-              <a:defRPr sz="1800" kern="1200">
-                <a:solidFill>
-                  <a:schemeClr val="tx1"/>
-                </a:solidFill>
-                <a:latin typeface="+mn-lt"/>
-                <a:ea typeface="+mn-ea"/>
-                <a:cs typeface="+mn-cs"/>
-              </a:defRPr>
-            </a:lvl7pPr>
-            <a:lvl8pPr marL="3429000" indent="-228600" algn="l" defTabSz="914400" rtl="0" eaLnBrk="1" latinLnBrk="0" hangingPunct="1">
-              <a:lnSpc>
-                <a:spcPct val="90000"/>
-              </a:lnSpc>
-              <a:spcBef>
-                <a:spcPts val="500"/>
-              </a:spcBef>
-              <a:buFont typeface="Arial" panose="020B0604020202020204" pitchFamily="34" charset="0"/>
-              <a:buChar char="•"/>
-              <a:defRPr sz="1800" kern="1200">
-                <a:solidFill>
-                  <a:schemeClr val="tx1"/>
-                </a:solidFill>
-                <a:latin typeface="+mn-lt"/>
-                <a:ea typeface="+mn-ea"/>
-                <a:cs typeface="+mn-cs"/>
-              </a:defRPr>
-            </a:lvl8pPr>
-            <a:lvl9pPr marL="3886200" indent="-228600" algn="l" defTabSz="914400" rtl="0" eaLnBrk="1" latinLnBrk="0" hangingPunct="1">
-              <a:lnSpc>
-                <a:spcPct val="90000"/>
-              </a:lnSpc>
-              <a:spcBef>
-                <a:spcPts val="500"/>
-              </a:spcBef>
-              <a:buFont typeface="Arial" panose="020B0604020202020204" pitchFamily="34" charset="0"/>
-              <a:buChar char="•"/>
-              <a:defRPr sz="1800" kern="1200">
-                <a:solidFill>
-                  <a:schemeClr val="tx1"/>
-                </a:solidFill>
-                <a:latin typeface="+mn-lt"/>
-                <a:ea typeface="+mn-ea"/>
-                <a:cs typeface="+mn-cs"/>
-              </a:defRPr>
-            </a:lvl9pPr>
-          </a:lstStyle>
-          <a:p>
-            <a:pPr marL="0" indent="0" algn="ctr">
-              <a:buNone/>
-            </a:pPr>
-            <a:r>
-              <a:rPr lang="es-ES" sz="1100" dirty="0"/>
-              <a:t>Eduardo Martín-Sonseca Alonso</a:t>
-            </a:r>
-          </a:p>
-          <a:p>
-            <a:pPr marL="0" indent="0" algn="ctr">
-              <a:buNone/>
-            </a:pPr>
-            <a:r>
-              <a:rPr lang="es-ES" sz="1100" dirty="0"/>
-              <a:t>Noel Prieto Pardo</a:t>
-            </a:r>
-          </a:p>
-          <a:p>
-            <a:pPr marL="0" indent="0" algn="ctr">
-              <a:buNone/>
-            </a:pPr>
-            <a:r>
-              <a:rPr lang="es-ES" sz="1100" dirty="0"/>
-              <a:t>Mario Ortuñez Sanz</a:t>
-            </a:r>
-          </a:p>
-          <a:p>
-            <a:pPr marL="0" indent="0" algn="ctr">
-              <a:buNone/>
-            </a:pPr>
-            <a:r>
-              <a:rPr lang="es-ES" sz="1100" b="1" dirty="0"/>
-              <a:t>1º Desarrollo de Aplicaciones Multiplataforma</a:t>
-            </a:r>
-          </a:p>
-        </p:txBody>
-      </p:sp>
     </p:spTree>
     <p:extLst>
       <p:ext uri="{BB962C8B-B14F-4D97-AF65-F5344CB8AC3E}">
@@ -17436,166 +11885,6 @@
   <p:clrMapOvr>
     <a:masterClrMapping/>
   </p:clrMapOvr>
-  <p:timing>
-    <p:tnLst>
-      <p:par>
-        <p:cTn id="1" dur="indefinite" restart="never" nodeType="tmRoot">
-          <p:childTnLst>
-            <p:seq concurrent="1" nextAc="seek">
-              <p:cTn id="2" dur="indefinite" nodeType="mainSeq">
-                <p:childTnLst>
-                  <p:par>
-                    <p:cTn id="3" fill="hold">
-                      <p:stCondLst>
-                        <p:cond delay="indefinite"/>
-                        <p:cond evt="onBegin" delay="0">
-                          <p:tn val="2"/>
-                        </p:cond>
-                      </p:stCondLst>
-                      <p:childTnLst>
-                        <p:par>
-                          <p:cTn id="4" fill="hold">
-                            <p:stCondLst>
-                              <p:cond delay="0"/>
-                            </p:stCondLst>
-                            <p:childTnLst>
-                              <p:par>
-                                <p:cTn id="5" presetID="22" presetClass="entr" presetSubtype="4" fill="hold" grpId="0" nodeType="withEffect">
-                                  <p:stCondLst>
-                                    <p:cond delay="0"/>
-                                  </p:stCondLst>
-                                  <p:childTnLst>
-                                    <p:set>
-                                      <p:cBhvr>
-                                        <p:cTn id="6" dur="1" fill="hold">
-                                          <p:stCondLst>
-                                            <p:cond delay="0"/>
-                                          </p:stCondLst>
-                                        </p:cTn>
-                                        <p:tgtEl>
-                                          <p:spTgt spid="2"/>
-                                        </p:tgtEl>
-                                        <p:attrNameLst>
-                                          <p:attrName>style.visibility</p:attrName>
-                                        </p:attrNameLst>
-                                      </p:cBhvr>
-                                      <p:to>
-                                        <p:strVal val="visible"/>
-                                      </p:to>
-                                    </p:set>
-                                    <p:animEffect transition="in" filter="wipe(down)">
-                                      <p:cBhvr>
-                                        <p:cTn id="7" dur="500"/>
-                                        <p:tgtEl>
-                                          <p:spTgt spid="2"/>
-                                        </p:tgtEl>
-                                      </p:cBhvr>
-                                    </p:animEffect>
-                                  </p:childTnLst>
-                                </p:cTn>
-                              </p:par>
-                              <p:par>
-                                <p:cTn id="8" presetID="6" presetClass="entr" presetSubtype="16" fill="hold" nodeType="withEffect">
-                                  <p:stCondLst>
-                                    <p:cond delay="0"/>
-                                  </p:stCondLst>
-                                  <p:childTnLst>
-                                    <p:set>
-                                      <p:cBhvr>
-                                        <p:cTn id="9" dur="1" fill="hold">
-                                          <p:stCondLst>
-                                            <p:cond delay="0"/>
-                                          </p:stCondLst>
-                                        </p:cTn>
-                                        <p:tgtEl>
-                                          <p:spTgt spid="3"/>
-                                        </p:tgtEl>
-                                        <p:attrNameLst>
-                                          <p:attrName>style.visibility</p:attrName>
-                                        </p:attrNameLst>
-                                      </p:cBhvr>
-                                      <p:to>
-                                        <p:strVal val="visible"/>
-                                      </p:to>
-                                    </p:set>
-                                    <p:animEffect transition="in" filter="circle(in)">
-                                      <p:cBhvr>
-                                        <p:cTn id="10" dur="750"/>
-                                        <p:tgtEl>
-                                          <p:spTgt spid="3"/>
-                                        </p:tgtEl>
-                                      </p:cBhvr>
-                                    </p:animEffect>
-                                  </p:childTnLst>
-                                </p:cTn>
-                              </p:par>
-                              <p:par>
-                                <p:cTn id="11" presetID="10" presetClass="entr" presetSubtype="0" fill="hold" grpId="0" nodeType="withEffect">
-                                  <p:stCondLst>
-                                    <p:cond delay="0"/>
-                                  </p:stCondLst>
-                                  <p:childTnLst>
-                                    <p:set>
-                                      <p:cBhvr>
-                                        <p:cTn id="12" dur="1" fill="hold">
-                                          <p:stCondLst>
-                                            <p:cond delay="0"/>
-                                          </p:stCondLst>
-                                        </p:cTn>
-                                        <p:tgtEl>
-                                          <p:spTgt spid="5"/>
-                                        </p:tgtEl>
-                                        <p:attrNameLst>
-                                          <p:attrName>style.visibility</p:attrName>
-                                        </p:attrNameLst>
-                                      </p:cBhvr>
-                                      <p:to>
-                                        <p:strVal val="visible"/>
-                                      </p:to>
-                                    </p:set>
-                                    <p:animEffect transition="in" filter="fade">
-                                      <p:cBhvr>
-                                        <p:cTn id="13" dur="500"/>
-                                        <p:tgtEl>
-                                          <p:spTgt spid="5"/>
-                                        </p:tgtEl>
-                                      </p:cBhvr>
-                                    </p:animEffect>
-                                  </p:childTnLst>
-                                </p:cTn>
-                              </p:par>
-                            </p:childTnLst>
-                          </p:cTn>
-                        </p:par>
-                      </p:childTnLst>
-                    </p:cTn>
-                  </p:par>
-                </p:childTnLst>
-              </p:cTn>
-              <p:prevCondLst>
-                <p:cond evt="onPrev" delay="0">
-                  <p:tgtEl>
-                    <p:sldTgt/>
-                  </p:tgtEl>
-                </p:cond>
-              </p:prevCondLst>
-              <p:nextCondLst>
-                <p:cond evt="onNext" delay="0">
-                  <p:tgtEl>
-                    <p:sldTgt/>
-                  </p:tgtEl>
-                </p:cond>
-              </p:nextCondLst>
-            </p:seq>
-          </p:childTnLst>
-        </p:cTn>
-      </p:par>
-    </p:tnLst>
-    <p:bldLst>
-      <p:bldP spid="2" grpId="0" animBg="1"/>
-      <p:bldP spid="5" grpId="0"/>
-    </p:bldLst>
-  </p:timing>
 </p:sld>
 </file>
 
